--- a/docs/AS4 PEPPOL images.pptx
+++ b/docs/AS4 PEPPOL images.pptx
@@ -8,6 +8,12 @@
     <p:sldId id="256" r:id="rId2"/>
     <p:sldId id="257" r:id="rId3"/>
     <p:sldId id="258" r:id="rId4"/>
+    <p:sldId id="259" r:id="rId5"/>
+    <p:sldId id="260" r:id="rId6"/>
+    <p:sldId id="261" r:id="rId7"/>
+    <p:sldId id="262" r:id="rId8"/>
+    <p:sldId id="263" r:id="rId9"/>
+    <p:sldId id="264" r:id="rId10"/>
   </p:sldIdLst>
   <p:sldSz cx="9144000" cy="6858000" type="screen4x3"/>
   <p:notesSz cx="6858000" cy="9144000"/>
@@ -290,7 +296,8 @@
           <a:p>
             <a:fld id="{10CFD44E-5975-4AC9-9C1D-CD371CB5D6EF}" type="datetimeFigureOut">
               <a:rPr lang="de-AT" smtClean="0"/>
-              <a:t>20.03.2017</a:t>
+              <a:pPr/>
+              <a:t>21.03.2017</a:t>
             </a:fld>
             <a:endParaRPr lang="de-AT"/>
           </a:p>
@@ -332,6 +339,7 @@
           <a:p>
             <a:fld id="{229D36A1-2CE7-4DF4-9C82-CDF3E1A5C54F}" type="slidenum">
               <a:rPr lang="de-AT" smtClean="0"/>
+              <a:pPr/>
               <a:t>‹Nr.›</a:t>
             </a:fld>
             <a:endParaRPr lang="de-AT"/>
@@ -455,7 +463,8 @@
           <a:p>
             <a:fld id="{10CFD44E-5975-4AC9-9C1D-CD371CB5D6EF}" type="datetimeFigureOut">
               <a:rPr lang="de-AT" smtClean="0"/>
-              <a:t>20.03.2017</a:t>
+              <a:pPr/>
+              <a:t>21.03.2017</a:t>
             </a:fld>
             <a:endParaRPr lang="de-AT"/>
           </a:p>
@@ -497,6 +506,7 @@
           <a:p>
             <a:fld id="{229D36A1-2CE7-4DF4-9C82-CDF3E1A5C54F}" type="slidenum">
               <a:rPr lang="de-AT" smtClean="0"/>
+              <a:pPr/>
               <a:t>‹Nr.›</a:t>
             </a:fld>
             <a:endParaRPr lang="de-AT"/>
@@ -630,7 +640,8 @@
           <a:p>
             <a:fld id="{10CFD44E-5975-4AC9-9C1D-CD371CB5D6EF}" type="datetimeFigureOut">
               <a:rPr lang="de-AT" smtClean="0"/>
-              <a:t>20.03.2017</a:t>
+              <a:pPr/>
+              <a:t>21.03.2017</a:t>
             </a:fld>
             <a:endParaRPr lang="de-AT"/>
           </a:p>
@@ -672,6 +683,7 @@
           <a:p>
             <a:fld id="{229D36A1-2CE7-4DF4-9C82-CDF3E1A5C54F}" type="slidenum">
               <a:rPr lang="de-AT" smtClean="0"/>
+              <a:pPr/>
               <a:t>‹Nr.›</a:t>
             </a:fld>
             <a:endParaRPr lang="de-AT"/>
@@ -795,7 +807,8 @@
           <a:p>
             <a:fld id="{10CFD44E-5975-4AC9-9C1D-CD371CB5D6EF}" type="datetimeFigureOut">
               <a:rPr lang="de-AT" smtClean="0"/>
-              <a:t>20.03.2017</a:t>
+              <a:pPr/>
+              <a:t>21.03.2017</a:t>
             </a:fld>
             <a:endParaRPr lang="de-AT"/>
           </a:p>
@@ -837,6 +850,7 @@
           <a:p>
             <a:fld id="{229D36A1-2CE7-4DF4-9C82-CDF3E1A5C54F}" type="slidenum">
               <a:rPr lang="de-AT" smtClean="0"/>
+              <a:pPr/>
               <a:t>‹Nr.›</a:t>
             </a:fld>
             <a:endParaRPr lang="de-AT"/>
@@ -1036,7 +1050,8 @@
           <a:p>
             <a:fld id="{10CFD44E-5975-4AC9-9C1D-CD371CB5D6EF}" type="datetimeFigureOut">
               <a:rPr lang="de-AT" smtClean="0"/>
-              <a:t>20.03.2017</a:t>
+              <a:pPr/>
+              <a:t>21.03.2017</a:t>
             </a:fld>
             <a:endParaRPr lang="de-AT"/>
           </a:p>
@@ -1078,6 +1093,7 @@
           <a:p>
             <a:fld id="{229D36A1-2CE7-4DF4-9C82-CDF3E1A5C54F}" type="slidenum">
               <a:rPr lang="de-AT" smtClean="0"/>
+              <a:pPr/>
               <a:t>‹Nr.›</a:t>
             </a:fld>
             <a:endParaRPr lang="de-AT"/>
@@ -1319,7 +1335,8 @@
           <a:p>
             <a:fld id="{10CFD44E-5975-4AC9-9C1D-CD371CB5D6EF}" type="datetimeFigureOut">
               <a:rPr lang="de-AT" smtClean="0"/>
-              <a:t>20.03.2017</a:t>
+              <a:pPr/>
+              <a:t>21.03.2017</a:t>
             </a:fld>
             <a:endParaRPr lang="de-AT"/>
           </a:p>
@@ -1361,6 +1378,7 @@
           <a:p>
             <a:fld id="{229D36A1-2CE7-4DF4-9C82-CDF3E1A5C54F}" type="slidenum">
               <a:rPr lang="de-AT" smtClean="0"/>
+              <a:pPr/>
               <a:t>‹Nr.›</a:t>
             </a:fld>
             <a:endParaRPr lang="de-AT"/>
@@ -1736,7 +1754,8 @@
           <a:p>
             <a:fld id="{10CFD44E-5975-4AC9-9C1D-CD371CB5D6EF}" type="datetimeFigureOut">
               <a:rPr lang="de-AT" smtClean="0"/>
-              <a:t>20.03.2017</a:t>
+              <a:pPr/>
+              <a:t>21.03.2017</a:t>
             </a:fld>
             <a:endParaRPr lang="de-AT"/>
           </a:p>
@@ -1778,6 +1797,7 @@
           <a:p>
             <a:fld id="{229D36A1-2CE7-4DF4-9C82-CDF3E1A5C54F}" type="slidenum">
               <a:rPr lang="de-AT" smtClean="0"/>
+              <a:pPr/>
               <a:t>‹Nr.›</a:t>
             </a:fld>
             <a:endParaRPr lang="de-AT"/>
@@ -1849,7 +1869,8 @@
           <a:p>
             <a:fld id="{10CFD44E-5975-4AC9-9C1D-CD371CB5D6EF}" type="datetimeFigureOut">
               <a:rPr lang="de-AT" smtClean="0"/>
-              <a:t>20.03.2017</a:t>
+              <a:pPr/>
+              <a:t>21.03.2017</a:t>
             </a:fld>
             <a:endParaRPr lang="de-AT"/>
           </a:p>
@@ -1891,6 +1912,7 @@
           <a:p>
             <a:fld id="{229D36A1-2CE7-4DF4-9C82-CDF3E1A5C54F}" type="slidenum">
               <a:rPr lang="de-AT" smtClean="0"/>
+              <a:pPr/>
               <a:t>‹Nr.›</a:t>
             </a:fld>
             <a:endParaRPr lang="de-AT"/>
@@ -1939,7 +1961,8 @@
           <a:p>
             <a:fld id="{10CFD44E-5975-4AC9-9C1D-CD371CB5D6EF}" type="datetimeFigureOut">
               <a:rPr lang="de-AT" smtClean="0"/>
-              <a:t>20.03.2017</a:t>
+              <a:pPr/>
+              <a:t>21.03.2017</a:t>
             </a:fld>
             <a:endParaRPr lang="de-AT"/>
           </a:p>
@@ -1981,6 +2004,7 @@
           <a:p>
             <a:fld id="{229D36A1-2CE7-4DF4-9C82-CDF3E1A5C54F}" type="slidenum">
               <a:rPr lang="de-AT" smtClean="0"/>
+              <a:pPr/>
               <a:t>‹Nr.›</a:t>
             </a:fld>
             <a:endParaRPr lang="de-AT"/>
@@ -2211,7 +2235,8 @@
           <a:p>
             <a:fld id="{10CFD44E-5975-4AC9-9C1D-CD371CB5D6EF}" type="datetimeFigureOut">
               <a:rPr lang="de-AT" smtClean="0"/>
-              <a:t>20.03.2017</a:t>
+              <a:pPr/>
+              <a:t>21.03.2017</a:t>
             </a:fld>
             <a:endParaRPr lang="de-AT"/>
           </a:p>
@@ -2253,6 +2278,7 @@
           <a:p>
             <a:fld id="{229D36A1-2CE7-4DF4-9C82-CDF3E1A5C54F}" type="slidenum">
               <a:rPr lang="de-AT" smtClean="0"/>
+              <a:pPr/>
               <a:t>‹Nr.›</a:t>
             </a:fld>
             <a:endParaRPr lang="de-AT"/>
@@ -2459,7 +2485,8 @@
           <a:p>
             <a:fld id="{10CFD44E-5975-4AC9-9C1D-CD371CB5D6EF}" type="datetimeFigureOut">
               <a:rPr lang="de-AT" smtClean="0"/>
-              <a:t>20.03.2017</a:t>
+              <a:pPr/>
+              <a:t>21.03.2017</a:t>
             </a:fld>
             <a:endParaRPr lang="de-AT"/>
           </a:p>
@@ -2501,6 +2528,7 @@
           <a:p>
             <a:fld id="{229D36A1-2CE7-4DF4-9C82-CDF3E1A5C54F}" type="slidenum">
               <a:rPr lang="de-AT" smtClean="0"/>
+              <a:pPr/>
               <a:t>‹Nr.›</a:t>
             </a:fld>
             <a:endParaRPr lang="de-AT"/>
@@ -2667,7 +2695,8 @@
           <a:p>
             <a:fld id="{10CFD44E-5975-4AC9-9C1D-CD371CB5D6EF}" type="datetimeFigureOut">
               <a:rPr lang="de-AT" smtClean="0"/>
-              <a:t>20.03.2017</a:t>
+              <a:pPr/>
+              <a:t>21.03.2017</a:t>
             </a:fld>
             <a:endParaRPr lang="de-AT"/>
           </a:p>
@@ -2745,6 +2774,7 @@
           <a:p>
             <a:fld id="{229D36A1-2CE7-4DF4-9C82-CDF3E1A5C54F}" type="slidenum">
               <a:rPr lang="de-AT" smtClean="0"/>
+              <a:pPr/>
               <a:t>‹Nr.›</a:t>
             </a:fld>
             <a:endParaRPr lang="de-AT"/>
@@ -3144,11 +3174,7 @@
             <a:pPr algn="ctr"/>
             <a:r>
               <a:rPr lang="en-GB" smtClean="0"/>
-              <a:t>SOAP </a:t>
-            </a:r>
-            <a:r>
-              <a:rPr lang="en-GB" smtClean="0"/>
-              <a:t>Document</a:t>
+              <a:t>SOAP Document</a:t>
             </a:r>
             <a:endParaRPr lang="en-GB"/>
           </a:p>
@@ -3482,7 +3508,7 @@
         <p:spPr>
           <a:xfrm>
             <a:off x="1475656" y="2132856"/>
-            <a:ext cx="3528392" cy="2592288"/>
+            <a:ext cx="3528392" cy="2376264"/>
           </a:xfrm>
           <a:prstGeom prst="rect">
             <a:avLst/>
@@ -3509,11 +3535,7 @@
             <a:pPr algn="ctr"/>
             <a:r>
               <a:rPr lang="en-GB" smtClean="0"/>
-              <a:t>SOAP </a:t>
-            </a:r>
-            <a:r>
-              <a:rPr lang="en-GB" smtClean="0"/>
-              <a:t>Document</a:t>
+              <a:t>SOAP Document</a:t>
             </a:r>
             <a:endParaRPr lang="en-GB"/>
           </a:p>
@@ -3528,7 +3550,7 @@
         <p:spPr>
           <a:xfrm>
             <a:off x="1763688" y="2636912"/>
-            <a:ext cx="3024336" cy="1080120"/>
+            <a:ext cx="3024336" cy="936104"/>
           </a:xfrm>
           <a:prstGeom prst="rect">
             <a:avLst/>
@@ -3569,7 +3591,7 @@
         </p:nvSpPr>
         <p:spPr>
           <a:xfrm>
-            <a:off x="1763688" y="3933056"/>
+            <a:off x="1763688" y="3717032"/>
             <a:ext cx="3024336" cy="576064"/>
           </a:xfrm>
           <a:prstGeom prst="rect">
@@ -3604,7 +3626,11 @@
             <a:pPr algn="ctr"/>
             <a:r>
               <a:rPr lang="en-GB" sz="1400" i="1" dirty="0" smtClean="0"/>
-              <a:t>must be empty</a:t>
+              <a:t>may be empty </a:t>
+            </a:r>
+            <a:r>
+              <a:rPr lang="en-GB" sz="1400" i="1" smtClean="0"/>
+              <a:t>or contain SBDH/UBL</a:t>
             </a:r>
             <a:endParaRPr lang="en-GB" sz="1400" i="1" dirty="0"/>
           </a:p>
@@ -3619,7 +3645,7 @@
         <p:spPr>
           <a:xfrm>
             <a:off x="2051720" y="3068960"/>
-            <a:ext cx="2448272" cy="432048"/>
+            <a:ext cx="2448272" cy="360040"/>
           </a:xfrm>
           <a:prstGeom prst="rect">
             <a:avLst/>
@@ -3660,8 +3686,8 @@
         </p:nvSpPr>
         <p:spPr>
           <a:xfrm>
-            <a:off x="1475656" y="4941168"/>
-            <a:ext cx="3528392" cy="432048"/>
+            <a:off x="1475656" y="4725144"/>
+            <a:ext cx="3528392" cy="648072"/>
           </a:xfrm>
           <a:prstGeom prst="rect">
             <a:avLst/>
@@ -3690,7 +3716,14 @@
               <a:rPr lang="en-GB" dirty="0" smtClean="0"/>
               <a:t>SBDH/UBL document</a:t>
             </a:r>
-            <a:endParaRPr lang="en-GB" dirty="0"/>
+            <a:br>
+              <a:rPr lang="en-GB" dirty="0" smtClean="0"/>
+            </a:br>
+            <a:r>
+              <a:rPr lang="en-GB" sz="1600" i="1" dirty="0" smtClean="0"/>
+              <a:t>(if not in SOAP Body)</a:t>
+            </a:r>
+            <a:endParaRPr lang="en-GB" sz="1600" i="1" dirty="0"/>
           </a:p>
         </p:txBody>
       </p:sp>
@@ -3737,6 +3770,2562 @@
               <a:t>0..n</a:t>
             </a:r>
             <a:endParaRPr lang="en-GB" i="1" dirty="0"/>
+          </a:p>
+        </p:txBody>
+      </p:sp>
+    </p:spTree>
+  </p:cSld>
+  <p:clrMapOvr>
+    <a:masterClrMapping/>
+  </p:clrMapOvr>
+</p:sld>
+</file>
+
+<file path=ppt/slides/slide4.xml><?xml version="1.0" encoding="utf-8"?>
+<p:sld xmlns:a="http://schemas.openxmlformats.org/drawingml/2006/main" xmlns:r="http://schemas.openxmlformats.org/officeDocument/2006/relationships" xmlns:p="http://schemas.openxmlformats.org/presentationml/2006/main">
+  <p:cSld>
+    <p:spTree>
+      <p:nvGrpSpPr>
+        <p:cNvPr id="1" name=""/>
+        <p:cNvGrpSpPr/>
+        <p:nvPr/>
+      </p:nvGrpSpPr>
+      <p:grpSpPr>
+        <a:xfrm>
+          <a:off x="0" y="0"/>
+          <a:ext cx="0" cy="0"/>
+          <a:chOff x="0" y="0"/>
+          <a:chExt cx="0" cy="0"/>
+        </a:xfrm>
+      </p:grpSpPr>
+      <p:sp>
+        <p:nvSpPr>
+          <p:cNvPr id="2" name="Titel 1"/>
+          <p:cNvSpPr>
+            <a:spLocks noGrp="1"/>
+          </p:cNvSpPr>
+          <p:nvPr>
+            <p:ph type="title"/>
+          </p:nvPr>
+        </p:nvSpPr>
+        <p:spPr/>
+        <p:txBody>
+          <a:bodyPr/>
+          <a:lstStyle/>
+          <a:p>
+            <a:r>
+              <a:rPr lang="en-GB" dirty="0" smtClean="0"/>
+              <a:t>Message Exchange - push</a:t>
+            </a:r>
+            <a:endParaRPr lang="en-GB" dirty="0"/>
+          </a:p>
+        </p:txBody>
+      </p:sp>
+      <p:sp>
+        <p:nvSpPr>
+          <p:cNvPr id="3" name="Rechteck 2"/>
+          <p:cNvSpPr/>
+          <p:nvPr/>
+        </p:nvSpPr>
+        <p:spPr>
+          <a:xfrm>
+            <a:off x="2051720" y="2492896"/>
+            <a:ext cx="1296144" cy="432048"/>
+          </a:xfrm>
+          <a:prstGeom prst="rect">
+            <a:avLst/>
+          </a:prstGeom>
+        </p:spPr>
+        <p:style>
+          <a:lnRef idx="2">
+            <a:schemeClr val="accent1">
+              <a:shade val="50000"/>
+            </a:schemeClr>
+          </a:lnRef>
+          <a:fillRef idx="1">
+            <a:schemeClr val="accent1"/>
+          </a:fillRef>
+          <a:effectRef idx="0">
+            <a:schemeClr val="accent1"/>
+          </a:effectRef>
+          <a:fontRef idx="minor">
+            <a:schemeClr val="lt1"/>
+          </a:fontRef>
+        </p:style>
+        <p:txBody>
+          <a:bodyPr rtlCol="0" anchor="ctr"/>
+          <a:lstStyle/>
+          <a:p>
+            <a:pPr algn="ctr"/>
+            <a:r>
+              <a:rPr lang="en-GB" dirty="0" smtClean="0">
+                <a:solidFill>
+                  <a:prstClr val="white"/>
+                </a:solidFill>
+              </a:rPr>
+              <a:t>C2</a:t>
+            </a:r>
+            <a:endParaRPr lang="en-GB" dirty="0">
+              <a:solidFill>
+                <a:prstClr val="white"/>
+              </a:solidFill>
+            </a:endParaRPr>
+          </a:p>
+        </p:txBody>
+      </p:sp>
+      <p:sp>
+        <p:nvSpPr>
+          <p:cNvPr id="4" name="Rechteck 3"/>
+          <p:cNvSpPr/>
+          <p:nvPr/>
+        </p:nvSpPr>
+        <p:spPr>
+          <a:xfrm>
+            <a:off x="5364088" y="2492896"/>
+            <a:ext cx="1296144" cy="432048"/>
+          </a:xfrm>
+          <a:prstGeom prst="rect">
+            <a:avLst/>
+          </a:prstGeom>
+        </p:spPr>
+        <p:style>
+          <a:lnRef idx="2">
+            <a:schemeClr val="accent1">
+              <a:shade val="50000"/>
+            </a:schemeClr>
+          </a:lnRef>
+          <a:fillRef idx="1">
+            <a:schemeClr val="accent1"/>
+          </a:fillRef>
+          <a:effectRef idx="0">
+            <a:schemeClr val="accent1"/>
+          </a:effectRef>
+          <a:fontRef idx="minor">
+            <a:schemeClr val="lt1"/>
+          </a:fontRef>
+        </p:style>
+        <p:txBody>
+          <a:bodyPr rtlCol="0" anchor="ctr"/>
+          <a:lstStyle/>
+          <a:p>
+            <a:pPr algn="ctr"/>
+            <a:r>
+              <a:rPr lang="en-GB" dirty="0" smtClean="0">
+                <a:solidFill>
+                  <a:prstClr val="white"/>
+                </a:solidFill>
+              </a:rPr>
+              <a:t>C3</a:t>
+            </a:r>
+            <a:endParaRPr lang="en-GB" dirty="0">
+              <a:solidFill>
+                <a:prstClr val="white"/>
+              </a:solidFill>
+            </a:endParaRPr>
+          </a:p>
+        </p:txBody>
+      </p:sp>
+      <p:cxnSp>
+        <p:nvCxnSpPr>
+          <p:cNvPr id="5" name="Gerade Verbindung 4"/>
+          <p:cNvCxnSpPr/>
+          <p:nvPr/>
+        </p:nvCxnSpPr>
+        <p:spPr>
+          <a:xfrm>
+            <a:off x="6012160" y="2996952"/>
+            <a:ext cx="0" cy="1368152"/>
+          </a:xfrm>
+          <a:prstGeom prst="line">
+            <a:avLst/>
+          </a:prstGeom>
+        </p:spPr>
+        <p:style>
+          <a:lnRef idx="1">
+            <a:schemeClr val="accent1"/>
+          </a:lnRef>
+          <a:fillRef idx="0">
+            <a:schemeClr val="accent1"/>
+          </a:fillRef>
+          <a:effectRef idx="0">
+            <a:schemeClr val="accent1"/>
+          </a:effectRef>
+          <a:fontRef idx="minor">
+            <a:schemeClr val="tx1"/>
+          </a:fontRef>
+        </p:style>
+      </p:cxnSp>
+      <p:cxnSp>
+        <p:nvCxnSpPr>
+          <p:cNvPr id="6" name="Gerade Verbindung mit Pfeil 5"/>
+          <p:cNvCxnSpPr/>
+          <p:nvPr/>
+        </p:nvCxnSpPr>
+        <p:spPr>
+          <a:xfrm>
+            <a:off x="2699792" y="3356992"/>
+            <a:ext cx="3312368" cy="0"/>
+          </a:xfrm>
+          <a:prstGeom prst="straightConnector1">
+            <a:avLst/>
+          </a:prstGeom>
+          <a:ln>
+            <a:tailEnd type="arrow"/>
+          </a:ln>
+        </p:spPr>
+        <p:style>
+          <a:lnRef idx="1">
+            <a:schemeClr val="accent1"/>
+          </a:lnRef>
+          <a:fillRef idx="0">
+            <a:schemeClr val="accent1"/>
+          </a:fillRef>
+          <a:effectRef idx="0">
+            <a:schemeClr val="accent1"/>
+          </a:effectRef>
+          <a:fontRef idx="minor">
+            <a:schemeClr val="tx1"/>
+          </a:fontRef>
+        </p:style>
+      </p:cxnSp>
+      <p:sp>
+        <p:nvSpPr>
+          <p:cNvPr id="7" name="Textfeld 6"/>
+          <p:cNvSpPr txBox="1"/>
+          <p:nvPr/>
+        </p:nvSpPr>
+        <p:spPr>
+          <a:xfrm>
+            <a:off x="3635896" y="3068960"/>
+            <a:ext cx="1495602" cy="369332"/>
+          </a:xfrm>
+          <a:prstGeom prst="rect">
+            <a:avLst/>
+          </a:prstGeom>
+          <a:noFill/>
+        </p:spPr>
+        <p:txBody>
+          <a:bodyPr wrap="none" rtlCol="0">
+            <a:spAutoFit/>
+          </a:bodyPr>
+          <a:lstStyle/>
+          <a:p>
+            <a:r>
+              <a:rPr lang="en-GB" dirty="0" smtClean="0">
+                <a:solidFill>
+                  <a:prstClr val="black"/>
+                </a:solidFill>
+              </a:rPr>
+              <a:t>User Message</a:t>
+            </a:r>
+            <a:endParaRPr lang="en-GB" dirty="0">
+              <a:solidFill>
+                <a:prstClr val="black"/>
+              </a:solidFill>
+            </a:endParaRPr>
+          </a:p>
+        </p:txBody>
+      </p:sp>
+      <p:cxnSp>
+        <p:nvCxnSpPr>
+          <p:cNvPr id="11" name="Gerade Verbindung mit Pfeil 10"/>
+          <p:cNvCxnSpPr/>
+          <p:nvPr/>
+        </p:nvCxnSpPr>
+        <p:spPr>
+          <a:xfrm flipH="1">
+            <a:off x="2699792" y="3789040"/>
+            <a:ext cx="3312368" cy="0"/>
+          </a:xfrm>
+          <a:prstGeom prst="straightConnector1">
+            <a:avLst/>
+          </a:prstGeom>
+          <a:ln>
+            <a:tailEnd type="arrow"/>
+          </a:ln>
+        </p:spPr>
+        <p:style>
+          <a:lnRef idx="1">
+            <a:schemeClr val="accent1"/>
+          </a:lnRef>
+          <a:fillRef idx="0">
+            <a:schemeClr val="accent1"/>
+          </a:fillRef>
+          <a:effectRef idx="0">
+            <a:schemeClr val="accent1"/>
+          </a:effectRef>
+          <a:fontRef idx="minor">
+            <a:schemeClr val="tx1"/>
+          </a:fontRef>
+        </p:style>
+      </p:cxnSp>
+      <p:sp>
+        <p:nvSpPr>
+          <p:cNvPr id="12" name="Textfeld 11"/>
+          <p:cNvSpPr txBox="1"/>
+          <p:nvPr/>
+        </p:nvSpPr>
+        <p:spPr>
+          <a:xfrm>
+            <a:off x="3563888" y="3501008"/>
+            <a:ext cx="1615827" cy="369332"/>
+          </a:xfrm>
+          <a:prstGeom prst="rect">
+            <a:avLst/>
+          </a:prstGeom>
+          <a:noFill/>
+        </p:spPr>
+        <p:txBody>
+          <a:bodyPr wrap="none" rtlCol="0">
+            <a:spAutoFit/>
+          </a:bodyPr>
+          <a:lstStyle/>
+          <a:p>
+            <a:r>
+              <a:rPr lang="en-GB" dirty="0" smtClean="0">
+                <a:solidFill>
+                  <a:prstClr val="black"/>
+                </a:solidFill>
+              </a:rPr>
+              <a:t>Signal Message</a:t>
+            </a:r>
+            <a:endParaRPr lang="en-GB" dirty="0">
+              <a:solidFill>
+                <a:prstClr val="black"/>
+              </a:solidFill>
+            </a:endParaRPr>
+          </a:p>
+        </p:txBody>
+      </p:sp>
+      <p:cxnSp>
+        <p:nvCxnSpPr>
+          <p:cNvPr id="13" name="Gerade Verbindung 12"/>
+          <p:cNvCxnSpPr/>
+          <p:nvPr/>
+        </p:nvCxnSpPr>
+        <p:spPr>
+          <a:xfrm>
+            <a:off x="2699792" y="2996952"/>
+            <a:ext cx="0" cy="1368152"/>
+          </a:xfrm>
+          <a:prstGeom prst="line">
+            <a:avLst/>
+          </a:prstGeom>
+        </p:spPr>
+        <p:style>
+          <a:lnRef idx="1">
+            <a:schemeClr val="accent1"/>
+          </a:lnRef>
+          <a:fillRef idx="0">
+            <a:schemeClr val="accent1"/>
+          </a:fillRef>
+          <a:effectRef idx="0">
+            <a:schemeClr val="accent1"/>
+          </a:effectRef>
+          <a:fontRef idx="minor">
+            <a:schemeClr val="tx1"/>
+          </a:fontRef>
+        </p:style>
+      </p:cxnSp>
+    </p:spTree>
+  </p:cSld>
+  <p:clrMapOvr>
+    <a:masterClrMapping/>
+  </p:clrMapOvr>
+</p:sld>
+</file>
+
+<file path=ppt/slides/slide5.xml><?xml version="1.0" encoding="utf-8"?>
+<p:sld xmlns:a="http://schemas.openxmlformats.org/drawingml/2006/main" xmlns:r="http://schemas.openxmlformats.org/officeDocument/2006/relationships" xmlns:p="http://schemas.openxmlformats.org/presentationml/2006/main">
+  <p:cSld>
+    <p:spTree>
+      <p:nvGrpSpPr>
+        <p:cNvPr id="1" name=""/>
+        <p:cNvGrpSpPr/>
+        <p:nvPr/>
+      </p:nvGrpSpPr>
+      <p:grpSpPr>
+        <a:xfrm>
+          <a:off x="0" y="0"/>
+          <a:ext cx="0" cy="0"/>
+          <a:chOff x="0" y="0"/>
+          <a:chExt cx="0" cy="0"/>
+        </a:xfrm>
+      </p:grpSpPr>
+      <p:sp>
+        <p:nvSpPr>
+          <p:cNvPr id="2" name="Titel 1"/>
+          <p:cNvSpPr>
+            <a:spLocks noGrp="1"/>
+          </p:cNvSpPr>
+          <p:nvPr>
+            <p:ph type="title"/>
+          </p:nvPr>
+        </p:nvSpPr>
+        <p:spPr/>
+        <p:txBody>
+          <a:bodyPr/>
+          <a:lstStyle/>
+          <a:p>
+            <a:r>
+              <a:rPr lang="en-GB" dirty="0" smtClean="0"/>
+              <a:t>Message Exchange - pull</a:t>
+            </a:r>
+            <a:endParaRPr lang="en-GB" dirty="0"/>
+          </a:p>
+        </p:txBody>
+      </p:sp>
+      <p:sp>
+        <p:nvSpPr>
+          <p:cNvPr id="3" name="Rechteck 2"/>
+          <p:cNvSpPr/>
+          <p:nvPr/>
+        </p:nvSpPr>
+        <p:spPr>
+          <a:xfrm>
+            <a:off x="2051720" y="2492896"/>
+            <a:ext cx="1296144" cy="432048"/>
+          </a:xfrm>
+          <a:prstGeom prst="rect">
+            <a:avLst/>
+          </a:prstGeom>
+        </p:spPr>
+        <p:style>
+          <a:lnRef idx="2">
+            <a:schemeClr val="accent1">
+              <a:shade val="50000"/>
+            </a:schemeClr>
+          </a:lnRef>
+          <a:fillRef idx="1">
+            <a:schemeClr val="accent1"/>
+          </a:fillRef>
+          <a:effectRef idx="0">
+            <a:schemeClr val="accent1"/>
+          </a:effectRef>
+          <a:fontRef idx="minor">
+            <a:schemeClr val="lt1"/>
+          </a:fontRef>
+        </p:style>
+        <p:txBody>
+          <a:bodyPr rtlCol="0" anchor="ctr"/>
+          <a:lstStyle/>
+          <a:p>
+            <a:pPr algn="ctr"/>
+            <a:r>
+              <a:rPr lang="en-GB" dirty="0" smtClean="0">
+                <a:solidFill>
+                  <a:prstClr val="white"/>
+                </a:solidFill>
+              </a:rPr>
+              <a:t>C2</a:t>
+            </a:r>
+            <a:endParaRPr lang="en-GB" dirty="0">
+              <a:solidFill>
+                <a:prstClr val="white"/>
+              </a:solidFill>
+            </a:endParaRPr>
+          </a:p>
+        </p:txBody>
+      </p:sp>
+      <p:sp>
+        <p:nvSpPr>
+          <p:cNvPr id="4" name="Rechteck 3"/>
+          <p:cNvSpPr/>
+          <p:nvPr/>
+        </p:nvSpPr>
+        <p:spPr>
+          <a:xfrm>
+            <a:off x="5364088" y="2492896"/>
+            <a:ext cx="1296144" cy="432048"/>
+          </a:xfrm>
+          <a:prstGeom prst="rect">
+            <a:avLst/>
+          </a:prstGeom>
+        </p:spPr>
+        <p:style>
+          <a:lnRef idx="2">
+            <a:schemeClr val="accent1">
+              <a:shade val="50000"/>
+            </a:schemeClr>
+          </a:lnRef>
+          <a:fillRef idx="1">
+            <a:schemeClr val="accent1"/>
+          </a:fillRef>
+          <a:effectRef idx="0">
+            <a:schemeClr val="accent1"/>
+          </a:effectRef>
+          <a:fontRef idx="minor">
+            <a:schemeClr val="lt1"/>
+          </a:fontRef>
+        </p:style>
+        <p:txBody>
+          <a:bodyPr rtlCol="0" anchor="ctr"/>
+          <a:lstStyle/>
+          <a:p>
+            <a:pPr algn="ctr"/>
+            <a:r>
+              <a:rPr lang="en-GB" dirty="0" smtClean="0">
+                <a:solidFill>
+                  <a:prstClr val="white"/>
+                </a:solidFill>
+              </a:rPr>
+              <a:t>C3</a:t>
+            </a:r>
+            <a:endParaRPr lang="en-GB" dirty="0">
+              <a:solidFill>
+                <a:prstClr val="white"/>
+              </a:solidFill>
+            </a:endParaRPr>
+          </a:p>
+        </p:txBody>
+      </p:sp>
+      <p:cxnSp>
+        <p:nvCxnSpPr>
+          <p:cNvPr id="5" name="Gerade Verbindung 4"/>
+          <p:cNvCxnSpPr/>
+          <p:nvPr/>
+        </p:nvCxnSpPr>
+        <p:spPr>
+          <a:xfrm>
+            <a:off x="6012160" y="2996952"/>
+            <a:ext cx="0" cy="1368152"/>
+          </a:xfrm>
+          <a:prstGeom prst="line">
+            <a:avLst/>
+          </a:prstGeom>
+        </p:spPr>
+        <p:style>
+          <a:lnRef idx="1">
+            <a:schemeClr val="accent1"/>
+          </a:lnRef>
+          <a:fillRef idx="0">
+            <a:schemeClr val="accent1"/>
+          </a:fillRef>
+          <a:effectRef idx="0">
+            <a:schemeClr val="accent1"/>
+          </a:effectRef>
+          <a:fontRef idx="minor">
+            <a:schemeClr val="tx1"/>
+          </a:fontRef>
+        </p:style>
+      </p:cxnSp>
+      <p:cxnSp>
+        <p:nvCxnSpPr>
+          <p:cNvPr id="6" name="Gerade Verbindung mit Pfeil 5"/>
+          <p:cNvCxnSpPr/>
+          <p:nvPr/>
+        </p:nvCxnSpPr>
+        <p:spPr>
+          <a:xfrm>
+            <a:off x="2699792" y="3356992"/>
+            <a:ext cx="3312368" cy="0"/>
+          </a:xfrm>
+          <a:prstGeom prst="straightConnector1">
+            <a:avLst/>
+          </a:prstGeom>
+          <a:ln>
+            <a:tailEnd type="arrow"/>
+          </a:ln>
+        </p:spPr>
+        <p:style>
+          <a:lnRef idx="1">
+            <a:schemeClr val="accent1"/>
+          </a:lnRef>
+          <a:fillRef idx="0">
+            <a:schemeClr val="accent1"/>
+          </a:fillRef>
+          <a:effectRef idx="0">
+            <a:schemeClr val="accent1"/>
+          </a:effectRef>
+          <a:fontRef idx="minor">
+            <a:schemeClr val="tx1"/>
+          </a:fontRef>
+        </p:style>
+      </p:cxnSp>
+      <p:sp>
+        <p:nvSpPr>
+          <p:cNvPr id="7" name="Textfeld 6"/>
+          <p:cNvSpPr txBox="1"/>
+          <p:nvPr/>
+        </p:nvSpPr>
+        <p:spPr>
+          <a:xfrm>
+            <a:off x="3639967" y="3068960"/>
+            <a:ext cx="1343445" cy="369332"/>
+          </a:xfrm>
+          <a:prstGeom prst="rect">
+            <a:avLst/>
+          </a:prstGeom>
+          <a:noFill/>
+        </p:spPr>
+        <p:txBody>
+          <a:bodyPr wrap="none" rtlCol="0">
+            <a:spAutoFit/>
+          </a:bodyPr>
+          <a:lstStyle/>
+          <a:p>
+            <a:r>
+              <a:rPr lang="en-GB" dirty="0" smtClean="0">
+                <a:solidFill>
+                  <a:prstClr val="black"/>
+                </a:solidFill>
+              </a:rPr>
+              <a:t>Pull Request</a:t>
+            </a:r>
+            <a:endParaRPr lang="en-GB" dirty="0">
+              <a:solidFill>
+                <a:prstClr val="black"/>
+              </a:solidFill>
+            </a:endParaRPr>
+          </a:p>
+        </p:txBody>
+      </p:sp>
+      <p:cxnSp>
+        <p:nvCxnSpPr>
+          <p:cNvPr id="11" name="Gerade Verbindung mit Pfeil 10"/>
+          <p:cNvCxnSpPr/>
+          <p:nvPr/>
+        </p:nvCxnSpPr>
+        <p:spPr>
+          <a:xfrm flipH="1">
+            <a:off x="2699792" y="3789040"/>
+            <a:ext cx="3312368" cy="0"/>
+          </a:xfrm>
+          <a:prstGeom prst="straightConnector1">
+            <a:avLst/>
+          </a:prstGeom>
+          <a:ln>
+            <a:tailEnd type="arrow"/>
+          </a:ln>
+        </p:spPr>
+        <p:style>
+          <a:lnRef idx="1">
+            <a:schemeClr val="accent1"/>
+          </a:lnRef>
+          <a:fillRef idx="0">
+            <a:schemeClr val="accent1"/>
+          </a:fillRef>
+          <a:effectRef idx="0">
+            <a:schemeClr val="accent1"/>
+          </a:effectRef>
+          <a:fontRef idx="minor">
+            <a:schemeClr val="tx1"/>
+          </a:fontRef>
+        </p:style>
+      </p:cxnSp>
+      <p:sp>
+        <p:nvSpPr>
+          <p:cNvPr id="12" name="Textfeld 11"/>
+          <p:cNvSpPr txBox="1"/>
+          <p:nvPr/>
+        </p:nvSpPr>
+        <p:spPr>
+          <a:xfrm>
+            <a:off x="3563888" y="3501008"/>
+            <a:ext cx="1495602" cy="369332"/>
+          </a:xfrm>
+          <a:prstGeom prst="rect">
+            <a:avLst/>
+          </a:prstGeom>
+          <a:noFill/>
+        </p:spPr>
+        <p:txBody>
+          <a:bodyPr wrap="none" rtlCol="0">
+            <a:spAutoFit/>
+          </a:bodyPr>
+          <a:lstStyle/>
+          <a:p>
+            <a:r>
+              <a:rPr lang="en-GB" dirty="0" smtClean="0">
+                <a:solidFill>
+                  <a:prstClr val="black"/>
+                </a:solidFill>
+              </a:rPr>
+              <a:t>User Message</a:t>
+            </a:r>
+            <a:endParaRPr lang="en-GB" dirty="0">
+              <a:solidFill>
+                <a:prstClr val="black"/>
+              </a:solidFill>
+            </a:endParaRPr>
+          </a:p>
+        </p:txBody>
+      </p:sp>
+      <p:cxnSp>
+        <p:nvCxnSpPr>
+          <p:cNvPr id="13" name="Gerade Verbindung 12"/>
+          <p:cNvCxnSpPr/>
+          <p:nvPr/>
+        </p:nvCxnSpPr>
+        <p:spPr>
+          <a:xfrm>
+            <a:off x="2699792" y="2996952"/>
+            <a:ext cx="0" cy="1368152"/>
+          </a:xfrm>
+          <a:prstGeom prst="line">
+            <a:avLst/>
+          </a:prstGeom>
+        </p:spPr>
+        <p:style>
+          <a:lnRef idx="1">
+            <a:schemeClr val="accent1"/>
+          </a:lnRef>
+          <a:fillRef idx="0">
+            <a:schemeClr val="accent1"/>
+          </a:fillRef>
+          <a:effectRef idx="0">
+            <a:schemeClr val="accent1"/>
+          </a:effectRef>
+          <a:fontRef idx="minor">
+            <a:schemeClr val="tx1"/>
+          </a:fontRef>
+        </p:style>
+      </p:cxnSp>
+    </p:spTree>
+  </p:cSld>
+  <p:clrMapOvr>
+    <a:masterClrMapping/>
+  </p:clrMapOvr>
+</p:sld>
+</file>
+
+<file path=ppt/slides/slide6.xml><?xml version="1.0" encoding="utf-8"?>
+<p:sld xmlns:a="http://schemas.openxmlformats.org/drawingml/2006/main" xmlns:r="http://schemas.openxmlformats.org/officeDocument/2006/relationships" xmlns:p="http://schemas.openxmlformats.org/presentationml/2006/main">
+  <p:cSld>
+    <p:spTree>
+      <p:nvGrpSpPr>
+        <p:cNvPr id="1" name=""/>
+        <p:cNvGrpSpPr/>
+        <p:nvPr/>
+      </p:nvGrpSpPr>
+      <p:grpSpPr>
+        <a:xfrm>
+          <a:off x="0" y="0"/>
+          <a:ext cx="0" cy="0"/>
+          <a:chOff x="0" y="0"/>
+          <a:chExt cx="0" cy="0"/>
+        </a:xfrm>
+      </p:grpSpPr>
+      <p:sp>
+        <p:nvSpPr>
+          <p:cNvPr id="2" name="Titel 1"/>
+          <p:cNvSpPr>
+            <a:spLocks noGrp="1"/>
+          </p:cNvSpPr>
+          <p:nvPr>
+            <p:ph type="title"/>
+          </p:nvPr>
+        </p:nvSpPr>
+        <p:spPr/>
+        <p:txBody>
+          <a:bodyPr/>
+          <a:lstStyle/>
+          <a:p>
+            <a:r>
+              <a:rPr lang="en-GB" dirty="0" smtClean="0"/>
+              <a:t>Message Exchange - sync</a:t>
+            </a:r>
+            <a:endParaRPr lang="en-GB" dirty="0"/>
+          </a:p>
+        </p:txBody>
+      </p:sp>
+      <p:sp>
+        <p:nvSpPr>
+          <p:cNvPr id="3" name="Rechteck 2"/>
+          <p:cNvSpPr/>
+          <p:nvPr/>
+        </p:nvSpPr>
+        <p:spPr>
+          <a:xfrm>
+            <a:off x="2051720" y="2492896"/>
+            <a:ext cx="1296144" cy="432048"/>
+          </a:xfrm>
+          <a:prstGeom prst="rect">
+            <a:avLst/>
+          </a:prstGeom>
+        </p:spPr>
+        <p:style>
+          <a:lnRef idx="2">
+            <a:schemeClr val="accent1">
+              <a:shade val="50000"/>
+            </a:schemeClr>
+          </a:lnRef>
+          <a:fillRef idx="1">
+            <a:schemeClr val="accent1"/>
+          </a:fillRef>
+          <a:effectRef idx="0">
+            <a:schemeClr val="accent1"/>
+          </a:effectRef>
+          <a:fontRef idx="minor">
+            <a:schemeClr val="lt1"/>
+          </a:fontRef>
+        </p:style>
+        <p:txBody>
+          <a:bodyPr rtlCol="0" anchor="ctr"/>
+          <a:lstStyle/>
+          <a:p>
+            <a:pPr algn="ctr"/>
+            <a:r>
+              <a:rPr lang="en-GB" dirty="0" smtClean="0">
+                <a:solidFill>
+                  <a:prstClr val="white"/>
+                </a:solidFill>
+              </a:rPr>
+              <a:t>C2</a:t>
+            </a:r>
+            <a:endParaRPr lang="en-GB" dirty="0">
+              <a:solidFill>
+                <a:prstClr val="white"/>
+              </a:solidFill>
+            </a:endParaRPr>
+          </a:p>
+        </p:txBody>
+      </p:sp>
+      <p:sp>
+        <p:nvSpPr>
+          <p:cNvPr id="4" name="Rechteck 3"/>
+          <p:cNvSpPr/>
+          <p:nvPr/>
+        </p:nvSpPr>
+        <p:spPr>
+          <a:xfrm>
+            <a:off x="5364088" y="2492896"/>
+            <a:ext cx="1296144" cy="432048"/>
+          </a:xfrm>
+          <a:prstGeom prst="rect">
+            <a:avLst/>
+          </a:prstGeom>
+        </p:spPr>
+        <p:style>
+          <a:lnRef idx="2">
+            <a:schemeClr val="accent1">
+              <a:shade val="50000"/>
+            </a:schemeClr>
+          </a:lnRef>
+          <a:fillRef idx="1">
+            <a:schemeClr val="accent1"/>
+          </a:fillRef>
+          <a:effectRef idx="0">
+            <a:schemeClr val="accent1"/>
+          </a:effectRef>
+          <a:fontRef idx="minor">
+            <a:schemeClr val="lt1"/>
+          </a:fontRef>
+        </p:style>
+        <p:txBody>
+          <a:bodyPr rtlCol="0" anchor="ctr"/>
+          <a:lstStyle/>
+          <a:p>
+            <a:pPr algn="ctr"/>
+            <a:r>
+              <a:rPr lang="en-GB" dirty="0" smtClean="0">
+                <a:solidFill>
+                  <a:prstClr val="white"/>
+                </a:solidFill>
+              </a:rPr>
+              <a:t>C3</a:t>
+            </a:r>
+            <a:endParaRPr lang="en-GB" dirty="0">
+              <a:solidFill>
+                <a:prstClr val="white"/>
+              </a:solidFill>
+            </a:endParaRPr>
+          </a:p>
+        </p:txBody>
+      </p:sp>
+      <p:cxnSp>
+        <p:nvCxnSpPr>
+          <p:cNvPr id="5" name="Gerade Verbindung 4"/>
+          <p:cNvCxnSpPr/>
+          <p:nvPr/>
+        </p:nvCxnSpPr>
+        <p:spPr>
+          <a:xfrm>
+            <a:off x="6012160" y="2996952"/>
+            <a:ext cx="0" cy="1368152"/>
+          </a:xfrm>
+          <a:prstGeom prst="line">
+            <a:avLst/>
+          </a:prstGeom>
+        </p:spPr>
+        <p:style>
+          <a:lnRef idx="1">
+            <a:schemeClr val="accent1"/>
+          </a:lnRef>
+          <a:fillRef idx="0">
+            <a:schemeClr val="accent1"/>
+          </a:fillRef>
+          <a:effectRef idx="0">
+            <a:schemeClr val="accent1"/>
+          </a:effectRef>
+          <a:fontRef idx="minor">
+            <a:schemeClr val="tx1"/>
+          </a:fontRef>
+        </p:style>
+      </p:cxnSp>
+      <p:cxnSp>
+        <p:nvCxnSpPr>
+          <p:cNvPr id="6" name="Gerade Verbindung mit Pfeil 5"/>
+          <p:cNvCxnSpPr/>
+          <p:nvPr/>
+        </p:nvCxnSpPr>
+        <p:spPr>
+          <a:xfrm>
+            <a:off x="2699792" y="3356992"/>
+            <a:ext cx="3312368" cy="0"/>
+          </a:xfrm>
+          <a:prstGeom prst="straightConnector1">
+            <a:avLst/>
+          </a:prstGeom>
+          <a:ln>
+            <a:tailEnd type="arrow"/>
+          </a:ln>
+        </p:spPr>
+        <p:style>
+          <a:lnRef idx="1">
+            <a:schemeClr val="accent1"/>
+          </a:lnRef>
+          <a:fillRef idx="0">
+            <a:schemeClr val="accent1"/>
+          </a:fillRef>
+          <a:effectRef idx="0">
+            <a:schemeClr val="accent1"/>
+          </a:effectRef>
+          <a:fontRef idx="minor">
+            <a:schemeClr val="tx1"/>
+          </a:fontRef>
+        </p:style>
+      </p:cxnSp>
+      <p:sp>
+        <p:nvSpPr>
+          <p:cNvPr id="7" name="Textfeld 6"/>
+          <p:cNvSpPr txBox="1"/>
+          <p:nvPr/>
+        </p:nvSpPr>
+        <p:spPr>
+          <a:xfrm>
+            <a:off x="3608175" y="3068960"/>
+            <a:ext cx="1495602" cy="369332"/>
+          </a:xfrm>
+          <a:prstGeom prst="rect">
+            <a:avLst/>
+          </a:prstGeom>
+          <a:noFill/>
+        </p:spPr>
+        <p:txBody>
+          <a:bodyPr wrap="none" rtlCol="0">
+            <a:spAutoFit/>
+          </a:bodyPr>
+          <a:lstStyle/>
+          <a:p>
+            <a:r>
+              <a:rPr lang="en-GB" dirty="0" smtClean="0">
+                <a:solidFill>
+                  <a:prstClr val="black"/>
+                </a:solidFill>
+              </a:rPr>
+              <a:t>User Message</a:t>
+            </a:r>
+            <a:endParaRPr lang="en-GB" dirty="0">
+              <a:solidFill>
+                <a:prstClr val="black"/>
+              </a:solidFill>
+            </a:endParaRPr>
+          </a:p>
+        </p:txBody>
+      </p:sp>
+      <p:cxnSp>
+        <p:nvCxnSpPr>
+          <p:cNvPr id="11" name="Gerade Verbindung mit Pfeil 10"/>
+          <p:cNvCxnSpPr/>
+          <p:nvPr/>
+        </p:nvCxnSpPr>
+        <p:spPr>
+          <a:xfrm flipH="1">
+            <a:off x="2699792" y="3789040"/>
+            <a:ext cx="3312368" cy="0"/>
+          </a:xfrm>
+          <a:prstGeom prst="straightConnector1">
+            <a:avLst/>
+          </a:prstGeom>
+          <a:ln>
+            <a:tailEnd type="arrow"/>
+          </a:ln>
+        </p:spPr>
+        <p:style>
+          <a:lnRef idx="1">
+            <a:schemeClr val="accent1"/>
+          </a:lnRef>
+          <a:fillRef idx="0">
+            <a:schemeClr val="accent1"/>
+          </a:fillRef>
+          <a:effectRef idx="0">
+            <a:schemeClr val="accent1"/>
+          </a:effectRef>
+          <a:fontRef idx="minor">
+            <a:schemeClr val="tx1"/>
+          </a:fontRef>
+        </p:style>
+      </p:cxnSp>
+      <p:sp>
+        <p:nvSpPr>
+          <p:cNvPr id="12" name="Textfeld 11"/>
+          <p:cNvSpPr txBox="1"/>
+          <p:nvPr/>
+        </p:nvSpPr>
+        <p:spPr>
+          <a:xfrm>
+            <a:off x="3147440" y="3501008"/>
+            <a:ext cx="2417072" cy="369332"/>
+          </a:xfrm>
+          <a:prstGeom prst="rect">
+            <a:avLst/>
+          </a:prstGeom>
+          <a:noFill/>
+        </p:spPr>
+        <p:txBody>
+          <a:bodyPr wrap="none" rtlCol="0">
+            <a:spAutoFit/>
+          </a:bodyPr>
+          <a:lstStyle/>
+          <a:p>
+            <a:r>
+              <a:rPr lang="en-GB" dirty="0" smtClean="0">
+                <a:solidFill>
+                  <a:prstClr val="black"/>
+                </a:solidFill>
+              </a:rPr>
+              <a:t>Receipt + User Message</a:t>
+            </a:r>
+            <a:endParaRPr lang="en-GB" dirty="0">
+              <a:solidFill>
+                <a:prstClr val="black"/>
+              </a:solidFill>
+            </a:endParaRPr>
+          </a:p>
+        </p:txBody>
+      </p:sp>
+      <p:cxnSp>
+        <p:nvCxnSpPr>
+          <p:cNvPr id="13" name="Gerade Verbindung 12"/>
+          <p:cNvCxnSpPr/>
+          <p:nvPr/>
+        </p:nvCxnSpPr>
+        <p:spPr>
+          <a:xfrm>
+            <a:off x="2699792" y="2996952"/>
+            <a:ext cx="0" cy="1368152"/>
+          </a:xfrm>
+          <a:prstGeom prst="line">
+            <a:avLst/>
+          </a:prstGeom>
+        </p:spPr>
+        <p:style>
+          <a:lnRef idx="1">
+            <a:schemeClr val="accent1"/>
+          </a:lnRef>
+          <a:fillRef idx="0">
+            <a:schemeClr val="accent1"/>
+          </a:fillRef>
+          <a:effectRef idx="0">
+            <a:schemeClr val="accent1"/>
+          </a:effectRef>
+          <a:fontRef idx="minor">
+            <a:schemeClr val="tx1"/>
+          </a:fontRef>
+        </p:style>
+      </p:cxnSp>
+    </p:spTree>
+  </p:cSld>
+  <p:clrMapOvr>
+    <a:masterClrMapping/>
+  </p:clrMapOvr>
+</p:sld>
+</file>
+
+<file path=ppt/slides/slide7.xml><?xml version="1.0" encoding="utf-8"?>
+<p:sld xmlns:a="http://schemas.openxmlformats.org/drawingml/2006/main" xmlns:r="http://schemas.openxmlformats.org/officeDocument/2006/relationships" xmlns:p="http://schemas.openxmlformats.org/presentationml/2006/main">
+  <p:cSld>
+    <p:spTree>
+      <p:nvGrpSpPr>
+        <p:cNvPr id="1" name=""/>
+        <p:cNvGrpSpPr/>
+        <p:nvPr/>
+      </p:nvGrpSpPr>
+      <p:grpSpPr>
+        <a:xfrm>
+          <a:off x="0" y="0"/>
+          <a:ext cx="0" cy="0"/>
+          <a:chOff x="0" y="0"/>
+          <a:chExt cx="0" cy="0"/>
+        </a:xfrm>
+      </p:grpSpPr>
+      <p:sp>
+        <p:nvSpPr>
+          <p:cNvPr id="2" name="Titel 1"/>
+          <p:cNvSpPr>
+            <a:spLocks noGrp="1"/>
+          </p:cNvSpPr>
+          <p:nvPr>
+            <p:ph type="title"/>
+          </p:nvPr>
+        </p:nvSpPr>
+        <p:spPr/>
+        <p:txBody>
+          <a:bodyPr/>
+          <a:lstStyle/>
+          <a:p>
+            <a:r>
+              <a:rPr lang="en-GB" dirty="0" smtClean="0"/>
+              <a:t>Message Exchange – push-push</a:t>
+            </a:r>
+            <a:endParaRPr lang="en-GB" dirty="0"/>
+          </a:p>
+        </p:txBody>
+      </p:sp>
+      <p:sp>
+        <p:nvSpPr>
+          <p:cNvPr id="3" name="Rechteck 2"/>
+          <p:cNvSpPr/>
+          <p:nvPr/>
+        </p:nvSpPr>
+        <p:spPr>
+          <a:xfrm>
+            <a:off x="2051720" y="2492896"/>
+            <a:ext cx="1296144" cy="432048"/>
+          </a:xfrm>
+          <a:prstGeom prst="rect">
+            <a:avLst/>
+          </a:prstGeom>
+        </p:spPr>
+        <p:style>
+          <a:lnRef idx="2">
+            <a:schemeClr val="accent1">
+              <a:shade val="50000"/>
+            </a:schemeClr>
+          </a:lnRef>
+          <a:fillRef idx="1">
+            <a:schemeClr val="accent1"/>
+          </a:fillRef>
+          <a:effectRef idx="0">
+            <a:schemeClr val="accent1"/>
+          </a:effectRef>
+          <a:fontRef idx="minor">
+            <a:schemeClr val="lt1"/>
+          </a:fontRef>
+        </p:style>
+        <p:txBody>
+          <a:bodyPr rtlCol="0" anchor="ctr"/>
+          <a:lstStyle/>
+          <a:p>
+            <a:pPr algn="ctr"/>
+            <a:r>
+              <a:rPr lang="en-GB" dirty="0" smtClean="0">
+                <a:solidFill>
+                  <a:prstClr val="white"/>
+                </a:solidFill>
+              </a:rPr>
+              <a:t>C2</a:t>
+            </a:r>
+            <a:endParaRPr lang="en-GB" dirty="0">
+              <a:solidFill>
+                <a:prstClr val="white"/>
+              </a:solidFill>
+            </a:endParaRPr>
+          </a:p>
+        </p:txBody>
+      </p:sp>
+      <p:sp>
+        <p:nvSpPr>
+          <p:cNvPr id="4" name="Rechteck 3"/>
+          <p:cNvSpPr/>
+          <p:nvPr/>
+        </p:nvSpPr>
+        <p:spPr>
+          <a:xfrm>
+            <a:off x="5364088" y="2492896"/>
+            <a:ext cx="1296144" cy="432048"/>
+          </a:xfrm>
+          <a:prstGeom prst="rect">
+            <a:avLst/>
+          </a:prstGeom>
+        </p:spPr>
+        <p:style>
+          <a:lnRef idx="2">
+            <a:schemeClr val="accent1">
+              <a:shade val="50000"/>
+            </a:schemeClr>
+          </a:lnRef>
+          <a:fillRef idx="1">
+            <a:schemeClr val="accent1"/>
+          </a:fillRef>
+          <a:effectRef idx="0">
+            <a:schemeClr val="accent1"/>
+          </a:effectRef>
+          <a:fontRef idx="minor">
+            <a:schemeClr val="lt1"/>
+          </a:fontRef>
+        </p:style>
+        <p:txBody>
+          <a:bodyPr rtlCol="0" anchor="ctr"/>
+          <a:lstStyle/>
+          <a:p>
+            <a:pPr algn="ctr"/>
+            <a:r>
+              <a:rPr lang="en-GB" dirty="0" smtClean="0">
+                <a:solidFill>
+                  <a:prstClr val="white"/>
+                </a:solidFill>
+              </a:rPr>
+              <a:t>C3</a:t>
+            </a:r>
+            <a:endParaRPr lang="en-GB" dirty="0">
+              <a:solidFill>
+                <a:prstClr val="white"/>
+              </a:solidFill>
+            </a:endParaRPr>
+          </a:p>
+        </p:txBody>
+      </p:sp>
+      <p:cxnSp>
+        <p:nvCxnSpPr>
+          <p:cNvPr id="5" name="Gerade Verbindung 4"/>
+          <p:cNvCxnSpPr/>
+          <p:nvPr/>
+        </p:nvCxnSpPr>
+        <p:spPr>
+          <a:xfrm>
+            <a:off x="6012160" y="2996952"/>
+            <a:ext cx="0" cy="2160240"/>
+          </a:xfrm>
+          <a:prstGeom prst="line">
+            <a:avLst/>
+          </a:prstGeom>
+        </p:spPr>
+        <p:style>
+          <a:lnRef idx="1">
+            <a:schemeClr val="accent1"/>
+          </a:lnRef>
+          <a:fillRef idx="0">
+            <a:schemeClr val="accent1"/>
+          </a:fillRef>
+          <a:effectRef idx="0">
+            <a:schemeClr val="accent1"/>
+          </a:effectRef>
+          <a:fontRef idx="minor">
+            <a:schemeClr val="tx1"/>
+          </a:fontRef>
+        </p:style>
+      </p:cxnSp>
+      <p:cxnSp>
+        <p:nvCxnSpPr>
+          <p:cNvPr id="6" name="Gerade Verbindung mit Pfeil 5"/>
+          <p:cNvCxnSpPr/>
+          <p:nvPr/>
+        </p:nvCxnSpPr>
+        <p:spPr>
+          <a:xfrm>
+            <a:off x="2699792" y="3356992"/>
+            <a:ext cx="3312368" cy="0"/>
+          </a:xfrm>
+          <a:prstGeom prst="straightConnector1">
+            <a:avLst/>
+          </a:prstGeom>
+          <a:ln>
+            <a:tailEnd type="arrow"/>
+          </a:ln>
+        </p:spPr>
+        <p:style>
+          <a:lnRef idx="1">
+            <a:schemeClr val="accent1"/>
+          </a:lnRef>
+          <a:fillRef idx="0">
+            <a:schemeClr val="accent1"/>
+          </a:fillRef>
+          <a:effectRef idx="0">
+            <a:schemeClr val="accent1"/>
+          </a:effectRef>
+          <a:fontRef idx="minor">
+            <a:schemeClr val="tx1"/>
+          </a:fontRef>
+        </p:style>
+      </p:cxnSp>
+      <p:sp>
+        <p:nvSpPr>
+          <p:cNvPr id="7" name="Textfeld 6"/>
+          <p:cNvSpPr txBox="1"/>
+          <p:nvPr/>
+        </p:nvSpPr>
+        <p:spPr>
+          <a:xfrm>
+            <a:off x="3624000" y="3068960"/>
+            <a:ext cx="1495602" cy="369332"/>
+          </a:xfrm>
+          <a:prstGeom prst="rect">
+            <a:avLst/>
+          </a:prstGeom>
+          <a:noFill/>
+        </p:spPr>
+        <p:txBody>
+          <a:bodyPr wrap="none" rtlCol="0">
+            <a:spAutoFit/>
+          </a:bodyPr>
+          <a:lstStyle/>
+          <a:p>
+            <a:r>
+              <a:rPr lang="en-GB" dirty="0" smtClean="0">
+                <a:solidFill>
+                  <a:prstClr val="black"/>
+                </a:solidFill>
+              </a:rPr>
+              <a:t>User Message</a:t>
+            </a:r>
+            <a:endParaRPr lang="en-GB" dirty="0">
+              <a:solidFill>
+                <a:prstClr val="black"/>
+              </a:solidFill>
+            </a:endParaRPr>
+          </a:p>
+        </p:txBody>
+      </p:sp>
+      <p:cxnSp>
+        <p:nvCxnSpPr>
+          <p:cNvPr id="11" name="Gerade Verbindung mit Pfeil 10"/>
+          <p:cNvCxnSpPr/>
+          <p:nvPr/>
+        </p:nvCxnSpPr>
+        <p:spPr>
+          <a:xfrm flipH="1">
+            <a:off x="2699792" y="3789040"/>
+            <a:ext cx="3312368" cy="0"/>
+          </a:xfrm>
+          <a:prstGeom prst="straightConnector1">
+            <a:avLst/>
+          </a:prstGeom>
+          <a:ln>
+            <a:tailEnd type="arrow"/>
+          </a:ln>
+        </p:spPr>
+        <p:style>
+          <a:lnRef idx="1">
+            <a:schemeClr val="accent1"/>
+          </a:lnRef>
+          <a:fillRef idx="0">
+            <a:schemeClr val="accent1"/>
+          </a:fillRef>
+          <a:effectRef idx="0">
+            <a:schemeClr val="accent1"/>
+          </a:effectRef>
+          <a:fontRef idx="minor">
+            <a:schemeClr val="tx1"/>
+          </a:fontRef>
+        </p:style>
+      </p:cxnSp>
+      <p:sp>
+        <p:nvSpPr>
+          <p:cNvPr id="12" name="Textfeld 11"/>
+          <p:cNvSpPr txBox="1"/>
+          <p:nvPr/>
+        </p:nvSpPr>
+        <p:spPr>
+          <a:xfrm>
+            <a:off x="3563888" y="3501008"/>
+            <a:ext cx="1615827" cy="369332"/>
+          </a:xfrm>
+          <a:prstGeom prst="rect">
+            <a:avLst/>
+          </a:prstGeom>
+          <a:noFill/>
+        </p:spPr>
+        <p:txBody>
+          <a:bodyPr wrap="none" rtlCol="0">
+            <a:spAutoFit/>
+          </a:bodyPr>
+          <a:lstStyle/>
+          <a:p>
+            <a:r>
+              <a:rPr lang="en-GB" dirty="0" smtClean="0">
+                <a:solidFill>
+                  <a:prstClr val="black"/>
+                </a:solidFill>
+              </a:rPr>
+              <a:t>Signal Message</a:t>
+            </a:r>
+            <a:endParaRPr lang="en-GB" dirty="0">
+              <a:solidFill>
+                <a:prstClr val="black"/>
+              </a:solidFill>
+            </a:endParaRPr>
+          </a:p>
+        </p:txBody>
+      </p:sp>
+      <p:cxnSp>
+        <p:nvCxnSpPr>
+          <p:cNvPr id="13" name="Gerade Verbindung 12"/>
+          <p:cNvCxnSpPr/>
+          <p:nvPr/>
+        </p:nvCxnSpPr>
+        <p:spPr>
+          <a:xfrm>
+            <a:off x="2699792" y="2996952"/>
+            <a:ext cx="0" cy="2160240"/>
+          </a:xfrm>
+          <a:prstGeom prst="line">
+            <a:avLst/>
+          </a:prstGeom>
+        </p:spPr>
+        <p:style>
+          <a:lnRef idx="1">
+            <a:schemeClr val="accent1"/>
+          </a:lnRef>
+          <a:fillRef idx="0">
+            <a:schemeClr val="accent1"/>
+          </a:fillRef>
+          <a:effectRef idx="0">
+            <a:schemeClr val="accent1"/>
+          </a:effectRef>
+          <a:fontRef idx="minor">
+            <a:schemeClr val="tx1"/>
+          </a:fontRef>
+        </p:style>
+      </p:cxnSp>
+      <p:cxnSp>
+        <p:nvCxnSpPr>
+          <p:cNvPr id="21" name="Gerade Verbindung mit Pfeil 20"/>
+          <p:cNvCxnSpPr/>
+          <p:nvPr/>
+        </p:nvCxnSpPr>
+        <p:spPr>
+          <a:xfrm>
+            <a:off x="2699792" y="4499828"/>
+            <a:ext cx="3312368" cy="0"/>
+          </a:xfrm>
+          <a:prstGeom prst="straightConnector1">
+            <a:avLst/>
+          </a:prstGeom>
+          <a:ln>
+            <a:headEnd type="arrow"/>
+            <a:tailEnd type="none"/>
+          </a:ln>
+        </p:spPr>
+        <p:style>
+          <a:lnRef idx="1">
+            <a:schemeClr val="accent1"/>
+          </a:lnRef>
+          <a:fillRef idx="0">
+            <a:schemeClr val="accent1"/>
+          </a:fillRef>
+          <a:effectRef idx="0">
+            <a:schemeClr val="accent1"/>
+          </a:effectRef>
+          <a:fontRef idx="minor">
+            <a:schemeClr val="tx1"/>
+          </a:fontRef>
+        </p:style>
+      </p:cxnSp>
+      <p:sp>
+        <p:nvSpPr>
+          <p:cNvPr id="22" name="Textfeld 21"/>
+          <p:cNvSpPr txBox="1"/>
+          <p:nvPr/>
+        </p:nvSpPr>
+        <p:spPr>
+          <a:xfrm>
+            <a:off x="3624000" y="4211796"/>
+            <a:ext cx="1495602" cy="369332"/>
+          </a:xfrm>
+          <a:prstGeom prst="rect">
+            <a:avLst/>
+          </a:prstGeom>
+          <a:noFill/>
+        </p:spPr>
+        <p:txBody>
+          <a:bodyPr wrap="none" rtlCol="0">
+            <a:spAutoFit/>
+          </a:bodyPr>
+          <a:lstStyle/>
+          <a:p>
+            <a:r>
+              <a:rPr lang="en-GB" dirty="0" smtClean="0">
+                <a:solidFill>
+                  <a:prstClr val="black"/>
+                </a:solidFill>
+              </a:rPr>
+              <a:t>User Message</a:t>
+            </a:r>
+            <a:endParaRPr lang="en-GB" dirty="0">
+              <a:solidFill>
+                <a:prstClr val="black"/>
+              </a:solidFill>
+            </a:endParaRPr>
+          </a:p>
+        </p:txBody>
+      </p:sp>
+      <p:cxnSp>
+        <p:nvCxnSpPr>
+          <p:cNvPr id="23" name="Gerade Verbindung mit Pfeil 22"/>
+          <p:cNvCxnSpPr/>
+          <p:nvPr/>
+        </p:nvCxnSpPr>
+        <p:spPr>
+          <a:xfrm flipH="1">
+            <a:off x="2699792" y="4931876"/>
+            <a:ext cx="3312368" cy="0"/>
+          </a:xfrm>
+          <a:prstGeom prst="straightConnector1">
+            <a:avLst/>
+          </a:prstGeom>
+          <a:ln>
+            <a:headEnd type="arrow"/>
+            <a:tailEnd type="none"/>
+          </a:ln>
+        </p:spPr>
+        <p:style>
+          <a:lnRef idx="1">
+            <a:schemeClr val="accent1"/>
+          </a:lnRef>
+          <a:fillRef idx="0">
+            <a:schemeClr val="accent1"/>
+          </a:fillRef>
+          <a:effectRef idx="0">
+            <a:schemeClr val="accent1"/>
+          </a:effectRef>
+          <a:fontRef idx="minor">
+            <a:schemeClr val="tx1"/>
+          </a:fontRef>
+        </p:style>
+      </p:cxnSp>
+      <p:sp>
+        <p:nvSpPr>
+          <p:cNvPr id="24" name="Textfeld 23"/>
+          <p:cNvSpPr txBox="1"/>
+          <p:nvPr/>
+        </p:nvSpPr>
+        <p:spPr>
+          <a:xfrm>
+            <a:off x="3563888" y="4643844"/>
+            <a:ext cx="1615827" cy="369332"/>
+          </a:xfrm>
+          <a:prstGeom prst="rect">
+            <a:avLst/>
+          </a:prstGeom>
+          <a:noFill/>
+        </p:spPr>
+        <p:txBody>
+          <a:bodyPr wrap="none" rtlCol="0">
+            <a:spAutoFit/>
+          </a:bodyPr>
+          <a:lstStyle/>
+          <a:p>
+            <a:r>
+              <a:rPr lang="en-GB" dirty="0" smtClean="0">
+                <a:solidFill>
+                  <a:prstClr val="black"/>
+                </a:solidFill>
+              </a:rPr>
+              <a:t>Signal Message</a:t>
+            </a:r>
+            <a:endParaRPr lang="en-GB" dirty="0">
+              <a:solidFill>
+                <a:prstClr val="black"/>
+              </a:solidFill>
+            </a:endParaRPr>
+          </a:p>
+        </p:txBody>
+      </p:sp>
+    </p:spTree>
+  </p:cSld>
+  <p:clrMapOvr>
+    <a:masterClrMapping/>
+  </p:clrMapOvr>
+</p:sld>
+</file>
+
+<file path=ppt/slides/slide8.xml><?xml version="1.0" encoding="utf-8"?>
+<p:sld xmlns:a="http://schemas.openxmlformats.org/drawingml/2006/main" xmlns:r="http://schemas.openxmlformats.org/officeDocument/2006/relationships" xmlns:p="http://schemas.openxmlformats.org/presentationml/2006/main">
+  <p:cSld>
+    <p:spTree>
+      <p:nvGrpSpPr>
+        <p:cNvPr id="1" name=""/>
+        <p:cNvGrpSpPr/>
+        <p:nvPr/>
+      </p:nvGrpSpPr>
+      <p:grpSpPr>
+        <a:xfrm>
+          <a:off x="0" y="0"/>
+          <a:ext cx="0" cy="0"/>
+          <a:chOff x="0" y="0"/>
+          <a:chExt cx="0" cy="0"/>
+        </a:xfrm>
+      </p:grpSpPr>
+      <p:sp>
+        <p:nvSpPr>
+          <p:cNvPr id="2" name="Titel 1"/>
+          <p:cNvSpPr>
+            <a:spLocks noGrp="1"/>
+          </p:cNvSpPr>
+          <p:nvPr>
+            <p:ph type="title"/>
+          </p:nvPr>
+        </p:nvSpPr>
+        <p:spPr/>
+        <p:txBody>
+          <a:bodyPr/>
+          <a:lstStyle/>
+          <a:p>
+            <a:r>
+              <a:rPr lang="en-GB" dirty="0" smtClean="0"/>
+              <a:t>Message Exchange – push-pull</a:t>
+            </a:r>
+            <a:endParaRPr lang="en-GB" dirty="0"/>
+          </a:p>
+        </p:txBody>
+      </p:sp>
+      <p:sp>
+        <p:nvSpPr>
+          <p:cNvPr id="3" name="Rechteck 2"/>
+          <p:cNvSpPr/>
+          <p:nvPr/>
+        </p:nvSpPr>
+        <p:spPr>
+          <a:xfrm>
+            <a:off x="2051720" y="2492896"/>
+            <a:ext cx="1296144" cy="432048"/>
+          </a:xfrm>
+          <a:prstGeom prst="rect">
+            <a:avLst/>
+          </a:prstGeom>
+        </p:spPr>
+        <p:style>
+          <a:lnRef idx="2">
+            <a:schemeClr val="accent1">
+              <a:shade val="50000"/>
+            </a:schemeClr>
+          </a:lnRef>
+          <a:fillRef idx="1">
+            <a:schemeClr val="accent1"/>
+          </a:fillRef>
+          <a:effectRef idx="0">
+            <a:schemeClr val="accent1"/>
+          </a:effectRef>
+          <a:fontRef idx="minor">
+            <a:schemeClr val="lt1"/>
+          </a:fontRef>
+        </p:style>
+        <p:txBody>
+          <a:bodyPr rtlCol="0" anchor="ctr"/>
+          <a:lstStyle/>
+          <a:p>
+            <a:pPr algn="ctr"/>
+            <a:r>
+              <a:rPr lang="en-GB" dirty="0" smtClean="0">
+                <a:solidFill>
+                  <a:prstClr val="white"/>
+                </a:solidFill>
+              </a:rPr>
+              <a:t>C2</a:t>
+            </a:r>
+            <a:endParaRPr lang="en-GB" dirty="0">
+              <a:solidFill>
+                <a:prstClr val="white"/>
+              </a:solidFill>
+            </a:endParaRPr>
+          </a:p>
+        </p:txBody>
+      </p:sp>
+      <p:sp>
+        <p:nvSpPr>
+          <p:cNvPr id="4" name="Rechteck 3"/>
+          <p:cNvSpPr/>
+          <p:nvPr/>
+        </p:nvSpPr>
+        <p:spPr>
+          <a:xfrm>
+            <a:off x="5364088" y="2492896"/>
+            <a:ext cx="1296144" cy="432048"/>
+          </a:xfrm>
+          <a:prstGeom prst="rect">
+            <a:avLst/>
+          </a:prstGeom>
+        </p:spPr>
+        <p:style>
+          <a:lnRef idx="2">
+            <a:schemeClr val="accent1">
+              <a:shade val="50000"/>
+            </a:schemeClr>
+          </a:lnRef>
+          <a:fillRef idx="1">
+            <a:schemeClr val="accent1"/>
+          </a:fillRef>
+          <a:effectRef idx="0">
+            <a:schemeClr val="accent1"/>
+          </a:effectRef>
+          <a:fontRef idx="minor">
+            <a:schemeClr val="lt1"/>
+          </a:fontRef>
+        </p:style>
+        <p:txBody>
+          <a:bodyPr rtlCol="0" anchor="ctr"/>
+          <a:lstStyle/>
+          <a:p>
+            <a:pPr algn="ctr"/>
+            <a:r>
+              <a:rPr lang="en-GB" dirty="0" smtClean="0">
+                <a:solidFill>
+                  <a:prstClr val="white"/>
+                </a:solidFill>
+              </a:rPr>
+              <a:t>C3</a:t>
+            </a:r>
+            <a:endParaRPr lang="en-GB" dirty="0">
+              <a:solidFill>
+                <a:prstClr val="white"/>
+              </a:solidFill>
+            </a:endParaRPr>
+          </a:p>
+        </p:txBody>
+      </p:sp>
+      <p:cxnSp>
+        <p:nvCxnSpPr>
+          <p:cNvPr id="5" name="Gerade Verbindung 4"/>
+          <p:cNvCxnSpPr/>
+          <p:nvPr/>
+        </p:nvCxnSpPr>
+        <p:spPr>
+          <a:xfrm>
+            <a:off x="6012160" y="2996952"/>
+            <a:ext cx="0" cy="2160240"/>
+          </a:xfrm>
+          <a:prstGeom prst="line">
+            <a:avLst/>
+          </a:prstGeom>
+        </p:spPr>
+        <p:style>
+          <a:lnRef idx="1">
+            <a:schemeClr val="accent1"/>
+          </a:lnRef>
+          <a:fillRef idx="0">
+            <a:schemeClr val="accent1"/>
+          </a:fillRef>
+          <a:effectRef idx="0">
+            <a:schemeClr val="accent1"/>
+          </a:effectRef>
+          <a:fontRef idx="minor">
+            <a:schemeClr val="tx1"/>
+          </a:fontRef>
+        </p:style>
+      </p:cxnSp>
+      <p:cxnSp>
+        <p:nvCxnSpPr>
+          <p:cNvPr id="6" name="Gerade Verbindung mit Pfeil 5"/>
+          <p:cNvCxnSpPr/>
+          <p:nvPr/>
+        </p:nvCxnSpPr>
+        <p:spPr>
+          <a:xfrm>
+            <a:off x="2699792" y="3356992"/>
+            <a:ext cx="3312368" cy="0"/>
+          </a:xfrm>
+          <a:prstGeom prst="straightConnector1">
+            <a:avLst/>
+          </a:prstGeom>
+          <a:ln>
+            <a:tailEnd type="arrow"/>
+          </a:ln>
+        </p:spPr>
+        <p:style>
+          <a:lnRef idx="1">
+            <a:schemeClr val="accent1"/>
+          </a:lnRef>
+          <a:fillRef idx="0">
+            <a:schemeClr val="accent1"/>
+          </a:fillRef>
+          <a:effectRef idx="0">
+            <a:schemeClr val="accent1"/>
+          </a:effectRef>
+          <a:fontRef idx="minor">
+            <a:schemeClr val="tx1"/>
+          </a:fontRef>
+        </p:style>
+      </p:cxnSp>
+      <p:sp>
+        <p:nvSpPr>
+          <p:cNvPr id="7" name="Textfeld 6"/>
+          <p:cNvSpPr txBox="1"/>
+          <p:nvPr/>
+        </p:nvSpPr>
+        <p:spPr>
+          <a:xfrm>
+            <a:off x="3624000" y="3068960"/>
+            <a:ext cx="1495602" cy="369332"/>
+          </a:xfrm>
+          <a:prstGeom prst="rect">
+            <a:avLst/>
+          </a:prstGeom>
+          <a:noFill/>
+        </p:spPr>
+        <p:txBody>
+          <a:bodyPr wrap="none" rtlCol="0">
+            <a:spAutoFit/>
+          </a:bodyPr>
+          <a:lstStyle/>
+          <a:p>
+            <a:r>
+              <a:rPr lang="en-GB" dirty="0" smtClean="0">
+                <a:solidFill>
+                  <a:prstClr val="black"/>
+                </a:solidFill>
+              </a:rPr>
+              <a:t>User Message</a:t>
+            </a:r>
+            <a:endParaRPr lang="en-GB" dirty="0">
+              <a:solidFill>
+                <a:prstClr val="black"/>
+              </a:solidFill>
+            </a:endParaRPr>
+          </a:p>
+        </p:txBody>
+      </p:sp>
+      <p:cxnSp>
+        <p:nvCxnSpPr>
+          <p:cNvPr id="11" name="Gerade Verbindung mit Pfeil 10"/>
+          <p:cNvCxnSpPr/>
+          <p:nvPr/>
+        </p:nvCxnSpPr>
+        <p:spPr>
+          <a:xfrm flipH="1">
+            <a:off x="2699792" y="3789040"/>
+            <a:ext cx="3312368" cy="0"/>
+          </a:xfrm>
+          <a:prstGeom prst="straightConnector1">
+            <a:avLst/>
+          </a:prstGeom>
+          <a:ln>
+            <a:tailEnd type="arrow"/>
+          </a:ln>
+        </p:spPr>
+        <p:style>
+          <a:lnRef idx="1">
+            <a:schemeClr val="accent1"/>
+          </a:lnRef>
+          <a:fillRef idx="0">
+            <a:schemeClr val="accent1"/>
+          </a:fillRef>
+          <a:effectRef idx="0">
+            <a:schemeClr val="accent1"/>
+          </a:effectRef>
+          <a:fontRef idx="minor">
+            <a:schemeClr val="tx1"/>
+          </a:fontRef>
+        </p:style>
+      </p:cxnSp>
+      <p:sp>
+        <p:nvSpPr>
+          <p:cNvPr id="12" name="Textfeld 11"/>
+          <p:cNvSpPr txBox="1"/>
+          <p:nvPr/>
+        </p:nvSpPr>
+        <p:spPr>
+          <a:xfrm>
+            <a:off x="3563888" y="3501008"/>
+            <a:ext cx="1615827" cy="369332"/>
+          </a:xfrm>
+          <a:prstGeom prst="rect">
+            <a:avLst/>
+          </a:prstGeom>
+          <a:noFill/>
+        </p:spPr>
+        <p:txBody>
+          <a:bodyPr wrap="none" rtlCol="0">
+            <a:spAutoFit/>
+          </a:bodyPr>
+          <a:lstStyle/>
+          <a:p>
+            <a:r>
+              <a:rPr lang="en-GB" dirty="0" smtClean="0">
+                <a:solidFill>
+                  <a:prstClr val="black"/>
+                </a:solidFill>
+              </a:rPr>
+              <a:t>Signal Message</a:t>
+            </a:r>
+            <a:endParaRPr lang="en-GB" dirty="0">
+              <a:solidFill>
+                <a:prstClr val="black"/>
+              </a:solidFill>
+            </a:endParaRPr>
+          </a:p>
+        </p:txBody>
+      </p:sp>
+      <p:cxnSp>
+        <p:nvCxnSpPr>
+          <p:cNvPr id="13" name="Gerade Verbindung 12"/>
+          <p:cNvCxnSpPr/>
+          <p:nvPr/>
+        </p:nvCxnSpPr>
+        <p:spPr>
+          <a:xfrm>
+            <a:off x="2699792" y="2996952"/>
+            <a:ext cx="0" cy="2160240"/>
+          </a:xfrm>
+          <a:prstGeom prst="line">
+            <a:avLst/>
+          </a:prstGeom>
+        </p:spPr>
+        <p:style>
+          <a:lnRef idx="1">
+            <a:schemeClr val="accent1"/>
+          </a:lnRef>
+          <a:fillRef idx="0">
+            <a:schemeClr val="accent1"/>
+          </a:fillRef>
+          <a:effectRef idx="0">
+            <a:schemeClr val="accent1"/>
+          </a:effectRef>
+          <a:fontRef idx="minor">
+            <a:schemeClr val="tx1"/>
+          </a:fontRef>
+        </p:style>
+      </p:cxnSp>
+      <p:cxnSp>
+        <p:nvCxnSpPr>
+          <p:cNvPr id="21" name="Gerade Verbindung mit Pfeil 20"/>
+          <p:cNvCxnSpPr/>
+          <p:nvPr/>
+        </p:nvCxnSpPr>
+        <p:spPr>
+          <a:xfrm>
+            <a:off x="2699792" y="4499828"/>
+            <a:ext cx="3312368" cy="0"/>
+          </a:xfrm>
+          <a:prstGeom prst="straightConnector1">
+            <a:avLst/>
+          </a:prstGeom>
+          <a:ln>
+            <a:headEnd type="arrow"/>
+            <a:tailEnd type="none"/>
+          </a:ln>
+        </p:spPr>
+        <p:style>
+          <a:lnRef idx="1">
+            <a:schemeClr val="accent1"/>
+          </a:lnRef>
+          <a:fillRef idx="0">
+            <a:schemeClr val="accent1"/>
+          </a:fillRef>
+          <a:effectRef idx="0">
+            <a:schemeClr val="accent1"/>
+          </a:effectRef>
+          <a:fontRef idx="minor">
+            <a:schemeClr val="tx1"/>
+          </a:fontRef>
+        </p:style>
+      </p:cxnSp>
+      <p:sp>
+        <p:nvSpPr>
+          <p:cNvPr id="22" name="Textfeld 21"/>
+          <p:cNvSpPr txBox="1"/>
+          <p:nvPr/>
+        </p:nvSpPr>
+        <p:spPr>
+          <a:xfrm>
+            <a:off x="3700079" y="4211796"/>
+            <a:ext cx="1343445" cy="369332"/>
+          </a:xfrm>
+          <a:prstGeom prst="rect">
+            <a:avLst/>
+          </a:prstGeom>
+          <a:noFill/>
+        </p:spPr>
+        <p:txBody>
+          <a:bodyPr wrap="none" rtlCol="0">
+            <a:spAutoFit/>
+          </a:bodyPr>
+          <a:lstStyle/>
+          <a:p>
+            <a:r>
+              <a:rPr lang="en-GB" dirty="0" smtClean="0">
+                <a:solidFill>
+                  <a:prstClr val="black"/>
+                </a:solidFill>
+              </a:rPr>
+              <a:t>Pull Request</a:t>
+            </a:r>
+            <a:endParaRPr lang="en-GB" dirty="0">
+              <a:solidFill>
+                <a:prstClr val="black"/>
+              </a:solidFill>
+            </a:endParaRPr>
+          </a:p>
+        </p:txBody>
+      </p:sp>
+      <p:cxnSp>
+        <p:nvCxnSpPr>
+          <p:cNvPr id="23" name="Gerade Verbindung mit Pfeil 22"/>
+          <p:cNvCxnSpPr/>
+          <p:nvPr/>
+        </p:nvCxnSpPr>
+        <p:spPr>
+          <a:xfrm flipH="1">
+            <a:off x="2699792" y="4931876"/>
+            <a:ext cx="3312368" cy="0"/>
+          </a:xfrm>
+          <a:prstGeom prst="straightConnector1">
+            <a:avLst/>
+          </a:prstGeom>
+          <a:ln>
+            <a:headEnd type="arrow"/>
+            <a:tailEnd type="none"/>
+          </a:ln>
+        </p:spPr>
+        <p:style>
+          <a:lnRef idx="1">
+            <a:schemeClr val="accent1"/>
+          </a:lnRef>
+          <a:fillRef idx="0">
+            <a:schemeClr val="accent1"/>
+          </a:fillRef>
+          <a:effectRef idx="0">
+            <a:schemeClr val="accent1"/>
+          </a:effectRef>
+          <a:fontRef idx="minor">
+            <a:schemeClr val="tx1"/>
+          </a:fontRef>
+        </p:style>
+      </p:cxnSp>
+      <p:sp>
+        <p:nvSpPr>
+          <p:cNvPr id="24" name="Textfeld 23"/>
+          <p:cNvSpPr txBox="1"/>
+          <p:nvPr/>
+        </p:nvSpPr>
+        <p:spPr>
+          <a:xfrm>
+            <a:off x="3624000" y="4643844"/>
+            <a:ext cx="1495602" cy="369332"/>
+          </a:xfrm>
+          <a:prstGeom prst="rect">
+            <a:avLst/>
+          </a:prstGeom>
+          <a:noFill/>
+        </p:spPr>
+        <p:txBody>
+          <a:bodyPr wrap="none" rtlCol="0">
+            <a:spAutoFit/>
+          </a:bodyPr>
+          <a:lstStyle/>
+          <a:p>
+            <a:r>
+              <a:rPr lang="en-GB" dirty="0" smtClean="0">
+                <a:solidFill>
+                  <a:prstClr val="black"/>
+                </a:solidFill>
+              </a:rPr>
+              <a:t>User Message</a:t>
+            </a:r>
+            <a:endParaRPr lang="en-GB" dirty="0">
+              <a:solidFill>
+                <a:prstClr val="black"/>
+              </a:solidFill>
+            </a:endParaRPr>
+          </a:p>
+        </p:txBody>
+      </p:sp>
+    </p:spTree>
+  </p:cSld>
+  <p:clrMapOvr>
+    <a:masterClrMapping/>
+  </p:clrMapOvr>
+</p:sld>
+</file>
+
+<file path=ppt/slides/slide9.xml><?xml version="1.0" encoding="utf-8"?>
+<p:sld xmlns:a="http://schemas.openxmlformats.org/drawingml/2006/main" xmlns:r="http://schemas.openxmlformats.org/officeDocument/2006/relationships" xmlns:p="http://schemas.openxmlformats.org/presentationml/2006/main">
+  <p:cSld>
+    <p:spTree>
+      <p:nvGrpSpPr>
+        <p:cNvPr id="1" name=""/>
+        <p:cNvGrpSpPr/>
+        <p:nvPr/>
+      </p:nvGrpSpPr>
+      <p:grpSpPr>
+        <a:xfrm>
+          <a:off x="0" y="0"/>
+          <a:ext cx="0" cy="0"/>
+          <a:chOff x="0" y="0"/>
+          <a:chExt cx="0" cy="0"/>
+        </a:xfrm>
+      </p:grpSpPr>
+      <p:sp>
+        <p:nvSpPr>
+          <p:cNvPr id="2" name="Titel 1"/>
+          <p:cNvSpPr>
+            <a:spLocks noGrp="1"/>
+          </p:cNvSpPr>
+          <p:nvPr>
+            <p:ph type="title"/>
+          </p:nvPr>
+        </p:nvSpPr>
+        <p:spPr/>
+        <p:txBody>
+          <a:bodyPr/>
+          <a:lstStyle/>
+          <a:p>
+            <a:r>
+              <a:rPr lang="en-GB" dirty="0" smtClean="0"/>
+              <a:t>Message Exchange – pull-push</a:t>
+            </a:r>
+            <a:endParaRPr lang="en-GB" dirty="0"/>
+          </a:p>
+        </p:txBody>
+      </p:sp>
+      <p:sp>
+        <p:nvSpPr>
+          <p:cNvPr id="3" name="Rechteck 2"/>
+          <p:cNvSpPr/>
+          <p:nvPr/>
+        </p:nvSpPr>
+        <p:spPr>
+          <a:xfrm>
+            <a:off x="2051720" y="2492896"/>
+            <a:ext cx="1296144" cy="432048"/>
+          </a:xfrm>
+          <a:prstGeom prst="rect">
+            <a:avLst/>
+          </a:prstGeom>
+        </p:spPr>
+        <p:style>
+          <a:lnRef idx="2">
+            <a:schemeClr val="accent1">
+              <a:shade val="50000"/>
+            </a:schemeClr>
+          </a:lnRef>
+          <a:fillRef idx="1">
+            <a:schemeClr val="accent1"/>
+          </a:fillRef>
+          <a:effectRef idx="0">
+            <a:schemeClr val="accent1"/>
+          </a:effectRef>
+          <a:fontRef idx="minor">
+            <a:schemeClr val="lt1"/>
+          </a:fontRef>
+        </p:style>
+        <p:txBody>
+          <a:bodyPr rtlCol="0" anchor="ctr"/>
+          <a:lstStyle/>
+          <a:p>
+            <a:pPr algn="ctr"/>
+            <a:r>
+              <a:rPr lang="en-GB" dirty="0" smtClean="0">
+                <a:solidFill>
+                  <a:prstClr val="white"/>
+                </a:solidFill>
+              </a:rPr>
+              <a:t>C2</a:t>
+            </a:r>
+            <a:endParaRPr lang="en-GB" dirty="0">
+              <a:solidFill>
+                <a:prstClr val="white"/>
+              </a:solidFill>
+            </a:endParaRPr>
+          </a:p>
+        </p:txBody>
+      </p:sp>
+      <p:sp>
+        <p:nvSpPr>
+          <p:cNvPr id="4" name="Rechteck 3"/>
+          <p:cNvSpPr/>
+          <p:nvPr/>
+        </p:nvSpPr>
+        <p:spPr>
+          <a:xfrm>
+            <a:off x="5364088" y="2492896"/>
+            <a:ext cx="1296144" cy="432048"/>
+          </a:xfrm>
+          <a:prstGeom prst="rect">
+            <a:avLst/>
+          </a:prstGeom>
+        </p:spPr>
+        <p:style>
+          <a:lnRef idx="2">
+            <a:schemeClr val="accent1">
+              <a:shade val="50000"/>
+            </a:schemeClr>
+          </a:lnRef>
+          <a:fillRef idx="1">
+            <a:schemeClr val="accent1"/>
+          </a:fillRef>
+          <a:effectRef idx="0">
+            <a:schemeClr val="accent1"/>
+          </a:effectRef>
+          <a:fontRef idx="minor">
+            <a:schemeClr val="lt1"/>
+          </a:fontRef>
+        </p:style>
+        <p:txBody>
+          <a:bodyPr rtlCol="0" anchor="ctr"/>
+          <a:lstStyle/>
+          <a:p>
+            <a:pPr algn="ctr"/>
+            <a:r>
+              <a:rPr lang="en-GB" dirty="0" smtClean="0">
+                <a:solidFill>
+                  <a:prstClr val="white"/>
+                </a:solidFill>
+              </a:rPr>
+              <a:t>C3</a:t>
+            </a:r>
+            <a:endParaRPr lang="en-GB" dirty="0">
+              <a:solidFill>
+                <a:prstClr val="white"/>
+              </a:solidFill>
+            </a:endParaRPr>
+          </a:p>
+        </p:txBody>
+      </p:sp>
+      <p:cxnSp>
+        <p:nvCxnSpPr>
+          <p:cNvPr id="5" name="Gerade Verbindung 4"/>
+          <p:cNvCxnSpPr/>
+          <p:nvPr/>
+        </p:nvCxnSpPr>
+        <p:spPr>
+          <a:xfrm>
+            <a:off x="6012160" y="2996952"/>
+            <a:ext cx="0" cy="2160240"/>
+          </a:xfrm>
+          <a:prstGeom prst="line">
+            <a:avLst/>
+          </a:prstGeom>
+        </p:spPr>
+        <p:style>
+          <a:lnRef idx="1">
+            <a:schemeClr val="accent1"/>
+          </a:lnRef>
+          <a:fillRef idx="0">
+            <a:schemeClr val="accent1"/>
+          </a:fillRef>
+          <a:effectRef idx="0">
+            <a:schemeClr val="accent1"/>
+          </a:effectRef>
+          <a:fontRef idx="minor">
+            <a:schemeClr val="tx1"/>
+          </a:fontRef>
+        </p:style>
+      </p:cxnSp>
+      <p:cxnSp>
+        <p:nvCxnSpPr>
+          <p:cNvPr id="13" name="Gerade Verbindung 12"/>
+          <p:cNvCxnSpPr/>
+          <p:nvPr/>
+        </p:nvCxnSpPr>
+        <p:spPr>
+          <a:xfrm>
+            <a:off x="2699792" y="2996952"/>
+            <a:ext cx="0" cy="2160240"/>
+          </a:xfrm>
+          <a:prstGeom prst="line">
+            <a:avLst/>
+          </a:prstGeom>
+        </p:spPr>
+        <p:style>
+          <a:lnRef idx="1">
+            <a:schemeClr val="accent1"/>
+          </a:lnRef>
+          <a:fillRef idx="0">
+            <a:schemeClr val="accent1"/>
+          </a:fillRef>
+          <a:effectRef idx="0">
+            <a:schemeClr val="accent1"/>
+          </a:effectRef>
+          <a:fontRef idx="minor">
+            <a:schemeClr val="tx1"/>
+          </a:fontRef>
+        </p:style>
+      </p:cxnSp>
+      <p:cxnSp>
+        <p:nvCxnSpPr>
+          <p:cNvPr id="15" name="Gerade Verbindung mit Pfeil 14"/>
+          <p:cNvCxnSpPr/>
+          <p:nvPr/>
+        </p:nvCxnSpPr>
+        <p:spPr>
+          <a:xfrm>
+            <a:off x="2699792" y="3356992"/>
+            <a:ext cx="3312368" cy="0"/>
+          </a:xfrm>
+          <a:prstGeom prst="straightConnector1">
+            <a:avLst/>
+          </a:prstGeom>
+          <a:ln>
+            <a:tailEnd type="arrow"/>
+          </a:ln>
+        </p:spPr>
+        <p:style>
+          <a:lnRef idx="1">
+            <a:schemeClr val="accent1"/>
+          </a:lnRef>
+          <a:fillRef idx="0">
+            <a:schemeClr val="accent1"/>
+          </a:fillRef>
+          <a:effectRef idx="0">
+            <a:schemeClr val="accent1"/>
+          </a:effectRef>
+          <a:fontRef idx="minor">
+            <a:schemeClr val="tx1"/>
+          </a:fontRef>
+        </p:style>
+      </p:cxnSp>
+      <p:sp>
+        <p:nvSpPr>
+          <p:cNvPr id="16" name="Textfeld 15"/>
+          <p:cNvSpPr txBox="1"/>
+          <p:nvPr/>
+        </p:nvSpPr>
+        <p:spPr>
+          <a:xfrm>
+            <a:off x="3700079" y="3068960"/>
+            <a:ext cx="1343445" cy="369332"/>
+          </a:xfrm>
+          <a:prstGeom prst="rect">
+            <a:avLst/>
+          </a:prstGeom>
+          <a:noFill/>
+        </p:spPr>
+        <p:txBody>
+          <a:bodyPr wrap="none" rtlCol="0">
+            <a:spAutoFit/>
+          </a:bodyPr>
+          <a:lstStyle/>
+          <a:p>
+            <a:r>
+              <a:rPr lang="en-GB" dirty="0" smtClean="0">
+                <a:solidFill>
+                  <a:prstClr val="black"/>
+                </a:solidFill>
+              </a:rPr>
+              <a:t>Pull Request</a:t>
+            </a:r>
+            <a:endParaRPr lang="en-GB" dirty="0">
+              <a:solidFill>
+                <a:prstClr val="black"/>
+              </a:solidFill>
+            </a:endParaRPr>
+          </a:p>
+        </p:txBody>
+      </p:sp>
+      <p:cxnSp>
+        <p:nvCxnSpPr>
+          <p:cNvPr id="17" name="Gerade Verbindung mit Pfeil 16"/>
+          <p:cNvCxnSpPr/>
+          <p:nvPr/>
+        </p:nvCxnSpPr>
+        <p:spPr>
+          <a:xfrm flipH="1">
+            <a:off x="2699792" y="3789040"/>
+            <a:ext cx="3312368" cy="0"/>
+          </a:xfrm>
+          <a:prstGeom prst="straightConnector1">
+            <a:avLst/>
+          </a:prstGeom>
+          <a:ln>
+            <a:tailEnd type="arrow"/>
+          </a:ln>
+        </p:spPr>
+        <p:style>
+          <a:lnRef idx="1">
+            <a:schemeClr val="accent1"/>
+          </a:lnRef>
+          <a:fillRef idx="0">
+            <a:schemeClr val="accent1"/>
+          </a:fillRef>
+          <a:effectRef idx="0">
+            <a:schemeClr val="accent1"/>
+          </a:effectRef>
+          <a:fontRef idx="minor">
+            <a:schemeClr val="tx1"/>
+          </a:fontRef>
+        </p:style>
+      </p:cxnSp>
+      <p:sp>
+        <p:nvSpPr>
+          <p:cNvPr id="18" name="Textfeld 17"/>
+          <p:cNvSpPr txBox="1"/>
+          <p:nvPr/>
+        </p:nvSpPr>
+        <p:spPr>
+          <a:xfrm>
+            <a:off x="3624000" y="3501008"/>
+            <a:ext cx="1495602" cy="369332"/>
+          </a:xfrm>
+          <a:prstGeom prst="rect">
+            <a:avLst/>
+          </a:prstGeom>
+          <a:noFill/>
+        </p:spPr>
+        <p:txBody>
+          <a:bodyPr wrap="none" rtlCol="0">
+            <a:spAutoFit/>
+          </a:bodyPr>
+          <a:lstStyle/>
+          <a:p>
+            <a:r>
+              <a:rPr lang="en-GB" dirty="0" smtClean="0">
+                <a:solidFill>
+                  <a:prstClr val="black"/>
+                </a:solidFill>
+              </a:rPr>
+              <a:t>User Message</a:t>
+            </a:r>
+            <a:endParaRPr lang="en-GB" dirty="0">
+              <a:solidFill>
+                <a:prstClr val="black"/>
+              </a:solidFill>
+            </a:endParaRPr>
+          </a:p>
+        </p:txBody>
+      </p:sp>
+      <p:cxnSp>
+        <p:nvCxnSpPr>
+          <p:cNvPr id="19" name="Gerade Verbindung mit Pfeil 18"/>
+          <p:cNvCxnSpPr/>
+          <p:nvPr/>
+        </p:nvCxnSpPr>
+        <p:spPr>
+          <a:xfrm>
+            <a:off x="2699792" y="4499828"/>
+            <a:ext cx="3312368" cy="0"/>
+          </a:xfrm>
+          <a:prstGeom prst="straightConnector1">
+            <a:avLst/>
+          </a:prstGeom>
+          <a:ln>
+            <a:headEnd type="arrow"/>
+            <a:tailEnd type="none"/>
+          </a:ln>
+        </p:spPr>
+        <p:style>
+          <a:lnRef idx="1">
+            <a:schemeClr val="accent1"/>
+          </a:lnRef>
+          <a:fillRef idx="0">
+            <a:schemeClr val="accent1"/>
+          </a:fillRef>
+          <a:effectRef idx="0">
+            <a:schemeClr val="accent1"/>
+          </a:effectRef>
+          <a:fontRef idx="minor">
+            <a:schemeClr val="tx1"/>
+          </a:fontRef>
+        </p:style>
+      </p:cxnSp>
+      <p:sp>
+        <p:nvSpPr>
+          <p:cNvPr id="20" name="Textfeld 19"/>
+          <p:cNvSpPr txBox="1"/>
+          <p:nvPr/>
+        </p:nvSpPr>
+        <p:spPr>
+          <a:xfrm>
+            <a:off x="3624000" y="4211796"/>
+            <a:ext cx="1495602" cy="369332"/>
+          </a:xfrm>
+          <a:prstGeom prst="rect">
+            <a:avLst/>
+          </a:prstGeom>
+          <a:noFill/>
+        </p:spPr>
+        <p:txBody>
+          <a:bodyPr wrap="none" rtlCol="0">
+            <a:spAutoFit/>
+          </a:bodyPr>
+          <a:lstStyle/>
+          <a:p>
+            <a:r>
+              <a:rPr lang="en-GB" dirty="0" smtClean="0">
+                <a:solidFill>
+                  <a:prstClr val="black"/>
+                </a:solidFill>
+              </a:rPr>
+              <a:t>User Message</a:t>
+            </a:r>
+            <a:endParaRPr lang="en-GB" dirty="0">
+              <a:solidFill>
+                <a:prstClr val="black"/>
+              </a:solidFill>
+            </a:endParaRPr>
+          </a:p>
+        </p:txBody>
+      </p:sp>
+      <p:cxnSp>
+        <p:nvCxnSpPr>
+          <p:cNvPr id="25" name="Gerade Verbindung mit Pfeil 24"/>
+          <p:cNvCxnSpPr/>
+          <p:nvPr/>
+        </p:nvCxnSpPr>
+        <p:spPr>
+          <a:xfrm flipH="1">
+            <a:off x="2699792" y="4931876"/>
+            <a:ext cx="3312368" cy="0"/>
+          </a:xfrm>
+          <a:prstGeom prst="straightConnector1">
+            <a:avLst/>
+          </a:prstGeom>
+          <a:ln>
+            <a:headEnd type="arrow"/>
+            <a:tailEnd type="none"/>
+          </a:ln>
+        </p:spPr>
+        <p:style>
+          <a:lnRef idx="1">
+            <a:schemeClr val="accent1"/>
+          </a:lnRef>
+          <a:fillRef idx="0">
+            <a:schemeClr val="accent1"/>
+          </a:fillRef>
+          <a:effectRef idx="0">
+            <a:schemeClr val="accent1"/>
+          </a:effectRef>
+          <a:fontRef idx="minor">
+            <a:schemeClr val="tx1"/>
+          </a:fontRef>
+        </p:style>
+      </p:cxnSp>
+      <p:sp>
+        <p:nvSpPr>
+          <p:cNvPr id="26" name="Textfeld 25"/>
+          <p:cNvSpPr txBox="1"/>
+          <p:nvPr/>
+        </p:nvSpPr>
+        <p:spPr>
+          <a:xfrm>
+            <a:off x="3563888" y="4643844"/>
+            <a:ext cx="1615827" cy="369332"/>
+          </a:xfrm>
+          <a:prstGeom prst="rect">
+            <a:avLst/>
+          </a:prstGeom>
+          <a:noFill/>
+        </p:spPr>
+        <p:txBody>
+          <a:bodyPr wrap="none" rtlCol="0">
+            <a:spAutoFit/>
+          </a:bodyPr>
+          <a:lstStyle/>
+          <a:p>
+            <a:r>
+              <a:rPr lang="en-GB" dirty="0" smtClean="0">
+                <a:solidFill>
+                  <a:prstClr val="black"/>
+                </a:solidFill>
+              </a:rPr>
+              <a:t>Signal Message</a:t>
+            </a:r>
+            <a:endParaRPr lang="en-GB" dirty="0">
+              <a:solidFill>
+                <a:prstClr val="black"/>
+              </a:solidFill>
+            </a:endParaRPr>
           </a:p>
         </p:txBody>
       </p:sp>

--- a/docs/AS4 PEPPOL images.pptx
+++ b/docs/AS4 PEPPOL images.pptx
@@ -8,6 +8,13 @@
     <p:sldId id="256" r:id="rId2"/>
     <p:sldId id="257" r:id="rId3"/>
     <p:sldId id="258" r:id="rId4"/>
+    <p:sldId id="259" r:id="rId5"/>
+    <p:sldId id="260" r:id="rId6"/>
+    <p:sldId id="261" r:id="rId7"/>
+    <p:sldId id="262" r:id="rId8"/>
+    <p:sldId id="263" r:id="rId9"/>
+    <p:sldId id="264" r:id="rId10"/>
+    <p:sldId id="265" r:id="rId11"/>
   </p:sldIdLst>
   <p:sldSz cx="9144000" cy="6858000" type="screen4x3"/>
   <p:notesSz cx="6858000" cy="9144000"/>
@@ -106,6 +113,22 @@
       </a:defRPr>
     </a:lvl9pPr>
   </p:defaultTextStyle>
+  <p:extLst>
+    <p:ext uri="{EFAFB233-063F-42B5-8137-9DF3F51BA10A}">
+      <p15:sldGuideLst xmlns:p15="http://schemas.microsoft.com/office/powerpoint/2012/main">
+        <p15:guide id="1" orient="horz" pos="2160">
+          <p15:clr>
+            <a:srgbClr val="A4A3A4"/>
+          </p15:clr>
+        </p15:guide>
+        <p15:guide id="2" pos="2880">
+          <p15:clr>
+            <a:srgbClr val="A4A3A4"/>
+          </p15:clr>
+        </p15:guide>
+      </p15:sldGuideLst>
+    </p:ext>
+  </p:extLst>
 </p:presentation>
 </file>
 
@@ -290,7 +313,8 @@
           <a:p>
             <a:fld id="{10CFD44E-5975-4AC9-9C1D-CD371CB5D6EF}" type="datetimeFigureOut">
               <a:rPr lang="de-AT" smtClean="0"/>
-              <a:t>20.03.2017</a:t>
+              <a:pPr/>
+              <a:t>22.03.17</a:t>
             </a:fld>
             <a:endParaRPr lang="de-AT"/>
           </a:p>
@@ -332,7 +356,8 @@
           <a:p>
             <a:fld id="{229D36A1-2CE7-4DF4-9C82-CDF3E1A5C54F}" type="slidenum">
               <a:rPr lang="de-AT" smtClean="0"/>
-              <a:t>‹Nr.›</a:t>
+              <a:pPr/>
+              <a:t>‹#›</a:t>
             </a:fld>
             <a:endParaRPr lang="de-AT"/>
           </a:p>
@@ -455,7 +480,8 @@
           <a:p>
             <a:fld id="{10CFD44E-5975-4AC9-9C1D-CD371CB5D6EF}" type="datetimeFigureOut">
               <a:rPr lang="de-AT" smtClean="0"/>
-              <a:t>20.03.2017</a:t>
+              <a:pPr/>
+              <a:t>22.03.17</a:t>
             </a:fld>
             <a:endParaRPr lang="de-AT"/>
           </a:p>
@@ -497,7 +523,8 @@
           <a:p>
             <a:fld id="{229D36A1-2CE7-4DF4-9C82-CDF3E1A5C54F}" type="slidenum">
               <a:rPr lang="de-AT" smtClean="0"/>
-              <a:t>‹Nr.›</a:t>
+              <a:pPr/>
+              <a:t>‹#›</a:t>
             </a:fld>
             <a:endParaRPr lang="de-AT"/>
           </a:p>
@@ -630,7 +657,8 @@
           <a:p>
             <a:fld id="{10CFD44E-5975-4AC9-9C1D-CD371CB5D6EF}" type="datetimeFigureOut">
               <a:rPr lang="de-AT" smtClean="0"/>
-              <a:t>20.03.2017</a:t>
+              <a:pPr/>
+              <a:t>22.03.17</a:t>
             </a:fld>
             <a:endParaRPr lang="de-AT"/>
           </a:p>
@@ -672,7 +700,8 @@
           <a:p>
             <a:fld id="{229D36A1-2CE7-4DF4-9C82-CDF3E1A5C54F}" type="slidenum">
               <a:rPr lang="de-AT" smtClean="0"/>
-              <a:t>‹Nr.›</a:t>
+              <a:pPr/>
+              <a:t>‹#›</a:t>
             </a:fld>
             <a:endParaRPr lang="de-AT"/>
           </a:p>
@@ -795,7 +824,8 @@
           <a:p>
             <a:fld id="{10CFD44E-5975-4AC9-9C1D-CD371CB5D6EF}" type="datetimeFigureOut">
               <a:rPr lang="de-AT" smtClean="0"/>
-              <a:t>20.03.2017</a:t>
+              <a:pPr/>
+              <a:t>22.03.17</a:t>
             </a:fld>
             <a:endParaRPr lang="de-AT"/>
           </a:p>
@@ -837,7 +867,8 @@
           <a:p>
             <a:fld id="{229D36A1-2CE7-4DF4-9C82-CDF3E1A5C54F}" type="slidenum">
               <a:rPr lang="de-AT" smtClean="0"/>
-              <a:t>‹Nr.›</a:t>
+              <a:pPr/>
+              <a:t>‹#›</a:t>
             </a:fld>
             <a:endParaRPr lang="de-AT"/>
           </a:p>
@@ -1036,7 +1067,8 @@
           <a:p>
             <a:fld id="{10CFD44E-5975-4AC9-9C1D-CD371CB5D6EF}" type="datetimeFigureOut">
               <a:rPr lang="de-AT" smtClean="0"/>
-              <a:t>20.03.2017</a:t>
+              <a:pPr/>
+              <a:t>22.03.17</a:t>
             </a:fld>
             <a:endParaRPr lang="de-AT"/>
           </a:p>
@@ -1078,7 +1110,8 @@
           <a:p>
             <a:fld id="{229D36A1-2CE7-4DF4-9C82-CDF3E1A5C54F}" type="slidenum">
               <a:rPr lang="de-AT" smtClean="0"/>
-              <a:t>‹Nr.›</a:t>
+              <a:pPr/>
+              <a:t>‹#›</a:t>
             </a:fld>
             <a:endParaRPr lang="de-AT"/>
           </a:p>
@@ -1319,7 +1352,8 @@
           <a:p>
             <a:fld id="{10CFD44E-5975-4AC9-9C1D-CD371CB5D6EF}" type="datetimeFigureOut">
               <a:rPr lang="de-AT" smtClean="0"/>
-              <a:t>20.03.2017</a:t>
+              <a:pPr/>
+              <a:t>22.03.17</a:t>
             </a:fld>
             <a:endParaRPr lang="de-AT"/>
           </a:p>
@@ -1361,7 +1395,8 @@
           <a:p>
             <a:fld id="{229D36A1-2CE7-4DF4-9C82-CDF3E1A5C54F}" type="slidenum">
               <a:rPr lang="de-AT" smtClean="0"/>
-              <a:t>‹Nr.›</a:t>
+              <a:pPr/>
+              <a:t>‹#›</a:t>
             </a:fld>
             <a:endParaRPr lang="de-AT"/>
           </a:p>
@@ -1736,7 +1771,8 @@
           <a:p>
             <a:fld id="{10CFD44E-5975-4AC9-9C1D-CD371CB5D6EF}" type="datetimeFigureOut">
               <a:rPr lang="de-AT" smtClean="0"/>
-              <a:t>20.03.2017</a:t>
+              <a:pPr/>
+              <a:t>22.03.17</a:t>
             </a:fld>
             <a:endParaRPr lang="de-AT"/>
           </a:p>
@@ -1778,7 +1814,8 @@
           <a:p>
             <a:fld id="{229D36A1-2CE7-4DF4-9C82-CDF3E1A5C54F}" type="slidenum">
               <a:rPr lang="de-AT" smtClean="0"/>
-              <a:t>‹Nr.›</a:t>
+              <a:pPr/>
+              <a:t>‹#›</a:t>
             </a:fld>
             <a:endParaRPr lang="de-AT"/>
           </a:p>
@@ -1849,7 +1886,8 @@
           <a:p>
             <a:fld id="{10CFD44E-5975-4AC9-9C1D-CD371CB5D6EF}" type="datetimeFigureOut">
               <a:rPr lang="de-AT" smtClean="0"/>
-              <a:t>20.03.2017</a:t>
+              <a:pPr/>
+              <a:t>22.03.17</a:t>
             </a:fld>
             <a:endParaRPr lang="de-AT"/>
           </a:p>
@@ -1891,7 +1929,8 @@
           <a:p>
             <a:fld id="{229D36A1-2CE7-4DF4-9C82-CDF3E1A5C54F}" type="slidenum">
               <a:rPr lang="de-AT" smtClean="0"/>
-              <a:t>‹Nr.›</a:t>
+              <a:pPr/>
+              <a:t>‹#›</a:t>
             </a:fld>
             <a:endParaRPr lang="de-AT"/>
           </a:p>
@@ -1939,7 +1978,8 @@
           <a:p>
             <a:fld id="{10CFD44E-5975-4AC9-9C1D-CD371CB5D6EF}" type="datetimeFigureOut">
               <a:rPr lang="de-AT" smtClean="0"/>
-              <a:t>20.03.2017</a:t>
+              <a:pPr/>
+              <a:t>22.03.17</a:t>
             </a:fld>
             <a:endParaRPr lang="de-AT"/>
           </a:p>
@@ -1981,7 +2021,8 @@
           <a:p>
             <a:fld id="{229D36A1-2CE7-4DF4-9C82-CDF3E1A5C54F}" type="slidenum">
               <a:rPr lang="de-AT" smtClean="0"/>
-              <a:t>‹Nr.›</a:t>
+              <a:pPr/>
+              <a:t>‹#›</a:t>
             </a:fld>
             <a:endParaRPr lang="de-AT"/>
           </a:p>
@@ -2211,7 +2252,8 @@
           <a:p>
             <a:fld id="{10CFD44E-5975-4AC9-9C1D-CD371CB5D6EF}" type="datetimeFigureOut">
               <a:rPr lang="de-AT" smtClean="0"/>
-              <a:t>20.03.2017</a:t>
+              <a:pPr/>
+              <a:t>22.03.17</a:t>
             </a:fld>
             <a:endParaRPr lang="de-AT"/>
           </a:p>
@@ -2253,7 +2295,8 @@
           <a:p>
             <a:fld id="{229D36A1-2CE7-4DF4-9C82-CDF3E1A5C54F}" type="slidenum">
               <a:rPr lang="de-AT" smtClean="0"/>
-              <a:t>‹Nr.›</a:t>
+              <a:pPr/>
+              <a:t>‹#›</a:t>
             </a:fld>
             <a:endParaRPr lang="de-AT"/>
           </a:p>
@@ -2459,7 +2502,8 @@
           <a:p>
             <a:fld id="{10CFD44E-5975-4AC9-9C1D-CD371CB5D6EF}" type="datetimeFigureOut">
               <a:rPr lang="de-AT" smtClean="0"/>
-              <a:t>20.03.2017</a:t>
+              <a:pPr/>
+              <a:t>22.03.17</a:t>
             </a:fld>
             <a:endParaRPr lang="de-AT"/>
           </a:p>
@@ -2501,7 +2545,8 @@
           <a:p>
             <a:fld id="{229D36A1-2CE7-4DF4-9C82-CDF3E1A5C54F}" type="slidenum">
               <a:rPr lang="de-AT" smtClean="0"/>
-              <a:t>‹Nr.›</a:t>
+              <a:pPr/>
+              <a:t>‹#›</a:t>
             </a:fld>
             <a:endParaRPr lang="de-AT"/>
           </a:p>
@@ -2667,7 +2712,8 @@
           <a:p>
             <a:fld id="{10CFD44E-5975-4AC9-9C1D-CD371CB5D6EF}" type="datetimeFigureOut">
               <a:rPr lang="de-AT" smtClean="0"/>
-              <a:t>20.03.2017</a:t>
+              <a:pPr/>
+              <a:t>22.03.17</a:t>
             </a:fld>
             <a:endParaRPr lang="de-AT"/>
           </a:p>
@@ -2745,7 +2791,8 @@
           <a:p>
             <a:fld id="{229D36A1-2CE7-4DF4-9C82-CDF3E1A5C54F}" type="slidenum">
               <a:rPr lang="de-AT" smtClean="0"/>
-              <a:t>‹Nr.›</a:t>
+              <a:pPr/>
+              <a:t>‹#›</a:t>
             </a:fld>
             <a:endParaRPr lang="de-AT"/>
           </a:p>
@@ -3091,6 +3138,804 @@
 </p:sld>
 </file>
 
+<file path=ppt/slides/slide10.xml><?xml version="1.0" encoding="utf-8"?>
+<p:sld xmlns:a="http://schemas.openxmlformats.org/drawingml/2006/main" xmlns:r="http://schemas.openxmlformats.org/officeDocument/2006/relationships" xmlns:p="http://schemas.openxmlformats.org/presentationml/2006/main">
+  <p:cSld>
+    <p:spTree>
+      <p:nvGrpSpPr>
+        <p:cNvPr id="1" name=""/>
+        <p:cNvGrpSpPr/>
+        <p:nvPr/>
+      </p:nvGrpSpPr>
+      <p:grpSpPr>
+        <a:xfrm>
+          <a:off x="0" y="0"/>
+          <a:ext cx="0" cy="0"/>
+          <a:chOff x="0" y="0"/>
+          <a:chExt cx="0" cy="0"/>
+        </a:xfrm>
+      </p:grpSpPr>
+      <p:sp>
+        <p:nvSpPr>
+          <p:cNvPr id="2" name="Titel 1"/>
+          <p:cNvSpPr>
+            <a:spLocks noGrp="1"/>
+          </p:cNvSpPr>
+          <p:nvPr>
+            <p:ph type="title"/>
+          </p:nvPr>
+        </p:nvSpPr>
+        <p:spPr/>
+        <p:txBody>
+          <a:bodyPr>
+            <a:normAutofit fontScale="90000"/>
+          </a:bodyPr>
+          <a:lstStyle/>
+          <a:p>
+            <a:r>
+              <a:rPr lang="en-GB" dirty="0" smtClean="0"/>
+              <a:t>Message Exchange – pull-push</a:t>
+            </a:r>
+            <a:br>
+              <a:rPr lang="en-GB" dirty="0" smtClean="0"/>
+            </a:br>
+            <a:r>
+              <a:rPr lang="en-GB" sz="2700" dirty="0" smtClean="0"/>
+              <a:t>without bundling</a:t>
+            </a:r>
+            <a:endParaRPr lang="en-GB" sz="2700" dirty="0"/>
+          </a:p>
+        </p:txBody>
+      </p:sp>
+      <p:sp>
+        <p:nvSpPr>
+          <p:cNvPr id="3" name="Rechteck 2"/>
+          <p:cNvSpPr/>
+          <p:nvPr/>
+        </p:nvSpPr>
+        <p:spPr>
+          <a:xfrm>
+            <a:off x="2051720" y="2492896"/>
+            <a:ext cx="1296144" cy="432048"/>
+          </a:xfrm>
+          <a:prstGeom prst="rect">
+            <a:avLst/>
+          </a:prstGeom>
+        </p:spPr>
+        <p:style>
+          <a:lnRef idx="2">
+            <a:schemeClr val="accent1">
+              <a:shade val="50000"/>
+            </a:schemeClr>
+          </a:lnRef>
+          <a:fillRef idx="1">
+            <a:schemeClr val="accent1"/>
+          </a:fillRef>
+          <a:effectRef idx="0">
+            <a:schemeClr val="accent1"/>
+          </a:effectRef>
+          <a:fontRef idx="minor">
+            <a:schemeClr val="lt1"/>
+          </a:fontRef>
+        </p:style>
+        <p:txBody>
+          <a:bodyPr rtlCol="0" anchor="ctr"/>
+          <a:lstStyle/>
+          <a:p>
+            <a:pPr algn="ctr"/>
+            <a:r>
+              <a:rPr lang="en-GB" dirty="0" smtClean="0">
+                <a:solidFill>
+                  <a:prstClr val="white"/>
+                </a:solidFill>
+              </a:rPr>
+              <a:t>C2</a:t>
+            </a:r>
+            <a:endParaRPr lang="en-GB" dirty="0">
+              <a:solidFill>
+                <a:prstClr val="white"/>
+              </a:solidFill>
+            </a:endParaRPr>
+          </a:p>
+        </p:txBody>
+      </p:sp>
+      <p:sp>
+        <p:nvSpPr>
+          <p:cNvPr id="4" name="Rechteck 3"/>
+          <p:cNvSpPr/>
+          <p:nvPr/>
+        </p:nvSpPr>
+        <p:spPr>
+          <a:xfrm>
+            <a:off x="5364088" y="2492896"/>
+            <a:ext cx="1296144" cy="432048"/>
+          </a:xfrm>
+          <a:prstGeom prst="rect">
+            <a:avLst/>
+          </a:prstGeom>
+        </p:spPr>
+        <p:style>
+          <a:lnRef idx="2">
+            <a:schemeClr val="accent1">
+              <a:shade val="50000"/>
+            </a:schemeClr>
+          </a:lnRef>
+          <a:fillRef idx="1">
+            <a:schemeClr val="accent1"/>
+          </a:fillRef>
+          <a:effectRef idx="0">
+            <a:schemeClr val="accent1"/>
+          </a:effectRef>
+          <a:fontRef idx="minor">
+            <a:schemeClr val="lt1"/>
+          </a:fontRef>
+        </p:style>
+        <p:txBody>
+          <a:bodyPr rtlCol="0" anchor="ctr"/>
+          <a:lstStyle/>
+          <a:p>
+            <a:pPr algn="ctr"/>
+            <a:r>
+              <a:rPr lang="en-GB" dirty="0" smtClean="0">
+                <a:solidFill>
+                  <a:prstClr val="white"/>
+                </a:solidFill>
+              </a:rPr>
+              <a:t>C3</a:t>
+            </a:r>
+            <a:endParaRPr lang="en-GB" dirty="0">
+              <a:solidFill>
+                <a:prstClr val="white"/>
+              </a:solidFill>
+            </a:endParaRPr>
+          </a:p>
+        </p:txBody>
+      </p:sp>
+      <p:cxnSp>
+        <p:nvCxnSpPr>
+          <p:cNvPr id="5" name="Gerade Verbindung 4"/>
+          <p:cNvCxnSpPr/>
+          <p:nvPr/>
+        </p:nvCxnSpPr>
+        <p:spPr>
+          <a:xfrm>
+            <a:off x="6012160" y="2996952"/>
+            <a:ext cx="0" cy="2520280"/>
+          </a:xfrm>
+          <a:prstGeom prst="line">
+            <a:avLst/>
+          </a:prstGeom>
+        </p:spPr>
+        <p:style>
+          <a:lnRef idx="1">
+            <a:schemeClr val="accent1"/>
+          </a:lnRef>
+          <a:fillRef idx="0">
+            <a:schemeClr val="accent1"/>
+          </a:fillRef>
+          <a:effectRef idx="0">
+            <a:schemeClr val="accent1"/>
+          </a:effectRef>
+          <a:fontRef idx="minor">
+            <a:schemeClr val="tx1"/>
+          </a:fontRef>
+        </p:style>
+      </p:cxnSp>
+      <p:cxnSp>
+        <p:nvCxnSpPr>
+          <p:cNvPr id="13" name="Gerade Verbindung 12"/>
+          <p:cNvCxnSpPr/>
+          <p:nvPr/>
+        </p:nvCxnSpPr>
+        <p:spPr>
+          <a:xfrm>
+            <a:off x="2699792" y="2996952"/>
+            <a:ext cx="0" cy="2520280"/>
+          </a:xfrm>
+          <a:prstGeom prst="line">
+            <a:avLst/>
+          </a:prstGeom>
+        </p:spPr>
+        <p:style>
+          <a:lnRef idx="1">
+            <a:schemeClr val="accent1"/>
+          </a:lnRef>
+          <a:fillRef idx="0">
+            <a:schemeClr val="accent1"/>
+          </a:fillRef>
+          <a:effectRef idx="0">
+            <a:schemeClr val="accent1"/>
+          </a:effectRef>
+          <a:fontRef idx="minor">
+            <a:schemeClr val="tx1"/>
+          </a:fontRef>
+        </p:style>
+      </p:cxnSp>
+      <p:cxnSp>
+        <p:nvCxnSpPr>
+          <p:cNvPr id="15" name="Gerade Verbindung mit Pfeil 14"/>
+          <p:cNvCxnSpPr/>
+          <p:nvPr/>
+        </p:nvCxnSpPr>
+        <p:spPr>
+          <a:xfrm>
+            <a:off x="2699792" y="3356992"/>
+            <a:ext cx="3312368" cy="0"/>
+          </a:xfrm>
+          <a:prstGeom prst="straightConnector1">
+            <a:avLst/>
+          </a:prstGeom>
+          <a:ln>
+            <a:tailEnd type="arrow"/>
+          </a:ln>
+        </p:spPr>
+        <p:style>
+          <a:lnRef idx="1">
+            <a:schemeClr val="accent1"/>
+          </a:lnRef>
+          <a:fillRef idx="0">
+            <a:schemeClr val="accent1"/>
+          </a:fillRef>
+          <a:effectRef idx="0">
+            <a:schemeClr val="accent1"/>
+          </a:effectRef>
+          <a:fontRef idx="minor">
+            <a:schemeClr val="tx1"/>
+          </a:fontRef>
+        </p:style>
+      </p:cxnSp>
+      <p:sp>
+        <p:nvSpPr>
+          <p:cNvPr id="16" name="Textfeld 15"/>
+          <p:cNvSpPr txBox="1"/>
+          <p:nvPr/>
+        </p:nvSpPr>
+        <p:spPr>
+          <a:xfrm>
+            <a:off x="3700079" y="3068960"/>
+            <a:ext cx="1343445" cy="369332"/>
+          </a:xfrm>
+          <a:prstGeom prst="rect">
+            <a:avLst/>
+          </a:prstGeom>
+          <a:noFill/>
+        </p:spPr>
+        <p:txBody>
+          <a:bodyPr wrap="none" rtlCol="0">
+            <a:spAutoFit/>
+          </a:bodyPr>
+          <a:lstStyle/>
+          <a:p>
+            <a:r>
+              <a:rPr lang="en-GB" dirty="0" smtClean="0">
+                <a:solidFill>
+                  <a:prstClr val="black"/>
+                </a:solidFill>
+              </a:rPr>
+              <a:t>Pull Request</a:t>
+            </a:r>
+            <a:endParaRPr lang="en-GB" dirty="0">
+              <a:solidFill>
+                <a:prstClr val="black"/>
+              </a:solidFill>
+            </a:endParaRPr>
+          </a:p>
+        </p:txBody>
+      </p:sp>
+      <p:cxnSp>
+        <p:nvCxnSpPr>
+          <p:cNvPr id="17" name="Gerade Verbindung mit Pfeil 16"/>
+          <p:cNvCxnSpPr/>
+          <p:nvPr/>
+        </p:nvCxnSpPr>
+        <p:spPr>
+          <a:xfrm flipH="1">
+            <a:off x="2699792" y="3789040"/>
+            <a:ext cx="3312368" cy="0"/>
+          </a:xfrm>
+          <a:prstGeom prst="straightConnector1">
+            <a:avLst/>
+          </a:prstGeom>
+          <a:ln>
+            <a:prstDash val="dash"/>
+            <a:tailEnd type="arrow"/>
+          </a:ln>
+        </p:spPr>
+        <p:style>
+          <a:lnRef idx="1">
+            <a:schemeClr val="accent1"/>
+          </a:lnRef>
+          <a:fillRef idx="0">
+            <a:schemeClr val="accent1"/>
+          </a:fillRef>
+          <a:effectRef idx="0">
+            <a:schemeClr val="accent1"/>
+          </a:effectRef>
+          <a:fontRef idx="minor">
+            <a:schemeClr val="tx1"/>
+          </a:fontRef>
+        </p:style>
+      </p:cxnSp>
+      <p:sp>
+        <p:nvSpPr>
+          <p:cNvPr id="18" name="Textfeld 17"/>
+          <p:cNvSpPr txBox="1"/>
+          <p:nvPr/>
+        </p:nvSpPr>
+        <p:spPr>
+          <a:xfrm>
+            <a:off x="3624000" y="3501008"/>
+            <a:ext cx="1495602" cy="369332"/>
+          </a:xfrm>
+          <a:prstGeom prst="rect">
+            <a:avLst/>
+          </a:prstGeom>
+          <a:noFill/>
+        </p:spPr>
+        <p:txBody>
+          <a:bodyPr wrap="none" rtlCol="0">
+            <a:spAutoFit/>
+          </a:bodyPr>
+          <a:lstStyle/>
+          <a:p>
+            <a:r>
+              <a:rPr lang="en-GB" dirty="0" smtClean="0">
+                <a:solidFill>
+                  <a:prstClr val="black"/>
+                </a:solidFill>
+              </a:rPr>
+              <a:t>User Message</a:t>
+            </a:r>
+            <a:endParaRPr lang="en-GB" dirty="0">
+              <a:solidFill>
+                <a:prstClr val="black"/>
+              </a:solidFill>
+            </a:endParaRPr>
+          </a:p>
+        </p:txBody>
+      </p:sp>
+      <p:cxnSp>
+        <p:nvCxnSpPr>
+          <p:cNvPr id="19" name="Gerade Verbindung mit Pfeil 18"/>
+          <p:cNvCxnSpPr/>
+          <p:nvPr/>
+        </p:nvCxnSpPr>
+        <p:spPr>
+          <a:xfrm flipH="1">
+            <a:off x="2699792" y="4864299"/>
+            <a:ext cx="3312368" cy="0"/>
+          </a:xfrm>
+          <a:prstGeom prst="straightConnector1">
+            <a:avLst/>
+          </a:prstGeom>
+          <a:ln>
+            <a:headEnd type="arrow"/>
+            <a:tailEnd type="none"/>
+          </a:ln>
+        </p:spPr>
+        <p:style>
+          <a:lnRef idx="1">
+            <a:schemeClr val="accent1"/>
+          </a:lnRef>
+          <a:fillRef idx="0">
+            <a:schemeClr val="accent1"/>
+          </a:fillRef>
+          <a:effectRef idx="0">
+            <a:schemeClr val="accent1"/>
+          </a:effectRef>
+          <a:fontRef idx="minor">
+            <a:schemeClr val="tx1"/>
+          </a:fontRef>
+        </p:style>
+      </p:cxnSp>
+      <p:sp>
+        <p:nvSpPr>
+          <p:cNvPr id="20" name="Textfeld 19"/>
+          <p:cNvSpPr txBox="1"/>
+          <p:nvPr/>
+        </p:nvSpPr>
+        <p:spPr>
+          <a:xfrm>
+            <a:off x="3617156" y="4557684"/>
+            <a:ext cx="1495666" cy="369332"/>
+          </a:xfrm>
+          <a:prstGeom prst="rect">
+            <a:avLst/>
+          </a:prstGeom>
+          <a:noFill/>
+        </p:spPr>
+        <p:txBody>
+          <a:bodyPr wrap="none" rtlCol="0">
+            <a:spAutoFit/>
+          </a:bodyPr>
+          <a:lstStyle/>
+          <a:p>
+            <a:r>
+              <a:rPr lang="en-GB" smtClean="0">
+                <a:solidFill>
+                  <a:prstClr val="black"/>
+                </a:solidFill>
+              </a:rPr>
+              <a:t>User Message</a:t>
+            </a:r>
+            <a:endParaRPr lang="en-GB" dirty="0">
+              <a:solidFill>
+                <a:prstClr val="black"/>
+              </a:solidFill>
+            </a:endParaRPr>
+          </a:p>
+        </p:txBody>
+      </p:sp>
+      <p:cxnSp>
+        <p:nvCxnSpPr>
+          <p:cNvPr id="25" name="Gerade Verbindung mit Pfeil 24"/>
+          <p:cNvCxnSpPr/>
+          <p:nvPr/>
+        </p:nvCxnSpPr>
+        <p:spPr>
+          <a:xfrm>
+            <a:off x="2699792" y="5296347"/>
+            <a:ext cx="3312368" cy="0"/>
+          </a:xfrm>
+          <a:prstGeom prst="straightConnector1">
+            <a:avLst/>
+          </a:prstGeom>
+          <a:ln>
+            <a:prstDash val="dash"/>
+            <a:headEnd type="arrow"/>
+            <a:tailEnd type="none"/>
+          </a:ln>
+        </p:spPr>
+        <p:style>
+          <a:lnRef idx="1">
+            <a:schemeClr val="accent1"/>
+          </a:lnRef>
+          <a:fillRef idx="0">
+            <a:schemeClr val="accent1"/>
+          </a:fillRef>
+          <a:effectRef idx="0">
+            <a:schemeClr val="accent1"/>
+          </a:effectRef>
+          <a:fontRef idx="minor">
+            <a:schemeClr val="tx1"/>
+          </a:fontRef>
+        </p:style>
+      </p:cxnSp>
+      <p:sp>
+        <p:nvSpPr>
+          <p:cNvPr id="26" name="Textfeld 25"/>
+          <p:cNvSpPr txBox="1"/>
+          <p:nvPr/>
+        </p:nvSpPr>
+        <p:spPr>
+          <a:xfrm>
+            <a:off x="3563888" y="5008315"/>
+            <a:ext cx="1615827" cy="369332"/>
+          </a:xfrm>
+          <a:prstGeom prst="rect">
+            <a:avLst/>
+          </a:prstGeom>
+          <a:noFill/>
+        </p:spPr>
+        <p:txBody>
+          <a:bodyPr wrap="none" rtlCol="0">
+            <a:spAutoFit/>
+          </a:bodyPr>
+          <a:lstStyle/>
+          <a:p>
+            <a:r>
+              <a:rPr lang="en-GB" dirty="0" smtClean="0">
+                <a:solidFill>
+                  <a:prstClr val="black"/>
+                </a:solidFill>
+              </a:rPr>
+              <a:t>Signal Message</a:t>
+            </a:r>
+            <a:endParaRPr lang="en-GB" dirty="0">
+              <a:solidFill>
+                <a:prstClr val="black"/>
+              </a:solidFill>
+            </a:endParaRPr>
+          </a:p>
+        </p:txBody>
+      </p:sp>
+      <p:cxnSp>
+        <p:nvCxnSpPr>
+          <p:cNvPr id="21" name="Gerade Verbindung mit Pfeil 18"/>
+          <p:cNvCxnSpPr/>
+          <p:nvPr/>
+        </p:nvCxnSpPr>
+        <p:spPr>
+          <a:xfrm flipH="1">
+            <a:off x="2690779" y="4208312"/>
+            <a:ext cx="3312368" cy="0"/>
+          </a:xfrm>
+          <a:prstGeom prst="straightConnector1">
+            <a:avLst/>
+          </a:prstGeom>
+          <a:ln>
+            <a:headEnd type="arrow"/>
+            <a:tailEnd type="none"/>
+          </a:ln>
+        </p:spPr>
+        <p:style>
+          <a:lnRef idx="1">
+            <a:schemeClr val="accent1"/>
+          </a:lnRef>
+          <a:fillRef idx="0">
+            <a:schemeClr val="accent1"/>
+          </a:fillRef>
+          <a:effectRef idx="0">
+            <a:schemeClr val="accent1"/>
+          </a:effectRef>
+          <a:fontRef idx="minor">
+            <a:schemeClr val="tx1"/>
+          </a:fontRef>
+        </p:style>
+      </p:cxnSp>
+      <p:sp>
+        <p:nvSpPr>
+          <p:cNvPr id="22" name="Textfeld 19"/>
+          <p:cNvSpPr txBox="1"/>
+          <p:nvPr/>
+        </p:nvSpPr>
+        <p:spPr>
+          <a:xfrm>
+            <a:off x="3608143" y="3901697"/>
+            <a:ext cx="1615892" cy="369332"/>
+          </a:xfrm>
+          <a:prstGeom prst="rect">
+            <a:avLst/>
+          </a:prstGeom>
+          <a:noFill/>
+        </p:spPr>
+        <p:txBody>
+          <a:bodyPr wrap="none" rtlCol="0">
+            <a:spAutoFit/>
+          </a:bodyPr>
+          <a:lstStyle/>
+          <a:p>
+            <a:r>
+              <a:rPr lang="en-GB" dirty="0" smtClean="0">
+                <a:solidFill>
+                  <a:prstClr val="black"/>
+                </a:solidFill>
+              </a:rPr>
+              <a:t>Signal Message</a:t>
+            </a:r>
+            <a:endParaRPr lang="en-GB" dirty="0">
+              <a:solidFill>
+                <a:prstClr val="black"/>
+              </a:solidFill>
+            </a:endParaRPr>
+          </a:p>
+        </p:txBody>
+      </p:sp>
+      <p:sp>
+        <p:nvSpPr>
+          <p:cNvPr id="23" name="TextBox 22"/>
+          <p:cNvSpPr txBox="1"/>
+          <p:nvPr/>
+        </p:nvSpPr>
+        <p:spPr>
+          <a:xfrm>
+            <a:off x="2221584" y="2051556"/>
+            <a:ext cx="956416" cy="369332"/>
+          </a:xfrm>
+          <a:prstGeom prst="rect">
+            <a:avLst/>
+          </a:prstGeom>
+          <a:noFill/>
+        </p:spPr>
+        <p:txBody>
+          <a:bodyPr wrap="none" rtlCol="0">
+            <a:spAutoFit/>
+          </a:bodyPr>
+          <a:lstStyle/>
+          <a:p>
+            <a:r>
+              <a:rPr lang="en-US" b="1" dirty="0" smtClean="0"/>
+              <a:t>Initiator</a:t>
+            </a:r>
+            <a:endParaRPr lang="en-US" b="1" dirty="0"/>
+          </a:p>
+        </p:txBody>
+      </p:sp>
+      <p:sp>
+        <p:nvSpPr>
+          <p:cNvPr id="24" name="TextBox 23"/>
+          <p:cNvSpPr txBox="1"/>
+          <p:nvPr/>
+        </p:nvSpPr>
+        <p:spPr>
+          <a:xfrm>
+            <a:off x="5407667" y="2051556"/>
+            <a:ext cx="1208985" cy="369332"/>
+          </a:xfrm>
+          <a:prstGeom prst="rect">
+            <a:avLst/>
+          </a:prstGeom>
+          <a:noFill/>
+        </p:spPr>
+        <p:txBody>
+          <a:bodyPr wrap="none" rtlCol="0">
+            <a:spAutoFit/>
+          </a:bodyPr>
+          <a:lstStyle/>
+          <a:p>
+            <a:r>
+              <a:rPr lang="en-US" b="1" smtClean="0"/>
+              <a:t>Responder</a:t>
+            </a:r>
+            <a:endParaRPr lang="en-US" b="1" dirty="0"/>
+          </a:p>
+        </p:txBody>
+      </p:sp>
+      <p:sp>
+        <p:nvSpPr>
+          <p:cNvPr id="27" name="TextBox 26"/>
+          <p:cNvSpPr txBox="1"/>
+          <p:nvPr/>
+        </p:nvSpPr>
+        <p:spPr>
+          <a:xfrm>
+            <a:off x="1782681" y="4874966"/>
+            <a:ext cx="845103" cy="369332"/>
+          </a:xfrm>
+          <a:prstGeom prst="rect">
+            <a:avLst/>
+          </a:prstGeom>
+          <a:noFill/>
+        </p:spPr>
+        <p:txBody>
+          <a:bodyPr wrap="none" rtlCol="0">
+            <a:spAutoFit/>
+          </a:bodyPr>
+          <a:lstStyle/>
+          <a:p>
+            <a:r>
+              <a:rPr lang="en-US" i="1" dirty="0" smtClean="0">
+                <a:latin typeface="Times New Roman" charset="0"/>
+                <a:ea typeface="Times New Roman" charset="0"/>
+                <a:cs typeface="Times New Roman" charset="0"/>
+              </a:rPr>
+              <a:t>Sender</a:t>
+            </a:r>
+            <a:endParaRPr lang="en-US" i="1" dirty="0">
+              <a:latin typeface="Times New Roman" charset="0"/>
+              <a:ea typeface="Times New Roman" charset="0"/>
+              <a:cs typeface="Times New Roman" charset="0"/>
+            </a:endParaRPr>
+          </a:p>
+        </p:txBody>
+      </p:sp>
+      <p:sp>
+        <p:nvSpPr>
+          <p:cNvPr id="28" name="TextBox 27"/>
+          <p:cNvSpPr txBox="1"/>
+          <p:nvPr/>
+        </p:nvSpPr>
+        <p:spPr>
+          <a:xfrm>
+            <a:off x="6136085" y="4874966"/>
+            <a:ext cx="992579" cy="369332"/>
+          </a:xfrm>
+          <a:prstGeom prst="rect">
+            <a:avLst/>
+          </a:prstGeom>
+          <a:noFill/>
+        </p:spPr>
+        <p:txBody>
+          <a:bodyPr wrap="none" rtlCol="0">
+            <a:spAutoFit/>
+          </a:bodyPr>
+          <a:lstStyle/>
+          <a:p>
+            <a:r>
+              <a:rPr lang="en-US" i="1" dirty="0" smtClean="0">
+                <a:latin typeface="Times New Roman" charset="0"/>
+                <a:ea typeface="Times New Roman" charset="0"/>
+                <a:cs typeface="Times New Roman" charset="0"/>
+              </a:rPr>
+              <a:t>Receiver</a:t>
+            </a:r>
+            <a:endParaRPr lang="en-US" i="1" dirty="0">
+              <a:latin typeface="Times New Roman" charset="0"/>
+              <a:ea typeface="Times New Roman" charset="0"/>
+              <a:cs typeface="Times New Roman" charset="0"/>
+            </a:endParaRPr>
+          </a:p>
+        </p:txBody>
+      </p:sp>
+      <p:sp>
+        <p:nvSpPr>
+          <p:cNvPr id="29" name="TextBox 28"/>
+          <p:cNvSpPr txBox="1"/>
+          <p:nvPr/>
+        </p:nvSpPr>
+        <p:spPr>
+          <a:xfrm>
+            <a:off x="1635206" y="3560241"/>
+            <a:ext cx="992579" cy="369332"/>
+          </a:xfrm>
+          <a:prstGeom prst="rect">
+            <a:avLst/>
+          </a:prstGeom>
+          <a:noFill/>
+        </p:spPr>
+        <p:txBody>
+          <a:bodyPr wrap="none" rtlCol="0">
+            <a:spAutoFit/>
+          </a:bodyPr>
+          <a:lstStyle/>
+          <a:p>
+            <a:r>
+              <a:rPr lang="en-US" i="1" dirty="0" smtClean="0">
+                <a:latin typeface="Times New Roman" charset="0"/>
+                <a:ea typeface="Times New Roman" charset="0"/>
+                <a:cs typeface="Times New Roman" charset="0"/>
+              </a:rPr>
+              <a:t>Receiver</a:t>
+            </a:r>
+            <a:endParaRPr lang="en-US" i="1" dirty="0">
+              <a:latin typeface="Times New Roman" charset="0"/>
+              <a:ea typeface="Times New Roman" charset="0"/>
+              <a:cs typeface="Times New Roman" charset="0"/>
+            </a:endParaRPr>
+          </a:p>
+        </p:txBody>
+      </p:sp>
+      <p:sp>
+        <p:nvSpPr>
+          <p:cNvPr id="30" name="TextBox 29"/>
+          <p:cNvSpPr txBox="1"/>
+          <p:nvPr/>
+        </p:nvSpPr>
+        <p:spPr>
+          <a:xfrm>
+            <a:off x="6136085" y="3560241"/>
+            <a:ext cx="825867" cy="369332"/>
+          </a:xfrm>
+          <a:prstGeom prst="rect">
+            <a:avLst/>
+          </a:prstGeom>
+          <a:noFill/>
+        </p:spPr>
+        <p:txBody>
+          <a:bodyPr wrap="none" rtlCol="0">
+            <a:spAutoFit/>
+          </a:bodyPr>
+          <a:lstStyle/>
+          <a:p>
+            <a:r>
+              <a:rPr lang="en-US" i="1" dirty="0" smtClean="0">
+                <a:latin typeface="Times New Roman" charset="0"/>
+                <a:ea typeface="Times New Roman" charset="0"/>
+                <a:cs typeface="Times New Roman" charset="0"/>
+              </a:rPr>
+              <a:t>Sender</a:t>
+            </a:r>
+            <a:endParaRPr lang="en-US" i="1" dirty="0">
+              <a:latin typeface="Times New Roman" charset="0"/>
+              <a:ea typeface="Times New Roman" charset="0"/>
+              <a:cs typeface="Times New Roman" charset="0"/>
+            </a:endParaRPr>
+          </a:p>
+        </p:txBody>
+      </p:sp>
+    </p:spTree>
+    <p:extLst>
+      <p:ext uri="{BB962C8B-B14F-4D97-AF65-F5344CB8AC3E}">
+        <p14:creationId xmlns:p14="http://schemas.microsoft.com/office/powerpoint/2010/main" val="858758337"/>
+      </p:ext>
+    </p:extLst>
+  </p:cSld>
+  <p:clrMapOvr>
+    <a:masterClrMapping/>
+  </p:clrMapOvr>
+</p:sld>
+</file>
+
 <file path=ppt/slides/slide2.xml><?xml version="1.0" encoding="utf-8"?>
 <p:sld xmlns:a="http://schemas.openxmlformats.org/drawingml/2006/main" xmlns:r="http://schemas.openxmlformats.org/officeDocument/2006/relationships" xmlns:p="http://schemas.openxmlformats.org/presentationml/2006/main">
   <p:cSld>
@@ -3144,11 +3989,7 @@
             <a:pPr algn="ctr"/>
             <a:r>
               <a:rPr lang="en-GB" smtClean="0"/>
-              <a:t>SOAP </a:t>
-            </a:r>
-            <a:r>
-              <a:rPr lang="en-GB" smtClean="0"/>
-              <a:t>Document</a:t>
+              <a:t>SOAP Document</a:t>
             </a:r>
             <a:endParaRPr lang="en-GB"/>
           </a:p>
@@ -3482,7 +4323,7 @@
         <p:spPr>
           <a:xfrm>
             <a:off x="1475656" y="2132856"/>
-            <a:ext cx="3528392" cy="2592288"/>
+            <a:ext cx="3528392" cy="2376264"/>
           </a:xfrm>
           <a:prstGeom prst="rect">
             <a:avLst/>
@@ -3509,11 +4350,7 @@
             <a:pPr algn="ctr"/>
             <a:r>
               <a:rPr lang="en-GB" smtClean="0"/>
-              <a:t>SOAP </a:t>
-            </a:r>
-            <a:r>
-              <a:rPr lang="en-GB" smtClean="0"/>
-              <a:t>Document</a:t>
+              <a:t>SOAP Document</a:t>
             </a:r>
             <a:endParaRPr lang="en-GB"/>
           </a:p>
@@ -3528,7 +4365,7 @@
         <p:spPr>
           <a:xfrm>
             <a:off x="1763688" y="2636912"/>
-            <a:ext cx="3024336" cy="1080120"/>
+            <a:ext cx="3024336" cy="936104"/>
           </a:xfrm>
           <a:prstGeom prst="rect">
             <a:avLst/>
@@ -3569,7 +4406,7 @@
         </p:nvSpPr>
         <p:spPr>
           <a:xfrm>
-            <a:off x="1763688" y="3933056"/>
+            <a:off x="1763688" y="3717032"/>
             <a:ext cx="3024336" cy="576064"/>
           </a:xfrm>
           <a:prstGeom prst="rect">
@@ -3604,7 +4441,11 @@
             <a:pPr algn="ctr"/>
             <a:r>
               <a:rPr lang="en-GB" sz="1400" i="1" dirty="0" smtClean="0"/>
-              <a:t>must be empty</a:t>
+              <a:t>may be empty </a:t>
+            </a:r>
+            <a:r>
+              <a:rPr lang="en-GB" sz="1400" i="1" smtClean="0"/>
+              <a:t>or contain SBDH/UBL</a:t>
             </a:r>
             <a:endParaRPr lang="en-GB" sz="1400" i="1" dirty="0"/>
           </a:p>
@@ -3619,7 +4460,7 @@
         <p:spPr>
           <a:xfrm>
             <a:off x="2051720" y="3068960"/>
-            <a:ext cx="2448272" cy="432048"/>
+            <a:ext cx="2448272" cy="360040"/>
           </a:xfrm>
           <a:prstGeom prst="rect">
             <a:avLst/>
@@ -3660,8 +4501,8 @@
         </p:nvSpPr>
         <p:spPr>
           <a:xfrm>
-            <a:off x="1475656" y="4941168"/>
-            <a:ext cx="3528392" cy="432048"/>
+            <a:off x="1475656" y="4725144"/>
+            <a:ext cx="3528392" cy="648072"/>
           </a:xfrm>
           <a:prstGeom prst="rect">
             <a:avLst/>
@@ -3690,7 +4531,14 @@
               <a:rPr lang="en-GB" dirty="0" smtClean="0"/>
               <a:t>SBDH/UBL document</a:t>
             </a:r>
-            <a:endParaRPr lang="en-GB" dirty="0"/>
+            <a:br>
+              <a:rPr lang="en-GB" dirty="0" smtClean="0"/>
+            </a:br>
+            <a:r>
+              <a:rPr lang="en-GB" sz="1600" i="1" dirty="0" smtClean="0"/>
+              <a:t>(if not in SOAP Body)</a:t>
+            </a:r>
+            <a:endParaRPr lang="en-GB" sz="1600" i="1" dirty="0"/>
           </a:p>
         </p:txBody>
       </p:sp>
@@ -3737,6 +4585,3850 @@
               <a:t>0..n</a:t>
             </a:r>
             <a:endParaRPr lang="en-GB" i="1" dirty="0"/>
+          </a:p>
+        </p:txBody>
+      </p:sp>
+    </p:spTree>
+  </p:cSld>
+  <p:clrMapOvr>
+    <a:masterClrMapping/>
+  </p:clrMapOvr>
+</p:sld>
+</file>
+
+<file path=ppt/slides/slide4.xml><?xml version="1.0" encoding="utf-8"?>
+<p:sld xmlns:a="http://schemas.openxmlformats.org/drawingml/2006/main" xmlns:r="http://schemas.openxmlformats.org/officeDocument/2006/relationships" xmlns:p="http://schemas.openxmlformats.org/presentationml/2006/main">
+  <p:cSld>
+    <p:spTree>
+      <p:nvGrpSpPr>
+        <p:cNvPr id="1" name=""/>
+        <p:cNvGrpSpPr/>
+        <p:nvPr/>
+      </p:nvGrpSpPr>
+      <p:grpSpPr>
+        <a:xfrm>
+          <a:off x="0" y="0"/>
+          <a:ext cx="0" cy="0"/>
+          <a:chOff x="0" y="0"/>
+          <a:chExt cx="0" cy="0"/>
+        </a:xfrm>
+      </p:grpSpPr>
+      <p:sp>
+        <p:nvSpPr>
+          <p:cNvPr id="2" name="Titel 1"/>
+          <p:cNvSpPr>
+            <a:spLocks noGrp="1"/>
+          </p:cNvSpPr>
+          <p:nvPr>
+            <p:ph type="title"/>
+          </p:nvPr>
+        </p:nvSpPr>
+        <p:spPr/>
+        <p:txBody>
+          <a:bodyPr/>
+          <a:lstStyle/>
+          <a:p>
+            <a:r>
+              <a:rPr lang="en-GB" dirty="0" smtClean="0"/>
+              <a:t>Message Exchange - push</a:t>
+            </a:r>
+            <a:endParaRPr lang="en-GB" dirty="0"/>
+          </a:p>
+        </p:txBody>
+      </p:sp>
+      <p:sp>
+        <p:nvSpPr>
+          <p:cNvPr id="3" name="Rechteck 2"/>
+          <p:cNvSpPr/>
+          <p:nvPr/>
+        </p:nvSpPr>
+        <p:spPr>
+          <a:xfrm>
+            <a:off x="2051720" y="2492896"/>
+            <a:ext cx="1296144" cy="432048"/>
+          </a:xfrm>
+          <a:prstGeom prst="rect">
+            <a:avLst/>
+          </a:prstGeom>
+        </p:spPr>
+        <p:style>
+          <a:lnRef idx="2">
+            <a:schemeClr val="accent1">
+              <a:shade val="50000"/>
+            </a:schemeClr>
+          </a:lnRef>
+          <a:fillRef idx="1">
+            <a:schemeClr val="accent1"/>
+          </a:fillRef>
+          <a:effectRef idx="0">
+            <a:schemeClr val="accent1"/>
+          </a:effectRef>
+          <a:fontRef idx="minor">
+            <a:schemeClr val="lt1"/>
+          </a:fontRef>
+        </p:style>
+        <p:txBody>
+          <a:bodyPr rtlCol="0" anchor="ctr"/>
+          <a:lstStyle/>
+          <a:p>
+            <a:pPr algn="ctr"/>
+            <a:r>
+              <a:rPr lang="en-GB" dirty="0" smtClean="0">
+                <a:solidFill>
+                  <a:prstClr val="white"/>
+                </a:solidFill>
+              </a:rPr>
+              <a:t>C2</a:t>
+            </a:r>
+            <a:endParaRPr lang="en-GB" dirty="0">
+              <a:solidFill>
+                <a:prstClr val="white"/>
+              </a:solidFill>
+            </a:endParaRPr>
+          </a:p>
+        </p:txBody>
+      </p:sp>
+      <p:sp>
+        <p:nvSpPr>
+          <p:cNvPr id="4" name="Rechteck 3"/>
+          <p:cNvSpPr/>
+          <p:nvPr/>
+        </p:nvSpPr>
+        <p:spPr>
+          <a:xfrm>
+            <a:off x="5364088" y="2492896"/>
+            <a:ext cx="1296144" cy="432048"/>
+          </a:xfrm>
+          <a:prstGeom prst="rect">
+            <a:avLst/>
+          </a:prstGeom>
+        </p:spPr>
+        <p:style>
+          <a:lnRef idx="2">
+            <a:schemeClr val="accent1">
+              <a:shade val="50000"/>
+            </a:schemeClr>
+          </a:lnRef>
+          <a:fillRef idx="1">
+            <a:schemeClr val="accent1"/>
+          </a:fillRef>
+          <a:effectRef idx="0">
+            <a:schemeClr val="accent1"/>
+          </a:effectRef>
+          <a:fontRef idx="minor">
+            <a:schemeClr val="lt1"/>
+          </a:fontRef>
+        </p:style>
+        <p:txBody>
+          <a:bodyPr rtlCol="0" anchor="ctr"/>
+          <a:lstStyle/>
+          <a:p>
+            <a:pPr algn="ctr"/>
+            <a:r>
+              <a:rPr lang="en-GB" dirty="0" smtClean="0">
+                <a:solidFill>
+                  <a:prstClr val="white"/>
+                </a:solidFill>
+              </a:rPr>
+              <a:t>C3</a:t>
+            </a:r>
+            <a:endParaRPr lang="en-GB" dirty="0">
+              <a:solidFill>
+                <a:prstClr val="white"/>
+              </a:solidFill>
+            </a:endParaRPr>
+          </a:p>
+        </p:txBody>
+      </p:sp>
+      <p:cxnSp>
+        <p:nvCxnSpPr>
+          <p:cNvPr id="5" name="Gerade Verbindung 4"/>
+          <p:cNvCxnSpPr/>
+          <p:nvPr/>
+        </p:nvCxnSpPr>
+        <p:spPr>
+          <a:xfrm>
+            <a:off x="6012160" y="2996952"/>
+            <a:ext cx="0" cy="1368152"/>
+          </a:xfrm>
+          <a:prstGeom prst="line">
+            <a:avLst/>
+          </a:prstGeom>
+        </p:spPr>
+        <p:style>
+          <a:lnRef idx="1">
+            <a:schemeClr val="accent1"/>
+          </a:lnRef>
+          <a:fillRef idx="0">
+            <a:schemeClr val="accent1"/>
+          </a:fillRef>
+          <a:effectRef idx="0">
+            <a:schemeClr val="accent1"/>
+          </a:effectRef>
+          <a:fontRef idx="minor">
+            <a:schemeClr val="tx1"/>
+          </a:fontRef>
+        </p:style>
+      </p:cxnSp>
+      <p:cxnSp>
+        <p:nvCxnSpPr>
+          <p:cNvPr id="6" name="Gerade Verbindung mit Pfeil 5"/>
+          <p:cNvCxnSpPr/>
+          <p:nvPr/>
+        </p:nvCxnSpPr>
+        <p:spPr>
+          <a:xfrm>
+            <a:off x="2699792" y="3356992"/>
+            <a:ext cx="3312368" cy="0"/>
+          </a:xfrm>
+          <a:prstGeom prst="straightConnector1">
+            <a:avLst/>
+          </a:prstGeom>
+          <a:ln>
+            <a:tailEnd type="arrow"/>
+          </a:ln>
+        </p:spPr>
+        <p:style>
+          <a:lnRef idx="1">
+            <a:schemeClr val="accent1"/>
+          </a:lnRef>
+          <a:fillRef idx="0">
+            <a:schemeClr val="accent1"/>
+          </a:fillRef>
+          <a:effectRef idx="0">
+            <a:schemeClr val="accent1"/>
+          </a:effectRef>
+          <a:fontRef idx="minor">
+            <a:schemeClr val="tx1"/>
+          </a:fontRef>
+        </p:style>
+      </p:cxnSp>
+      <p:sp>
+        <p:nvSpPr>
+          <p:cNvPr id="7" name="Textfeld 6"/>
+          <p:cNvSpPr txBox="1"/>
+          <p:nvPr/>
+        </p:nvSpPr>
+        <p:spPr>
+          <a:xfrm>
+            <a:off x="3635896" y="3068960"/>
+            <a:ext cx="1495602" cy="369332"/>
+          </a:xfrm>
+          <a:prstGeom prst="rect">
+            <a:avLst/>
+          </a:prstGeom>
+          <a:noFill/>
+        </p:spPr>
+        <p:txBody>
+          <a:bodyPr wrap="none" rtlCol="0">
+            <a:spAutoFit/>
+          </a:bodyPr>
+          <a:lstStyle/>
+          <a:p>
+            <a:r>
+              <a:rPr lang="en-GB" dirty="0" smtClean="0">
+                <a:solidFill>
+                  <a:prstClr val="black"/>
+                </a:solidFill>
+              </a:rPr>
+              <a:t>User Message</a:t>
+            </a:r>
+            <a:endParaRPr lang="en-GB" dirty="0">
+              <a:solidFill>
+                <a:prstClr val="black"/>
+              </a:solidFill>
+            </a:endParaRPr>
+          </a:p>
+        </p:txBody>
+      </p:sp>
+      <p:cxnSp>
+        <p:nvCxnSpPr>
+          <p:cNvPr id="11" name="Gerade Verbindung mit Pfeil 10"/>
+          <p:cNvCxnSpPr/>
+          <p:nvPr/>
+        </p:nvCxnSpPr>
+        <p:spPr>
+          <a:xfrm flipH="1">
+            <a:off x="2699792" y="3789040"/>
+            <a:ext cx="3312368" cy="0"/>
+          </a:xfrm>
+          <a:prstGeom prst="straightConnector1">
+            <a:avLst/>
+          </a:prstGeom>
+          <a:ln>
+            <a:prstDash val="dash"/>
+            <a:tailEnd type="arrow"/>
+          </a:ln>
+        </p:spPr>
+        <p:style>
+          <a:lnRef idx="1">
+            <a:schemeClr val="accent1"/>
+          </a:lnRef>
+          <a:fillRef idx="0">
+            <a:schemeClr val="accent1"/>
+          </a:fillRef>
+          <a:effectRef idx="0">
+            <a:schemeClr val="accent1"/>
+          </a:effectRef>
+          <a:fontRef idx="minor">
+            <a:schemeClr val="tx1"/>
+          </a:fontRef>
+        </p:style>
+      </p:cxnSp>
+      <p:sp>
+        <p:nvSpPr>
+          <p:cNvPr id="12" name="Textfeld 11"/>
+          <p:cNvSpPr txBox="1"/>
+          <p:nvPr/>
+        </p:nvSpPr>
+        <p:spPr>
+          <a:xfrm>
+            <a:off x="3563888" y="3501008"/>
+            <a:ext cx="1615827" cy="369332"/>
+          </a:xfrm>
+          <a:prstGeom prst="rect">
+            <a:avLst/>
+          </a:prstGeom>
+          <a:noFill/>
+        </p:spPr>
+        <p:txBody>
+          <a:bodyPr wrap="none" rtlCol="0">
+            <a:spAutoFit/>
+          </a:bodyPr>
+          <a:lstStyle/>
+          <a:p>
+            <a:r>
+              <a:rPr lang="en-GB" dirty="0" smtClean="0">
+                <a:solidFill>
+                  <a:prstClr val="black"/>
+                </a:solidFill>
+              </a:rPr>
+              <a:t>Signal Message</a:t>
+            </a:r>
+            <a:endParaRPr lang="en-GB" dirty="0">
+              <a:solidFill>
+                <a:prstClr val="black"/>
+              </a:solidFill>
+            </a:endParaRPr>
+          </a:p>
+        </p:txBody>
+      </p:sp>
+      <p:cxnSp>
+        <p:nvCxnSpPr>
+          <p:cNvPr id="13" name="Gerade Verbindung 12"/>
+          <p:cNvCxnSpPr/>
+          <p:nvPr/>
+        </p:nvCxnSpPr>
+        <p:spPr>
+          <a:xfrm>
+            <a:off x="2699792" y="2996952"/>
+            <a:ext cx="0" cy="1368152"/>
+          </a:xfrm>
+          <a:prstGeom prst="line">
+            <a:avLst/>
+          </a:prstGeom>
+        </p:spPr>
+        <p:style>
+          <a:lnRef idx="1">
+            <a:schemeClr val="accent1"/>
+          </a:lnRef>
+          <a:fillRef idx="0">
+            <a:schemeClr val="accent1"/>
+          </a:fillRef>
+          <a:effectRef idx="0">
+            <a:schemeClr val="accent1"/>
+          </a:effectRef>
+          <a:fontRef idx="minor">
+            <a:schemeClr val="tx1"/>
+          </a:fontRef>
+        </p:style>
+      </p:cxnSp>
+      <p:sp>
+        <p:nvSpPr>
+          <p:cNvPr id="14" name="TextBox 13"/>
+          <p:cNvSpPr txBox="1"/>
+          <p:nvPr/>
+        </p:nvSpPr>
+        <p:spPr>
+          <a:xfrm>
+            <a:off x="2221584" y="2051556"/>
+            <a:ext cx="956416" cy="369332"/>
+          </a:xfrm>
+          <a:prstGeom prst="rect">
+            <a:avLst/>
+          </a:prstGeom>
+          <a:noFill/>
+        </p:spPr>
+        <p:txBody>
+          <a:bodyPr wrap="none" rtlCol="0">
+            <a:spAutoFit/>
+          </a:bodyPr>
+          <a:lstStyle/>
+          <a:p>
+            <a:r>
+              <a:rPr lang="en-US" b="1" dirty="0" smtClean="0"/>
+              <a:t>Initiator</a:t>
+            </a:r>
+            <a:endParaRPr lang="en-US" b="1" dirty="0"/>
+          </a:p>
+        </p:txBody>
+      </p:sp>
+      <p:sp>
+        <p:nvSpPr>
+          <p:cNvPr id="15" name="TextBox 14"/>
+          <p:cNvSpPr txBox="1"/>
+          <p:nvPr/>
+        </p:nvSpPr>
+        <p:spPr>
+          <a:xfrm>
+            <a:off x="5407667" y="2051556"/>
+            <a:ext cx="1208985" cy="369332"/>
+          </a:xfrm>
+          <a:prstGeom prst="rect">
+            <a:avLst/>
+          </a:prstGeom>
+          <a:noFill/>
+        </p:spPr>
+        <p:txBody>
+          <a:bodyPr wrap="none" rtlCol="0">
+            <a:spAutoFit/>
+          </a:bodyPr>
+          <a:lstStyle/>
+          <a:p>
+            <a:r>
+              <a:rPr lang="en-US" b="1" smtClean="0"/>
+              <a:t>Responder</a:t>
+            </a:r>
+            <a:endParaRPr lang="en-US" b="1" dirty="0"/>
+          </a:p>
+        </p:txBody>
+      </p:sp>
+      <p:sp>
+        <p:nvSpPr>
+          <p:cNvPr id="8" name="TextBox 7"/>
+          <p:cNvSpPr txBox="1"/>
+          <p:nvPr/>
+        </p:nvSpPr>
+        <p:spPr>
+          <a:xfrm>
+            <a:off x="1763689" y="3311480"/>
+            <a:ext cx="845103" cy="369332"/>
+          </a:xfrm>
+          <a:prstGeom prst="rect">
+            <a:avLst/>
+          </a:prstGeom>
+          <a:noFill/>
+        </p:spPr>
+        <p:txBody>
+          <a:bodyPr wrap="none" rtlCol="0">
+            <a:spAutoFit/>
+          </a:bodyPr>
+          <a:lstStyle/>
+          <a:p>
+            <a:r>
+              <a:rPr lang="en-US" i="1" dirty="0" smtClean="0">
+                <a:latin typeface="Times New Roman" charset="0"/>
+                <a:ea typeface="Times New Roman" charset="0"/>
+                <a:cs typeface="Times New Roman" charset="0"/>
+              </a:rPr>
+              <a:t>Sender</a:t>
+            </a:r>
+            <a:endParaRPr lang="en-US" i="1" dirty="0">
+              <a:latin typeface="Times New Roman" charset="0"/>
+              <a:ea typeface="Times New Roman" charset="0"/>
+              <a:cs typeface="Times New Roman" charset="0"/>
+            </a:endParaRPr>
+          </a:p>
+        </p:txBody>
+      </p:sp>
+      <p:sp>
+        <p:nvSpPr>
+          <p:cNvPr id="16" name="TextBox 15"/>
+          <p:cNvSpPr txBox="1"/>
+          <p:nvPr/>
+        </p:nvSpPr>
+        <p:spPr>
+          <a:xfrm>
+            <a:off x="6136085" y="3311480"/>
+            <a:ext cx="992579" cy="369332"/>
+          </a:xfrm>
+          <a:prstGeom prst="rect">
+            <a:avLst/>
+          </a:prstGeom>
+          <a:noFill/>
+        </p:spPr>
+        <p:txBody>
+          <a:bodyPr wrap="none" rtlCol="0">
+            <a:spAutoFit/>
+          </a:bodyPr>
+          <a:lstStyle/>
+          <a:p>
+            <a:r>
+              <a:rPr lang="en-US" i="1" dirty="0" smtClean="0">
+                <a:latin typeface="Times New Roman" charset="0"/>
+                <a:ea typeface="Times New Roman" charset="0"/>
+                <a:cs typeface="Times New Roman" charset="0"/>
+              </a:rPr>
+              <a:t>Receiver</a:t>
+            </a:r>
+            <a:endParaRPr lang="en-US" i="1" dirty="0">
+              <a:latin typeface="Times New Roman" charset="0"/>
+              <a:ea typeface="Times New Roman" charset="0"/>
+              <a:cs typeface="Times New Roman" charset="0"/>
+            </a:endParaRPr>
+          </a:p>
+        </p:txBody>
+      </p:sp>
+    </p:spTree>
+  </p:cSld>
+  <p:clrMapOvr>
+    <a:masterClrMapping/>
+  </p:clrMapOvr>
+</p:sld>
+</file>
+
+<file path=ppt/slides/slide5.xml><?xml version="1.0" encoding="utf-8"?>
+<p:sld xmlns:a="http://schemas.openxmlformats.org/drawingml/2006/main" xmlns:r="http://schemas.openxmlformats.org/officeDocument/2006/relationships" xmlns:p="http://schemas.openxmlformats.org/presentationml/2006/main">
+  <p:cSld>
+    <p:spTree>
+      <p:nvGrpSpPr>
+        <p:cNvPr id="1" name=""/>
+        <p:cNvGrpSpPr/>
+        <p:nvPr/>
+      </p:nvGrpSpPr>
+      <p:grpSpPr>
+        <a:xfrm>
+          <a:off x="0" y="0"/>
+          <a:ext cx="0" cy="0"/>
+          <a:chOff x="0" y="0"/>
+          <a:chExt cx="0" cy="0"/>
+        </a:xfrm>
+      </p:grpSpPr>
+      <p:sp>
+        <p:nvSpPr>
+          <p:cNvPr id="2" name="Titel 1"/>
+          <p:cNvSpPr>
+            <a:spLocks noGrp="1"/>
+          </p:cNvSpPr>
+          <p:nvPr>
+            <p:ph type="title"/>
+          </p:nvPr>
+        </p:nvSpPr>
+        <p:spPr/>
+        <p:txBody>
+          <a:bodyPr/>
+          <a:lstStyle/>
+          <a:p>
+            <a:r>
+              <a:rPr lang="en-GB" dirty="0" smtClean="0"/>
+              <a:t>Message Exchange - pull</a:t>
+            </a:r>
+            <a:endParaRPr lang="en-GB" dirty="0"/>
+          </a:p>
+        </p:txBody>
+      </p:sp>
+      <p:sp>
+        <p:nvSpPr>
+          <p:cNvPr id="3" name="Rechteck 2"/>
+          <p:cNvSpPr/>
+          <p:nvPr/>
+        </p:nvSpPr>
+        <p:spPr>
+          <a:xfrm>
+            <a:off x="2051720" y="2492896"/>
+            <a:ext cx="1296144" cy="432048"/>
+          </a:xfrm>
+          <a:prstGeom prst="rect">
+            <a:avLst/>
+          </a:prstGeom>
+        </p:spPr>
+        <p:style>
+          <a:lnRef idx="2">
+            <a:schemeClr val="accent1">
+              <a:shade val="50000"/>
+            </a:schemeClr>
+          </a:lnRef>
+          <a:fillRef idx="1">
+            <a:schemeClr val="accent1"/>
+          </a:fillRef>
+          <a:effectRef idx="0">
+            <a:schemeClr val="accent1"/>
+          </a:effectRef>
+          <a:fontRef idx="minor">
+            <a:schemeClr val="lt1"/>
+          </a:fontRef>
+        </p:style>
+        <p:txBody>
+          <a:bodyPr rtlCol="0" anchor="ctr"/>
+          <a:lstStyle/>
+          <a:p>
+            <a:pPr algn="ctr"/>
+            <a:r>
+              <a:rPr lang="en-GB" dirty="0" smtClean="0">
+                <a:solidFill>
+                  <a:prstClr val="white"/>
+                </a:solidFill>
+              </a:rPr>
+              <a:t>C2</a:t>
+            </a:r>
+            <a:endParaRPr lang="en-GB" dirty="0">
+              <a:solidFill>
+                <a:prstClr val="white"/>
+              </a:solidFill>
+            </a:endParaRPr>
+          </a:p>
+        </p:txBody>
+      </p:sp>
+      <p:sp>
+        <p:nvSpPr>
+          <p:cNvPr id="4" name="Rechteck 3"/>
+          <p:cNvSpPr/>
+          <p:nvPr/>
+        </p:nvSpPr>
+        <p:spPr>
+          <a:xfrm>
+            <a:off x="5364088" y="2492896"/>
+            <a:ext cx="1296144" cy="432048"/>
+          </a:xfrm>
+          <a:prstGeom prst="rect">
+            <a:avLst/>
+          </a:prstGeom>
+        </p:spPr>
+        <p:style>
+          <a:lnRef idx="2">
+            <a:schemeClr val="accent1">
+              <a:shade val="50000"/>
+            </a:schemeClr>
+          </a:lnRef>
+          <a:fillRef idx="1">
+            <a:schemeClr val="accent1"/>
+          </a:fillRef>
+          <a:effectRef idx="0">
+            <a:schemeClr val="accent1"/>
+          </a:effectRef>
+          <a:fontRef idx="minor">
+            <a:schemeClr val="lt1"/>
+          </a:fontRef>
+        </p:style>
+        <p:txBody>
+          <a:bodyPr rtlCol="0" anchor="ctr"/>
+          <a:lstStyle/>
+          <a:p>
+            <a:pPr algn="ctr"/>
+            <a:r>
+              <a:rPr lang="en-GB" dirty="0" smtClean="0">
+                <a:solidFill>
+                  <a:prstClr val="white"/>
+                </a:solidFill>
+              </a:rPr>
+              <a:t>C3</a:t>
+            </a:r>
+            <a:endParaRPr lang="en-GB" dirty="0">
+              <a:solidFill>
+                <a:prstClr val="white"/>
+              </a:solidFill>
+            </a:endParaRPr>
+          </a:p>
+        </p:txBody>
+      </p:sp>
+      <p:cxnSp>
+        <p:nvCxnSpPr>
+          <p:cNvPr id="5" name="Gerade Verbindung 4"/>
+          <p:cNvCxnSpPr/>
+          <p:nvPr/>
+        </p:nvCxnSpPr>
+        <p:spPr>
+          <a:xfrm>
+            <a:off x="6012160" y="2996952"/>
+            <a:ext cx="0" cy="1368152"/>
+          </a:xfrm>
+          <a:prstGeom prst="line">
+            <a:avLst/>
+          </a:prstGeom>
+        </p:spPr>
+        <p:style>
+          <a:lnRef idx="1">
+            <a:schemeClr val="accent1"/>
+          </a:lnRef>
+          <a:fillRef idx="0">
+            <a:schemeClr val="accent1"/>
+          </a:fillRef>
+          <a:effectRef idx="0">
+            <a:schemeClr val="accent1"/>
+          </a:effectRef>
+          <a:fontRef idx="minor">
+            <a:schemeClr val="tx1"/>
+          </a:fontRef>
+        </p:style>
+      </p:cxnSp>
+      <p:cxnSp>
+        <p:nvCxnSpPr>
+          <p:cNvPr id="6" name="Gerade Verbindung mit Pfeil 5"/>
+          <p:cNvCxnSpPr/>
+          <p:nvPr/>
+        </p:nvCxnSpPr>
+        <p:spPr>
+          <a:xfrm>
+            <a:off x="2699792" y="3356992"/>
+            <a:ext cx="3312368" cy="0"/>
+          </a:xfrm>
+          <a:prstGeom prst="straightConnector1">
+            <a:avLst/>
+          </a:prstGeom>
+          <a:ln>
+            <a:tailEnd type="arrow"/>
+          </a:ln>
+        </p:spPr>
+        <p:style>
+          <a:lnRef idx="1">
+            <a:schemeClr val="accent1"/>
+          </a:lnRef>
+          <a:fillRef idx="0">
+            <a:schemeClr val="accent1"/>
+          </a:fillRef>
+          <a:effectRef idx="0">
+            <a:schemeClr val="accent1"/>
+          </a:effectRef>
+          <a:fontRef idx="minor">
+            <a:schemeClr val="tx1"/>
+          </a:fontRef>
+        </p:style>
+      </p:cxnSp>
+      <p:sp>
+        <p:nvSpPr>
+          <p:cNvPr id="7" name="Textfeld 6"/>
+          <p:cNvSpPr txBox="1"/>
+          <p:nvPr/>
+        </p:nvSpPr>
+        <p:spPr>
+          <a:xfrm>
+            <a:off x="3639967" y="3068960"/>
+            <a:ext cx="1343445" cy="369332"/>
+          </a:xfrm>
+          <a:prstGeom prst="rect">
+            <a:avLst/>
+          </a:prstGeom>
+          <a:noFill/>
+        </p:spPr>
+        <p:txBody>
+          <a:bodyPr wrap="none" rtlCol="0">
+            <a:spAutoFit/>
+          </a:bodyPr>
+          <a:lstStyle/>
+          <a:p>
+            <a:r>
+              <a:rPr lang="en-GB" dirty="0" smtClean="0">
+                <a:solidFill>
+                  <a:prstClr val="black"/>
+                </a:solidFill>
+              </a:rPr>
+              <a:t>Pull Request</a:t>
+            </a:r>
+            <a:endParaRPr lang="en-GB" dirty="0">
+              <a:solidFill>
+                <a:prstClr val="black"/>
+              </a:solidFill>
+            </a:endParaRPr>
+          </a:p>
+        </p:txBody>
+      </p:sp>
+      <p:cxnSp>
+        <p:nvCxnSpPr>
+          <p:cNvPr id="11" name="Gerade Verbindung mit Pfeil 10"/>
+          <p:cNvCxnSpPr/>
+          <p:nvPr/>
+        </p:nvCxnSpPr>
+        <p:spPr>
+          <a:xfrm flipH="1">
+            <a:off x="2699792" y="3789040"/>
+            <a:ext cx="3312368" cy="0"/>
+          </a:xfrm>
+          <a:prstGeom prst="straightConnector1">
+            <a:avLst/>
+          </a:prstGeom>
+          <a:ln>
+            <a:prstDash val="dash"/>
+            <a:tailEnd type="arrow"/>
+          </a:ln>
+        </p:spPr>
+        <p:style>
+          <a:lnRef idx="1">
+            <a:schemeClr val="accent1"/>
+          </a:lnRef>
+          <a:fillRef idx="0">
+            <a:schemeClr val="accent1"/>
+          </a:fillRef>
+          <a:effectRef idx="0">
+            <a:schemeClr val="accent1"/>
+          </a:effectRef>
+          <a:fontRef idx="minor">
+            <a:schemeClr val="tx1"/>
+          </a:fontRef>
+        </p:style>
+      </p:cxnSp>
+      <p:sp>
+        <p:nvSpPr>
+          <p:cNvPr id="12" name="Textfeld 11"/>
+          <p:cNvSpPr txBox="1"/>
+          <p:nvPr/>
+        </p:nvSpPr>
+        <p:spPr>
+          <a:xfrm>
+            <a:off x="3563888" y="3501008"/>
+            <a:ext cx="1495602" cy="369332"/>
+          </a:xfrm>
+          <a:prstGeom prst="rect">
+            <a:avLst/>
+          </a:prstGeom>
+          <a:noFill/>
+        </p:spPr>
+        <p:txBody>
+          <a:bodyPr wrap="none" rtlCol="0">
+            <a:spAutoFit/>
+          </a:bodyPr>
+          <a:lstStyle/>
+          <a:p>
+            <a:r>
+              <a:rPr lang="en-GB" dirty="0" smtClean="0">
+                <a:solidFill>
+                  <a:prstClr val="black"/>
+                </a:solidFill>
+              </a:rPr>
+              <a:t>User Message</a:t>
+            </a:r>
+            <a:endParaRPr lang="en-GB" dirty="0">
+              <a:solidFill>
+                <a:prstClr val="black"/>
+              </a:solidFill>
+            </a:endParaRPr>
+          </a:p>
+        </p:txBody>
+      </p:sp>
+      <p:cxnSp>
+        <p:nvCxnSpPr>
+          <p:cNvPr id="13" name="Gerade Verbindung 12"/>
+          <p:cNvCxnSpPr/>
+          <p:nvPr/>
+        </p:nvCxnSpPr>
+        <p:spPr>
+          <a:xfrm>
+            <a:off x="2699792" y="2996952"/>
+            <a:ext cx="0" cy="1368152"/>
+          </a:xfrm>
+          <a:prstGeom prst="line">
+            <a:avLst/>
+          </a:prstGeom>
+        </p:spPr>
+        <p:style>
+          <a:lnRef idx="1">
+            <a:schemeClr val="accent1"/>
+          </a:lnRef>
+          <a:fillRef idx="0">
+            <a:schemeClr val="accent1"/>
+          </a:fillRef>
+          <a:effectRef idx="0">
+            <a:schemeClr val="accent1"/>
+          </a:effectRef>
+          <a:fontRef idx="minor">
+            <a:schemeClr val="tx1"/>
+          </a:fontRef>
+        </p:style>
+      </p:cxnSp>
+      <p:cxnSp>
+        <p:nvCxnSpPr>
+          <p:cNvPr id="14" name="Gerade Verbindung mit Pfeil 5"/>
+          <p:cNvCxnSpPr/>
+          <p:nvPr/>
+        </p:nvCxnSpPr>
+        <p:spPr>
+          <a:xfrm>
+            <a:off x="2699792" y="4302387"/>
+            <a:ext cx="3312368" cy="0"/>
+          </a:xfrm>
+          <a:prstGeom prst="straightConnector1">
+            <a:avLst/>
+          </a:prstGeom>
+          <a:ln>
+            <a:tailEnd type="arrow"/>
+          </a:ln>
+        </p:spPr>
+        <p:style>
+          <a:lnRef idx="1">
+            <a:schemeClr val="accent1"/>
+          </a:lnRef>
+          <a:fillRef idx="0">
+            <a:schemeClr val="accent1"/>
+          </a:fillRef>
+          <a:effectRef idx="0">
+            <a:schemeClr val="accent1"/>
+          </a:effectRef>
+          <a:fontRef idx="minor">
+            <a:schemeClr val="tx1"/>
+          </a:fontRef>
+        </p:style>
+      </p:cxnSp>
+      <p:sp>
+        <p:nvSpPr>
+          <p:cNvPr id="15" name="Textfeld 6"/>
+          <p:cNvSpPr txBox="1"/>
+          <p:nvPr/>
+        </p:nvSpPr>
+        <p:spPr>
+          <a:xfrm>
+            <a:off x="3563888" y="3976373"/>
+            <a:ext cx="1615892" cy="369332"/>
+          </a:xfrm>
+          <a:prstGeom prst="rect">
+            <a:avLst/>
+          </a:prstGeom>
+          <a:noFill/>
+        </p:spPr>
+        <p:txBody>
+          <a:bodyPr wrap="none" rtlCol="0">
+            <a:spAutoFit/>
+          </a:bodyPr>
+          <a:lstStyle/>
+          <a:p>
+            <a:r>
+              <a:rPr lang="en-GB" smtClean="0">
+                <a:solidFill>
+                  <a:prstClr val="black"/>
+                </a:solidFill>
+              </a:rPr>
+              <a:t>Signal Message</a:t>
+            </a:r>
+            <a:endParaRPr lang="en-GB" dirty="0">
+              <a:solidFill>
+                <a:prstClr val="black"/>
+              </a:solidFill>
+            </a:endParaRPr>
+          </a:p>
+        </p:txBody>
+      </p:sp>
+      <p:sp>
+        <p:nvSpPr>
+          <p:cNvPr id="8" name="TextBox 7"/>
+          <p:cNvSpPr txBox="1"/>
+          <p:nvPr/>
+        </p:nvSpPr>
+        <p:spPr>
+          <a:xfrm>
+            <a:off x="2221584" y="2051556"/>
+            <a:ext cx="956416" cy="369332"/>
+          </a:xfrm>
+          <a:prstGeom prst="rect">
+            <a:avLst/>
+          </a:prstGeom>
+          <a:noFill/>
+        </p:spPr>
+        <p:txBody>
+          <a:bodyPr wrap="none" rtlCol="0">
+            <a:spAutoFit/>
+          </a:bodyPr>
+          <a:lstStyle/>
+          <a:p>
+            <a:r>
+              <a:rPr lang="en-US" b="1" dirty="0" smtClean="0"/>
+              <a:t>Initiator</a:t>
+            </a:r>
+            <a:endParaRPr lang="en-US" b="1" dirty="0"/>
+          </a:p>
+        </p:txBody>
+      </p:sp>
+      <p:sp>
+        <p:nvSpPr>
+          <p:cNvPr id="16" name="TextBox 15"/>
+          <p:cNvSpPr txBox="1"/>
+          <p:nvPr/>
+        </p:nvSpPr>
+        <p:spPr>
+          <a:xfrm>
+            <a:off x="5407667" y="2051556"/>
+            <a:ext cx="1208985" cy="369332"/>
+          </a:xfrm>
+          <a:prstGeom prst="rect">
+            <a:avLst/>
+          </a:prstGeom>
+          <a:noFill/>
+        </p:spPr>
+        <p:txBody>
+          <a:bodyPr wrap="none" rtlCol="0">
+            <a:spAutoFit/>
+          </a:bodyPr>
+          <a:lstStyle/>
+          <a:p>
+            <a:r>
+              <a:rPr lang="en-US" b="1" smtClean="0"/>
+              <a:t>Responder</a:t>
+            </a:r>
+            <a:endParaRPr lang="en-US" b="1" dirty="0"/>
+          </a:p>
+        </p:txBody>
+      </p:sp>
+      <p:sp>
+        <p:nvSpPr>
+          <p:cNvPr id="17" name="TextBox 16"/>
+          <p:cNvSpPr txBox="1"/>
+          <p:nvPr/>
+        </p:nvSpPr>
+        <p:spPr>
+          <a:xfrm>
+            <a:off x="1635205" y="3573016"/>
+            <a:ext cx="992579" cy="369332"/>
+          </a:xfrm>
+          <a:prstGeom prst="rect">
+            <a:avLst/>
+          </a:prstGeom>
+          <a:noFill/>
+        </p:spPr>
+        <p:txBody>
+          <a:bodyPr wrap="none" rtlCol="0">
+            <a:spAutoFit/>
+          </a:bodyPr>
+          <a:lstStyle/>
+          <a:p>
+            <a:r>
+              <a:rPr lang="en-US" i="1" smtClean="0">
+                <a:latin typeface="Times New Roman" charset="0"/>
+                <a:ea typeface="Times New Roman" charset="0"/>
+                <a:cs typeface="Times New Roman" charset="0"/>
+              </a:rPr>
+              <a:t>Receiver</a:t>
+            </a:r>
+            <a:endParaRPr lang="en-US" i="1" dirty="0">
+              <a:latin typeface="Times New Roman" charset="0"/>
+              <a:ea typeface="Times New Roman" charset="0"/>
+              <a:cs typeface="Times New Roman" charset="0"/>
+            </a:endParaRPr>
+          </a:p>
+        </p:txBody>
+      </p:sp>
+      <p:sp>
+        <p:nvSpPr>
+          <p:cNvPr id="18" name="TextBox 17"/>
+          <p:cNvSpPr txBox="1"/>
+          <p:nvPr/>
+        </p:nvSpPr>
+        <p:spPr>
+          <a:xfrm>
+            <a:off x="6136085" y="3573016"/>
+            <a:ext cx="825867" cy="369332"/>
+          </a:xfrm>
+          <a:prstGeom prst="rect">
+            <a:avLst/>
+          </a:prstGeom>
+          <a:noFill/>
+        </p:spPr>
+        <p:txBody>
+          <a:bodyPr wrap="none" rtlCol="0">
+            <a:spAutoFit/>
+          </a:bodyPr>
+          <a:lstStyle/>
+          <a:p>
+            <a:r>
+              <a:rPr lang="en-US" i="1" dirty="0" smtClean="0">
+                <a:latin typeface="Times New Roman" charset="0"/>
+                <a:ea typeface="Times New Roman" charset="0"/>
+                <a:cs typeface="Times New Roman" charset="0"/>
+              </a:rPr>
+              <a:t>Sender</a:t>
+            </a:r>
+            <a:endParaRPr lang="en-US" i="1" dirty="0">
+              <a:latin typeface="Times New Roman" charset="0"/>
+              <a:ea typeface="Times New Roman" charset="0"/>
+              <a:cs typeface="Times New Roman" charset="0"/>
+            </a:endParaRPr>
+          </a:p>
+        </p:txBody>
+      </p:sp>
+    </p:spTree>
+  </p:cSld>
+  <p:clrMapOvr>
+    <a:masterClrMapping/>
+  </p:clrMapOvr>
+</p:sld>
+</file>
+
+<file path=ppt/slides/slide6.xml><?xml version="1.0" encoding="utf-8"?>
+<p:sld xmlns:a="http://schemas.openxmlformats.org/drawingml/2006/main" xmlns:r="http://schemas.openxmlformats.org/officeDocument/2006/relationships" xmlns:p="http://schemas.openxmlformats.org/presentationml/2006/main">
+  <p:cSld>
+    <p:spTree>
+      <p:nvGrpSpPr>
+        <p:cNvPr id="1" name=""/>
+        <p:cNvGrpSpPr/>
+        <p:nvPr/>
+      </p:nvGrpSpPr>
+      <p:grpSpPr>
+        <a:xfrm>
+          <a:off x="0" y="0"/>
+          <a:ext cx="0" cy="0"/>
+          <a:chOff x="0" y="0"/>
+          <a:chExt cx="0" cy="0"/>
+        </a:xfrm>
+      </p:grpSpPr>
+      <p:sp>
+        <p:nvSpPr>
+          <p:cNvPr id="2" name="Titel 1"/>
+          <p:cNvSpPr>
+            <a:spLocks noGrp="1"/>
+          </p:cNvSpPr>
+          <p:nvPr>
+            <p:ph type="title"/>
+          </p:nvPr>
+        </p:nvSpPr>
+        <p:spPr/>
+        <p:txBody>
+          <a:bodyPr/>
+          <a:lstStyle/>
+          <a:p>
+            <a:r>
+              <a:rPr lang="en-GB" dirty="0" smtClean="0"/>
+              <a:t>Message Exchange - sync</a:t>
+            </a:r>
+            <a:endParaRPr lang="en-GB" dirty="0"/>
+          </a:p>
+        </p:txBody>
+      </p:sp>
+      <p:sp>
+        <p:nvSpPr>
+          <p:cNvPr id="3" name="Rechteck 2"/>
+          <p:cNvSpPr/>
+          <p:nvPr/>
+        </p:nvSpPr>
+        <p:spPr>
+          <a:xfrm>
+            <a:off x="2051720" y="2492896"/>
+            <a:ext cx="1296144" cy="432048"/>
+          </a:xfrm>
+          <a:prstGeom prst="rect">
+            <a:avLst/>
+          </a:prstGeom>
+        </p:spPr>
+        <p:style>
+          <a:lnRef idx="2">
+            <a:schemeClr val="accent1">
+              <a:shade val="50000"/>
+            </a:schemeClr>
+          </a:lnRef>
+          <a:fillRef idx="1">
+            <a:schemeClr val="accent1"/>
+          </a:fillRef>
+          <a:effectRef idx="0">
+            <a:schemeClr val="accent1"/>
+          </a:effectRef>
+          <a:fontRef idx="minor">
+            <a:schemeClr val="lt1"/>
+          </a:fontRef>
+        </p:style>
+        <p:txBody>
+          <a:bodyPr rtlCol="0" anchor="ctr"/>
+          <a:lstStyle/>
+          <a:p>
+            <a:pPr algn="ctr"/>
+            <a:r>
+              <a:rPr lang="en-GB" dirty="0" smtClean="0">
+                <a:solidFill>
+                  <a:prstClr val="white"/>
+                </a:solidFill>
+              </a:rPr>
+              <a:t>C2</a:t>
+            </a:r>
+            <a:endParaRPr lang="en-GB" dirty="0">
+              <a:solidFill>
+                <a:prstClr val="white"/>
+              </a:solidFill>
+            </a:endParaRPr>
+          </a:p>
+        </p:txBody>
+      </p:sp>
+      <p:sp>
+        <p:nvSpPr>
+          <p:cNvPr id="4" name="Rechteck 3"/>
+          <p:cNvSpPr/>
+          <p:nvPr/>
+        </p:nvSpPr>
+        <p:spPr>
+          <a:xfrm>
+            <a:off x="5364088" y="2492896"/>
+            <a:ext cx="1296144" cy="432048"/>
+          </a:xfrm>
+          <a:prstGeom prst="rect">
+            <a:avLst/>
+          </a:prstGeom>
+        </p:spPr>
+        <p:style>
+          <a:lnRef idx="2">
+            <a:schemeClr val="accent1">
+              <a:shade val="50000"/>
+            </a:schemeClr>
+          </a:lnRef>
+          <a:fillRef idx="1">
+            <a:schemeClr val="accent1"/>
+          </a:fillRef>
+          <a:effectRef idx="0">
+            <a:schemeClr val="accent1"/>
+          </a:effectRef>
+          <a:fontRef idx="minor">
+            <a:schemeClr val="lt1"/>
+          </a:fontRef>
+        </p:style>
+        <p:txBody>
+          <a:bodyPr rtlCol="0" anchor="ctr"/>
+          <a:lstStyle/>
+          <a:p>
+            <a:pPr algn="ctr"/>
+            <a:r>
+              <a:rPr lang="en-GB" dirty="0" smtClean="0">
+                <a:solidFill>
+                  <a:prstClr val="white"/>
+                </a:solidFill>
+              </a:rPr>
+              <a:t>C3</a:t>
+            </a:r>
+            <a:endParaRPr lang="en-GB" dirty="0">
+              <a:solidFill>
+                <a:prstClr val="white"/>
+              </a:solidFill>
+            </a:endParaRPr>
+          </a:p>
+        </p:txBody>
+      </p:sp>
+      <p:cxnSp>
+        <p:nvCxnSpPr>
+          <p:cNvPr id="5" name="Gerade Verbindung 4"/>
+          <p:cNvCxnSpPr/>
+          <p:nvPr/>
+        </p:nvCxnSpPr>
+        <p:spPr>
+          <a:xfrm>
+            <a:off x="6012160" y="2996952"/>
+            <a:ext cx="0" cy="1368152"/>
+          </a:xfrm>
+          <a:prstGeom prst="line">
+            <a:avLst/>
+          </a:prstGeom>
+        </p:spPr>
+        <p:style>
+          <a:lnRef idx="1">
+            <a:schemeClr val="accent1"/>
+          </a:lnRef>
+          <a:fillRef idx="0">
+            <a:schemeClr val="accent1"/>
+          </a:fillRef>
+          <a:effectRef idx="0">
+            <a:schemeClr val="accent1"/>
+          </a:effectRef>
+          <a:fontRef idx="minor">
+            <a:schemeClr val="tx1"/>
+          </a:fontRef>
+        </p:style>
+      </p:cxnSp>
+      <p:cxnSp>
+        <p:nvCxnSpPr>
+          <p:cNvPr id="6" name="Gerade Verbindung mit Pfeil 5"/>
+          <p:cNvCxnSpPr/>
+          <p:nvPr/>
+        </p:nvCxnSpPr>
+        <p:spPr>
+          <a:xfrm>
+            <a:off x="2699792" y="3356992"/>
+            <a:ext cx="3312368" cy="0"/>
+          </a:xfrm>
+          <a:prstGeom prst="straightConnector1">
+            <a:avLst/>
+          </a:prstGeom>
+          <a:ln>
+            <a:tailEnd type="arrow"/>
+          </a:ln>
+        </p:spPr>
+        <p:style>
+          <a:lnRef idx="1">
+            <a:schemeClr val="accent1"/>
+          </a:lnRef>
+          <a:fillRef idx="0">
+            <a:schemeClr val="accent1"/>
+          </a:fillRef>
+          <a:effectRef idx="0">
+            <a:schemeClr val="accent1"/>
+          </a:effectRef>
+          <a:fontRef idx="minor">
+            <a:schemeClr val="tx1"/>
+          </a:fontRef>
+        </p:style>
+      </p:cxnSp>
+      <p:sp>
+        <p:nvSpPr>
+          <p:cNvPr id="7" name="Textfeld 6"/>
+          <p:cNvSpPr txBox="1"/>
+          <p:nvPr/>
+        </p:nvSpPr>
+        <p:spPr>
+          <a:xfrm>
+            <a:off x="3608175" y="3068960"/>
+            <a:ext cx="1495602" cy="369332"/>
+          </a:xfrm>
+          <a:prstGeom prst="rect">
+            <a:avLst/>
+          </a:prstGeom>
+          <a:noFill/>
+        </p:spPr>
+        <p:txBody>
+          <a:bodyPr wrap="none" rtlCol="0">
+            <a:spAutoFit/>
+          </a:bodyPr>
+          <a:lstStyle/>
+          <a:p>
+            <a:r>
+              <a:rPr lang="en-GB" dirty="0" smtClean="0">
+                <a:solidFill>
+                  <a:prstClr val="black"/>
+                </a:solidFill>
+              </a:rPr>
+              <a:t>User Message</a:t>
+            </a:r>
+            <a:endParaRPr lang="en-GB" dirty="0">
+              <a:solidFill>
+                <a:prstClr val="black"/>
+              </a:solidFill>
+            </a:endParaRPr>
+          </a:p>
+        </p:txBody>
+      </p:sp>
+      <p:cxnSp>
+        <p:nvCxnSpPr>
+          <p:cNvPr id="11" name="Gerade Verbindung mit Pfeil 10"/>
+          <p:cNvCxnSpPr/>
+          <p:nvPr/>
+        </p:nvCxnSpPr>
+        <p:spPr>
+          <a:xfrm flipH="1">
+            <a:off x="2699792" y="3789040"/>
+            <a:ext cx="3312368" cy="0"/>
+          </a:xfrm>
+          <a:prstGeom prst="straightConnector1">
+            <a:avLst/>
+          </a:prstGeom>
+          <a:ln>
+            <a:prstDash val="dash"/>
+            <a:tailEnd type="arrow"/>
+          </a:ln>
+        </p:spPr>
+        <p:style>
+          <a:lnRef idx="1">
+            <a:schemeClr val="accent1"/>
+          </a:lnRef>
+          <a:fillRef idx="0">
+            <a:schemeClr val="accent1"/>
+          </a:fillRef>
+          <a:effectRef idx="0">
+            <a:schemeClr val="accent1"/>
+          </a:effectRef>
+          <a:fontRef idx="minor">
+            <a:schemeClr val="tx1"/>
+          </a:fontRef>
+        </p:style>
+      </p:cxnSp>
+      <p:sp>
+        <p:nvSpPr>
+          <p:cNvPr id="12" name="Textfeld 11"/>
+          <p:cNvSpPr txBox="1"/>
+          <p:nvPr/>
+        </p:nvSpPr>
+        <p:spPr>
+          <a:xfrm>
+            <a:off x="3147440" y="3501008"/>
+            <a:ext cx="2417072" cy="369332"/>
+          </a:xfrm>
+          <a:prstGeom prst="rect">
+            <a:avLst/>
+          </a:prstGeom>
+          <a:noFill/>
+        </p:spPr>
+        <p:txBody>
+          <a:bodyPr wrap="none" rtlCol="0">
+            <a:spAutoFit/>
+          </a:bodyPr>
+          <a:lstStyle/>
+          <a:p>
+            <a:r>
+              <a:rPr lang="en-GB" dirty="0" smtClean="0">
+                <a:solidFill>
+                  <a:prstClr val="black"/>
+                </a:solidFill>
+              </a:rPr>
+              <a:t>Receipt + User Message</a:t>
+            </a:r>
+            <a:endParaRPr lang="en-GB" dirty="0">
+              <a:solidFill>
+                <a:prstClr val="black"/>
+              </a:solidFill>
+            </a:endParaRPr>
+          </a:p>
+        </p:txBody>
+      </p:sp>
+      <p:cxnSp>
+        <p:nvCxnSpPr>
+          <p:cNvPr id="13" name="Gerade Verbindung 12"/>
+          <p:cNvCxnSpPr/>
+          <p:nvPr/>
+        </p:nvCxnSpPr>
+        <p:spPr>
+          <a:xfrm>
+            <a:off x="2699792" y="2996952"/>
+            <a:ext cx="0" cy="1368152"/>
+          </a:xfrm>
+          <a:prstGeom prst="line">
+            <a:avLst/>
+          </a:prstGeom>
+        </p:spPr>
+        <p:style>
+          <a:lnRef idx="1">
+            <a:schemeClr val="accent1"/>
+          </a:lnRef>
+          <a:fillRef idx="0">
+            <a:schemeClr val="accent1"/>
+          </a:fillRef>
+          <a:effectRef idx="0">
+            <a:schemeClr val="accent1"/>
+          </a:effectRef>
+          <a:fontRef idx="minor">
+            <a:schemeClr val="tx1"/>
+          </a:fontRef>
+        </p:style>
+      </p:cxnSp>
+      <p:sp>
+        <p:nvSpPr>
+          <p:cNvPr id="14" name="TextBox 13"/>
+          <p:cNvSpPr txBox="1"/>
+          <p:nvPr/>
+        </p:nvSpPr>
+        <p:spPr>
+          <a:xfrm>
+            <a:off x="2221584" y="2051556"/>
+            <a:ext cx="956416" cy="369332"/>
+          </a:xfrm>
+          <a:prstGeom prst="rect">
+            <a:avLst/>
+          </a:prstGeom>
+          <a:noFill/>
+        </p:spPr>
+        <p:txBody>
+          <a:bodyPr wrap="none" rtlCol="0">
+            <a:spAutoFit/>
+          </a:bodyPr>
+          <a:lstStyle/>
+          <a:p>
+            <a:r>
+              <a:rPr lang="en-US" b="1" dirty="0" smtClean="0"/>
+              <a:t>Initiator</a:t>
+            </a:r>
+            <a:endParaRPr lang="en-US" b="1" dirty="0"/>
+          </a:p>
+        </p:txBody>
+      </p:sp>
+      <p:sp>
+        <p:nvSpPr>
+          <p:cNvPr id="15" name="TextBox 14"/>
+          <p:cNvSpPr txBox="1"/>
+          <p:nvPr/>
+        </p:nvSpPr>
+        <p:spPr>
+          <a:xfrm>
+            <a:off x="5407667" y="2051556"/>
+            <a:ext cx="1208985" cy="369332"/>
+          </a:xfrm>
+          <a:prstGeom prst="rect">
+            <a:avLst/>
+          </a:prstGeom>
+          <a:noFill/>
+        </p:spPr>
+        <p:txBody>
+          <a:bodyPr wrap="none" rtlCol="0">
+            <a:spAutoFit/>
+          </a:bodyPr>
+          <a:lstStyle/>
+          <a:p>
+            <a:r>
+              <a:rPr lang="en-US" b="1" smtClean="0"/>
+              <a:t>Responder</a:t>
+            </a:r>
+            <a:endParaRPr lang="en-US" b="1" dirty="0"/>
+          </a:p>
+        </p:txBody>
+      </p:sp>
+      <p:sp>
+        <p:nvSpPr>
+          <p:cNvPr id="16" name="TextBox 15"/>
+          <p:cNvSpPr txBox="1"/>
+          <p:nvPr/>
+        </p:nvSpPr>
+        <p:spPr>
+          <a:xfrm>
+            <a:off x="1782681" y="3131676"/>
+            <a:ext cx="845103" cy="369332"/>
+          </a:xfrm>
+          <a:prstGeom prst="rect">
+            <a:avLst/>
+          </a:prstGeom>
+          <a:noFill/>
+        </p:spPr>
+        <p:txBody>
+          <a:bodyPr wrap="none" rtlCol="0">
+            <a:spAutoFit/>
+          </a:bodyPr>
+          <a:lstStyle/>
+          <a:p>
+            <a:r>
+              <a:rPr lang="en-US" i="1" dirty="0" smtClean="0">
+                <a:latin typeface="Times New Roman" charset="0"/>
+                <a:ea typeface="Times New Roman" charset="0"/>
+                <a:cs typeface="Times New Roman" charset="0"/>
+              </a:rPr>
+              <a:t>Sender</a:t>
+            </a:r>
+            <a:endParaRPr lang="en-US" i="1" dirty="0">
+              <a:latin typeface="Times New Roman" charset="0"/>
+              <a:ea typeface="Times New Roman" charset="0"/>
+              <a:cs typeface="Times New Roman" charset="0"/>
+            </a:endParaRPr>
+          </a:p>
+        </p:txBody>
+      </p:sp>
+      <p:sp>
+        <p:nvSpPr>
+          <p:cNvPr id="17" name="TextBox 16"/>
+          <p:cNvSpPr txBox="1"/>
+          <p:nvPr/>
+        </p:nvSpPr>
+        <p:spPr>
+          <a:xfrm>
+            <a:off x="6136085" y="3131676"/>
+            <a:ext cx="992579" cy="369332"/>
+          </a:xfrm>
+          <a:prstGeom prst="rect">
+            <a:avLst/>
+          </a:prstGeom>
+          <a:noFill/>
+        </p:spPr>
+        <p:txBody>
+          <a:bodyPr wrap="none" rtlCol="0">
+            <a:spAutoFit/>
+          </a:bodyPr>
+          <a:lstStyle/>
+          <a:p>
+            <a:r>
+              <a:rPr lang="en-US" i="1" dirty="0" smtClean="0">
+                <a:latin typeface="Times New Roman" charset="0"/>
+                <a:ea typeface="Times New Roman" charset="0"/>
+                <a:cs typeface="Times New Roman" charset="0"/>
+              </a:rPr>
+              <a:t>Receiver</a:t>
+            </a:r>
+            <a:endParaRPr lang="en-US" i="1" dirty="0">
+              <a:latin typeface="Times New Roman" charset="0"/>
+              <a:ea typeface="Times New Roman" charset="0"/>
+              <a:cs typeface="Times New Roman" charset="0"/>
+            </a:endParaRPr>
+          </a:p>
+        </p:txBody>
+      </p:sp>
+      <p:sp>
+        <p:nvSpPr>
+          <p:cNvPr id="18" name="TextBox 17"/>
+          <p:cNvSpPr txBox="1"/>
+          <p:nvPr/>
+        </p:nvSpPr>
+        <p:spPr>
+          <a:xfrm>
+            <a:off x="1635205" y="3573016"/>
+            <a:ext cx="992579" cy="369332"/>
+          </a:xfrm>
+          <a:prstGeom prst="rect">
+            <a:avLst/>
+          </a:prstGeom>
+          <a:noFill/>
+        </p:spPr>
+        <p:txBody>
+          <a:bodyPr wrap="none" rtlCol="0">
+            <a:spAutoFit/>
+          </a:bodyPr>
+          <a:lstStyle/>
+          <a:p>
+            <a:r>
+              <a:rPr lang="en-US" i="1" dirty="0" smtClean="0">
+                <a:latin typeface="Times New Roman" charset="0"/>
+                <a:ea typeface="Times New Roman" charset="0"/>
+                <a:cs typeface="Times New Roman" charset="0"/>
+              </a:rPr>
+              <a:t>Receiver</a:t>
+            </a:r>
+            <a:endParaRPr lang="en-US" i="1" dirty="0">
+              <a:latin typeface="Times New Roman" charset="0"/>
+              <a:ea typeface="Times New Roman" charset="0"/>
+              <a:cs typeface="Times New Roman" charset="0"/>
+            </a:endParaRPr>
+          </a:p>
+        </p:txBody>
+      </p:sp>
+      <p:sp>
+        <p:nvSpPr>
+          <p:cNvPr id="19" name="TextBox 18"/>
+          <p:cNvSpPr txBox="1"/>
+          <p:nvPr/>
+        </p:nvSpPr>
+        <p:spPr>
+          <a:xfrm>
+            <a:off x="6136084" y="3573016"/>
+            <a:ext cx="825867" cy="369332"/>
+          </a:xfrm>
+          <a:prstGeom prst="rect">
+            <a:avLst/>
+          </a:prstGeom>
+          <a:noFill/>
+        </p:spPr>
+        <p:txBody>
+          <a:bodyPr wrap="none" rtlCol="0">
+            <a:spAutoFit/>
+          </a:bodyPr>
+          <a:lstStyle/>
+          <a:p>
+            <a:r>
+              <a:rPr lang="en-US" i="1" dirty="0" smtClean="0">
+                <a:latin typeface="Times New Roman" charset="0"/>
+                <a:ea typeface="Times New Roman" charset="0"/>
+                <a:cs typeface="Times New Roman" charset="0"/>
+              </a:rPr>
+              <a:t>Sender</a:t>
+            </a:r>
+            <a:endParaRPr lang="en-US" i="1" dirty="0">
+              <a:latin typeface="Times New Roman" charset="0"/>
+              <a:ea typeface="Times New Roman" charset="0"/>
+              <a:cs typeface="Times New Roman" charset="0"/>
+            </a:endParaRPr>
+          </a:p>
+        </p:txBody>
+      </p:sp>
+    </p:spTree>
+  </p:cSld>
+  <p:clrMapOvr>
+    <a:masterClrMapping/>
+  </p:clrMapOvr>
+</p:sld>
+</file>
+
+<file path=ppt/slides/slide7.xml><?xml version="1.0" encoding="utf-8"?>
+<p:sld xmlns:a="http://schemas.openxmlformats.org/drawingml/2006/main" xmlns:r="http://schemas.openxmlformats.org/officeDocument/2006/relationships" xmlns:p="http://schemas.openxmlformats.org/presentationml/2006/main">
+  <p:cSld>
+    <p:spTree>
+      <p:nvGrpSpPr>
+        <p:cNvPr id="1" name=""/>
+        <p:cNvGrpSpPr/>
+        <p:nvPr/>
+      </p:nvGrpSpPr>
+      <p:grpSpPr>
+        <a:xfrm>
+          <a:off x="0" y="0"/>
+          <a:ext cx="0" cy="0"/>
+          <a:chOff x="0" y="0"/>
+          <a:chExt cx="0" cy="0"/>
+        </a:xfrm>
+      </p:grpSpPr>
+      <p:sp>
+        <p:nvSpPr>
+          <p:cNvPr id="2" name="Titel 1"/>
+          <p:cNvSpPr>
+            <a:spLocks noGrp="1"/>
+          </p:cNvSpPr>
+          <p:nvPr>
+            <p:ph type="title"/>
+          </p:nvPr>
+        </p:nvSpPr>
+        <p:spPr/>
+        <p:txBody>
+          <a:bodyPr/>
+          <a:lstStyle/>
+          <a:p>
+            <a:r>
+              <a:rPr lang="en-GB" dirty="0" smtClean="0"/>
+              <a:t>Message Exchange – push-push</a:t>
+            </a:r>
+            <a:endParaRPr lang="en-GB" dirty="0"/>
+          </a:p>
+        </p:txBody>
+      </p:sp>
+      <p:sp>
+        <p:nvSpPr>
+          <p:cNvPr id="3" name="Rechteck 2"/>
+          <p:cNvSpPr/>
+          <p:nvPr/>
+        </p:nvSpPr>
+        <p:spPr>
+          <a:xfrm>
+            <a:off x="2051720" y="2492896"/>
+            <a:ext cx="1296144" cy="432048"/>
+          </a:xfrm>
+          <a:prstGeom prst="rect">
+            <a:avLst/>
+          </a:prstGeom>
+        </p:spPr>
+        <p:style>
+          <a:lnRef idx="2">
+            <a:schemeClr val="accent1">
+              <a:shade val="50000"/>
+            </a:schemeClr>
+          </a:lnRef>
+          <a:fillRef idx="1">
+            <a:schemeClr val="accent1"/>
+          </a:fillRef>
+          <a:effectRef idx="0">
+            <a:schemeClr val="accent1"/>
+          </a:effectRef>
+          <a:fontRef idx="minor">
+            <a:schemeClr val="lt1"/>
+          </a:fontRef>
+        </p:style>
+        <p:txBody>
+          <a:bodyPr rtlCol="0" anchor="ctr"/>
+          <a:lstStyle/>
+          <a:p>
+            <a:pPr algn="ctr"/>
+            <a:r>
+              <a:rPr lang="en-GB" dirty="0" smtClean="0">
+                <a:solidFill>
+                  <a:prstClr val="white"/>
+                </a:solidFill>
+              </a:rPr>
+              <a:t>C2</a:t>
+            </a:r>
+            <a:endParaRPr lang="en-GB" dirty="0">
+              <a:solidFill>
+                <a:prstClr val="white"/>
+              </a:solidFill>
+            </a:endParaRPr>
+          </a:p>
+        </p:txBody>
+      </p:sp>
+      <p:sp>
+        <p:nvSpPr>
+          <p:cNvPr id="4" name="Rechteck 3"/>
+          <p:cNvSpPr/>
+          <p:nvPr/>
+        </p:nvSpPr>
+        <p:spPr>
+          <a:xfrm>
+            <a:off x="5364088" y="2492896"/>
+            <a:ext cx="1296144" cy="432048"/>
+          </a:xfrm>
+          <a:prstGeom prst="rect">
+            <a:avLst/>
+          </a:prstGeom>
+        </p:spPr>
+        <p:style>
+          <a:lnRef idx="2">
+            <a:schemeClr val="accent1">
+              <a:shade val="50000"/>
+            </a:schemeClr>
+          </a:lnRef>
+          <a:fillRef idx="1">
+            <a:schemeClr val="accent1"/>
+          </a:fillRef>
+          <a:effectRef idx="0">
+            <a:schemeClr val="accent1"/>
+          </a:effectRef>
+          <a:fontRef idx="minor">
+            <a:schemeClr val="lt1"/>
+          </a:fontRef>
+        </p:style>
+        <p:txBody>
+          <a:bodyPr rtlCol="0" anchor="ctr"/>
+          <a:lstStyle/>
+          <a:p>
+            <a:pPr algn="ctr"/>
+            <a:r>
+              <a:rPr lang="en-GB" dirty="0" smtClean="0">
+                <a:solidFill>
+                  <a:prstClr val="white"/>
+                </a:solidFill>
+              </a:rPr>
+              <a:t>C3</a:t>
+            </a:r>
+            <a:endParaRPr lang="en-GB" dirty="0">
+              <a:solidFill>
+                <a:prstClr val="white"/>
+              </a:solidFill>
+            </a:endParaRPr>
+          </a:p>
+        </p:txBody>
+      </p:sp>
+      <p:cxnSp>
+        <p:nvCxnSpPr>
+          <p:cNvPr id="5" name="Gerade Verbindung 4"/>
+          <p:cNvCxnSpPr/>
+          <p:nvPr/>
+        </p:nvCxnSpPr>
+        <p:spPr>
+          <a:xfrm>
+            <a:off x="6012160" y="2996952"/>
+            <a:ext cx="0" cy="2160240"/>
+          </a:xfrm>
+          <a:prstGeom prst="line">
+            <a:avLst/>
+          </a:prstGeom>
+        </p:spPr>
+        <p:style>
+          <a:lnRef idx="1">
+            <a:schemeClr val="accent1"/>
+          </a:lnRef>
+          <a:fillRef idx="0">
+            <a:schemeClr val="accent1"/>
+          </a:fillRef>
+          <a:effectRef idx="0">
+            <a:schemeClr val="accent1"/>
+          </a:effectRef>
+          <a:fontRef idx="minor">
+            <a:schemeClr val="tx1"/>
+          </a:fontRef>
+        </p:style>
+      </p:cxnSp>
+      <p:cxnSp>
+        <p:nvCxnSpPr>
+          <p:cNvPr id="6" name="Gerade Verbindung mit Pfeil 5"/>
+          <p:cNvCxnSpPr/>
+          <p:nvPr/>
+        </p:nvCxnSpPr>
+        <p:spPr>
+          <a:xfrm>
+            <a:off x="2699792" y="3356992"/>
+            <a:ext cx="3312368" cy="0"/>
+          </a:xfrm>
+          <a:prstGeom prst="straightConnector1">
+            <a:avLst/>
+          </a:prstGeom>
+          <a:ln>
+            <a:tailEnd type="arrow"/>
+          </a:ln>
+        </p:spPr>
+        <p:style>
+          <a:lnRef idx="1">
+            <a:schemeClr val="accent1"/>
+          </a:lnRef>
+          <a:fillRef idx="0">
+            <a:schemeClr val="accent1"/>
+          </a:fillRef>
+          <a:effectRef idx="0">
+            <a:schemeClr val="accent1"/>
+          </a:effectRef>
+          <a:fontRef idx="minor">
+            <a:schemeClr val="tx1"/>
+          </a:fontRef>
+        </p:style>
+      </p:cxnSp>
+      <p:sp>
+        <p:nvSpPr>
+          <p:cNvPr id="7" name="Textfeld 6"/>
+          <p:cNvSpPr txBox="1"/>
+          <p:nvPr/>
+        </p:nvSpPr>
+        <p:spPr>
+          <a:xfrm>
+            <a:off x="3624000" y="3068960"/>
+            <a:ext cx="1495602" cy="369332"/>
+          </a:xfrm>
+          <a:prstGeom prst="rect">
+            <a:avLst/>
+          </a:prstGeom>
+          <a:noFill/>
+        </p:spPr>
+        <p:txBody>
+          <a:bodyPr wrap="none" rtlCol="0">
+            <a:spAutoFit/>
+          </a:bodyPr>
+          <a:lstStyle/>
+          <a:p>
+            <a:r>
+              <a:rPr lang="en-GB" dirty="0" smtClean="0">
+                <a:solidFill>
+                  <a:prstClr val="black"/>
+                </a:solidFill>
+              </a:rPr>
+              <a:t>User Message</a:t>
+            </a:r>
+            <a:endParaRPr lang="en-GB" dirty="0">
+              <a:solidFill>
+                <a:prstClr val="black"/>
+              </a:solidFill>
+            </a:endParaRPr>
+          </a:p>
+        </p:txBody>
+      </p:sp>
+      <p:cxnSp>
+        <p:nvCxnSpPr>
+          <p:cNvPr id="11" name="Gerade Verbindung mit Pfeil 10"/>
+          <p:cNvCxnSpPr/>
+          <p:nvPr/>
+        </p:nvCxnSpPr>
+        <p:spPr>
+          <a:xfrm flipH="1">
+            <a:off x="2699792" y="3789040"/>
+            <a:ext cx="3312368" cy="0"/>
+          </a:xfrm>
+          <a:prstGeom prst="straightConnector1">
+            <a:avLst/>
+          </a:prstGeom>
+          <a:ln>
+            <a:prstDash val="dash"/>
+            <a:tailEnd type="arrow"/>
+          </a:ln>
+        </p:spPr>
+        <p:style>
+          <a:lnRef idx="1">
+            <a:schemeClr val="accent1"/>
+          </a:lnRef>
+          <a:fillRef idx="0">
+            <a:schemeClr val="accent1"/>
+          </a:fillRef>
+          <a:effectRef idx="0">
+            <a:schemeClr val="accent1"/>
+          </a:effectRef>
+          <a:fontRef idx="minor">
+            <a:schemeClr val="tx1"/>
+          </a:fontRef>
+        </p:style>
+      </p:cxnSp>
+      <p:sp>
+        <p:nvSpPr>
+          <p:cNvPr id="12" name="Textfeld 11"/>
+          <p:cNvSpPr txBox="1"/>
+          <p:nvPr/>
+        </p:nvSpPr>
+        <p:spPr>
+          <a:xfrm>
+            <a:off x="3563888" y="3501008"/>
+            <a:ext cx="1615827" cy="369332"/>
+          </a:xfrm>
+          <a:prstGeom prst="rect">
+            <a:avLst/>
+          </a:prstGeom>
+          <a:noFill/>
+        </p:spPr>
+        <p:txBody>
+          <a:bodyPr wrap="none" rtlCol="0">
+            <a:spAutoFit/>
+          </a:bodyPr>
+          <a:lstStyle/>
+          <a:p>
+            <a:r>
+              <a:rPr lang="en-GB" dirty="0" smtClean="0">
+                <a:solidFill>
+                  <a:prstClr val="black"/>
+                </a:solidFill>
+              </a:rPr>
+              <a:t>Signal Message</a:t>
+            </a:r>
+            <a:endParaRPr lang="en-GB" dirty="0">
+              <a:solidFill>
+                <a:prstClr val="black"/>
+              </a:solidFill>
+            </a:endParaRPr>
+          </a:p>
+        </p:txBody>
+      </p:sp>
+      <p:cxnSp>
+        <p:nvCxnSpPr>
+          <p:cNvPr id="13" name="Gerade Verbindung 12"/>
+          <p:cNvCxnSpPr/>
+          <p:nvPr/>
+        </p:nvCxnSpPr>
+        <p:spPr>
+          <a:xfrm>
+            <a:off x="2699792" y="2996952"/>
+            <a:ext cx="0" cy="2160240"/>
+          </a:xfrm>
+          <a:prstGeom prst="line">
+            <a:avLst/>
+          </a:prstGeom>
+        </p:spPr>
+        <p:style>
+          <a:lnRef idx="1">
+            <a:schemeClr val="accent1"/>
+          </a:lnRef>
+          <a:fillRef idx="0">
+            <a:schemeClr val="accent1"/>
+          </a:fillRef>
+          <a:effectRef idx="0">
+            <a:schemeClr val="accent1"/>
+          </a:effectRef>
+          <a:fontRef idx="minor">
+            <a:schemeClr val="tx1"/>
+          </a:fontRef>
+        </p:style>
+      </p:cxnSp>
+      <p:cxnSp>
+        <p:nvCxnSpPr>
+          <p:cNvPr id="21" name="Gerade Verbindung mit Pfeil 20"/>
+          <p:cNvCxnSpPr/>
+          <p:nvPr/>
+        </p:nvCxnSpPr>
+        <p:spPr>
+          <a:xfrm>
+            <a:off x="2699792" y="4499828"/>
+            <a:ext cx="3312368" cy="0"/>
+          </a:xfrm>
+          <a:prstGeom prst="straightConnector1">
+            <a:avLst/>
+          </a:prstGeom>
+          <a:ln>
+            <a:headEnd type="arrow"/>
+            <a:tailEnd type="none"/>
+          </a:ln>
+        </p:spPr>
+        <p:style>
+          <a:lnRef idx="1">
+            <a:schemeClr val="accent1"/>
+          </a:lnRef>
+          <a:fillRef idx="0">
+            <a:schemeClr val="accent1"/>
+          </a:fillRef>
+          <a:effectRef idx="0">
+            <a:schemeClr val="accent1"/>
+          </a:effectRef>
+          <a:fontRef idx="minor">
+            <a:schemeClr val="tx1"/>
+          </a:fontRef>
+        </p:style>
+      </p:cxnSp>
+      <p:sp>
+        <p:nvSpPr>
+          <p:cNvPr id="22" name="Textfeld 21"/>
+          <p:cNvSpPr txBox="1"/>
+          <p:nvPr/>
+        </p:nvSpPr>
+        <p:spPr>
+          <a:xfrm>
+            <a:off x="3624000" y="4211796"/>
+            <a:ext cx="1495602" cy="369332"/>
+          </a:xfrm>
+          <a:prstGeom prst="rect">
+            <a:avLst/>
+          </a:prstGeom>
+          <a:noFill/>
+        </p:spPr>
+        <p:txBody>
+          <a:bodyPr wrap="none" rtlCol="0">
+            <a:spAutoFit/>
+          </a:bodyPr>
+          <a:lstStyle/>
+          <a:p>
+            <a:r>
+              <a:rPr lang="en-GB" dirty="0" smtClean="0">
+                <a:solidFill>
+                  <a:prstClr val="black"/>
+                </a:solidFill>
+              </a:rPr>
+              <a:t>User Message</a:t>
+            </a:r>
+            <a:endParaRPr lang="en-GB" dirty="0">
+              <a:solidFill>
+                <a:prstClr val="black"/>
+              </a:solidFill>
+            </a:endParaRPr>
+          </a:p>
+        </p:txBody>
+      </p:sp>
+      <p:cxnSp>
+        <p:nvCxnSpPr>
+          <p:cNvPr id="23" name="Gerade Verbindung mit Pfeil 22"/>
+          <p:cNvCxnSpPr/>
+          <p:nvPr/>
+        </p:nvCxnSpPr>
+        <p:spPr>
+          <a:xfrm flipH="1">
+            <a:off x="2699792" y="4931876"/>
+            <a:ext cx="3312368" cy="0"/>
+          </a:xfrm>
+          <a:prstGeom prst="straightConnector1">
+            <a:avLst/>
+          </a:prstGeom>
+          <a:ln>
+            <a:prstDash val="dash"/>
+            <a:headEnd type="arrow"/>
+            <a:tailEnd type="none"/>
+          </a:ln>
+        </p:spPr>
+        <p:style>
+          <a:lnRef idx="1">
+            <a:schemeClr val="accent1"/>
+          </a:lnRef>
+          <a:fillRef idx="0">
+            <a:schemeClr val="accent1"/>
+          </a:fillRef>
+          <a:effectRef idx="0">
+            <a:schemeClr val="accent1"/>
+          </a:effectRef>
+          <a:fontRef idx="minor">
+            <a:schemeClr val="tx1"/>
+          </a:fontRef>
+        </p:style>
+      </p:cxnSp>
+      <p:sp>
+        <p:nvSpPr>
+          <p:cNvPr id="24" name="Textfeld 23"/>
+          <p:cNvSpPr txBox="1"/>
+          <p:nvPr/>
+        </p:nvSpPr>
+        <p:spPr>
+          <a:xfrm>
+            <a:off x="3563888" y="4643844"/>
+            <a:ext cx="1615827" cy="369332"/>
+          </a:xfrm>
+          <a:prstGeom prst="rect">
+            <a:avLst/>
+          </a:prstGeom>
+          <a:noFill/>
+        </p:spPr>
+        <p:txBody>
+          <a:bodyPr wrap="none" rtlCol="0">
+            <a:spAutoFit/>
+          </a:bodyPr>
+          <a:lstStyle/>
+          <a:p>
+            <a:r>
+              <a:rPr lang="en-GB" dirty="0" smtClean="0">
+                <a:solidFill>
+                  <a:prstClr val="black"/>
+                </a:solidFill>
+              </a:rPr>
+              <a:t>Signal Message</a:t>
+            </a:r>
+            <a:endParaRPr lang="en-GB" dirty="0">
+              <a:solidFill>
+                <a:prstClr val="black"/>
+              </a:solidFill>
+            </a:endParaRPr>
+          </a:p>
+        </p:txBody>
+      </p:sp>
+      <p:sp>
+        <p:nvSpPr>
+          <p:cNvPr id="15" name="TextBox 14"/>
+          <p:cNvSpPr txBox="1"/>
+          <p:nvPr/>
+        </p:nvSpPr>
+        <p:spPr>
+          <a:xfrm>
+            <a:off x="2221584" y="2051556"/>
+            <a:ext cx="956416" cy="369332"/>
+          </a:xfrm>
+          <a:prstGeom prst="rect">
+            <a:avLst/>
+          </a:prstGeom>
+          <a:noFill/>
+        </p:spPr>
+        <p:txBody>
+          <a:bodyPr wrap="none" rtlCol="0">
+            <a:spAutoFit/>
+          </a:bodyPr>
+          <a:lstStyle/>
+          <a:p>
+            <a:r>
+              <a:rPr lang="en-US" b="1" dirty="0" smtClean="0"/>
+              <a:t>Initiator</a:t>
+            </a:r>
+            <a:endParaRPr lang="en-US" b="1" dirty="0"/>
+          </a:p>
+        </p:txBody>
+      </p:sp>
+      <p:sp>
+        <p:nvSpPr>
+          <p:cNvPr id="16" name="TextBox 15"/>
+          <p:cNvSpPr txBox="1"/>
+          <p:nvPr/>
+        </p:nvSpPr>
+        <p:spPr>
+          <a:xfrm>
+            <a:off x="5407667" y="2051556"/>
+            <a:ext cx="1208985" cy="369332"/>
+          </a:xfrm>
+          <a:prstGeom prst="rect">
+            <a:avLst/>
+          </a:prstGeom>
+          <a:noFill/>
+        </p:spPr>
+        <p:txBody>
+          <a:bodyPr wrap="none" rtlCol="0">
+            <a:spAutoFit/>
+          </a:bodyPr>
+          <a:lstStyle/>
+          <a:p>
+            <a:r>
+              <a:rPr lang="en-US" b="1" smtClean="0"/>
+              <a:t>Responder</a:t>
+            </a:r>
+            <a:endParaRPr lang="en-US" b="1" dirty="0"/>
+          </a:p>
+        </p:txBody>
+      </p:sp>
+      <p:sp>
+        <p:nvSpPr>
+          <p:cNvPr id="17" name="TextBox 16"/>
+          <p:cNvSpPr txBox="1"/>
+          <p:nvPr/>
+        </p:nvSpPr>
+        <p:spPr>
+          <a:xfrm>
+            <a:off x="1782681" y="3337549"/>
+            <a:ext cx="845103" cy="369332"/>
+          </a:xfrm>
+          <a:prstGeom prst="rect">
+            <a:avLst/>
+          </a:prstGeom>
+          <a:noFill/>
+        </p:spPr>
+        <p:txBody>
+          <a:bodyPr wrap="none" rtlCol="0">
+            <a:spAutoFit/>
+          </a:bodyPr>
+          <a:lstStyle/>
+          <a:p>
+            <a:r>
+              <a:rPr lang="en-US" i="1" dirty="0" smtClean="0">
+                <a:latin typeface="Times New Roman" charset="0"/>
+                <a:ea typeface="Times New Roman" charset="0"/>
+                <a:cs typeface="Times New Roman" charset="0"/>
+              </a:rPr>
+              <a:t>Sender</a:t>
+            </a:r>
+            <a:endParaRPr lang="en-US" i="1" dirty="0">
+              <a:latin typeface="Times New Roman" charset="0"/>
+              <a:ea typeface="Times New Roman" charset="0"/>
+              <a:cs typeface="Times New Roman" charset="0"/>
+            </a:endParaRPr>
+          </a:p>
+        </p:txBody>
+      </p:sp>
+      <p:sp>
+        <p:nvSpPr>
+          <p:cNvPr id="18" name="TextBox 17"/>
+          <p:cNvSpPr txBox="1"/>
+          <p:nvPr/>
+        </p:nvSpPr>
+        <p:spPr>
+          <a:xfrm>
+            <a:off x="6136085" y="3337549"/>
+            <a:ext cx="992579" cy="369332"/>
+          </a:xfrm>
+          <a:prstGeom prst="rect">
+            <a:avLst/>
+          </a:prstGeom>
+          <a:noFill/>
+        </p:spPr>
+        <p:txBody>
+          <a:bodyPr wrap="none" rtlCol="0">
+            <a:spAutoFit/>
+          </a:bodyPr>
+          <a:lstStyle/>
+          <a:p>
+            <a:r>
+              <a:rPr lang="en-US" i="1" dirty="0" smtClean="0">
+                <a:latin typeface="Times New Roman" charset="0"/>
+                <a:ea typeface="Times New Roman" charset="0"/>
+                <a:cs typeface="Times New Roman" charset="0"/>
+              </a:rPr>
+              <a:t>Receiver</a:t>
+            </a:r>
+            <a:endParaRPr lang="en-US" i="1" dirty="0">
+              <a:latin typeface="Times New Roman" charset="0"/>
+              <a:ea typeface="Times New Roman" charset="0"/>
+              <a:cs typeface="Times New Roman" charset="0"/>
+            </a:endParaRPr>
+          </a:p>
+        </p:txBody>
+      </p:sp>
+      <p:sp>
+        <p:nvSpPr>
+          <p:cNvPr id="19" name="TextBox 18"/>
+          <p:cNvSpPr txBox="1"/>
+          <p:nvPr/>
+        </p:nvSpPr>
+        <p:spPr>
+          <a:xfrm>
+            <a:off x="1635206" y="4531186"/>
+            <a:ext cx="992579" cy="369332"/>
+          </a:xfrm>
+          <a:prstGeom prst="rect">
+            <a:avLst/>
+          </a:prstGeom>
+          <a:noFill/>
+        </p:spPr>
+        <p:txBody>
+          <a:bodyPr wrap="none" rtlCol="0">
+            <a:spAutoFit/>
+          </a:bodyPr>
+          <a:lstStyle/>
+          <a:p>
+            <a:r>
+              <a:rPr lang="en-US" i="1" dirty="0" smtClean="0">
+                <a:latin typeface="Times New Roman" charset="0"/>
+                <a:ea typeface="Times New Roman" charset="0"/>
+                <a:cs typeface="Times New Roman" charset="0"/>
+              </a:rPr>
+              <a:t>Receiver</a:t>
+            </a:r>
+            <a:endParaRPr lang="en-US" i="1" dirty="0">
+              <a:latin typeface="Times New Roman" charset="0"/>
+              <a:ea typeface="Times New Roman" charset="0"/>
+              <a:cs typeface="Times New Roman" charset="0"/>
+            </a:endParaRPr>
+          </a:p>
+        </p:txBody>
+      </p:sp>
+      <p:sp>
+        <p:nvSpPr>
+          <p:cNvPr id="20" name="TextBox 19"/>
+          <p:cNvSpPr txBox="1"/>
+          <p:nvPr/>
+        </p:nvSpPr>
+        <p:spPr>
+          <a:xfrm>
+            <a:off x="6136085" y="4531186"/>
+            <a:ext cx="825867" cy="369332"/>
+          </a:xfrm>
+          <a:prstGeom prst="rect">
+            <a:avLst/>
+          </a:prstGeom>
+          <a:noFill/>
+        </p:spPr>
+        <p:txBody>
+          <a:bodyPr wrap="none" rtlCol="0">
+            <a:spAutoFit/>
+          </a:bodyPr>
+          <a:lstStyle/>
+          <a:p>
+            <a:r>
+              <a:rPr lang="en-US" i="1" dirty="0" smtClean="0">
+                <a:latin typeface="Times New Roman" charset="0"/>
+                <a:ea typeface="Times New Roman" charset="0"/>
+                <a:cs typeface="Times New Roman" charset="0"/>
+              </a:rPr>
+              <a:t>Sender</a:t>
+            </a:r>
+            <a:endParaRPr lang="en-US" i="1" dirty="0">
+              <a:latin typeface="Times New Roman" charset="0"/>
+              <a:ea typeface="Times New Roman" charset="0"/>
+              <a:cs typeface="Times New Roman" charset="0"/>
+            </a:endParaRPr>
+          </a:p>
+        </p:txBody>
+      </p:sp>
+    </p:spTree>
+  </p:cSld>
+  <p:clrMapOvr>
+    <a:masterClrMapping/>
+  </p:clrMapOvr>
+</p:sld>
+</file>
+
+<file path=ppt/slides/slide8.xml><?xml version="1.0" encoding="utf-8"?>
+<p:sld xmlns:a="http://schemas.openxmlformats.org/drawingml/2006/main" xmlns:r="http://schemas.openxmlformats.org/officeDocument/2006/relationships" xmlns:p="http://schemas.openxmlformats.org/presentationml/2006/main">
+  <p:cSld>
+    <p:spTree>
+      <p:nvGrpSpPr>
+        <p:cNvPr id="1" name=""/>
+        <p:cNvGrpSpPr/>
+        <p:nvPr/>
+      </p:nvGrpSpPr>
+      <p:grpSpPr>
+        <a:xfrm>
+          <a:off x="0" y="0"/>
+          <a:ext cx="0" cy="0"/>
+          <a:chOff x="0" y="0"/>
+          <a:chExt cx="0" cy="0"/>
+        </a:xfrm>
+      </p:grpSpPr>
+      <p:sp>
+        <p:nvSpPr>
+          <p:cNvPr id="2" name="Titel 1"/>
+          <p:cNvSpPr>
+            <a:spLocks noGrp="1"/>
+          </p:cNvSpPr>
+          <p:nvPr>
+            <p:ph type="title"/>
+          </p:nvPr>
+        </p:nvSpPr>
+        <p:spPr/>
+        <p:txBody>
+          <a:bodyPr/>
+          <a:lstStyle/>
+          <a:p>
+            <a:r>
+              <a:rPr lang="en-GB" dirty="0" smtClean="0"/>
+              <a:t>Message Exchange – push-pull</a:t>
+            </a:r>
+            <a:endParaRPr lang="en-GB" dirty="0"/>
+          </a:p>
+        </p:txBody>
+      </p:sp>
+      <p:sp>
+        <p:nvSpPr>
+          <p:cNvPr id="3" name="Rechteck 2"/>
+          <p:cNvSpPr/>
+          <p:nvPr/>
+        </p:nvSpPr>
+        <p:spPr>
+          <a:xfrm>
+            <a:off x="2051720" y="2492896"/>
+            <a:ext cx="1296144" cy="432048"/>
+          </a:xfrm>
+          <a:prstGeom prst="rect">
+            <a:avLst/>
+          </a:prstGeom>
+        </p:spPr>
+        <p:style>
+          <a:lnRef idx="2">
+            <a:schemeClr val="accent1">
+              <a:shade val="50000"/>
+            </a:schemeClr>
+          </a:lnRef>
+          <a:fillRef idx="1">
+            <a:schemeClr val="accent1"/>
+          </a:fillRef>
+          <a:effectRef idx="0">
+            <a:schemeClr val="accent1"/>
+          </a:effectRef>
+          <a:fontRef idx="minor">
+            <a:schemeClr val="lt1"/>
+          </a:fontRef>
+        </p:style>
+        <p:txBody>
+          <a:bodyPr rtlCol="0" anchor="ctr"/>
+          <a:lstStyle/>
+          <a:p>
+            <a:pPr algn="ctr"/>
+            <a:r>
+              <a:rPr lang="en-GB" dirty="0" smtClean="0">
+                <a:solidFill>
+                  <a:prstClr val="white"/>
+                </a:solidFill>
+              </a:rPr>
+              <a:t>C2</a:t>
+            </a:r>
+            <a:endParaRPr lang="en-GB" dirty="0">
+              <a:solidFill>
+                <a:prstClr val="white"/>
+              </a:solidFill>
+            </a:endParaRPr>
+          </a:p>
+        </p:txBody>
+      </p:sp>
+      <p:sp>
+        <p:nvSpPr>
+          <p:cNvPr id="4" name="Rechteck 3"/>
+          <p:cNvSpPr/>
+          <p:nvPr/>
+        </p:nvSpPr>
+        <p:spPr>
+          <a:xfrm>
+            <a:off x="5364088" y="2492896"/>
+            <a:ext cx="1296144" cy="432048"/>
+          </a:xfrm>
+          <a:prstGeom prst="rect">
+            <a:avLst/>
+          </a:prstGeom>
+        </p:spPr>
+        <p:style>
+          <a:lnRef idx="2">
+            <a:schemeClr val="accent1">
+              <a:shade val="50000"/>
+            </a:schemeClr>
+          </a:lnRef>
+          <a:fillRef idx="1">
+            <a:schemeClr val="accent1"/>
+          </a:fillRef>
+          <a:effectRef idx="0">
+            <a:schemeClr val="accent1"/>
+          </a:effectRef>
+          <a:fontRef idx="minor">
+            <a:schemeClr val="lt1"/>
+          </a:fontRef>
+        </p:style>
+        <p:txBody>
+          <a:bodyPr rtlCol="0" anchor="ctr"/>
+          <a:lstStyle/>
+          <a:p>
+            <a:pPr algn="ctr"/>
+            <a:r>
+              <a:rPr lang="en-GB" dirty="0" smtClean="0">
+                <a:solidFill>
+                  <a:prstClr val="white"/>
+                </a:solidFill>
+              </a:rPr>
+              <a:t>C3</a:t>
+            </a:r>
+            <a:endParaRPr lang="en-GB" dirty="0">
+              <a:solidFill>
+                <a:prstClr val="white"/>
+              </a:solidFill>
+            </a:endParaRPr>
+          </a:p>
+        </p:txBody>
+      </p:sp>
+      <p:cxnSp>
+        <p:nvCxnSpPr>
+          <p:cNvPr id="5" name="Gerade Verbindung 4"/>
+          <p:cNvCxnSpPr/>
+          <p:nvPr/>
+        </p:nvCxnSpPr>
+        <p:spPr>
+          <a:xfrm>
+            <a:off x="6012160" y="2996952"/>
+            <a:ext cx="0" cy="2880320"/>
+          </a:xfrm>
+          <a:prstGeom prst="line">
+            <a:avLst/>
+          </a:prstGeom>
+        </p:spPr>
+        <p:style>
+          <a:lnRef idx="1">
+            <a:schemeClr val="accent1"/>
+          </a:lnRef>
+          <a:fillRef idx="0">
+            <a:schemeClr val="accent1"/>
+          </a:fillRef>
+          <a:effectRef idx="0">
+            <a:schemeClr val="accent1"/>
+          </a:effectRef>
+          <a:fontRef idx="minor">
+            <a:schemeClr val="tx1"/>
+          </a:fontRef>
+        </p:style>
+      </p:cxnSp>
+      <p:cxnSp>
+        <p:nvCxnSpPr>
+          <p:cNvPr id="6" name="Gerade Verbindung mit Pfeil 5"/>
+          <p:cNvCxnSpPr/>
+          <p:nvPr/>
+        </p:nvCxnSpPr>
+        <p:spPr>
+          <a:xfrm>
+            <a:off x="2699792" y="3356992"/>
+            <a:ext cx="3312368" cy="0"/>
+          </a:xfrm>
+          <a:prstGeom prst="straightConnector1">
+            <a:avLst/>
+          </a:prstGeom>
+          <a:ln>
+            <a:tailEnd type="arrow"/>
+          </a:ln>
+        </p:spPr>
+        <p:style>
+          <a:lnRef idx="1">
+            <a:schemeClr val="accent1"/>
+          </a:lnRef>
+          <a:fillRef idx="0">
+            <a:schemeClr val="accent1"/>
+          </a:fillRef>
+          <a:effectRef idx="0">
+            <a:schemeClr val="accent1"/>
+          </a:effectRef>
+          <a:fontRef idx="minor">
+            <a:schemeClr val="tx1"/>
+          </a:fontRef>
+        </p:style>
+      </p:cxnSp>
+      <p:sp>
+        <p:nvSpPr>
+          <p:cNvPr id="7" name="Textfeld 6"/>
+          <p:cNvSpPr txBox="1"/>
+          <p:nvPr/>
+        </p:nvSpPr>
+        <p:spPr>
+          <a:xfrm>
+            <a:off x="3624000" y="3068960"/>
+            <a:ext cx="1495602" cy="369332"/>
+          </a:xfrm>
+          <a:prstGeom prst="rect">
+            <a:avLst/>
+          </a:prstGeom>
+          <a:noFill/>
+        </p:spPr>
+        <p:txBody>
+          <a:bodyPr wrap="none" rtlCol="0">
+            <a:spAutoFit/>
+          </a:bodyPr>
+          <a:lstStyle/>
+          <a:p>
+            <a:r>
+              <a:rPr lang="en-GB" dirty="0" smtClean="0">
+                <a:solidFill>
+                  <a:prstClr val="black"/>
+                </a:solidFill>
+              </a:rPr>
+              <a:t>User Message</a:t>
+            </a:r>
+            <a:endParaRPr lang="en-GB" dirty="0">
+              <a:solidFill>
+                <a:prstClr val="black"/>
+              </a:solidFill>
+            </a:endParaRPr>
+          </a:p>
+        </p:txBody>
+      </p:sp>
+      <p:cxnSp>
+        <p:nvCxnSpPr>
+          <p:cNvPr id="11" name="Gerade Verbindung mit Pfeil 10"/>
+          <p:cNvCxnSpPr/>
+          <p:nvPr/>
+        </p:nvCxnSpPr>
+        <p:spPr>
+          <a:xfrm flipH="1">
+            <a:off x="2699792" y="3789040"/>
+            <a:ext cx="3312368" cy="0"/>
+          </a:xfrm>
+          <a:prstGeom prst="straightConnector1">
+            <a:avLst/>
+          </a:prstGeom>
+          <a:ln>
+            <a:prstDash val="dash"/>
+            <a:tailEnd type="arrow"/>
+          </a:ln>
+        </p:spPr>
+        <p:style>
+          <a:lnRef idx="1">
+            <a:schemeClr val="accent1"/>
+          </a:lnRef>
+          <a:fillRef idx="0">
+            <a:schemeClr val="accent1"/>
+          </a:fillRef>
+          <a:effectRef idx="0">
+            <a:schemeClr val="accent1"/>
+          </a:effectRef>
+          <a:fontRef idx="minor">
+            <a:schemeClr val="tx1"/>
+          </a:fontRef>
+        </p:style>
+      </p:cxnSp>
+      <p:sp>
+        <p:nvSpPr>
+          <p:cNvPr id="12" name="Textfeld 11"/>
+          <p:cNvSpPr txBox="1"/>
+          <p:nvPr/>
+        </p:nvSpPr>
+        <p:spPr>
+          <a:xfrm>
+            <a:off x="3563888" y="3501008"/>
+            <a:ext cx="1615827" cy="369332"/>
+          </a:xfrm>
+          <a:prstGeom prst="rect">
+            <a:avLst/>
+          </a:prstGeom>
+          <a:noFill/>
+        </p:spPr>
+        <p:txBody>
+          <a:bodyPr wrap="none" rtlCol="0">
+            <a:spAutoFit/>
+          </a:bodyPr>
+          <a:lstStyle/>
+          <a:p>
+            <a:r>
+              <a:rPr lang="en-GB" dirty="0" smtClean="0">
+                <a:solidFill>
+                  <a:prstClr val="black"/>
+                </a:solidFill>
+              </a:rPr>
+              <a:t>Signal Message</a:t>
+            </a:r>
+            <a:endParaRPr lang="en-GB" dirty="0">
+              <a:solidFill>
+                <a:prstClr val="black"/>
+              </a:solidFill>
+            </a:endParaRPr>
+          </a:p>
+        </p:txBody>
+      </p:sp>
+      <p:cxnSp>
+        <p:nvCxnSpPr>
+          <p:cNvPr id="13" name="Gerade Verbindung 12"/>
+          <p:cNvCxnSpPr/>
+          <p:nvPr/>
+        </p:nvCxnSpPr>
+        <p:spPr>
+          <a:xfrm>
+            <a:off x="2699792" y="2996952"/>
+            <a:ext cx="0" cy="2808312"/>
+          </a:xfrm>
+          <a:prstGeom prst="line">
+            <a:avLst/>
+          </a:prstGeom>
+        </p:spPr>
+        <p:style>
+          <a:lnRef idx="1">
+            <a:schemeClr val="accent1"/>
+          </a:lnRef>
+          <a:fillRef idx="0">
+            <a:schemeClr val="accent1"/>
+          </a:fillRef>
+          <a:effectRef idx="0">
+            <a:schemeClr val="accent1"/>
+          </a:effectRef>
+          <a:fontRef idx="minor">
+            <a:schemeClr val="tx1"/>
+          </a:fontRef>
+        </p:style>
+      </p:cxnSp>
+      <p:cxnSp>
+        <p:nvCxnSpPr>
+          <p:cNvPr id="21" name="Gerade Verbindung mit Pfeil 20"/>
+          <p:cNvCxnSpPr/>
+          <p:nvPr/>
+        </p:nvCxnSpPr>
+        <p:spPr>
+          <a:xfrm flipH="1">
+            <a:off x="2699792" y="4499828"/>
+            <a:ext cx="3312368" cy="0"/>
+          </a:xfrm>
+          <a:prstGeom prst="straightConnector1">
+            <a:avLst/>
+          </a:prstGeom>
+          <a:ln>
+            <a:headEnd type="arrow"/>
+            <a:tailEnd type="none"/>
+          </a:ln>
+        </p:spPr>
+        <p:style>
+          <a:lnRef idx="1">
+            <a:schemeClr val="accent1"/>
+          </a:lnRef>
+          <a:fillRef idx="0">
+            <a:schemeClr val="accent1"/>
+          </a:fillRef>
+          <a:effectRef idx="0">
+            <a:schemeClr val="accent1"/>
+          </a:effectRef>
+          <a:fontRef idx="minor">
+            <a:schemeClr val="tx1"/>
+          </a:fontRef>
+        </p:style>
+      </p:cxnSp>
+      <p:sp>
+        <p:nvSpPr>
+          <p:cNvPr id="22" name="Textfeld 21"/>
+          <p:cNvSpPr txBox="1"/>
+          <p:nvPr/>
+        </p:nvSpPr>
+        <p:spPr>
+          <a:xfrm>
+            <a:off x="3700079" y="4211796"/>
+            <a:ext cx="1343445" cy="369332"/>
+          </a:xfrm>
+          <a:prstGeom prst="rect">
+            <a:avLst/>
+          </a:prstGeom>
+          <a:noFill/>
+        </p:spPr>
+        <p:txBody>
+          <a:bodyPr wrap="none" rtlCol="0">
+            <a:spAutoFit/>
+          </a:bodyPr>
+          <a:lstStyle/>
+          <a:p>
+            <a:r>
+              <a:rPr lang="en-GB" dirty="0" smtClean="0">
+                <a:solidFill>
+                  <a:prstClr val="black"/>
+                </a:solidFill>
+              </a:rPr>
+              <a:t>Pull Request</a:t>
+            </a:r>
+            <a:endParaRPr lang="en-GB" dirty="0">
+              <a:solidFill>
+                <a:prstClr val="black"/>
+              </a:solidFill>
+            </a:endParaRPr>
+          </a:p>
+        </p:txBody>
+      </p:sp>
+      <p:cxnSp>
+        <p:nvCxnSpPr>
+          <p:cNvPr id="23" name="Gerade Verbindung mit Pfeil 22"/>
+          <p:cNvCxnSpPr/>
+          <p:nvPr/>
+        </p:nvCxnSpPr>
+        <p:spPr>
+          <a:xfrm>
+            <a:off x="2699792" y="4931876"/>
+            <a:ext cx="3312368" cy="0"/>
+          </a:xfrm>
+          <a:prstGeom prst="straightConnector1">
+            <a:avLst/>
+          </a:prstGeom>
+          <a:ln>
+            <a:prstDash val="dash"/>
+            <a:headEnd type="arrow"/>
+            <a:tailEnd type="none"/>
+          </a:ln>
+        </p:spPr>
+        <p:style>
+          <a:lnRef idx="1">
+            <a:schemeClr val="accent1"/>
+          </a:lnRef>
+          <a:fillRef idx="0">
+            <a:schemeClr val="accent1"/>
+          </a:fillRef>
+          <a:effectRef idx="0">
+            <a:schemeClr val="accent1"/>
+          </a:effectRef>
+          <a:fontRef idx="minor">
+            <a:schemeClr val="tx1"/>
+          </a:fontRef>
+        </p:style>
+      </p:cxnSp>
+      <p:sp>
+        <p:nvSpPr>
+          <p:cNvPr id="24" name="Textfeld 23"/>
+          <p:cNvSpPr txBox="1"/>
+          <p:nvPr/>
+        </p:nvSpPr>
+        <p:spPr>
+          <a:xfrm>
+            <a:off x="3624000" y="4643844"/>
+            <a:ext cx="1495602" cy="369332"/>
+          </a:xfrm>
+          <a:prstGeom prst="rect">
+            <a:avLst/>
+          </a:prstGeom>
+          <a:noFill/>
+        </p:spPr>
+        <p:txBody>
+          <a:bodyPr wrap="none" rtlCol="0">
+            <a:spAutoFit/>
+          </a:bodyPr>
+          <a:lstStyle/>
+          <a:p>
+            <a:r>
+              <a:rPr lang="en-GB" dirty="0" smtClean="0">
+                <a:solidFill>
+                  <a:prstClr val="black"/>
+                </a:solidFill>
+              </a:rPr>
+              <a:t>User Message</a:t>
+            </a:r>
+            <a:endParaRPr lang="en-GB" dirty="0">
+              <a:solidFill>
+                <a:prstClr val="black"/>
+              </a:solidFill>
+            </a:endParaRPr>
+          </a:p>
+        </p:txBody>
+      </p:sp>
+      <p:cxnSp>
+        <p:nvCxnSpPr>
+          <p:cNvPr id="19" name="Gerade Verbindung mit Pfeil 5"/>
+          <p:cNvCxnSpPr/>
+          <p:nvPr/>
+        </p:nvCxnSpPr>
+        <p:spPr>
+          <a:xfrm>
+            <a:off x="2699792" y="5338847"/>
+            <a:ext cx="3312368" cy="0"/>
+          </a:xfrm>
+          <a:prstGeom prst="straightConnector1">
+            <a:avLst/>
+          </a:prstGeom>
+          <a:ln>
+            <a:tailEnd type="arrow"/>
+          </a:ln>
+        </p:spPr>
+        <p:style>
+          <a:lnRef idx="1">
+            <a:schemeClr val="accent1"/>
+          </a:lnRef>
+          <a:fillRef idx="0">
+            <a:schemeClr val="accent1"/>
+          </a:fillRef>
+          <a:effectRef idx="0">
+            <a:schemeClr val="accent1"/>
+          </a:effectRef>
+          <a:fontRef idx="minor">
+            <a:schemeClr val="tx1"/>
+          </a:fontRef>
+        </p:style>
+      </p:cxnSp>
+      <p:sp>
+        <p:nvSpPr>
+          <p:cNvPr id="20" name="Textfeld 6"/>
+          <p:cNvSpPr txBox="1"/>
+          <p:nvPr/>
+        </p:nvSpPr>
+        <p:spPr>
+          <a:xfrm>
+            <a:off x="3624000" y="5050815"/>
+            <a:ext cx="1615892" cy="369332"/>
+          </a:xfrm>
+          <a:prstGeom prst="rect">
+            <a:avLst/>
+          </a:prstGeom>
+          <a:noFill/>
+        </p:spPr>
+        <p:txBody>
+          <a:bodyPr wrap="none" rtlCol="0">
+            <a:spAutoFit/>
+          </a:bodyPr>
+          <a:lstStyle/>
+          <a:p>
+            <a:r>
+              <a:rPr lang="en-GB" dirty="0" smtClean="0">
+                <a:solidFill>
+                  <a:prstClr val="black"/>
+                </a:solidFill>
+              </a:rPr>
+              <a:t>Signal Message</a:t>
+            </a:r>
+            <a:endParaRPr lang="en-GB" dirty="0">
+              <a:solidFill>
+                <a:prstClr val="black"/>
+              </a:solidFill>
+            </a:endParaRPr>
+          </a:p>
+        </p:txBody>
+      </p:sp>
+      <p:sp>
+        <p:nvSpPr>
+          <p:cNvPr id="25" name="TextBox 24"/>
+          <p:cNvSpPr txBox="1"/>
+          <p:nvPr/>
+        </p:nvSpPr>
+        <p:spPr>
+          <a:xfrm>
+            <a:off x="2221584" y="2051556"/>
+            <a:ext cx="956416" cy="369332"/>
+          </a:xfrm>
+          <a:prstGeom prst="rect">
+            <a:avLst/>
+          </a:prstGeom>
+          <a:noFill/>
+        </p:spPr>
+        <p:txBody>
+          <a:bodyPr wrap="none" rtlCol="0">
+            <a:spAutoFit/>
+          </a:bodyPr>
+          <a:lstStyle/>
+          <a:p>
+            <a:r>
+              <a:rPr lang="en-US" b="1" dirty="0" smtClean="0"/>
+              <a:t>Initiator</a:t>
+            </a:r>
+            <a:endParaRPr lang="en-US" b="1" dirty="0"/>
+          </a:p>
+        </p:txBody>
+      </p:sp>
+      <p:sp>
+        <p:nvSpPr>
+          <p:cNvPr id="26" name="TextBox 25"/>
+          <p:cNvSpPr txBox="1"/>
+          <p:nvPr/>
+        </p:nvSpPr>
+        <p:spPr>
+          <a:xfrm>
+            <a:off x="5407667" y="2051556"/>
+            <a:ext cx="1208985" cy="369332"/>
+          </a:xfrm>
+          <a:prstGeom prst="rect">
+            <a:avLst/>
+          </a:prstGeom>
+          <a:noFill/>
+        </p:spPr>
+        <p:txBody>
+          <a:bodyPr wrap="none" rtlCol="0">
+            <a:spAutoFit/>
+          </a:bodyPr>
+          <a:lstStyle/>
+          <a:p>
+            <a:r>
+              <a:rPr lang="en-US" b="1" smtClean="0"/>
+              <a:t>Responder</a:t>
+            </a:r>
+            <a:endParaRPr lang="en-US" b="1" dirty="0"/>
+          </a:p>
+        </p:txBody>
+      </p:sp>
+      <p:sp>
+        <p:nvSpPr>
+          <p:cNvPr id="27" name="TextBox 26"/>
+          <p:cNvSpPr txBox="1"/>
+          <p:nvPr/>
+        </p:nvSpPr>
+        <p:spPr>
+          <a:xfrm>
+            <a:off x="1782681" y="3368780"/>
+            <a:ext cx="845103" cy="369332"/>
+          </a:xfrm>
+          <a:prstGeom prst="rect">
+            <a:avLst/>
+          </a:prstGeom>
+          <a:noFill/>
+        </p:spPr>
+        <p:txBody>
+          <a:bodyPr wrap="none" rtlCol="0">
+            <a:spAutoFit/>
+          </a:bodyPr>
+          <a:lstStyle/>
+          <a:p>
+            <a:r>
+              <a:rPr lang="en-US" i="1" dirty="0" smtClean="0">
+                <a:latin typeface="Times New Roman" charset="0"/>
+                <a:ea typeface="Times New Roman" charset="0"/>
+                <a:cs typeface="Times New Roman" charset="0"/>
+              </a:rPr>
+              <a:t>Sender</a:t>
+            </a:r>
+            <a:endParaRPr lang="en-US" i="1" dirty="0">
+              <a:latin typeface="Times New Roman" charset="0"/>
+              <a:ea typeface="Times New Roman" charset="0"/>
+              <a:cs typeface="Times New Roman" charset="0"/>
+            </a:endParaRPr>
+          </a:p>
+        </p:txBody>
+      </p:sp>
+      <p:sp>
+        <p:nvSpPr>
+          <p:cNvPr id="28" name="TextBox 27"/>
+          <p:cNvSpPr txBox="1"/>
+          <p:nvPr/>
+        </p:nvSpPr>
+        <p:spPr>
+          <a:xfrm>
+            <a:off x="6136085" y="3368780"/>
+            <a:ext cx="992579" cy="369332"/>
+          </a:xfrm>
+          <a:prstGeom prst="rect">
+            <a:avLst/>
+          </a:prstGeom>
+          <a:noFill/>
+        </p:spPr>
+        <p:txBody>
+          <a:bodyPr wrap="none" rtlCol="0">
+            <a:spAutoFit/>
+          </a:bodyPr>
+          <a:lstStyle/>
+          <a:p>
+            <a:r>
+              <a:rPr lang="en-US" i="1" dirty="0" smtClean="0">
+                <a:latin typeface="Times New Roman" charset="0"/>
+                <a:ea typeface="Times New Roman" charset="0"/>
+                <a:cs typeface="Times New Roman" charset="0"/>
+              </a:rPr>
+              <a:t>Receiver</a:t>
+            </a:r>
+            <a:endParaRPr lang="en-US" i="1" dirty="0">
+              <a:latin typeface="Times New Roman" charset="0"/>
+              <a:ea typeface="Times New Roman" charset="0"/>
+              <a:cs typeface="Times New Roman" charset="0"/>
+            </a:endParaRPr>
+          </a:p>
+        </p:txBody>
+      </p:sp>
+      <p:sp>
+        <p:nvSpPr>
+          <p:cNvPr id="29" name="TextBox 28"/>
+          <p:cNvSpPr txBox="1"/>
+          <p:nvPr/>
+        </p:nvSpPr>
+        <p:spPr>
+          <a:xfrm>
+            <a:off x="1635205" y="4825499"/>
+            <a:ext cx="992579" cy="369332"/>
+          </a:xfrm>
+          <a:prstGeom prst="rect">
+            <a:avLst/>
+          </a:prstGeom>
+          <a:noFill/>
+        </p:spPr>
+        <p:txBody>
+          <a:bodyPr wrap="none" rtlCol="0">
+            <a:spAutoFit/>
+          </a:bodyPr>
+          <a:lstStyle/>
+          <a:p>
+            <a:r>
+              <a:rPr lang="en-US" i="1" dirty="0" smtClean="0">
+                <a:latin typeface="Times New Roman" charset="0"/>
+                <a:ea typeface="Times New Roman" charset="0"/>
+                <a:cs typeface="Times New Roman" charset="0"/>
+              </a:rPr>
+              <a:t>Receiver</a:t>
+            </a:r>
+            <a:endParaRPr lang="en-US" i="1" dirty="0">
+              <a:latin typeface="Times New Roman" charset="0"/>
+              <a:ea typeface="Times New Roman" charset="0"/>
+              <a:cs typeface="Times New Roman" charset="0"/>
+            </a:endParaRPr>
+          </a:p>
+        </p:txBody>
+      </p:sp>
+      <p:sp>
+        <p:nvSpPr>
+          <p:cNvPr id="30" name="TextBox 29"/>
+          <p:cNvSpPr txBox="1"/>
+          <p:nvPr/>
+        </p:nvSpPr>
+        <p:spPr>
+          <a:xfrm>
+            <a:off x="6136084" y="4825499"/>
+            <a:ext cx="825867" cy="369332"/>
+          </a:xfrm>
+          <a:prstGeom prst="rect">
+            <a:avLst/>
+          </a:prstGeom>
+          <a:noFill/>
+        </p:spPr>
+        <p:txBody>
+          <a:bodyPr wrap="none" rtlCol="0">
+            <a:spAutoFit/>
+          </a:bodyPr>
+          <a:lstStyle/>
+          <a:p>
+            <a:r>
+              <a:rPr lang="en-US" i="1" dirty="0" smtClean="0">
+                <a:latin typeface="Times New Roman" charset="0"/>
+                <a:ea typeface="Times New Roman" charset="0"/>
+                <a:cs typeface="Times New Roman" charset="0"/>
+              </a:rPr>
+              <a:t>Sender</a:t>
+            </a:r>
+            <a:endParaRPr lang="en-US" i="1" dirty="0">
+              <a:latin typeface="Times New Roman" charset="0"/>
+              <a:ea typeface="Times New Roman" charset="0"/>
+              <a:cs typeface="Times New Roman" charset="0"/>
+            </a:endParaRPr>
+          </a:p>
+        </p:txBody>
+      </p:sp>
+    </p:spTree>
+  </p:cSld>
+  <p:clrMapOvr>
+    <a:masterClrMapping/>
+  </p:clrMapOvr>
+</p:sld>
+</file>
+
+<file path=ppt/slides/slide9.xml><?xml version="1.0" encoding="utf-8"?>
+<p:sld xmlns:a="http://schemas.openxmlformats.org/drawingml/2006/main" xmlns:r="http://schemas.openxmlformats.org/officeDocument/2006/relationships" xmlns:p="http://schemas.openxmlformats.org/presentationml/2006/main">
+  <p:cSld>
+    <p:spTree>
+      <p:nvGrpSpPr>
+        <p:cNvPr id="1" name=""/>
+        <p:cNvGrpSpPr/>
+        <p:nvPr/>
+      </p:nvGrpSpPr>
+      <p:grpSpPr>
+        <a:xfrm>
+          <a:off x="0" y="0"/>
+          <a:ext cx="0" cy="0"/>
+          <a:chOff x="0" y="0"/>
+          <a:chExt cx="0" cy="0"/>
+        </a:xfrm>
+      </p:grpSpPr>
+      <p:sp>
+        <p:nvSpPr>
+          <p:cNvPr id="2" name="Titel 1"/>
+          <p:cNvSpPr>
+            <a:spLocks noGrp="1"/>
+          </p:cNvSpPr>
+          <p:nvPr>
+            <p:ph type="title"/>
+          </p:nvPr>
+        </p:nvSpPr>
+        <p:spPr/>
+        <p:txBody>
+          <a:bodyPr>
+            <a:normAutofit fontScale="90000"/>
+          </a:bodyPr>
+          <a:lstStyle/>
+          <a:p>
+            <a:r>
+              <a:rPr lang="en-GB" dirty="0" smtClean="0"/>
+              <a:t>Message Exchange – pull-push</a:t>
+            </a:r>
+            <a:br>
+              <a:rPr lang="en-GB" dirty="0" smtClean="0"/>
+            </a:br>
+            <a:r>
+              <a:rPr lang="en-GB" sz="2700" dirty="0" smtClean="0"/>
+              <a:t>with bundling</a:t>
+            </a:r>
+            <a:endParaRPr lang="en-GB" sz="2700" dirty="0"/>
+          </a:p>
+        </p:txBody>
+      </p:sp>
+      <p:sp>
+        <p:nvSpPr>
+          <p:cNvPr id="3" name="Rechteck 2"/>
+          <p:cNvSpPr/>
+          <p:nvPr/>
+        </p:nvSpPr>
+        <p:spPr>
+          <a:xfrm>
+            <a:off x="2051720" y="2492896"/>
+            <a:ext cx="1296144" cy="432048"/>
+          </a:xfrm>
+          <a:prstGeom prst="rect">
+            <a:avLst/>
+          </a:prstGeom>
+        </p:spPr>
+        <p:style>
+          <a:lnRef idx="2">
+            <a:schemeClr val="accent1">
+              <a:shade val="50000"/>
+            </a:schemeClr>
+          </a:lnRef>
+          <a:fillRef idx="1">
+            <a:schemeClr val="accent1"/>
+          </a:fillRef>
+          <a:effectRef idx="0">
+            <a:schemeClr val="accent1"/>
+          </a:effectRef>
+          <a:fontRef idx="minor">
+            <a:schemeClr val="lt1"/>
+          </a:fontRef>
+        </p:style>
+        <p:txBody>
+          <a:bodyPr rtlCol="0" anchor="ctr"/>
+          <a:lstStyle/>
+          <a:p>
+            <a:pPr algn="ctr"/>
+            <a:r>
+              <a:rPr lang="en-GB" dirty="0" smtClean="0">
+                <a:solidFill>
+                  <a:prstClr val="white"/>
+                </a:solidFill>
+              </a:rPr>
+              <a:t>C2</a:t>
+            </a:r>
+            <a:endParaRPr lang="en-GB" dirty="0">
+              <a:solidFill>
+                <a:prstClr val="white"/>
+              </a:solidFill>
+            </a:endParaRPr>
+          </a:p>
+        </p:txBody>
+      </p:sp>
+      <p:sp>
+        <p:nvSpPr>
+          <p:cNvPr id="4" name="Rechteck 3"/>
+          <p:cNvSpPr/>
+          <p:nvPr/>
+        </p:nvSpPr>
+        <p:spPr>
+          <a:xfrm>
+            <a:off x="5364088" y="2492896"/>
+            <a:ext cx="1296144" cy="432048"/>
+          </a:xfrm>
+          <a:prstGeom prst="rect">
+            <a:avLst/>
+          </a:prstGeom>
+        </p:spPr>
+        <p:style>
+          <a:lnRef idx="2">
+            <a:schemeClr val="accent1">
+              <a:shade val="50000"/>
+            </a:schemeClr>
+          </a:lnRef>
+          <a:fillRef idx="1">
+            <a:schemeClr val="accent1"/>
+          </a:fillRef>
+          <a:effectRef idx="0">
+            <a:schemeClr val="accent1"/>
+          </a:effectRef>
+          <a:fontRef idx="minor">
+            <a:schemeClr val="lt1"/>
+          </a:fontRef>
+        </p:style>
+        <p:txBody>
+          <a:bodyPr rtlCol="0" anchor="ctr"/>
+          <a:lstStyle/>
+          <a:p>
+            <a:pPr algn="ctr"/>
+            <a:r>
+              <a:rPr lang="en-GB" dirty="0" smtClean="0">
+                <a:solidFill>
+                  <a:prstClr val="white"/>
+                </a:solidFill>
+              </a:rPr>
+              <a:t>C3</a:t>
+            </a:r>
+            <a:endParaRPr lang="en-GB" dirty="0">
+              <a:solidFill>
+                <a:prstClr val="white"/>
+              </a:solidFill>
+            </a:endParaRPr>
+          </a:p>
+        </p:txBody>
+      </p:sp>
+      <p:cxnSp>
+        <p:nvCxnSpPr>
+          <p:cNvPr id="5" name="Gerade Verbindung 4"/>
+          <p:cNvCxnSpPr/>
+          <p:nvPr/>
+        </p:nvCxnSpPr>
+        <p:spPr>
+          <a:xfrm>
+            <a:off x="6012160" y="2996952"/>
+            <a:ext cx="0" cy="2160240"/>
+          </a:xfrm>
+          <a:prstGeom prst="line">
+            <a:avLst/>
+          </a:prstGeom>
+        </p:spPr>
+        <p:style>
+          <a:lnRef idx="1">
+            <a:schemeClr val="accent1"/>
+          </a:lnRef>
+          <a:fillRef idx="0">
+            <a:schemeClr val="accent1"/>
+          </a:fillRef>
+          <a:effectRef idx="0">
+            <a:schemeClr val="accent1"/>
+          </a:effectRef>
+          <a:fontRef idx="minor">
+            <a:schemeClr val="tx1"/>
+          </a:fontRef>
+        </p:style>
+      </p:cxnSp>
+      <p:cxnSp>
+        <p:nvCxnSpPr>
+          <p:cNvPr id="13" name="Gerade Verbindung 12"/>
+          <p:cNvCxnSpPr/>
+          <p:nvPr/>
+        </p:nvCxnSpPr>
+        <p:spPr>
+          <a:xfrm>
+            <a:off x="2699792" y="2996952"/>
+            <a:ext cx="0" cy="2160240"/>
+          </a:xfrm>
+          <a:prstGeom prst="line">
+            <a:avLst/>
+          </a:prstGeom>
+        </p:spPr>
+        <p:style>
+          <a:lnRef idx="1">
+            <a:schemeClr val="accent1"/>
+          </a:lnRef>
+          <a:fillRef idx="0">
+            <a:schemeClr val="accent1"/>
+          </a:fillRef>
+          <a:effectRef idx="0">
+            <a:schemeClr val="accent1"/>
+          </a:effectRef>
+          <a:fontRef idx="minor">
+            <a:schemeClr val="tx1"/>
+          </a:fontRef>
+        </p:style>
+      </p:cxnSp>
+      <p:cxnSp>
+        <p:nvCxnSpPr>
+          <p:cNvPr id="15" name="Gerade Verbindung mit Pfeil 14"/>
+          <p:cNvCxnSpPr/>
+          <p:nvPr/>
+        </p:nvCxnSpPr>
+        <p:spPr>
+          <a:xfrm>
+            <a:off x="2699792" y="3356992"/>
+            <a:ext cx="3312368" cy="0"/>
+          </a:xfrm>
+          <a:prstGeom prst="straightConnector1">
+            <a:avLst/>
+          </a:prstGeom>
+          <a:ln>
+            <a:tailEnd type="arrow"/>
+          </a:ln>
+        </p:spPr>
+        <p:style>
+          <a:lnRef idx="1">
+            <a:schemeClr val="accent1"/>
+          </a:lnRef>
+          <a:fillRef idx="0">
+            <a:schemeClr val="accent1"/>
+          </a:fillRef>
+          <a:effectRef idx="0">
+            <a:schemeClr val="accent1"/>
+          </a:effectRef>
+          <a:fontRef idx="minor">
+            <a:schemeClr val="tx1"/>
+          </a:fontRef>
+        </p:style>
+      </p:cxnSp>
+      <p:sp>
+        <p:nvSpPr>
+          <p:cNvPr id="16" name="Textfeld 15"/>
+          <p:cNvSpPr txBox="1"/>
+          <p:nvPr/>
+        </p:nvSpPr>
+        <p:spPr>
+          <a:xfrm>
+            <a:off x="3700079" y="3068960"/>
+            <a:ext cx="1343445" cy="369332"/>
+          </a:xfrm>
+          <a:prstGeom prst="rect">
+            <a:avLst/>
+          </a:prstGeom>
+          <a:noFill/>
+        </p:spPr>
+        <p:txBody>
+          <a:bodyPr wrap="none" rtlCol="0">
+            <a:spAutoFit/>
+          </a:bodyPr>
+          <a:lstStyle/>
+          <a:p>
+            <a:r>
+              <a:rPr lang="en-GB" dirty="0" smtClean="0">
+                <a:solidFill>
+                  <a:prstClr val="black"/>
+                </a:solidFill>
+              </a:rPr>
+              <a:t>Pull Request</a:t>
+            </a:r>
+            <a:endParaRPr lang="en-GB" dirty="0">
+              <a:solidFill>
+                <a:prstClr val="black"/>
+              </a:solidFill>
+            </a:endParaRPr>
+          </a:p>
+        </p:txBody>
+      </p:sp>
+      <p:cxnSp>
+        <p:nvCxnSpPr>
+          <p:cNvPr id="17" name="Gerade Verbindung mit Pfeil 16"/>
+          <p:cNvCxnSpPr/>
+          <p:nvPr/>
+        </p:nvCxnSpPr>
+        <p:spPr>
+          <a:xfrm flipH="1">
+            <a:off x="2699792" y="3789040"/>
+            <a:ext cx="3312368" cy="0"/>
+          </a:xfrm>
+          <a:prstGeom prst="straightConnector1">
+            <a:avLst/>
+          </a:prstGeom>
+          <a:ln>
+            <a:prstDash val="dash"/>
+            <a:tailEnd type="arrow"/>
+          </a:ln>
+        </p:spPr>
+        <p:style>
+          <a:lnRef idx="1">
+            <a:schemeClr val="accent1"/>
+          </a:lnRef>
+          <a:fillRef idx="0">
+            <a:schemeClr val="accent1"/>
+          </a:fillRef>
+          <a:effectRef idx="0">
+            <a:schemeClr val="accent1"/>
+          </a:effectRef>
+          <a:fontRef idx="minor">
+            <a:schemeClr val="tx1"/>
+          </a:fontRef>
+        </p:style>
+      </p:cxnSp>
+      <p:sp>
+        <p:nvSpPr>
+          <p:cNvPr id="18" name="Textfeld 17"/>
+          <p:cNvSpPr txBox="1"/>
+          <p:nvPr/>
+        </p:nvSpPr>
+        <p:spPr>
+          <a:xfrm>
+            <a:off x="3624000" y="3501008"/>
+            <a:ext cx="1495602" cy="369332"/>
+          </a:xfrm>
+          <a:prstGeom prst="rect">
+            <a:avLst/>
+          </a:prstGeom>
+          <a:noFill/>
+        </p:spPr>
+        <p:txBody>
+          <a:bodyPr wrap="none" rtlCol="0">
+            <a:spAutoFit/>
+          </a:bodyPr>
+          <a:lstStyle/>
+          <a:p>
+            <a:r>
+              <a:rPr lang="en-GB" dirty="0" smtClean="0">
+                <a:solidFill>
+                  <a:prstClr val="black"/>
+                </a:solidFill>
+              </a:rPr>
+              <a:t>User Message</a:t>
+            </a:r>
+            <a:endParaRPr lang="en-GB" dirty="0">
+              <a:solidFill>
+                <a:prstClr val="black"/>
+              </a:solidFill>
+            </a:endParaRPr>
+          </a:p>
+        </p:txBody>
+      </p:sp>
+      <p:cxnSp>
+        <p:nvCxnSpPr>
+          <p:cNvPr id="19" name="Gerade Verbindung mit Pfeil 18"/>
+          <p:cNvCxnSpPr/>
+          <p:nvPr/>
+        </p:nvCxnSpPr>
+        <p:spPr>
+          <a:xfrm flipH="1">
+            <a:off x="2699792" y="4499828"/>
+            <a:ext cx="3312368" cy="0"/>
+          </a:xfrm>
+          <a:prstGeom prst="straightConnector1">
+            <a:avLst/>
+          </a:prstGeom>
+          <a:ln>
+            <a:headEnd type="arrow"/>
+            <a:tailEnd type="none"/>
+          </a:ln>
+        </p:spPr>
+        <p:style>
+          <a:lnRef idx="1">
+            <a:schemeClr val="accent1"/>
+          </a:lnRef>
+          <a:fillRef idx="0">
+            <a:schemeClr val="accent1"/>
+          </a:fillRef>
+          <a:effectRef idx="0">
+            <a:schemeClr val="accent1"/>
+          </a:effectRef>
+          <a:fontRef idx="minor">
+            <a:schemeClr val="tx1"/>
+          </a:fontRef>
+        </p:style>
+      </p:cxnSp>
+      <p:sp>
+        <p:nvSpPr>
+          <p:cNvPr id="20" name="Textfeld 19"/>
+          <p:cNvSpPr txBox="1"/>
+          <p:nvPr/>
+        </p:nvSpPr>
+        <p:spPr>
+          <a:xfrm>
+            <a:off x="3236842" y="4186546"/>
+            <a:ext cx="2269917" cy="369332"/>
+          </a:xfrm>
+          <a:prstGeom prst="rect">
+            <a:avLst/>
+          </a:prstGeom>
+          <a:noFill/>
+        </p:spPr>
+        <p:txBody>
+          <a:bodyPr wrap="none" rtlCol="0">
+            <a:spAutoFit/>
+          </a:bodyPr>
+          <a:lstStyle/>
+          <a:p>
+            <a:r>
+              <a:rPr lang="en-GB" dirty="0" smtClean="0">
+                <a:solidFill>
+                  <a:prstClr val="black"/>
+                </a:solidFill>
+              </a:rPr>
+              <a:t>User Message </a:t>
+            </a:r>
+            <a:r>
+              <a:rPr lang="en-GB" smtClean="0">
+                <a:solidFill>
+                  <a:prstClr val="black"/>
+                </a:solidFill>
+              </a:rPr>
+              <a:t>+ Signal</a:t>
+            </a:r>
+            <a:endParaRPr lang="en-GB" dirty="0">
+              <a:solidFill>
+                <a:prstClr val="black"/>
+              </a:solidFill>
+            </a:endParaRPr>
+          </a:p>
+        </p:txBody>
+      </p:sp>
+      <p:cxnSp>
+        <p:nvCxnSpPr>
+          <p:cNvPr id="25" name="Gerade Verbindung mit Pfeil 24"/>
+          <p:cNvCxnSpPr/>
+          <p:nvPr/>
+        </p:nvCxnSpPr>
+        <p:spPr>
+          <a:xfrm>
+            <a:off x="2699792" y="4931876"/>
+            <a:ext cx="3312368" cy="0"/>
+          </a:xfrm>
+          <a:prstGeom prst="straightConnector1">
+            <a:avLst/>
+          </a:prstGeom>
+          <a:ln>
+            <a:prstDash val="dash"/>
+            <a:headEnd type="arrow"/>
+            <a:tailEnd type="none"/>
+          </a:ln>
+        </p:spPr>
+        <p:style>
+          <a:lnRef idx="1">
+            <a:schemeClr val="accent1"/>
+          </a:lnRef>
+          <a:fillRef idx="0">
+            <a:schemeClr val="accent1"/>
+          </a:fillRef>
+          <a:effectRef idx="0">
+            <a:schemeClr val="accent1"/>
+          </a:effectRef>
+          <a:fontRef idx="minor">
+            <a:schemeClr val="tx1"/>
+          </a:fontRef>
+        </p:style>
+      </p:cxnSp>
+      <p:sp>
+        <p:nvSpPr>
+          <p:cNvPr id="26" name="Textfeld 25"/>
+          <p:cNvSpPr txBox="1"/>
+          <p:nvPr/>
+        </p:nvSpPr>
+        <p:spPr>
+          <a:xfrm>
+            <a:off x="3563888" y="4643844"/>
+            <a:ext cx="1615827" cy="369332"/>
+          </a:xfrm>
+          <a:prstGeom prst="rect">
+            <a:avLst/>
+          </a:prstGeom>
+          <a:noFill/>
+        </p:spPr>
+        <p:txBody>
+          <a:bodyPr wrap="none" rtlCol="0">
+            <a:spAutoFit/>
+          </a:bodyPr>
+          <a:lstStyle/>
+          <a:p>
+            <a:r>
+              <a:rPr lang="en-GB" dirty="0" smtClean="0">
+                <a:solidFill>
+                  <a:prstClr val="black"/>
+                </a:solidFill>
+              </a:rPr>
+              <a:t>Signal Message</a:t>
+            </a:r>
+            <a:endParaRPr lang="en-GB" dirty="0">
+              <a:solidFill>
+                <a:prstClr val="black"/>
+              </a:solidFill>
+            </a:endParaRPr>
+          </a:p>
+        </p:txBody>
+      </p:sp>
+      <p:sp>
+        <p:nvSpPr>
+          <p:cNvPr id="21" name="TextBox 20"/>
+          <p:cNvSpPr txBox="1"/>
+          <p:nvPr/>
+        </p:nvSpPr>
+        <p:spPr>
+          <a:xfrm>
+            <a:off x="2221584" y="2051556"/>
+            <a:ext cx="956416" cy="369332"/>
+          </a:xfrm>
+          <a:prstGeom prst="rect">
+            <a:avLst/>
+          </a:prstGeom>
+          <a:noFill/>
+        </p:spPr>
+        <p:txBody>
+          <a:bodyPr wrap="none" rtlCol="0">
+            <a:spAutoFit/>
+          </a:bodyPr>
+          <a:lstStyle/>
+          <a:p>
+            <a:r>
+              <a:rPr lang="en-US" b="1" dirty="0" smtClean="0"/>
+              <a:t>Initiator</a:t>
+            </a:r>
+            <a:endParaRPr lang="en-US" b="1" dirty="0"/>
+          </a:p>
+        </p:txBody>
+      </p:sp>
+      <p:sp>
+        <p:nvSpPr>
+          <p:cNvPr id="22" name="TextBox 21"/>
+          <p:cNvSpPr txBox="1"/>
+          <p:nvPr/>
+        </p:nvSpPr>
+        <p:spPr>
+          <a:xfrm>
+            <a:off x="5407667" y="2051556"/>
+            <a:ext cx="1208985" cy="369332"/>
+          </a:xfrm>
+          <a:prstGeom prst="rect">
+            <a:avLst/>
+          </a:prstGeom>
+          <a:noFill/>
+        </p:spPr>
+        <p:txBody>
+          <a:bodyPr wrap="none" rtlCol="0">
+            <a:spAutoFit/>
+          </a:bodyPr>
+          <a:lstStyle/>
+          <a:p>
+            <a:r>
+              <a:rPr lang="en-US" b="1" smtClean="0"/>
+              <a:t>Responder</a:t>
+            </a:r>
+            <a:endParaRPr lang="en-US" b="1" dirty="0"/>
+          </a:p>
+        </p:txBody>
+      </p:sp>
+      <p:sp>
+        <p:nvSpPr>
+          <p:cNvPr id="23" name="TextBox 22"/>
+          <p:cNvSpPr txBox="1"/>
+          <p:nvPr/>
+        </p:nvSpPr>
+        <p:spPr>
+          <a:xfrm>
+            <a:off x="1782681" y="4499828"/>
+            <a:ext cx="845103" cy="369332"/>
+          </a:xfrm>
+          <a:prstGeom prst="rect">
+            <a:avLst/>
+          </a:prstGeom>
+          <a:noFill/>
+        </p:spPr>
+        <p:txBody>
+          <a:bodyPr wrap="none" rtlCol="0">
+            <a:spAutoFit/>
+          </a:bodyPr>
+          <a:lstStyle/>
+          <a:p>
+            <a:r>
+              <a:rPr lang="en-US" i="1" dirty="0" smtClean="0">
+                <a:latin typeface="Times New Roman" charset="0"/>
+                <a:ea typeface="Times New Roman" charset="0"/>
+                <a:cs typeface="Times New Roman" charset="0"/>
+              </a:rPr>
+              <a:t>Sender</a:t>
+            </a:r>
+            <a:endParaRPr lang="en-US" i="1" dirty="0">
+              <a:latin typeface="Times New Roman" charset="0"/>
+              <a:ea typeface="Times New Roman" charset="0"/>
+              <a:cs typeface="Times New Roman" charset="0"/>
+            </a:endParaRPr>
+          </a:p>
+        </p:txBody>
+      </p:sp>
+      <p:sp>
+        <p:nvSpPr>
+          <p:cNvPr id="24" name="TextBox 23"/>
+          <p:cNvSpPr txBox="1"/>
+          <p:nvPr/>
+        </p:nvSpPr>
+        <p:spPr>
+          <a:xfrm>
+            <a:off x="6136085" y="4499828"/>
+            <a:ext cx="992579" cy="369332"/>
+          </a:xfrm>
+          <a:prstGeom prst="rect">
+            <a:avLst/>
+          </a:prstGeom>
+          <a:noFill/>
+        </p:spPr>
+        <p:txBody>
+          <a:bodyPr wrap="none" rtlCol="0">
+            <a:spAutoFit/>
+          </a:bodyPr>
+          <a:lstStyle/>
+          <a:p>
+            <a:r>
+              <a:rPr lang="en-US" i="1" dirty="0" smtClean="0">
+                <a:latin typeface="Times New Roman" charset="0"/>
+                <a:ea typeface="Times New Roman" charset="0"/>
+                <a:cs typeface="Times New Roman" charset="0"/>
+              </a:rPr>
+              <a:t>Receiver</a:t>
+            </a:r>
+            <a:endParaRPr lang="en-US" i="1" dirty="0">
+              <a:latin typeface="Times New Roman" charset="0"/>
+              <a:ea typeface="Times New Roman" charset="0"/>
+              <a:cs typeface="Times New Roman" charset="0"/>
+            </a:endParaRPr>
+          </a:p>
+        </p:txBody>
+      </p:sp>
+      <p:sp>
+        <p:nvSpPr>
+          <p:cNvPr id="27" name="TextBox 26"/>
+          <p:cNvSpPr txBox="1"/>
+          <p:nvPr/>
+        </p:nvSpPr>
+        <p:spPr>
+          <a:xfrm>
+            <a:off x="1635205" y="3377052"/>
+            <a:ext cx="992579" cy="369332"/>
+          </a:xfrm>
+          <a:prstGeom prst="rect">
+            <a:avLst/>
+          </a:prstGeom>
+          <a:noFill/>
+        </p:spPr>
+        <p:txBody>
+          <a:bodyPr wrap="none" rtlCol="0">
+            <a:spAutoFit/>
+          </a:bodyPr>
+          <a:lstStyle/>
+          <a:p>
+            <a:r>
+              <a:rPr lang="en-US" i="1" dirty="0" smtClean="0">
+                <a:latin typeface="Times New Roman" charset="0"/>
+                <a:ea typeface="Times New Roman" charset="0"/>
+                <a:cs typeface="Times New Roman" charset="0"/>
+              </a:rPr>
+              <a:t>Receiver</a:t>
+            </a:r>
+            <a:endParaRPr lang="en-US" i="1" dirty="0">
+              <a:latin typeface="Times New Roman" charset="0"/>
+              <a:ea typeface="Times New Roman" charset="0"/>
+              <a:cs typeface="Times New Roman" charset="0"/>
+            </a:endParaRPr>
+          </a:p>
+        </p:txBody>
+      </p:sp>
+      <p:sp>
+        <p:nvSpPr>
+          <p:cNvPr id="28" name="TextBox 27"/>
+          <p:cNvSpPr txBox="1"/>
+          <p:nvPr/>
+        </p:nvSpPr>
+        <p:spPr>
+          <a:xfrm>
+            <a:off x="6136084" y="3377052"/>
+            <a:ext cx="825867" cy="369332"/>
+          </a:xfrm>
+          <a:prstGeom prst="rect">
+            <a:avLst/>
+          </a:prstGeom>
+          <a:noFill/>
+        </p:spPr>
+        <p:txBody>
+          <a:bodyPr wrap="none" rtlCol="0">
+            <a:spAutoFit/>
+          </a:bodyPr>
+          <a:lstStyle/>
+          <a:p>
+            <a:r>
+              <a:rPr lang="en-US" i="1" dirty="0" smtClean="0">
+                <a:latin typeface="Times New Roman" charset="0"/>
+                <a:ea typeface="Times New Roman" charset="0"/>
+                <a:cs typeface="Times New Roman" charset="0"/>
+              </a:rPr>
+              <a:t>Sender</a:t>
+            </a:r>
+            <a:endParaRPr lang="en-US" i="1" dirty="0">
+              <a:latin typeface="Times New Roman" charset="0"/>
+              <a:ea typeface="Times New Roman" charset="0"/>
+              <a:cs typeface="Times New Roman" charset="0"/>
+            </a:endParaRPr>
           </a:p>
         </p:txBody>
       </p:sp>

--- a/docs/AS4 PEPPOL images.pptx
+++ b/docs/AS4 PEPPOL images.pptx
@@ -6,15 +6,16 @@
   </p:sldMasterIdLst>
   <p:sldIdLst>
     <p:sldId id="256" r:id="rId2"/>
-    <p:sldId id="257" r:id="rId3"/>
-    <p:sldId id="258" r:id="rId4"/>
-    <p:sldId id="259" r:id="rId5"/>
-    <p:sldId id="260" r:id="rId6"/>
-    <p:sldId id="261" r:id="rId7"/>
-    <p:sldId id="262" r:id="rId8"/>
-    <p:sldId id="263" r:id="rId9"/>
-    <p:sldId id="264" r:id="rId10"/>
-    <p:sldId id="265" r:id="rId11"/>
+    <p:sldId id="266" r:id="rId3"/>
+    <p:sldId id="257" r:id="rId4"/>
+    <p:sldId id="258" r:id="rId5"/>
+    <p:sldId id="259" r:id="rId6"/>
+    <p:sldId id="260" r:id="rId7"/>
+    <p:sldId id="261" r:id="rId8"/>
+    <p:sldId id="262" r:id="rId9"/>
+    <p:sldId id="263" r:id="rId10"/>
+    <p:sldId id="264" r:id="rId11"/>
+    <p:sldId id="265" r:id="rId12"/>
   </p:sldIdLst>
   <p:sldSz cx="9144000" cy="6858000" type="screen4x3"/>
   <p:notesSz cx="6858000" cy="9144000"/>
@@ -115,7 +116,7 @@
   </p:defaultTextStyle>
   <p:extLst>
     <p:ext uri="{EFAFB233-063F-42B5-8137-9DF3F51BA10A}">
-      <p15:sldGuideLst xmlns:p15="http://schemas.microsoft.com/office/powerpoint/2012/main">
+      <p15:sldGuideLst xmlns:p15="http://schemas.microsoft.com/office/powerpoint/2012/main" xmlns="">
         <p15:guide id="1" orient="horz" pos="2160">
           <p15:clr>
             <a:srgbClr val="A4A3A4"/>
@@ -314,7 +315,7 @@
             <a:fld id="{10CFD44E-5975-4AC9-9C1D-CD371CB5D6EF}" type="datetimeFigureOut">
               <a:rPr lang="de-AT" smtClean="0"/>
               <a:pPr/>
-              <a:t>22.03.17</a:t>
+              <a:t>24.04.2017</a:t>
             </a:fld>
             <a:endParaRPr lang="de-AT"/>
           </a:p>
@@ -357,7 +358,7 @@
             <a:fld id="{229D36A1-2CE7-4DF4-9C82-CDF3E1A5C54F}" type="slidenum">
               <a:rPr lang="de-AT" smtClean="0"/>
               <a:pPr/>
-              <a:t>‹#›</a:t>
+              <a:t>‹Nr.›</a:t>
             </a:fld>
             <a:endParaRPr lang="de-AT"/>
           </a:p>
@@ -481,7 +482,7 @@
             <a:fld id="{10CFD44E-5975-4AC9-9C1D-CD371CB5D6EF}" type="datetimeFigureOut">
               <a:rPr lang="de-AT" smtClean="0"/>
               <a:pPr/>
-              <a:t>22.03.17</a:t>
+              <a:t>24.04.2017</a:t>
             </a:fld>
             <a:endParaRPr lang="de-AT"/>
           </a:p>
@@ -524,7 +525,7 @@
             <a:fld id="{229D36A1-2CE7-4DF4-9C82-CDF3E1A5C54F}" type="slidenum">
               <a:rPr lang="de-AT" smtClean="0"/>
               <a:pPr/>
-              <a:t>‹#›</a:t>
+              <a:t>‹Nr.›</a:t>
             </a:fld>
             <a:endParaRPr lang="de-AT"/>
           </a:p>
@@ -658,7 +659,7 @@
             <a:fld id="{10CFD44E-5975-4AC9-9C1D-CD371CB5D6EF}" type="datetimeFigureOut">
               <a:rPr lang="de-AT" smtClean="0"/>
               <a:pPr/>
-              <a:t>22.03.17</a:t>
+              <a:t>24.04.2017</a:t>
             </a:fld>
             <a:endParaRPr lang="de-AT"/>
           </a:p>
@@ -701,7 +702,7 @@
             <a:fld id="{229D36A1-2CE7-4DF4-9C82-CDF3E1A5C54F}" type="slidenum">
               <a:rPr lang="de-AT" smtClean="0"/>
               <a:pPr/>
-              <a:t>‹#›</a:t>
+              <a:t>‹Nr.›</a:t>
             </a:fld>
             <a:endParaRPr lang="de-AT"/>
           </a:p>
@@ -825,7 +826,7 @@
             <a:fld id="{10CFD44E-5975-4AC9-9C1D-CD371CB5D6EF}" type="datetimeFigureOut">
               <a:rPr lang="de-AT" smtClean="0"/>
               <a:pPr/>
-              <a:t>22.03.17</a:t>
+              <a:t>24.04.2017</a:t>
             </a:fld>
             <a:endParaRPr lang="de-AT"/>
           </a:p>
@@ -868,7 +869,7 @@
             <a:fld id="{229D36A1-2CE7-4DF4-9C82-CDF3E1A5C54F}" type="slidenum">
               <a:rPr lang="de-AT" smtClean="0"/>
               <a:pPr/>
-              <a:t>‹#›</a:t>
+              <a:t>‹Nr.›</a:t>
             </a:fld>
             <a:endParaRPr lang="de-AT"/>
           </a:p>
@@ -1068,7 +1069,7 @@
             <a:fld id="{10CFD44E-5975-4AC9-9C1D-CD371CB5D6EF}" type="datetimeFigureOut">
               <a:rPr lang="de-AT" smtClean="0"/>
               <a:pPr/>
-              <a:t>22.03.17</a:t>
+              <a:t>24.04.2017</a:t>
             </a:fld>
             <a:endParaRPr lang="de-AT"/>
           </a:p>
@@ -1111,7 +1112,7 @@
             <a:fld id="{229D36A1-2CE7-4DF4-9C82-CDF3E1A5C54F}" type="slidenum">
               <a:rPr lang="de-AT" smtClean="0"/>
               <a:pPr/>
-              <a:t>‹#›</a:t>
+              <a:t>‹Nr.›</a:t>
             </a:fld>
             <a:endParaRPr lang="de-AT"/>
           </a:p>
@@ -1353,7 +1354,7 @@
             <a:fld id="{10CFD44E-5975-4AC9-9C1D-CD371CB5D6EF}" type="datetimeFigureOut">
               <a:rPr lang="de-AT" smtClean="0"/>
               <a:pPr/>
-              <a:t>22.03.17</a:t>
+              <a:t>24.04.2017</a:t>
             </a:fld>
             <a:endParaRPr lang="de-AT"/>
           </a:p>
@@ -1396,7 +1397,7 @@
             <a:fld id="{229D36A1-2CE7-4DF4-9C82-CDF3E1A5C54F}" type="slidenum">
               <a:rPr lang="de-AT" smtClean="0"/>
               <a:pPr/>
-              <a:t>‹#›</a:t>
+              <a:t>‹Nr.›</a:t>
             </a:fld>
             <a:endParaRPr lang="de-AT"/>
           </a:p>
@@ -1772,7 +1773,7 @@
             <a:fld id="{10CFD44E-5975-4AC9-9C1D-CD371CB5D6EF}" type="datetimeFigureOut">
               <a:rPr lang="de-AT" smtClean="0"/>
               <a:pPr/>
-              <a:t>22.03.17</a:t>
+              <a:t>24.04.2017</a:t>
             </a:fld>
             <a:endParaRPr lang="de-AT"/>
           </a:p>
@@ -1815,7 +1816,7 @@
             <a:fld id="{229D36A1-2CE7-4DF4-9C82-CDF3E1A5C54F}" type="slidenum">
               <a:rPr lang="de-AT" smtClean="0"/>
               <a:pPr/>
-              <a:t>‹#›</a:t>
+              <a:t>‹Nr.›</a:t>
             </a:fld>
             <a:endParaRPr lang="de-AT"/>
           </a:p>
@@ -1887,7 +1888,7 @@
             <a:fld id="{10CFD44E-5975-4AC9-9C1D-CD371CB5D6EF}" type="datetimeFigureOut">
               <a:rPr lang="de-AT" smtClean="0"/>
               <a:pPr/>
-              <a:t>22.03.17</a:t>
+              <a:t>24.04.2017</a:t>
             </a:fld>
             <a:endParaRPr lang="de-AT"/>
           </a:p>
@@ -1930,7 +1931,7 @@
             <a:fld id="{229D36A1-2CE7-4DF4-9C82-CDF3E1A5C54F}" type="slidenum">
               <a:rPr lang="de-AT" smtClean="0"/>
               <a:pPr/>
-              <a:t>‹#›</a:t>
+              <a:t>‹Nr.›</a:t>
             </a:fld>
             <a:endParaRPr lang="de-AT"/>
           </a:p>
@@ -1979,7 +1980,7 @@
             <a:fld id="{10CFD44E-5975-4AC9-9C1D-CD371CB5D6EF}" type="datetimeFigureOut">
               <a:rPr lang="de-AT" smtClean="0"/>
               <a:pPr/>
-              <a:t>22.03.17</a:t>
+              <a:t>24.04.2017</a:t>
             </a:fld>
             <a:endParaRPr lang="de-AT"/>
           </a:p>
@@ -2022,7 +2023,7 @@
             <a:fld id="{229D36A1-2CE7-4DF4-9C82-CDF3E1A5C54F}" type="slidenum">
               <a:rPr lang="de-AT" smtClean="0"/>
               <a:pPr/>
-              <a:t>‹#›</a:t>
+              <a:t>‹Nr.›</a:t>
             </a:fld>
             <a:endParaRPr lang="de-AT"/>
           </a:p>
@@ -2253,7 +2254,7 @@
             <a:fld id="{10CFD44E-5975-4AC9-9C1D-CD371CB5D6EF}" type="datetimeFigureOut">
               <a:rPr lang="de-AT" smtClean="0"/>
               <a:pPr/>
-              <a:t>22.03.17</a:t>
+              <a:t>24.04.2017</a:t>
             </a:fld>
             <a:endParaRPr lang="de-AT"/>
           </a:p>
@@ -2296,7 +2297,7 @@
             <a:fld id="{229D36A1-2CE7-4DF4-9C82-CDF3E1A5C54F}" type="slidenum">
               <a:rPr lang="de-AT" smtClean="0"/>
               <a:pPr/>
-              <a:t>‹#›</a:t>
+              <a:t>‹Nr.›</a:t>
             </a:fld>
             <a:endParaRPr lang="de-AT"/>
           </a:p>
@@ -2503,7 +2504,7 @@
             <a:fld id="{10CFD44E-5975-4AC9-9C1D-CD371CB5D6EF}" type="datetimeFigureOut">
               <a:rPr lang="de-AT" smtClean="0"/>
               <a:pPr/>
-              <a:t>22.03.17</a:t>
+              <a:t>24.04.2017</a:t>
             </a:fld>
             <a:endParaRPr lang="de-AT"/>
           </a:p>
@@ -2546,7 +2547,7 @@
             <a:fld id="{229D36A1-2CE7-4DF4-9C82-CDF3E1A5C54F}" type="slidenum">
               <a:rPr lang="de-AT" smtClean="0"/>
               <a:pPr/>
-              <a:t>‹#›</a:t>
+              <a:t>‹Nr.›</a:t>
             </a:fld>
             <a:endParaRPr lang="de-AT"/>
           </a:p>
@@ -2713,7 +2714,7 @@
             <a:fld id="{10CFD44E-5975-4AC9-9C1D-CD371CB5D6EF}" type="datetimeFigureOut">
               <a:rPr lang="de-AT" smtClean="0"/>
               <a:pPr/>
-              <a:t>22.03.17</a:t>
+              <a:t>24.04.2017</a:t>
             </a:fld>
             <a:endParaRPr lang="de-AT"/>
           </a:p>
@@ -2792,7 +2793,7 @@
             <a:fld id="{229D36A1-2CE7-4DF4-9C82-CDF3E1A5C54F}" type="slidenum">
               <a:rPr lang="de-AT" smtClean="0"/>
               <a:pPr/>
-              <a:t>‹#›</a:t>
+              <a:t>‹Nr.›</a:t>
             </a:fld>
             <a:endParaRPr lang="de-AT"/>
           </a:p>
@@ -3181,6 +3182,735 @@
             </a:br>
             <a:r>
               <a:rPr lang="en-GB" sz="2700" dirty="0" smtClean="0"/>
+              <a:t>with bundling</a:t>
+            </a:r>
+            <a:endParaRPr lang="en-GB" sz="2700" dirty="0"/>
+          </a:p>
+        </p:txBody>
+      </p:sp>
+      <p:sp>
+        <p:nvSpPr>
+          <p:cNvPr id="3" name="Rechteck 2"/>
+          <p:cNvSpPr/>
+          <p:nvPr/>
+        </p:nvSpPr>
+        <p:spPr>
+          <a:xfrm>
+            <a:off x="2051720" y="2492896"/>
+            <a:ext cx="1296144" cy="432048"/>
+          </a:xfrm>
+          <a:prstGeom prst="rect">
+            <a:avLst/>
+          </a:prstGeom>
+        </p:spPr>
+        <p:style>
+          <a:lnRef idx="2">
+            <a:schemeClr val="accent1">
+              <a:shade val="50000"/>
+            </a:schemeClr>
+          </a:lnRef>
+          <a:fillRef idx="1">
+            <a:schemeClr val="accent1"/>
+          </a:fillRef>
+          <a:effectRef idx="0">
+            <a:schemeClr val="accent1"/>
+          </a:effectRef>
+          <a:fontRef idx="minor">
+            <a:schemeClr val="lt1"/>
+          </a:fontRef>
+        </p:style>
+        <p:txBody>
+          <a:bodyPr rtlCol="0" anchor="ctr"/>
+          <a:lstStyle/>
+          <a:p>
+            <a:pPr algn="ctr"/>
+            <a:r>
+              <a:rPr lang="en-GB" dirty="0" smtClean="0">
+                <a:solidFill>
+                  <a:prstClr val="white"/>
+                </a:solidFill>
+              </a:rPr>
+              <a:t>C2</a:t>
+            </a:r>
+            <a:endParaRPr lang="en-GB" dirty="0">
+              <a:solidFill>
+                <a:prstClr val="white"/>
+              </a:solidFill>
+            </a:endParaRPr>
+          </a:p>
+        </p:txBody>
+      </p:sp>
+      <p:sp>
+        <p:nvSpPr>
+          <p:cNvPr id="4" name="Rechteck 3"/>
+          <p:cNvSpPr/>
+          <p:nvPr/>
+        </p:nvSpPr>
+        <p:spPr>
+          <a:xfrm>
+            <a:off x="5364088" y="2492896"/>
+            <a:ext cx="1296144" cy="432048"/>
+          </a:xfrm>
+          <a:prstGeom prst="rect">
+            <a:avLst/>
+          </a:prstGeom>
+        </p:spPr>
+        <p:style>
+          <a:lnRef idx="2">
+            <a:schemeClr val="accent1">
+              <a:shade val="50000"/>
+            </a:schemeClr>
+          </a:lnRef>
+          <a:fillRef idx="1">
+            <a:schemeClr val="accent1"/>
+          </a:fillRef>
+          <a:effectRef idx="0">
+            <a:schemeClr val="accent1"/>
+          </a:effectRef>
+          <a:fontRef idx="minor">
+            <a:schemeClr val="lt1"/>
+          </a:fontRef>
+        </p:style>
+        <p:txBody>
+          <a:bodyPr rtlCol="0" anchor="ctr"/>
+          <a:lstStyle/>
+          <a:p>
+            <a:pPr algn="ctr"/>
+            <a:r>
+              <a:rPr lang="en-GB" dirty="0" smtClean="0">
+                <a:solidFill>
+                  <a:prstClr val="white"/>
+                </a:solidFill>
+              </a:rPr>
+              <a:t>C3</a:t>
+            </a:r>
+            <a:endParaRPr lang="en-GB" dirty="0">
+              <a:solidFill>
+                <a:prstClr val="white"/>
+              </a:solidFill>
+            </a:endParaRPr>
+          </a:p>
+        </p:txBody>
+      </p:sp>
+      <p:cxnSp>
+        <p:nvCxnSpPr>
+          <p:cNvPr id="5" name="Gerade Verbindung 4"/>
+          <p:cNvCxnSpPr/>
+          <p:nvPr/>
+        </p:nvCxnSpPr>
+        <p:spPr>
+          <a:xfrm>
+            <a:off x="6012160" y="2996952"/>
+            <a:ext cx="0" cy="2160240"/>
+          </a:xfrm>
+          <a:prstGeom prst="line">
+            <a:avLst/>
+          </a:prstGeom>
+        </p:spPr>
+        <p:style>
+          <a:lnRef idx="1">
+            <a:schemeClr val="accent1"/>
+          </a:lnRef>
+          <a:fillRef idx="0">
+            <a:schemeClr val="accent1"/>
+          </a:fillRef>
+          <a:effectRef idx="0">
+            <a:schemeClr val="accent1"/>
+          </a:effectRef>
+          <a:fontRef idx="minor">
+            <a:schemeClr val="tx1"/>
+          </a:fontRef>
+        </p:style>
+      </p:cxnSp>
+      <p:cxnSp>
+        <p:nvCxnSpPr>
+          <p:cNvPr id="13" name="Gerade Verbindung 12"/>
+          <p:cNvCxnSpPr/>
+          <p:nvPr/>
+        </p:nvCxnSpPr>
+        <p:spPr>
+          <a:xfrm>
+            <a:off x="2699792" y="2996952"/>
+            <a:ext cx="0" cy="2160240"/>
+          </a:xfrm>
+          <a:prstGeom prst="line">
+            <a:avLst/>
+          </a:prstGeom>
+        </p:spPr>
+        <p:style>
+          <a:lnRef idx="1">
+            <a:schemeClr val="accent1"/>
+          </a:lnRef>
+          <a:fillRef idx="0">
+            <a:schemeClr val="accent1"/>
+          </a:fillRef>
+          <a:effectRef idx="0">
+            <a:schemeClr val="accent1"/>
+          </a:effectRef>
+          <a:fontRef idx="minor">
+            <a:schemeClr val="tx1"/>
+          </a:fontRef>
+        </p:style>
+      </p:cxnSp>
+      <p:cxnSp>
+        <p:nvCxnSpPr>
+          <p:cNvPr id="15" name="Gerade Verbindung mit Pfeil 14"/>
+          <p:cNvCxnSpPr/>
+          <p:nvPr/>
+        </p:nvCxnSpPr>
+        <p:spPr>
+          <a:xfrm>
+            <a:off x="2699792" y="3356992"/>
+            <a:ext cx="3312368" cy="0"/>
+          </a:xfrm>
+          <a:prstGeom prst="straightConnector1">
+            <a:avLst/>
+          </a:prstGeom>
+          <a:ln>
+            <a:tailEnd type="arrow"/>
+          </a:ln>
+        </p:spPr>
+        <p:style>
+          <a:lnRef idx="1">
+            <a:schemeClr val="accent1"/>
+          </a:lnRef>
+          <a:fillRef idx="0">
+            <a:schemeClr val="accent1"/>
+          </a:fillRef>
+          <a:effectRef idx="0">
+            <a:schemeClr val="accent1"/>
+          </a:effectRef>
+          <a:fontRef idx="minor">
+            <a:schemeClr val="tx1"/>
+          </a:fontRef>
+        </p:style>
+      </p:cxnSp>
+      <p:sp>
+        <p:nvSpPr>
+          <p:cNvPr id="16" name="Textfeld 15"/>
+          <p:cNvSpPr txBox="1"/>
+          <p:nvPr/>
+        </p:nvSpPr>
+        <p:spPr>
+          <a:xfrm>
+            <a:off x="3700079" y="3068960"/>
+            <a:ext cx="1343445" cy="369332"/>
+          </a:xfrm>
+          <a:prstGeom prst="rect">
+            <a:avLst/>
+          </a:prstGeom>
+          <a:noFill/>
+        </p:spPr>
+        <p:txBody>
+          <a:bodyPr wrap="none" rtlCol="0">
+            <a:spAutoFit/>
+          </a:bodyPr>
+          <a:lstStyle/>
+          <a:p>
+            <a:r>
+              <a:rPr lang="en-GB" dirty="0" smtClean="0">
+                <a:solidFill>
+                  <a:prstClr val="black"/>
+                </a:solidFill>
+              </a:rPr>
+              <a:t>Pull Request</a:t>
+            </a:r>
+            <a:endParaRPr lang="en-GB" dirty="0">
+              <a:solidFill>
+                <a:prstClr val="black"/>
+              </a:solidFill>
+            </a:endParaRPr>
+          </a:p>
+        </p:txBody>
+      </p:sp>
+      <p:cxnSp>
+        <p:nvCxnSpPr>
+          <p:cNvPr id="17" name="Gerade Verbindung mit Pfeil 16"/>
+          <p:cNvCxnSpPr/>
+          <p:nvPr/>
+        </p:nvCxnSpPr>
+        <p:spPr>
+          <a:xfrm flipH="1">
+            <a:off x="2699792" y="3789040"/>
+            <a:ext cx="3312368" cy="0"/>
+          </a:xfrm>
+          <a:prstGeom prst="straightConnector1">
+            <a:avLst/>
+          </a:prstGeom>
+          <a:ln>
+            <a:prstDash val="dash"/>
+            <a:tailEnd type="arrow"/>
+          </a:ln>
+        </p:spPr>
+        <p:style>
+          <a:lnRef idx="1">
+            <a:schemeClr val="accent1"/>
+          </a:lnRef>
+          <a:fillRef idx="0">
+            <a:schemeClr val="accent1"/>
+          </a:fillRef>
+          <a:effectRef idx="0">
+            <a:schemeClr val="accent1"/>
+          </a:effectRef>
+          <a:fontRef idx="minor">
+            <a:schemeClr val="tx1"/>
+          </a:fontRef>
+        </p:style>
+      </p:cxnSp>
+      <p:sp>
+        <p:nvSpPr>
+          <p:cNvPr id="18" name="Textfeld 17"/>
+          <p:cNvSpPr txBox="1"/>
+          <p:nvPr/>
+        </p:nvSpPr>
+        <p:spPr>
+          <a:xfrm>
+            <a:off x="3624000" y="3501008"/>
+            <a:ext cx="1495602" cy="369332"/>
+          </a:xfrm>
+          <a:prstGeom prst="rect">
+            <a:avLst/>
+          </a:prstGeom>
+          <a:noFill/>
+        </p:spPr>
+        <p:txBody>
+          <a:bodyPr wrap="none" rtlCol="0">
+            <a:spAutoFit/>
+          </a:bodyPr>
+          <a:lstStyle/>
+          <a:p>
+            <a:r>
+              <a:rPr lang="en-GB" dirty="0" smtClean="0">
+                <a:solidFill>
+                  <a:prstClr val="black"/>
+                </a:solidFill>
+              </a:rPr>
+              <a:t>User Message</a:t>
+            </a:r>
+            <a:endParaRPr lang="en-GB" dirty="0">
+              <a:solidFill>
+                <a:prstClr val="black"/>
+              </a:solidFill>
+            </a:endParaRPr>
+          </a:p>
+        </p:txBody>
+      </p:sp>
+      <p:cxnSp>
+        <p:nvCxnSpPr>
+          <p:cNvPr id="19" name="Gerade Verbindung mit Pfeil 18"/>
+          <p:cNvCxnSpPr/>
+          <p:nvPr/>
+        </p:nvCxnSpPr>
+        <p:spPr>
+          <a:xfrm flipH="1">
+            <a:off x="2699792" y="4499828"/>
+            <a:ext cx="3312368" cy="0"/>
+          </a:xfrm>
+          <a:prstGeom prst="straightConnector1">
+            <a:avLst/>
+          </a:prstGeom>
+          <a:ln>
+            <a:headEnd type="arrow"/>
+            <a:tailEnd type="none"/>
+          </a:ln>
+        </p:spPr>
+        <p:style>
+          <a:lnRef idx="1">
+            <a:schemeClr val="accent1"/>
+          </a:lnRef>
+          <a:fillRef idx="0">
+            <a:schemeClr val="accent1"/>
+          </a:fillRef>
+          <a:effectRef idx="0">
+            <a:schemeClr val="accent1"/>
+          </a:effectRef>
+          <a:fontRef idx="minor">
+            <a:schemeClr val="tx1"/>
+          </a:fontRef>
+        </p:style>
+      </p:cxnSp>
+      <p:sp>
+        <p:nvSpPr>
+          <p:cNvPr id="20" name="Textfeld 19"/>
+          <p:cNvSpPr txBox="1"/>
+          <p:nvPr/>
+        </p:nvSpPr>
+        <p:spPr>
+          <a:xfrm>
+            <a:off x="3236842" y="4186546"/>
+            <a:ext cx="2269917" cy="369332"/>
+          </a:xfrm>
+          <a:prstGeom prst="rect">
+            <a:avLst/>
+          </a:prstGeom>
+          <a:noFill/>
+        </p:spPr>
+        <p:txBody>
+          <a:bodyPr wrap="none" rtlCol="0">
+            <a:spAutoFit/>
+          </a:bodyPr>
+          <a:lstStyle/>
+          <a:p>
+            <a:r>
+              <a:rPr lang="en-GB" dirty="0" smtClean="0">
+                <a:solidFill>
+                  <a:prstClr val="black"/>
+                </a:solidFill>
+              </a:rPr>
+              <a:t>User Message </a:t>
+            </a:r>
+            <a:r>
+              <a:rPr lang="en-GB" smtClean="0">
+                <a:solidFill>
+                  <a:prstClr val="black"/>
+                </a:solidFill>
+              </a:rPr>
+              <a:t>+ Signal</a:t>
+            </a:r>
+            <a:endParaRPr lang="en-GB" dirty="0">
+              <a:solidFill>
+                <a:prstClr val="black"/>
+              </a:solidFill>
+            </a:endParaRPr>
+          </a:p>
+        </p:txBody>
+      </p:sp>
+      <p:cxnSp>
+        <p:nvCxnSpPr>
+          <p:cNvPr id="25" name="Gerade Verbindung mit Pfeil 24"/>
+          <p:cNvCxnSpPr/>
+          <p:nvPr/>
+        </p:nvCxnSpPr>
+        <p:spPr>
+          <a:xfrm>
+            <a:off x="2699792" y="4931876"/>
+            <a:ext cx="3312368" cy="0"/>
+          </a:xfrm>
+          <a:prstGeom prst="straightConnector1">
+            <a:avLst/>
+          </a:prstGeom>
+          <a:ln>
+            <a:prstDash val="dash"/>
+            <a:headEnd type="arrow"/>
+            <a:tailEnd type="none"/>
+          </a:ln>
+        </p:spPr>
+        <p:style>
+          <a:lnRef idx="1">
+            <a:schemeClr val="accent1"/>
+          </a:lnRef>
+          <a:fillRef idx="0">
+            <a:schemeClr val="accent1"/>
+          </a:fillRef>
+          <a:effectRef idx="0">
+            <a:schemeClr val="accent1"/>
+          </a:effectRef>
+          <a:fontRef idx="minor">
+            <a:schemeClr val="tx1"/>
+          </a:fontRef>
+        </p:style>
+      </p:cxnSp>
+      <p:sp>
+        <p:nvSpPr>
+          <p:cNvPr id="26" name="Textfeld 25"/>
+          <p:cNvSpPr txBox="1"/>
+          <p:nvPr/>
+        </p:nvSpPr>
+        <p:spPr>
+          <a:xfrm>
+            <a:off x="3563888" y="4643844"/>
+            <a:ext cx="1615827" cy="369332"/>
+          </a:xfrm>
+          <a:prstGeom prst="rect">
+            <a:avLst/>
+          </a:prstGeom>
+          <a:noFill/>
+        </p:spPr>
+        <p:txBody>
+          <a:bodyPr wrap="none" rtlCol="0">
+            <a:spAutoFit/>
+          </a:bodyPr>
+          <a:lstStyle/>
+          <a:p>
+            <a:r>
+              <a:rPr lang="en-GB" dirty="0" smtClean="0">
+                <a:solidFill>
+                  <a:prstClr val="black"/>
+                </a:solidFill>
+              </a:rPr>
+              <a:t>Signal Message</a:t>
+            </a:r>
+            <a:endParaRPr lang="en-GB" dirty="0">
+              <a:solidFill>
+                <a:prstClr val="black"/>
+              </a:solidFill>
+            </a:endParaRPr>
+          </a:p>
+        </p:txBody>
+      </p:sp>
+      <p:sp>
+        <p:nvSpPr>
+          <p:cNvPr id="21" name="TextBox 20"/>
+          <p:cNvSpPr txBox="1"/>
+          <p:nvPr/>
+        </p:nvSpPr>
+        <p:spPr>
+          <a:xfrm>
+            <a:off x="2221584" y="2051556"/>
+            <a:ext cx="956416" cy="369332"/>
+          </a:xfrm>
+          <a:prstGeom prst="rect">
+            <a:avLst/>
+          </a:prstGeom>
+          <a:noFill/>
+        </p:spPr>
+        <p:txBody>
+          <a:bodyPr wrap="none" rtlCol="0">
+            <a:spAutoFit/>
+          </a:bodyPr>
+          <a:lstStyle/>
+          <a:p>
+            <a:r>
+              <a:rPr lang="en-US" b="1" dirty="0" smtClean="0"/>
+              <a:t>Initiator</a:t>
+            </a:r>
+            <a:endParaRPr lang="en-US" b="1" dirty="0"/>
+          </a:p>
+        </p:txBody>
+      </p:sp>
+      <p:sp>
+        <p:nvSpPr>
+          <p:cNvPr id="22" name="TextBox 21"/>
+          <p:cNvSpPr txBox="1"/>
+          <p:nvPr/>
+        </p:nvSpPr>
+        <p:spPr>
+          <a:xfrm>
+            <a:off x="5407667" y="2051556"/>
+            <a:ext cx="1208985" cy="369332"/>
+          </a:xfrm>
+          <a:prstGeom prst="rect">
+            <a:avLst/>
+          </a:prstGeom>
+          <a:noFill/>
+        </p:spPr>
+        <p:txBody>
+          <a:bodyPr wrap="none" rtlCol="0">
+            <a:spAutoFit/>
+          </a:bodyPr>
+          <a:lstStyle/>
+          <a:p>
+            <a:r>
+              <a:rPr lang="en-US" b="1" smtClean="0"/>
+              <a:t>Responder</a:t>
+            </a:r>
+            <a:endParaRPr lang="en-US" b="1" dirty="0"/>
+          </a:p>
+        </p:txBody>
+      </p:sp>
+      <p:sp>
+        <p:nvSpPr>
+          <p:cNvPr id="23" name="TextBox 22"/>
+          <p:cNvSpPr txBox="1"/>
+          <p:nvPr/>
+        </p:nvSpPr>
+        <p:spPr>
+          <a:xfrm>
+            <a:off x="1782681" y="4499828"/>
+            <a:ext cx="845103" cy="369332"/>
+          </a:xfrm>
+          <a:prstGeom prst="rect">
+            <a:avLst/>
+          </a:prstGeom>
+          <a:noFill/>
+        </p:spPr>
+        <p:txBody>
+          <a:bodyPr wrap="none" rtlCol="0">
+            <a:spAutoFit/>
+          </a:bodyPr>
+          <a:lstStyle/>
+          <a:p>
+            <a:r>
+              <a:rPr lang="en-US" i="1" dirty="0" smtClean="0">
+                <a:latin typeface="Times New Roman" charset="0"/>
+                <a:ea typeface="Times New Roman" charset="0"/>
+                <a:cs typeface="Times New Roman" charset="0"/>
+              </a:rPr>
+              <a:t>Sender</a:t>
+            </a:r>
+            <a:endParaRPr lang="en-US" i="1" dirty="0">
+              <a:latin typeface="Times New Roman" charset="0"/>
+              <a:ea typeface="Times New Roman" charset="0"/>
+              <a:cs typeface="Times New Roman" charset="0"/>
+            </a:endParaRPr>
+          </a:p>
+        </p:txBody>
+      </p:sp>
+      <p:sp>
+        <p:nvSpPr>
+          <p:cNvPr id="24" name="TextBox 23"/>
+          <p:cNvSpPr txBox="1"/>
+          <p:nvPr/>
+        </p:nvSpPr>
+        <p:spPr>
+          <a:xfrm>
+            <a:off x="6136085" y="4499828"/>
+            <a:ext cx="992579" cy="369332"/>
+          </a:xfrm>
+          <a:prstGeom prst="rect">
+            <a:avLst/>
+          </a:prstGeom>
+          <a:noFill/>
+        </p:spPr>
+        <p:txBody>
+          <a:bodyPr wrap="none" rtlCol="0">
+            <a:spAutoFit/>
+          </a:bodyPr>
+          <a:lstStyle/>
+          <a:p>
+            <a:r>
+              <a:rPr lang="en-US" i="1" dirty="0" smtClean="0">
+                <a:latin typeface="Times New Roman" charset="0"/>
+                <a:ea typeface="Times New Roman" charset="0"/>
+                <a:cs typeface="Times New Roman" charset="0"/>
+              </a:rPr>
+              <a:t>Receiver</a:t>
+            </a:r>
+            <a:endParaRPr lang="en-US" i="1" dirty="0">
+              <a:latin typeface="Times New Roman" charset="0"/>
+              <a:ea typeface="Times New Roman" charset="0"/>
+              <a:cs typeface="Times New Roman" charset="0"/>
+            </a:endParaRPr>
+          </a:p>
+        </p:txBody>
+      </p:sp>
+      <p:sp>
+        <p:nvSpPr>
+          <p:cNvPr id="27" name="TextBox 26"/>
+          <p:cNvSpPr txBox="1"/>
+          <p:nvPr/>
+        </p:nvSpPr>
+        <p:spPr>
+          <a:xfrm>
+            <a:off x="1635205" y="3377052"/>
+            <a:ext cx="992579" cy="369332"/>
+          </a:xfrm>
+          <a:prstGeom prst="rect">
+            <a:avLst/>
+          </a:prstGeom>
+          <a:noFill/>
+        </p:spPr>
+        <p:txBody>
+          <a:bodyPr wrap="none" rtlCol="0">
+            <a:spAutoFit/>
+          </a:bodyPr>
+          <a:lstStyle/>
+          <a:p>
+            <a:r>
+              <a:rPr lang="en-US" i="1" dirty="0" smtClean="0">
+                <a:latin typeface="Times New Roman" charset="0"/>
+                <a:ea typeface="Times New Roman" charset="0"/>
+                <a:cs typeface="Times New Roman" charset="0"/>
+              </a:rPr>
+              <a:t>Receiver</a:t>
+            </a:r>
+            <a:endParaRPr lang="en-US" i="1" dirty="0">
+              <a:latin typeface="Times New Roman" charset="0"/>
+              <a:ea typeface="Times New Roman" charset="0"/>
+              <a:cs typeface="Times New Roman" charset="0"/>
+            </a:endParaRPr>
+          </a:p>
+        </p:txBody>
+      </p:sp>
+      <p:sp>
+        <p:nvSpPr>
+          <p:cNvPr id="28" name="TextBox 27"/>
+          <p:cNvSpPr txBox="1"/>
+          <p:nvPr/>
+        </p:nvSpPr>
+        <p:spPr>
+          <a:xfrm>
+            <a:off x="6136084" y="3377052"/>
+            <a:ext cx="825867" cy="369332"/>
+          </a:xfrm>
+          <a:prstGeom prst="rect">
+            <a:avLst/>
+          </a:prstGeom>
+          <a:noFill/>
+        </p:spPr>
+        <p:txBody>
+          <a:bodyPr wrap="none" rtlCol="0">
+            <a:spAutoFit/>
+          </a:bodyPr>
+          <a:lstStyle/>
+          <a:p>
+            <a:r>
+              <a:rPr lang="en-US" i="1" dirty="0" smtClean="0">
+                <a:latin typeface="Times New Roman" charset="0"/>
+                <a:ea typeface="Times New Roman" charset="0"/>
+                <a:cs typeface="Times New Roman" charset="0"/>
+              </a:rPr>
+              <a:t>Sender</a:t>
+            </a:r>
+            <a:endParaRPr lang="en-US" i="1" dirty="0">
+              <a:latin typeface="Times New Roman" charset="0"/>
+              <a:ea typeface="Times New Roman" charset="0"/>
+              <a:cs typeface="Times New Roman" charset="0"/>
+            </a:endParaRPr>
+          </a:p>
+        </p:txBody>
+      </p:sp>
+    </p:spTree>
+  </p:cSld>
+  <p:clrMapOvr>
+    <a:masterClrMapping/>
+  </p:clrMapOvr>
+</p:sld>
+</file>
+
+<file path=ppt/slides/slide11.xml><?xml version="1.0" encoding="utf-8"?>
+<p:sld xmlns:a="http://schemas.openxmlformats.org/drawingml/2006/main" xmlns:r="http://schemas.openxmlformats.org/officeDocument/2006/relationships" xmlns:p="http://schemas.openxmlformats.org/presentationml/2006/main">
+  <p:cSld>
+    <p:spTree>
+      <p:nvGrpSpPr>
+        <p:cNvPr id="1" name=""/>
+        <p:cNvGrpSpPr/>
+        <p:nvPr/>
+      </p:nvGrpSpPr>
+      <p:grpSpPr>
+        <a:xfrm>
+          <a:off x="0" y="0"/>
+          <a:ext cx="0" cy="0"/>
+          <a:chOff x="0" y="0"/>
+          <a:chExt cx="0" cy="0"/>
+        </a:xfrm>
+      </p:grpSpPr>
+      <p:sp>
+        <p:nvSpPr>
+          <p:cNvPr id="2" name="Titel 1"/>
+          <p:cNvSpPr>
+            <a:spLocks noGrp="1"/>
+          </p:cNvSpPr>
+          <p:nvPr>
+            <p:ph type="title"/>
+          </p:nvPr>
+        </p:nvSpPr>
+        <p:spPr/>
+        <p:txBody>
+          <a:bodyPr>
+            <a:normAutofit fontScale="90000"/>
+          </a:bodyPr>
+          <a:lstStyle/>
+          <a:p>
+            <a:r>
+              <a:rPr lang="en-GB" dirty="0" smtClean="0"/>
+              <a:t>Message Exchange – pull-push</a:t>
+            </a:r>
+            <a:br>
+              <a:rPr lang="en-GB" dirty="0" smtClean="0"/>
+            </a:br>
+            <a:r>
+              <a:rPr lang="en-GB" sz="2700" dirty="0" smtClean="0"/>
               <a:t>without bundling</a:t>
             </a:r>
             <a:endParaRPr lang="en-GB" sz="2700" dirty="0"/>
@@ -3955,14 +4685,14 @@
       </p:grpSpPr>
       <p:sp>
         <p:nvSpPr>
-          <p:cNvPr id="4" name="Rechteck 3"/>
+          <p:cNvPr id="8" name="Rechteck 7"/>
           <p:cNvSpPr/>
           <p:nvPr/>
         </p:nvSpPr>
         <p:spPr>
           <a:xfrm>
-            <a:off x="2627784" y="1700808"/>
-            <a:ext cx="3528392" cy="3384376"/>
+            <a:off x="1835696" y="764704"/>
+            <a:ext cx="4608512" cy="5688632"/>
           </a:xfrm>
           <a:prstGeom prst="rect">
             <a:avLst/>
@@ -3970,13 +4700,13 @@
         </p:spPr>
         <p:style>
           <a:lnRef idx="1">
-            <a:schemeClr val="accent1"/>
+            <a:schemeClr val="accent4"/>
           </a:lnRef>
           <a:fillRef idx="2">
-            <a:schemeClr val="accent1"/>
+            <a:schemeClr val="accent4"/>
           </a:fillRef>
           <a:effectRef idx="1">
-            <a:schemeClr val="accent1"/>
+            <a:schemeClr val="accent4"/>
           </a:effectRef>
           <a:fontRef idx="minor">
             <a:schemeClr val="dk1"/>
@@ -3988,10 +4718,98 @@
           <a:p>
             <a:pPr algn="ctr"/>
             <a:r>
-              <a:rPr lang="en-GB" smtClean="0"/>
-              <a:t>SOAP Document</a:t>
-            </a:r>
-            <a:endParaRPr lang="en-GB"/>
+              <a:rPr lang="de-AT" dirty="0"/>
+              <a:t>AS2 S/MIME Message</a:t>
+            </a:r>
+            <a:endParaRPr lang="de-AT" dirty="0"/>
+          </a:p>
+        </p:txBody>
+      </p:sp>
+      <p:sp>
+        <p:nvSpPr>
+          <p:cNvPr id="10" name="Rechteck 9"/>
+          <p:cNvSpPr/>
+          <p:nvPr/>
+        </p:nvSpPr>
+        <p:spPr>
+          <a:xfrm>
+            <a:off x="2123728" y="1700808"/>
+            <a:ext cx="4032448" cy="4536504"/>
+          </a:xfrm>
+          <a:prstGeom prst="rect">
+            <a:avLst/>
+          </a:prstGeom>
+        </p:spPr>
+        <p:style>
+          <a:lnRef idx="1">
+            <a:schemeClr val="accent5"/>
+          </a:lnRef>
+          <a:fillRef idx="2">
+            <a:schemeClr val="accent5"/>
+          </a:fillRef>
+          <a:effectRef idx="1">
+            <a:schemeClr val="accent5"/>
+          </a:effectRef>
+          <a:fontRef idx="minor">
+            <a:schemeClr val="dk1"/>
+          </a:fontRef>
+        </p:style>
+        <p:txBody>
+          <a:bodyPr rtlCol="0" anchor="t" anchorCtr="0"/>
+          <a:lstStyle/>
+          <a:p>
+            <a:pPr algn="ctr"/>
+            <a:r>
+              <a:rPr lang="en-GB" dirty="0" smtClean="0"/>
+              <a:t>MIME Body</a:t>
+            </a:r>
+            <a:endParaRPr lang="en-GB" dirty="0"/>
+          </a:p>
+        </p:txBody>
+      </p:sp>
+      <p:sp>
+        <p:nvSpPr>
+          <p:cNvPr id="4" name="Rechteck 3"/>
+          <p:cNvSpPr/>
+          <p:nvPr/>
+        </p:nvSpPr>
+        <p:spPr>
+          <a:xfrm>
+            <a:off x="2411760" y="2132856"/>
+            <a:ext cx="3456384" cy="3240360"/>
+          </a:xfrm>
+          <a:prstGeom prst="rect">
+            <a:avLst/>
+          </a:prstGeom>
+        </p:spPr>
+        <p:style>
+          <a:lnRef idx="1">
+            <a:schemeClr val="accent1"/>
+          </a:lnRef>
+          <a:fillRef idx="2">
+            <a:schemeClr val="accent1"/>
+          </a:fillRef>
+          <a:effectRef idx="1">
+            <a:schemeClr val="accent1"/>
+          </a:effectRef>
+          <a:fontRef idx="minor">
+            <a:schemeClr val="dk1"/>
+          </a:fontRef>
+        </p:style>
+        <p:txBody>
+          <a:bodyPr rtlCol="0" anchor="t"/>
+          <a:lstStyle/>
+          <a:p>
+            <a:pPr algn="ctr"/>
+            <a:r>
+              <a:rPr lang="de-AT" dirty="0" smtClean="0"/>
+              <a:t> AS2 </a:t>
+            </a:r>
+            <a:r>
+              <a:rPr lang="de-AT" dirty="0" smtClean="0"/>
+              <a:t>S/MIME Message</a:t>
+            </a:r>
+            <a:endParaRPr lang="de-AT" dirty="0"/>
           </a:p>
         </p:txBody>
       </p:sp>
@@ -4003,8 +4821,8 @@
         </p:nvSpPr>
         <p:spPr>
           <a:xfrm>
-            <a:off x="2915816" y="2204864"/>
-            <a:ext cx="3024336" cy="1224136"/>
+            <a:off x="2699792" y="2564904"/>
+            <a:ext cx="2880320" cy="2537048"/>
           </a:xfrm>
           <a:prstGeom prst="rect">
             <a:avLst/>
@@ -4025,15 +4843,23 @@
           </a:fontRef>
         </p:style>
         <p:txBody>
-          <a:bodyPr rtlCol="0" anchor="t" anchorCtr="0"/>
+          <a:bodyPr rtlCol="0" anchor="t"/>
           <a:lstStyle/>
           <a:p>
             <a:pPr algn="ctr"/>
             <a:r>
-              <a:rPr lang="en-GB" dirty="0" smtClean="0"/>
-              <a:t>SOAP Header</a:t>
-            </a:r>
-            <a:endParaRPr lang="en-GB" dirty="0"/>
+              <a:rPr lang="de-AT" dirty="0" smtClean="0"/>
+              <a:t>Standard Business </a:t>
+            </a:r>
+            <a:r>
+              <a:rPr lang="de-AT" dirty="0" err="1" smtClean="0"/>
+              <a:t>Document</a:t>
+            </a:r>
+            <a:r>
+              <a:rPr lang="de-AT" dirty="0" smtClean="0"/>
+              <a:t> Header</a:t>
+            </a:r>
+            <a:endParaRPr lang="de-AT" dirty="0"/>
           </a:p>
         </p:txBody>
       </p:sp>
@@ -4045,50 +4871,8 @@
         </p:nvSpPr>
         <p:spPr>
           <a:xfrm>
-            <a:off x="2915816" y="3717032"/>
-            <a:ext cx="3024336" cy="1152128"/>
-          </a:xfrm>
-          <a:prstGeom prst="rect">
-            <a:avLst/>
-          </a:prstGeom>
-        </p:spPr>
-        <p:style>
-          <a:lnRef idx="1">
-            <a:schemeClr val="accent2"/>
-          </a:lnRef>
-          <a:fillRef idx="2">
-            <a:schemeClr val="accent2"/>
-          </a:fillRef>
-          <a:effectRef idx="1">
-            <a:schemeClr val="accent2"/>
-          </a:effectRef>
-          <a:fontRef idx="minor">
-            <a:schemeClr val="dk1"/>
-          </a:fontRef>
-        </p:style>
-        <p:txBody>
-          <a:bodyPr rtlCol="0" anchor="t" anchorCtr="0"/>
-          <a:lstStyle/>
-          <a:p>
-            <a:pPr algn="ctr"/>
-            <a:r>
-              <a:rPr lang="en-GB" dirty="0" smtClean="0"/>
-              <a:t>SOAP Body</a:t>
-            </a:r>
-            <a:endParaRPr lang="en-GB" dirty="0"/>
-          </a:p>
-        </p:txBody>
-      </p:sp>
-      <p:sp>
-        <p:nvSpPr>
-          <p:cNvPr id="7" name="Rechteck 6"/>
-          <p:cNvSpPr/>
-          <p:nvPr/>
-        </p:nvSpPr>
-        <p:spPr>
-          <a:xfrm>
-            <a:off x="3203848" y="4149080"/>
-            <a:ext cx="2448272" cy="432048"/>
+            <a:off x="3059832" y="3229744"/>
+            <a:ext cx="2016224" cy="1584176"/>
           </a:xfrm>
           <a:prstGeom prst="rect">
             <a:avLst/>
@@ -4109,28 +4893,74 @@
           </a:fontRef>
         </p:style>
         <p:txBody>
-          <a:bodyPr rtlCol="0" anchor="t" anchorCtr="0"/>
+          <a:bodyPr rtlCol="0" anchor="t"/>
           <a:lstStyle/>
           <a:p>
             <a:pPr algn="ctr"/>
             <a:r>
-              <a:rPr lang="en-GB" dirty="0" smtClean="0"/>
-              <a:t>SBDH/UBL Document</a:t>
-            </a:r>
-            <a:endParaRPr lang="en-GB" dirty="0"/>
-          </a:p>
-        </p:txBody>
-      </p:sp>
-      <p:sp>
-        <p:nvSpPr>
-          <p:cNvPr id="8" name="Rechteck 7"/>
+              <a:rPr lang="de-AT" dirty="0" smtClean="0"/>
+              <a:t>UBL-</a:t>
+            </a:r>
+            <a:r>
+              <a:rPr lang="de-AT" dirty="0" err="1" smtClean="0"/>
+              <a:t>Document</a:t>
+            </a:r>
+            <a:endParaRPr lang="de-AT" dirty="0"/>
+          </a:p>
+        </p:txBody>
+      </p:sp>
+      <p:sp>
+        <p:nvSpPr>
+          <p:cNvPr id="7" name="Textfeld 6"/>
+          <p:cNvSpPr txBox="1"/>
+          <p:nvPr/>
+        </p:nvSpPr>
+        <p:spPr>
+          <a:xfrm>
+            <a:off x="3203848" y="3731803"/>
+            <a:ext cx="1728192" cy="923330"/>
+          </a:xfrm>
+          <a:prstGeom prst="rect">
+            <a:avLst/>
+          </a:prstGeom>
+          <a:noFill/>
+        </p:spPr>
+        <p:txBody>
+          <a:bodyPr wrap="square" rtlCol="0">
+            <a:spAutoFit/>
+          </a:bodyPr>
+          <a:lstStyle/>
+          <a:p>
+            <a:r>
+              <a:rPr lang="de-AT" i="1" dirty="0" err="1" smtClean="0"/>
+              <a:t>Invoice</a:t>
+            </a:r>
+            <a:r>
+              <a:rPr lang="de-AT" i="1" dirty="0" smtClean="0"/>
+              <a:t>, Order, </a:t>
+            </a:r>
+            <a:r>
+              <a:rPr lang="de-AT" i="1" dirty="0" err="1" smtClean="0"/>
+              <a:t>DespatchAdvice</a:t>
+            </a:r>
+            <a:r>
+              <a:rPr lang="de-AT" i="1" dirty="0" smtClean="0"/>
+              <a:t> etc.</a:t>
+            </a:r>
+            <a:endParaRPr lang="de-AT" i="1" dirty="0"/>
+          </a:p>
+        </p:txBody>
+      </p:sp>
+      <p:sp>
+        <p:nvSpPr>
+          <p:cNvPr id="9" name="Rechteck 8"/>
           <p:cNvSpPr/>
           <p:nvPr/>
         </p:nvSpPr>
         <p:spPr>
           <a:xfrm>
-            <a:off x="3203848" y="2636912"/>
-            <a:ext cx="2448272" cy="504056"/>
+            <a:off x="2127380" y="1124744"/>
+            <a:ext cx="4028796" cy="360040"/>
           </a:xfrm>
           <a:prstGeom prst="rect">
             <a:avLst/>
@@ -4138,13 +4968,13 @@
         </p:spPr>
         <p:style>
           <a:lnRef idx="1">
-            <a:schemeClr val="accent3"/>
+            <a:schemeClr val="accent5"/>
           </a:lnRef>
           <a:fillRef idx="2">
-            <a:schemeClr val="accent3"/>
+            <a:schemeClr val="accent5"/>
           </a:fillRef>
           <a:effectRef idx="1">
-            <a:schemeClr val="accent3"/>
+            <a:schemeClr val="accent5"/>
           </a:effectRef>
           <a:fontRef idx="minor">
             <a:schemeClr val="dk1"/>
@@ -4157,13 +4987,170 @@
             <a:pPr algn="ctr"/>
             <a:r>
               <a:rPr lang="en-GB" dirty="0" smtClean="0"/>
-              <a:t>AS4 User Message</a:t>
+              <a:t>MIME Header</a:t>
             </a:r>
             <a:endParaRPr lang="en-GB" dirty="0"/>
           </a:p>
         </p:txBody>
       </p:sp>
+      <p:sp>
+        <p:nvSpPr>
+          <p:cNvPr id="11" name="Rechteck 10"/>
+          <p:cNvSpPr/>
+          <p:nvPr/>
+        </p:nvSpPr>
+        <p:spPr>
+          <a:xfrm>
+            <a:off x="2411760" y="5589240"/>
+            <a:ext cx="3456384" cy="432048"/>
+          </a:xfrm>
+          <a:prstGeom prst="rect">
+            <a:avLst/>
+          </a:prstGeom>
+        </p:spPr>
+        <p:style>
+          <a:lnRef idx="1">
+            <a:schemeClr val="accent1"/>
+          </a:lnRef>
+          <a:fillRef idx="2">
+            <a:schemeClr val="accent1"/>
+          </a:fillRef>
+          <a:effectRef idx="1">
+            <a:schemeClr val="accent1"/>
+          </a:effectRef>
+          <a:fontRef idx="minor">
+            <a:schemeClr val="dk1"/>
+          </a:fontRef>
+        </p:style>
+        <p:txBody>
+          <a:bodyPr rtlCol="0" anchor="t"/>
+          <a:lstStyle/>
+          <a:p>
+            <a:pPr algn="ctr"/>
+            <a:r>
+              <a:rPr lang="de-AT" dirty="0" smtClean="0"/>
+              <a:t>S/MIME </a:t>
+            </a:r>
+            <a:r>
+              <a:rPr lang="de-AT" dirty="0" err="1" smtClean="0"/>
+              <a:t>Signature</a:t>
+            </a:r>
+            <a:endParaRPr lang="de-AT" dirty="0"/>
+          </a:p>
+        </p:txBody>
+      </p:sp>
+      <p:sp>
+        <p:nvSpPr>
+          <p:cNvPr id="12" name="Rechteck 11"/>
+          <p:cNvSpPr/>
+          <p:nvPr/>
+        </p:nvSpPr>
+        <p:spPr>
+          <a:xfrm>
+            <a:off x="2411760" y="2132856"/>
+            <a:ext cx="720080" cy="201419"/>
+          </a:xfrm>
+          <a:prstGeom prst="rect">
+            <a:avLst/>
+          </a:prstGeom>
+        </p:spPr>
+        <p:style>
+          <a:lnRef idx="1">
+            <a:schemeClr val="accent1"/>
+          </a:lnRef>
+          <a:fillRef idx="2">
+            <a:schemeClr val="accent1"/>
+          </a:fillRef>
+          <a:effectRef idx="1">
+            <a:schemeClr val="accent1"/>
+          </a:effectRef>
+          <a:fontRef idx="minor">
+            <a:schemeClr val="dk1"/>
+          </a:fontRef>
+        </p:style>
+        <p:txBody>
+          <a:bodyPr lIns="0" tIns="0" rIns="0" bIns="0" rtlCol="0" anchor="t" anchorCtr="0"/>
+          <a:lstStyle/>
+          <a:p>
+            <a:pPr algn="ctr"/>
+            <a:r>
+              <a:rPr lang="en-GB" sz="1200" dirty="0" smtClean="0">
+                <a:solidFill>
+                  <a:schemeClr val="dk1"/>
+                </a:solidFill>
+              </a:rPr>
+              <a:t>body </a:t>
+            </a:r>
+            <a:r>
+              <a:rPr lang="en-GB" sz="1200" dirty="0">
+                <a:solidFill>
+                  <a:schemeClr val="dk1"/>
+                </a:solidFill>
+              </a:rPr>
+              <a:t>part</a:t>
+            </a:r>
+          </a:p>
+        </p:txBody>
+      </p:sp>
+      <p:sp>
+        <p:nvSpPr>
+          <p:cNvPr id="13" name="Rechteck 12"/>
+          <p:cNvSpPr/>
+          <p:nvPr/>
+        </p:nvSpPr>
+        <p:spPr>
+          <a:xfrm>
+            <a:off x="2401821" y="5584642"/>
+            <a:ext cx="720080" cy="201419"/>
+          </a:xfrm>
+          <a:prstGeom prst="rect">
+            <a:avLst/>
+          </a:prstGeom>
+        </p:spPr>
+        <p:style>
+          <a:lnRef idx="1">
+            <a:schemeClr val="accent1"/>
+          </a:lnRef>
+          <a:fillRef idx="2">
+            <a:schemeClr val="accent1"/>
+          </a:fillRef>
+          <a:effectRef idx="1">
+            <a:schemeClr val="accent1"/>
+          </a:effectRef>
+          <a:fontRef idx="minor">
+            <a:schemeClr val="dk1"/>
+          </a:fontRef>
+        </p:style>
+        <p:txBody>
+          <a:bodyPr lIns="0" tIns="0" rIns="0" bIns="0" rtlCol="0" anchor="t" anchorCtr="0"/>
+          <a:lstStyle/>
+          <a:p>
+            <a:pPr algn="ctr"/>
+            <a:r>
+              <a:rPr lang="en-GB" sz="1200" dirty="0" smtClean="0">
+                <a:solidFill>
+                  <a:schemeClr val="dk1"/>
+                </a:solidFill>
+              </a:rPr>
+              <a:t>body </a:t>
+            </a:r>
+            <a:r>
+              <a:rPr lang="en-GB" sz="1200" dirty="0">
+                <a:solidFill>
+                  <a:schemeClr val="dk1"/>
+                </a:solidFill>
+              </a:rPr>
+              <a:t>part</a:t>
+            </a:r>
+          </a:p>
+        </p:txBody>
+      </p:sp>
     </p:spTree>
+    <p:extLst>
+      <p:ext uri="{BB962C8B-B14F-4D97-AF65-F5344CB8AC3E}">
+        <p14:creationId xmlns:p14="http://schemas.microsoft.com/office/powerpoint/2010/main" val="4229578321"/>
+      </p:ext>
+    </p:extLst>
   </p:cSld>
   <p:clrMapOvr>
     <a:masterClrMapping/>
@@ -4190,14 +5177,14 @@
       </p:grpSpPr>
       <p:sp>
         <p:nvSpPr>
-          <p:cNvPr id="10" name="Rechteck 9"/>
+          <p:cNvPr id="4" name="Rechteck 3"/>
           <p:cNvSpPr/>
           <p:nvPr/>
         </p:nvSpPr>
         <p:spPr>
           <a:xfrm>
-            <a:off x="683568" y="548680"/>
-            <a:ext cx="5040560" cy="5976664"/>
+            <a:off x="2627784" y="1700808"/>
+            <a:ext cx="3528392" cy="3384376"/>
           </a:xfrm>
           <a:prstGeom prst="rect">
             <a:avLst/>
@@ -4205,13 +5192,13 @@
         </p:spPr>
         <p:style>
           <a:lnRef idx="1">
-            <a:schemeClr val="accent4"/>
+            <a:schemeClr val="accent1"/>
           </a:lnRef>
           <a:fillRef idx="2">
-            <a:schemeClr val="accent4"/>
+            <a:schemeClr val="accent1"/>
           </a:fillRef>
           <a:effectRef idx="1">
-            <a:schemeClr val="accent4"/>
+            <a:schemeClr val="accent1"/>
           </a:effectRef>
           <a:fontRef idx="minor">
             <a:schemeClr val="dk1"/>
@@ -4224,135 +5211,13 @@
             <a:pPr algn="ctr"/>
             <a:r>
               <a:rPr lang="en-GB" dirty="0" smtClean="0"/>
-              <a:t>MIME Message</a:t>
+              <a:t>SOAP </a:t>
+            </a:r>
+            <a:r>
+              <a:rPr lang="en-GB" dirty="0" smtClean="0"/>
+              <a:t>Envelope</a:t>
             </a:r>
             <a:endParaRPr lang="en-GB" dirty="0"/>
-          </a:p>
-        </p:txBody>
-      </p:sp>
-      <p:sp>
-        <p:nvSpPr>
-          <p:cNvPr id="11" name="Rechteck 10"/>
-          <p:cNvSpPr/>
-          <p:nvPr/>
-        </p:nvSpPr>
-        <p:spPr>
-          <a:xfrm>
-            <a:off x="1035224" y="1044352"/>
-            <a:ext cx="4328864" cy="440432"/>
-          </a:xfrm>
-          <a:prstGeom prst="rect">
-            <a:avLst/>
-          </a:prstGeom>
-        </p:spPr>
-        <p:style>
-          <a:lnRef idx="1">
-            <a:schemeClr val="accent5"/>
-          </a:lnRef>
-          <a:fillRef idx="2">
-            <a:schemeClr val="accent5"/>
-          </a:fillRef>
-          <a:effectRef idx="1">
-            <a:schemeClr val="accent5"/>
-          </a:effectRef>
-          <a:fontRef idx="minor">
-            <a:schemeClr val="dk1"/>
-          </a:fontRef>
-        </p:style>
-        <p:txBody>
-          <a:bodyPr rtlCol="0" anchor="t" anchorCtr="0"/>
-          <a:lstStyle/>
-          <a:p>
-            <a:pPr algn="ctr"/>
-            <a:r>
-              <a:rPr lang="en-GB" dirty="0" smtClean="0"/>
-              <a:t>MIME Header</a:t>
-            </a:r>
-            <a:endParaRPr lang="en-GB" dirty="0"/>
-          </a:p>
-        </p:txBody>
-      </p:sp>
-      <p:sp>
-        <p:nvSpPr>
-          <p:cNvPr id="12" name="Rechteck 11"/>
-          <p:cNvSpPr/>
-          <p:nvPr/>
-        </p:nvSpPr>
-        <p:spPr>
-          <a:xfrm>
-            <a:off x="1043608" y="1700808"/>
-            <a:ext cx="4328864" cy="4536504"/>
-          </a:xfrm>
-          <a:prstGeom prst="rect">
-            <a:avLst/>
-          </a:prstGeom>
-        </p:spPr>
-        <p:style>
-          <a:lnRef idx="1">
-            <a:schemeClr val="accent5"/>
-          </a:lnRef>
-          <a:fillRef idx="2">
-            <a:schemeClr val="accent5"/>
-          </a:fillRef>
-          <a:effectRef idx="1">
-            <a:schemeClr val="accent5"/>
-          </a:effectRef>
-          <a:fontRef idx="minor">
-            <a:schemeClr val="dk1"/>
-          </a:fontRef>
-        </p:style>
-        <p:txBody>
-          <a:bodyPr rtlCol="0" anchor="t" anchorCtr="0"/>
-          <a:lstStyle/>
-          <a:p>
-            <a:pPr algn="ctr"/>
-            <a:r>
-              <a:rPr lang="en-GB" dirty="0" smtClean="0"/>
-              <a:t>MIME Body</a:t>
-            </a:r>
-            <a:endParaRPr lang="en-GB" dirty="0"/>
-          </a:p>
-        </p:txBody>
-      </p:sp>
-      <p:sp>
-        <p:nvSpPr>
-          <p:cNvPr id="4" name="Rechteck 3"/>
-          <p:cNvSpPr/>
-          <p:nvPr/>
-        </p:nvSpPr>
-        <p:spPr>
-          <a:xfrm>
-            <a:off x="1475656" y="2132856"/>
-            <a:ext cx="3528392" cy="2376264"/>
-          </a:xfrm>
-          <a:prstGeom prst="rect">
-            <a:avLst/>
-          </a:prstGeom>
-        </p:spPr>
-        <p:style>
-          <a:lnRef idx="1">
-            <a:schemeClr val="accent1"/>
-          </a:lnRef>
-          <a:fillRef idx="2">
-            <a:schemeClr val="accent1"/>
-          </a:fillRef>
-          <a:effectRef idx="1">
-            <a:schemeClr val="accent1"/>
-          </a:effectRef>
-          <a:fontRef idx="minor">
-            <a:schemeClr val="dk1"/>
-          </a:fontRef>
-        </p:style>
-        <p:txBody>
-          <a:bodyPr rtlCol="0" anchor="t" anchorCtr="0"/>
-          <a:lstStyle/>
-          <a:p>
-            <a:pPr algn="ctr"/>
-            <a:r>
-              <a:rPr lang="en-GB" smtClean="0"/>
-              <a:t>SOAP Document</a:t>
-            </a:r>
-            <a:endParaRPr lang="en-GB"/>
           </a:p>
         </p:txBody>
       </p:sp>
@@ -4364,8 +5229,8 @@
         </p:nvSpPr>
         <p:spPr>
           <a:xfrm>
-            <a:off x="1763688" y="2636912"/>
-            <a:ext cx="3024336" cy="936104"/>
+            <a:off x="2915816" y="2204864"/>
+            <a:ext cx="3024336" cy="1224136"/>
           </a:xfrm>
           <a:prstGeom prst="rect">
             <a:avLst/>
@@ -4406,8 +5271,8 @@
         </p:nvSpPr>
         <p:spPr>
           <a:xfrm>
-            <a:off x="1763688" y="3717032"/>
-            <a:ext cx="3024336" cy="576064"/>
+            <a:off x="2915816" y="3717032"/>
+            <a:ext cx="3024336" cy="1152128"/>
           </a:xfrm>
           <a:prstGeom prst="rect">
             <a:avLst/>
@@ -4436,31 +5301,20 @@
               <a:rPr lang="en-GB" dirty="0" smtClean="0"/>
               <a:t>SOAP Body</a:t>
             </a:r>
-          </a:p>
-          <a:p>
-            <a:pPr algn="ctr"/>
-            <a:r>
-              <a:rPr lang="en-GB" sz="1400" i="1" dirty="0" smtClean="0"/>
-              <a:t>may be empty </a:t>
-            </a:r>
-            <a:r>
-              <a:rPr lang="en-GB" sz="1400" i="1" smtClean="0"/>
-              <a:t>or contain SBDH/UBL</a:t>
-            </a:r>
-            <a:endParaRPr lang="en-GB" sz="1400" i="1" dirty="0"/>
-          </a:p>
-        </p:txBody>
-      </p:sp>
-      <p:sp>
-        <p:nvSpPr>
-          <p:cNvPr id="8" name="Rechteck 7"/>
+            <a:endParaRPr lang="en-GB" dirty="0"/>
+          </a:p>
+        </p:txBody>
+      </p:sp>
+      <p:sp>
+        <p:nvSpPr>
+          <p:cNvPr id="7" name="Rechteck 6"/>
           <p:cNvSpPr/>
           <p:nvPr/>
         </p:nvSpPr>
         <p:spPr>
           <a:xfrm>
-            <a:off x="2051720" y="3068960"/>
-            <a:ext cx="2448272" cy="360040"/>
+            <a:off x="3203848" y="4149080"/>
+            <a:ext cx="2448272" cy="432048"/>
           </a:xfrm>
           <a:prstGeom prst="rect">
             <a:avLst/>
@@ -4487,7 +5341,7 @@
             <a:pPr algn="ctr"/>
             <a:r>
               <a:rPr lang="en-GB" dirty="0" smtClean="0"/>
-              <a:t>AS4 User Message</a:t>
+              <a:t>SBDH/UBL Document</a:t>
             </a:r>
             <a:endParaRPr lang="en-GB" dirty="0"/>
           </a:p>
@@ -4495,14 +5349,14 @@
       </p:sp>
       <p:sp>
         <p:nvSpPr>
-          <p:cNvPr id="13" name="Rechteck 12"/>
+          <p:cNvPr id="8" name="Rechteck 7"/>
           <p:cNvSpPr/>
           <p:nvPr/>
         </p:nvSpPr>
         <p:spPr>
           <a:xfrm>
-            <a:off x="1475656" y="4725144"/>
-            <a:ext cx="3528392" cy="648072"/>
+            <a:off x="3203848" y="2636912"/>
+            <a:ext cx="2448272" cy="504056"/>
           </a:xfrm>
           <a:prstGeom prst="rect">
             <a:avLst/>
@@ -4510,13 +5364,13 @@
         </p:spPr>
         <p:style>
           <a:lnRef idx="1">
-            <a:schemeClr val="accent1"/>
+            <a:schemeClr val="accent3"/>
           </a:lnRef>
           <a:fillRef idx="2">
-            <a:schemeClr val="accent1"/>
+            <a:schemeClr val="accent3"/>
           </a:fillRef>
           <a:effectRef idx="1">
-            <a:schemeClr val="accent1"/>
+            <a:schemeClr val="accent3"/>
           </a:effectRef>
           <a:fontRef idx="minor">
             <a:schemeClr val="dk1"/>
@@ -4529,62 +5383,9 @@
             <a:pPr algn="ctr"/>
             <a:r>
               <a:rPr lang="en-GB" dirty="0" smtClean="0"/>
-              <a:t>SBDH/UBL document</a:t>
-            </a:r>
-            <a:br>
-              <a:rPr lang="en-GB" dirty="0" smtClean="0"/>
-            </a:br>
-            <a:r>
-              <a:rPr lang="en-GB" sz="1600" i="1" dirty="0" smtClean="0"/>
-              <a:t>(if not in SOAP Body)</a:t>
-            </a:r>
-            <a:endParaRPr lang="en-GB" sz="1600" i="1" dirty="0"/>
-          </a:p>
-        </p:txBody>
-      </p:sp>
-      <p:sp>
-        <p:nvSpPr>
-          <p:cNvPr id="14" name="Rechteck 13"/>
-          <p:cNvSpPr/>
-          <p:nvPr/>
-        </p:nvSpPr>
-        <p:spPr>
-          <a:xfrm>
-            <a:off x="1475656" y="5517232"/>
-            <a:ext cx="3528392" cy="432048"/>
-          </a:xfrm>
-          <a:prstGeom prst="rect">
-            <a:avLst/>
-          </a:prstGeom>
-        </p:spPr>
-        <p:style>
-          <a:lnRef idx="1">
-            <a:schemeClr val="accent1"/>
-          </a:lnRef>
-          <a:fillRef idx="2">
-            <a:schemeClr val="accent1"/>
-          </a:fillRef>
-          <a:effectRef idx="1">
-            <a:schemeClr val="accent1"/>
-          </a:effectRef>
-          <a:fontRef idx="minor">
-            <a:schemeClr val="dk1"/>
-          </a:fontRef>
-        </p:style>
-        <p:txBody>
-          <a:bodyPr rtlCol="0" anchor="t" anchorCtr="0"/>
-          <a:lstStyle/>
-          <a:p>
-            <a:pPr algn="ctr"/>
-            <a:r>
-              <a:rPr lang="en-GB" dirty="0" smtClean="0"/>
-              <a:t>Attachment </a:t>
-            </a:r>
-            <a:r>
-              <a:rPr lang="en-GB" i="1" dirty="0" smtClean="0"/>
-              <a:t>0..n</a:t>
-            </a:r>
-            <a:endParaRPr lang="en-GB" i="1" dirty="0"/>
+              <a:t>AS4 User Message</a:t>
+            </a:r>
+            <a:endParaRPr lang="en-GB" dirty="0"/>
           </a:p>
         </p:txBody>
       </p:sp>
@@ -4615,143 +5416,576 @@
       </p:grpSpPr>
       <p:sp>
         <p:nvSpPr>
-          <p:cNvPr id="2" name="Titel 1"/>
-          <p:cNvSpPr>
-            <a:spLocks noGrp="1"/>
-          </p:cNvSpPr>
-          <p:nvPr>
-            <p:ph type="title"/>
-          </p:nvPr>
-        </p:nvSpPr>
-        <p:spPr/>
-        <p:txBody>
-          <a:bodyPr/>
-          <a:lstStyle/>
-          <a:p>
-            <a:r>
-              <a:rPr lang="en-GB" dirty="0" smtClean="0"/>
-              <a:t>Message Exchange - push</a:t>
-            </a:r>
-            <a:endParaRPr lang="en-GB" dirty="0"/>
-          </a:p>
-        </p:txBody>
-      </p:sp>
-      <p:sp>
-        <p:nvSpPr>
-          <p:cNvPr id="3" name="Rechteck 2"/>
+          <p:cNvPr id="10" name="Rechteck 9"/>
           <p:cNvSpPr/>
           <p:nvPr/>
         </p:nvSpPr>
         <p:spPr>
           <a:xfrm>
-            <a:off x="2051720" y="2492896"/>
-            <a:ext cx="1296144" cy="432048"/>
+            <a:off x="683568" y="548680"/>
+            <a:ext cx="5040560" cy="5976664"/>
           </a:xfrm>
           <a:prstGeom prst="rect">
             <a:avLst/>
           </a:prstGeom>
         </p:spPr>
         <p:style>
-          <a:lnRef idx="2">
-            <a:schemeClr val="accent1">
-              <a:shade val="50000"/>
-            </a:schemeClr>
+          <a:lnRef idx="1">
+            <a:schemeClr val="accent4"/>
           </a:lnRef>
-          <a:fillRef idx="1">
-            <a:schemeClr val="accent1"/>
+          <a:fillRef idx="2">
+            <a:schemeClr val="accent4"/>
           </a:fillRef>
-          <a:effectRef idx="0">
-            <a:schemeClr val="accent1"/>
+          <a:effectRef idx="1">
+            <a:schemeClr val="accent4"/>
           </a:effectRef>
           <a:fontRef idx="minor">
-            <a:schemeClr val="lt1"/>
+            <a:schemeClr val="dk1"/>
           </a:fontRef>
         </p:style>
         <p:txBody>
-          <a:bodyPr rtlCol="0" anchor="ctr"/>
+          <a:bodyPr rtlCol="0" anchor="t" anchorCtr="0"/>
           <a:lstStyle/>
           <a:p>
             <a:pPr algn="ctr"/>
             <a:r>
-              <a:rPr lang="en-GB" dirty="0" smtClean="0">
+              <a:rPr lang="en-GB" dirty="0" smtClean="0"/>
+              <a:t>MIME </a:t>
+            </a:r>
+            <a:r>
+              <a:rPr lang="en-GB" dirty="0" smtClean="0"/>
+              <a:t>Message/SOAP with Attachments</a:t>
+            </a:r>
+            <a:endParaRPr lang="en-GB" dirty="0"/>
+          </a:p>
+        </p:txBody>
+      </p:sp>
+      <p:sp>
+        <p:nvSpPr>
+          <p:cNvPr id="11" name="Rechteck 10"/>
+          <p:cNvSpPr/>
+          <p:nvPr/>
+        </p:nvSpPr>
+        <p:spPr>
+          <a:xfrm>
+            <a:off x="1035224" y="1044352"/>
+            <a:ext cx="4328864" cy="440432"/>
+          </a:xfrm>
+          <a:prstGeom prst="rect">
+            <a:avLst/>
+          </a:prstGeom>
+        </p:spPr>
+        <p:style>
+          <a:lnRef idx="1">
+            <a:schemeClr val="accent5"/>
+          </a:lnRef>
+          <a:fillRef idx="2">
+            <a:schemeClr val="accent5"/>
+          </a:fillRef>
+          <a:effectRef idx="1">
+            <a:schemeClr val="accent5"/>
+          </a:effectRef>
+          <a:fontRef idx="minor">
+            <a:schemeClr val="dk1"/>
+          </a:fontRef>
+        </p:style>
+        <p:txBody>
+          <a:bodyPr rtlCol="0" anchor="t" anchorCtr="0"/>
+          <a:lstStyle/>
+          <a:p>
+            <a:pPr algn="ctr"/>
+            <a:r>
+              <a:rPr lang="en-GB" dirty="0" smtClean="0"/>
+              <a:t>MIME Header</a:t>
+            </a:r>
+            <a:endParaRPr lang="en-GB" dirty="0"/>
+          </a:p>
+        </p:txBody>
+      </p:sp>
+      <p:sp>
+        <p:nvSpPr>
+          <p:cNvPr id="12" name="Rechteck 11"/>
+          <p:cNvSpPr/>
+          <p:nvPr/>
+        </p:nvSpPr>
+        <p:spPr>
+          <a:xfrm>
+            <a:off x="1043608" y="1700808"/>
+            <a:ext cx="4328864" cy="4536504"/>
+          </a:xfrm>
+          <a:prstGeom prst="rect">
+            <a:avLst/>
+          </a:prstGeom>
+        </p:spPr>
+        <p:style>
+          <a:lnRef idx="1">
+            <a:schemeClr val="accent5"/>
+          </a:lnRef>
+          <a:fillRef idx="2">
+            <a:schemeClr val="accent5"/>
+          </a:fillRef>
+          <a:effectRef idx="1">
+            <a:schemeClr val="accent5"/>
+          </a:effectRef>
+          <a:fontRef idx="minor">
+            <a:schemeClr val="dk1"/>
+          </a:fontRef>
+        </p:style>
+        <p:txBody>
+          <a:bodyPr rtlCol="0" anchor="t" anchorCtr="0"/>
+          <a:lstStyle/>
+          <a:p>
+            <a:pPr algn="ctr"/>
+            <a:r>
+              <a:rPr lang="en-GB" dirty="0" smtClean="0"/>
+              <a:t>MIME Body</a:t>
+            </a:r>
+            <a:endParaRPr lang="en-GB" dirty="0"/>
+          </a:p>
+        </p:txBody>
+      </p:sp>
+      <p:sp>
+        <p:nvSpPr>
+          <p:cNvPr id="4" name="Rechteck 3"/>
+          <p:cNvSpPr/>
+          <p:nvPr/>
+        </p:nvSpPr>
+        <p:spPr>
+          <a:xfrm>
+            <a:off x="1475656" y="2060848"/>
+            <a:ext cx="3528392" cy="2520280"/>
+          </a:xfrm>
+          <a:prstGeom prst="rect">
+            <a:avLst/>
+          </a:prstGeom>
+        </p:spPr>
+        <p:style>
+          <a:lnRef idx="1">
+            <a:schemeClr val="accent1"/>
+          </a:lnRef>
+          <a:fillRef idx="2">
+            <a:schemeClr val="accent1"/>
+          </a:fillRef>
+          <a:effectRef idx="1">
+            <a:schemeClr val="accent1"/>
+          </a:effectRef>
+          <a:fontRef idx="minor">
+            <a:schemeClr val="dk1"/>
+          </a:fontRef>
+        </p:style>
+        <p:txBody>
+          <a:bodyPr rtlCol="0" anchor="t" anchorCtr="0"/>
+          <a:lstStyle/>
+          <a:p>
+            <a:pPr algn="ctr"/>
+            <a:r>
+              <a:rPr lang="en-GB" dirty="0" smtClean="0"/>
+              <a:t>SOAP </a:t>
+            </a:r>
+            <a:r>
+              <a:rPr lang="en-GB" dirty="0" smtClean="0"/>
+              <a:t>Envelope</a:t>
+            </a:r>
+            <a:endParaRPr lang="en-GB" dirty="0"/>
+          </a:p>
+        </p:txBody>
+      </p:sp>
+      <p:sp>
+        <p:nvSpPr>
+          <p:cNvPr id="5" name="Rechteck 4"/>
+          <p:cNvSpPr/>
+          <p:nvPr/>
+        </p:nvSpPr>
+        <p:spPr>
+          <a:xfrm>
+            <a:off x="1763688" y="2420888"/>
+            <a:ext cx="3024336" cy="1296144"/>
+          </a:xfrm>
+          <a:prstGeom prst="rect">
+            <a:avLst/>
+          </a:prstGeom>
+        </p:spPr>
+        <p:style>
+          <a:lnRef idx="1">
+            <a:schemeClr val="accent2"/>
+          </a:lnRef>
+          <a:fillRef idx="2">
+            <a:schemeClr val="accent2"/>
+          </a:fillRef>
+          <a:effectRef idx="1">
+            <a:schemeClr val="accent2"/>
+          </a:effectRef>
+          <a:fontRef idx="minor">
+            <a:schemeClr val="dk1"/>
+          </a:fontRef>
+        </p:style>
+        <p:txBody>
+          <a:bodyPr rtlCol="0" anchor="t" anchorCtr="0"/>
+          <a:lstStyle/>
+          <a:p>
+            <a:pPr algn="ctr"/>
+            <a:r>
+              <a:rPr lang="en-GB" dirty="0" smtClean="0"/>
+              <a:t>SOAP Header</a:t>
+            </a:r>
+            <a:endParaRPr lang="en-GB" dirty="0"/>
+          </a:p>
+        </p:txBody>
+      </p:sp>
+      <p:sp>
+        <p:nvSpPr>
+          <p:cNvPr id="6" name="Rechteck 5"/>
+          <p:cNvSpPr/>
+          <p:nvPr/>
+        </p:nvSpPr>
+        <p:spPr>
+          <a:xfrm>
+            <a:off x="1763688" y="3861048"/>
+            <a:ext cx="3024336" cy="576064"/>
+          </a:xfrm>
+          <a:prstGeom prst="rect">
+            <a:avLst/>
+          </a:prstGeom>
+        </p:spPr>
+        <p:style>
+          <a:lnRef idx="1">
+            <a:schemeClr val="accent2"/>
+          </a:lnRef>
+          <a:fillRef idx="2">
+            <a:schemeClr val="accent2"/>
+          </a:fillRef>
+          <a:effectRef idx="1">
+            <a:schemeClr val="accent2"/>
+          </a:effectRef>
+          <a:fontRef idx="minor">
+            <a:schemeClr val="dk1"/>
+          </a:fontRef>
+        </p:style>
+        <p:txBody>
+          <a:bodyPr rtlCol="0" anchor="t" anchorCtr="0"/>
+          <a:lstStyle/>
+          <a:p>
+            <a:pPr algn="ctr"/>
+            <a:r>
+              <a:rPr lang="en-GB" dirty="0" smtClean="0"/>
+              <a:t>SOAP Body</a:t>
+            </a:r>
+          </a:p>
+          <a:p>
+            <a:pPr algn="ctr"/>
+            <a:r>
+              <a:rPr lang="en-GB" sz="1400" i="1" dirty="0" smtClean="0"/>
+              <a:t>may be empty </a:t>
+            </a:r>
+            <a:r>
+              <a:rPr lang="en-GB" sz="1400" i="1" smtClean="0"/>
+              <a:t>or contain SBDH/UBL</a:t>
+            </a:r>
+            <a:endParaRPr lang="en-GB" sz="1400" i="1" dirty="0"/>
+          </a:p>
+        </p:txBody>
+      </p:sp>
+      <p:sp>
+        <p:nvSpPr>
+          <p:cNvPr id="8" name="Rechteck 7"/>
+          <p:cNvSpPr/>
+          <p:nvPr/>
+        </p:nvSpPr>
+        <p:spPr>
+          <a:xfrm>
+            <a:off x="2051720" y="2780928"/>
+            <a:ext cx="2448272" cy="360040"/>
+          </a:xfrm>
+          <a:prstGeom prst="rect">
+            <a:avLst/>
+          </a:prstGeom>
+        </p:spPr>
+        <p:style>
+          <a:lnRef idx="1">
+            <a:schemeClr val="accent3"/>
+          </a:lnRef>
+          <a:fillRef idx="2">
+            <a:schemeClr val="accent3"/>
+          </a:fillRef>
+          <a:effectRef idx="1">
+            <a:schemeClr val="accent3"/>
+          </a:effectRef>
+          <a:fontRef idx="minor">
+            <a:schemeClr val="dk1"/>
+          </a:fontRef>
+        </p:style>
+        <p:txBody>
+          <a:bodyPr rtlCol="0" anchor="t" anchorCtr="0"/>
+          <a:lstStyle/>
+          <a:p>
+            <a:pPr algn="ctr"/>
+            <a:r>
+              <a:rPr lang="en-GB" dirty="0" smtClean="0"/>
+              <a:t>AS4 User Message</a:t>
+            </a:r>
+            <a:endParaRPr lang="en-GB" dirty="0"/>
+          </a:p>
+        </p:txBody>
+      </p:sp>
+      <p:sp>
+        <p:nvSpPr>
+          <p:cNvPr id="13" name="Rechteck 12"/>
+          <p:cNvSpPr/>
+          <p:nvPr/>
+        </p:nvSpPr>
+        <p:spPr>
+          <a:xfrm>
+            <a:off x="1475656" y="4725144"/>
+            <a:ext cx="3528392" cy="648072"/>
+          </a:xfrm>
+          <a:prstGeom prst="rect">
+            <a:avLst/>
+          </a:prstGeom>
+        </p:spPr>
+        <p:style>
+          <a:lnRef idx="1">
+            <a:schemeClr val="accent1"/>
+          </a:lnRef>
+          <a:fillRef idx="2">
+            <a:schemeClr val="accent1"/>
+          </a:fillRef>
+          <a:effectRef idx="1">
+            <a:schemeClr val="accent1"/>
+          </a:effectRef>
+          <a:fontRef idx="minor">
+            <a:schemeClr val="dk1"/>
+          </a:fontRef>
+        </p:style>
+        <p:txBody>
+          <a:bodyPr rtlCol="0" anchor="t" anchorCtr="0"/>
+          <a:lstStyle/>
+          <a:p>
+            <a:pPr algn="ctr"/>
+            <a:r>
+              <a:rPr lang="en-GB" dirty="0" smtClean="0"/>
+              <a:t>SBDH/UBL </a:t>
+            </a:r>
+            <a:r>
+              <a:rPr lang="en-GB" dirty="0" smtClean="0"/>
+              <a:t>document</a:t>
+            </a:r>
+            <a:br>
+              <a:rPr lang="en-GB" dirty="0" smtClean="0"/>
+            </a:br>
+            <a:r>
+              <a:rPr lang="en-GB" sz="1600" i="1" dirty="0" smtClean="0"/>
+              <a:t>(if not in SOAP Body)</a:t>
+            </a:r>
+            <a:endParaRPr lang="en-GB" sz="1600" i="1" dirty="0"/>
+          </a:p>
+        </p:txBody>
+      </p:sp>
+      <p:sp>
+        <p:nvSpPr>
+          <p:cNvPr id="14" name="Rechteck 13"/>
+          <p:cNvSpPr/>
+          <p:nvPr/>
+        </p:nvSpPr>
+        <p:spPr>
+          <a:xfrm>
+            <a:off x="1475656" y="5517232"/>
+            <a:ext cx="3528392" cy="432048"/>
+          </a:xfrm>
+          <a:prstGeom prst="rect">
+            <a:avLst/>
+          </a:prstGeom>
+        </p:spPr>
+        <p:style>
+          <a:lnRef idx="1">
+            <a:schemeClr val="accent1"/>
+          </a:lnRef>
+          <a:fillRef idx="2">
+            <a:schemeClr val="accent1"/>
+          </a:fillRef>
+          <a:effectRef idx="1">
+            <a:schemeClr val="accent1"/>
+          </a:effectRef>
+          <a:fontRef idx="minor">
+            <a:schemeClr val="dk1"/>
+          </a:fontRef>
+        </p:style>
+        <p:txBody>
+          <a:bodyPr rtlCol="0" anchor="t" anchorCtr="0"/>
+          <a:lstStyle/>
+          <a:p>
+            <a:pPr algn="ctr"/>
+            <a:r>
+              <a:rPr lang="en-GB" dirty="0" smtClean="0"/>
+              <a:t>Attachment </a:t>
+            </a:r>
+            <a:r>
+              <a:rPr lang="en-GB" i="1" dirty="0" smtClean="0"/>
+              <a:t>0..n</a:t>
+            </a:r>
+            <a:endParaRPr lang="en-GB" i="1" dirty="0"/>
+          </a:p>
+        </p:txBody>
+      </p:sp>
+      <p:sp>
+        <p:nvSpPr>
+          <p:cNvPr id="15" name="Rechteck 14"/>
+          <p:cNvSpPr/>
+          <p:nvPr/>
+        </p:nvSpPr>
+        <p:spPr>
+          <a:xfrm>
+            <a:off x="2051720" y="3212976"/>
+            <a:ext cx="2448272" cy="360040"/>
+          </a:xfrm>
+          <a:prstGeom prst="rect">
+            <a:avLst/>
+          </a:prstGeom>
+        </p:spPr>
+        <p:style>
+          <a:lnRef idx="1">
+            <a:schemeClr val="accent3"/>
+          </a:lnRef>
+          <a:fillRef idx="2">
+            <a:schemeClr val="accent3"/>
+          </a:fillRef>
+          <a:effectRef idx="1">
+            <a:schemeClr val="accent3"/>
+          </a:effectRef>
+          <a:fontRef idx="minor">
+            <a:schemeClr val="dk1"/>
+          </a:fontRef>
+        </p:style>
+        <p:txBody>
+          <a:bodyPr rtlCol="0" anchor="t" anchorCtr="0"/>
+          <a:lstStyle/>
+          <a:p>
+            <a:pPr algn="ctr"/>
+            <a:r>
+              <a:rPr lang="en-GB" dirty="0" smtClean="0"/>
+              <a:t>WS-Security Header</a:t>
+            </a:r>
+            <a:endParaRPr lang="en-GB" dirty="0"/>
+          </a:p>
+        </p:txBody>
+      </p:sp>
+      <p:sp>
+        <p:nvSpPr>
+          <p:cNvPr id="16" name="Rechteck 15"/>
+          <p:cNvSpPr/>
+          <p:nvPr/>
+        </p:nvSpPr>
+        <p:spPr>
+          <a:xfrm>
+            <a:off x="1475656" y="4725144"/>
+            <a:ext cx="720080" cy="201419"/>
+          </a:xfrm>
+          <a:prstGeom prst="rect">
+            <a:avLst/>
+          </a:prstGeom>
+        </p:spPr>
+        <p:style>
+          <a:lnRef idx="1">
+            <a:schemeClr val="accent1"/>
+          </a:lnRef>
+          <a:fillRef idx="2">
+            <a:schemeClr val="accent1"/>
+          </a:fillRef>
+          <a:effectRef idx="1">
+            <a:schemeClr val="accent1"/>
+          </a:effectRef>
+          <a:fontRef idx="minor">
+            <a:schemeClr val="dk1"/>
+          </a:fontRef>
+        </p:style>
+        <p:txBody>
+          <a:bodyPr lIns="0" tIns="0" rIns="0" bIns="0" rtlCol="0" anchor="t" anchorCtr="0"/>
+          <a:lstStyle/>
+          <a:p>
+            <a:pPr algn="ctr"/>
+            <a:r>
+              <a:rPr lang="en-GB" sz="1200" dirty="0" smtClean="0">
                 <a:solidFill>
-                  <a:prstClr val="white"/>
+                  <a:schemeClr val="dk1"/>
                 </a:solidFill>
               </a:rPr>
-              <a:t>C2</a:t>
-            </a:r>
-            <a:endParaRPr lang="en-GB" dirty="0">
-              <a:solidFill>
-                <a:prstClr val="white"/>
-              </a:solidFill>
-            </a:endParaRPr>
-          </a:p>
-        </p:txBody>
-      </p:sp>
-      <p:sp>
-        <p:nvSpPr>
-          <p:cNvPr id="4" name="Rechteck 3"/>
+              <a:t>body </a:t>
+            </a:r>
+            <a:r>
+              <a:rPr lang="en-GB" sz="1200" dirty="0">
+                <a:solidFill>
+                  <a:schemeClr val="dk1"/>
+                </a:solidFill>
+              </a:rPr>
+              <a:t>part</a:t>
+            </a:r>
+          </a:p>
+        </p:txBody>
+      </p:sp>
+      <p:sp>
+        <p:nvSpPr>
+          <p:cNvPr id="17" name="Rechteck 16"/>
           <p:cNvSpPr/>
           <p:nvPr/>
         </p:nvSpPr>
         <p:spPr>
           <a:xfrm>
-            <a:off x="5364088" y="2492896"/>
-            <a:ext cx="1296144" cy="432048"/>
+            <a:off x="1488029" y="5517232"/>
+            <a:ext cx="720080" cy="201419"/>
           </a:xfrm>
           <a:prstGeom prst="rect">
             <a:avLst/>
           </a:prstGeom>
         </p:spPr>
         <p:style>
-          <a:lnRef idx="2">
-            <a:schemeClr val="accent1">
-              <a:shade val="50000"/>
-            </a:schemeClr>
+          <a:lnRef idx="1">
+            <a:schemeClr val="accent1"/>
           </a:lnRef>
-          <a:fillRef idx="1">
+          <a:fillRef idx="2">
             <a:schemeClr val="accent1"/>
           </a:fillRef>
-          <a:effectRef idx="0">
+          <a:effectRef idx="1">
             <a:schemeClr val="accent1"/>
           </a:effectRef>
           <a:fontRef idx="minor">
-            <a:schemeClr val="lt1"/>
+            <a:schemeClr val="dk1"/>
           </a:fontRef>
         </p:style>
         <p:txBody>
-          <a:bodyPr rtlCol="0" anchor="ctr"/>
+          <a:bodyPr lIns="0" tIns="0" rIns="0" bIns="0" rtlCol="0" anchor="t" anchorCtr="0"/>
           <a:lstStyle/>
           <a:p>
             <a:pPr algn="ctr"/>
             <a:r>
-              <a:rPr lang="en-GB" dirty="0" smtClean="0">
+              <a:rPr lang="en-GB" sz="1200" dirty="0" smtClean="0">
                 <a:solidFill>
-                  <a:prstClr val="white"/>
+                  <a:schemeClr val="dk1"/>
                 </a:solidFill>
               </a:rPr>
-              <a:t>C3</a:t>
-            </a:r>
-            <a:endParaRPr lang="en-GB" dirty="0">
-              <a:solidFill>
-                <a:prstClr val="white"/>
-              </a:solidFill>
-            </a:endParaRPr>
-          </a:p>
-        </p:txBody>
-      </p:sp>
-      <p:cxnSp>
-        <p:nvCxnSpPr>
-          <p:cNvPr id="5" name="Gerade Verbindung 4"/>
-          <p:cNvCxnSpPr/>
-          <p:nvPr/>
-        </p:nvCxnSpPr>
-        <p:spPr>
-          <a:xfrm>
-            <a:off x="6012160" y="2996952"/>
-            <a:ext cx="0" cy="1368152"/>
-          </a:xfrm>
-          <a:prstGeom prst="line">
+              <a:t>body </a:t>
+            </a:r>
+            <a:r>
+              <a:rPr lang="en-GB" sz="1200" dirty="0">
+                <a:solidFill>
+                  <a:schemeClr val="dk1"/>
+                </a:solidFill>
+              </a:rPr>
+              <a:t>part</a:t>
+            </a:r>
+          </a:p>
+        </p:txBody>
+      </p:sp>
+      <p:sp>
+        <p:nvSpPr>
+          <p:cNvPr id="18" name="Rechteck 17"/>
+          <p:cNvSpPr/>
+          <p:nvPr/>
+        </p:nvSpPr>
+        <p:spPr>
+          <a:xfrm>
+            <a:off x="1475656" y="2060848"/>
+            <a:ext cx="720080" cy="201419"/>
+          </a:xfrm>
+          <a:prstGeom prst="rect">
             <a:avLst/>
           </a:prstGeom>
         </p:spPr>
@@ -4759,323 +5993,37 @@
           <a:lnRef idx="1">
             <a:schemeClr val="accent1"/>
           </a:lnRef>
-          <a:fillRef idx="0">
+          <a:fillRef idx="2">
             <a:schemeClr val="accent1"/>
           </a:fillRef>
-          <a:effectRef idx="0">
+          <a:effectRef idx="1">
             <a:schemeClr val="accent1"/>
           </a:effectRef>
           <a:fontRef idx="minor">
-            <a:schemeClr val="tx1"/>
+            <a:schemeClr val="dk1"/>
           </a:fontRef>
         </p:style>
-      </p:cxnSp>
-      <p:cxnSp>
-        <p:nvCxnSpPr>
-          <p:cNvPr id="6" name="Gerade Verbindung mit Pfeil 5"/>
-          <p:cNvCxnSpPr/>
-          <p:nvPr/>
-        </p:nvCxnSpPr>
-        <p:spPr>
-          <a:xfrm>
-            <a:off x="2699792" y="3356992"/>
-            <a:ext cx="3312368" cy="0"/>
-          </a:xfrm>
-          <a:prstGeom prst="straightConnector1">
-            <a:avLst/>
-          </a:prstGeom>
-          <a:ln>
-            <a:tailEnd type="arrow"/>
-          </a:ln>
-        </p:spPr>
-        <p:style>
-          <a:lnRef idx="1">
-            <a:schemeClr val="accent1"/>
-          </a:lnRef>
-          <a:fillRef idx="0">
-            <a:schemeClr val="accent1"/>
-          </a:fillRef>
-          <a:effectRef idx="0">
-            <a:schemeClr val="accent1"/>
-          </a:effectRef>
-          <a:fontRef idx="minor">
-            <a:schemeClr val="tx1"/>
-          </a:fontRef>
-        </p:style>
-      </p:cxnSp>
-      <p:sp>
-        <p:nvSpPr>
-          <p:cNvPr id="7" name="Textfeld 6"/>
-          <p:cNvSpPr txBox="1"/>
-          <p:nvPr/>
-        </p:nvSpPr>
-        <p:spPr>
-          <a:xfrm>
-            <a:off x="3635896" y="3068960"/>
-            <a:ext cx="1495602" cy="369332"/>
-          </a:xfrm>
-          <a:prstGeom prst="rect">
-            <a:avLst/>
-          </a:prstGeom>
-          <a:noFill/>
-        </p:spPr>
-        <p:txBody>
-          <a:bodyPr wrap="none" rtlCol="0">
-            <a:spAutoFit/>
-          </a:bodyPr>
-          <a:lstStyle/>
-          <a:p>
-            <a:r>
-              <a:rPr lang="en-GB" dirty="0" smtClean="0">
+        <p:txBody>
+          <a:bodyPr lIns="0" tIns="0" rIns="0" bIns="0" rtlCol="0" anchor="t" anchorCtr="0"/>
+          <a:lstStyle/>
+          <a:p>
+            <a:pPr algn="ctr"/>
+            <a:r>
+              <a:rPr lang="en-GB" sz="1200" dirty="0" smtClean="0">
                 <a:solidFill>
-                  <a:prstClr val="black"/>
+                  <a:schemeClr val="dk1"/>
                 </a:solidFill>
               </a:rPr>
-              <a:t>User Message</a:t>
-            </a:r>
-            <a:endParaRPr lang="en-GB" dirty="0">
-              <a:solidFill>
-                <a:prstClr val="black"/>
-              </a:solidFill>
-            </a:endParaRPr>
-          </a:p>
-        </p:txBody>
-      </p:sp>
-      <p:cxnSp>
-        <p:nvCxnSpPr>
-          <p:cNvPr id="11" name="Gerade Verbindung mit Pfeil 10"/>
-          <p:cNvCxnSpPr/>
-          <p:nvPr/>
-        </p:nvCxnSpPr>
-        <p:spPr>
-          <a:xfrm flipH="1">
-            <a:off x="2699792" y="3789040"/>
-            <a:ext cx="3312368" cy="0"/>
-          </a:xfrm>
-          <a:prstGeom prst="straightConnector1">
-            <a:avLst/>
-          </a:prstGeom>
-          <a:ln>
-            <a:prstDash val="dash"/>
-            <a:tailEnd type="arrow"/>
-          </a:ln>
-        </p:spPr>
-        <p:style>
-          <a:lnRef idx="1">
-            <a:schemeClr val="accent1"/>
-          </a:lnRef>
-          <a:fillRef idx="0">
-            <a:schemeClr val="accent1"/>
-          </a:fillRef>
-          <a:effectRef idx="0">
-            <a:schemeClr val="accent1"/>
-          </a:effectRef>
-          <a:fontRef idx="minor">
-            <a:schemeClr val="tx1"/>
-          </a:fontRef>
-        </p:style>
-      </p:cxnSp>
-      <p:sp>
-        <p:nvSpPr>
-          <p:cNvPr id="12" name="Textfeld 11"/>
-          <p:cNvSpPr txBox="1"/>
-          <p:nvPr/>
-        </p:nvSpPr>
-        <p:spPr>
-          <a:xfrm>
-            <a:off x="3563888" y="3501008"/>
-            <a:ext cx="1615827" cy="369332"/>
-          </a:xfrm>
-          <a:prstGeom prst="rect">
-            <a:avLst/>
-          </a:prstGeom>
-          <a:noFill/>
-        </p:spPr>
-        <p:txBody>
-          <a:bodyPr wrap="none" rtlCol="0">
-            <a:spAutoFit/>
-          </a:bodyPr>
-          <a:lstStyle/>
-          <a:p>
-            <a:r>
-              <a:rPr lang="en-GB" dirty="0" smtClean="0">
+              <a:t>body </a:t>
+            </a:r>
+            <a:r>
+              <a:rPr lang="en-GB" sz="1200" dirty="0">
                 <a:solidFill>
-                  <a:prstClr val="black"/>
+                  <a:schemeClr val="dk1"/>
                 </a:solidFill>
               </a:rPr>
-              <a:t>Signal Message</a:t>
-            </a:r>
-            <a:endParaRPr lang="en-GB" dirty="0">
-              <a:solidFill>
-                <a:prstClr val="black"/>
-              </a:solidFill>
-            </a:endParaRPr>
-          </a:p>
-        </p:txBody>
-      </p:sp>
-      <p:cxnSp>
-        <p:nvCxnSpPr>
-          <p:cNvPr id="13" name="Gerade Verbindung 12"/>
-          <p:cNvCxnSpPr/>
-          <p:nvPr/>
-        </p:nvCxnSpPr>
-        <p:spPr>
-          <a:xfrm>
-            <a:off x="2699792" y="2996952"/>
-            <a:ext cx="0" cy="1368152"/>
-          </a:xfrm>
-          <a:prstGeom prst="line">
-            <a:avLst/>
-          </a:prstGeom>
-        </p:spPr>
-        <p:style>
-          <a:lnRef idx="1">
-            <a:schemeClr val="accent1"/>
-          </a:lnRef>
-          <a:fillRef idx="0">
-            <a:schemeClr val="accent1"/>
-          </a:fillRef>
-          <a:effectRef idx="0">
-            <a:schemeClr val="accent1"/>
-          </a:effectRef>
-          <a:fontRef idx="minor">
-            <a:schemeClr val="tx1"/>
-          </a:fontRef>
-        </p:style>
-      </p:cxnSp>
-      <p:sp>
-        <p:nvSpPr>
-          <p:cNvPr id="14" name="TextBox 13"/>
-          <p:cNvSpPr txBox="1"/>
-          <p:nvPr/>
-        </p:nvSpPr>
-        <p:spPr>
-          <a:xfrm>
-            <a:off x="2221584" y="2051556"/>
-            <a:ext cx="956416" cy="369332"/>
-          </a:xfrm>
-          <a:prstGeom prst="rect">
-            <a:avLst/>
-          </a:prstGeom>
-          <a:noFill/>
-        </p:spPr>
-        <p:txBody>
-          <a:bodyPr wrap="none" rtlCol="0">
-            <a:spAutoFit/>
-          </a:bodyPr>
-          <a:lstStyle/>
-          <a:p>
-            <a:r>
-              <a:rPr lang="en-US" b="1" dirty="0" smtClean="0"/>
-              <a:t>Initiator</a:t>
-            </a:r>
-            <a:endParaRPr lang="en-US" b="1" dirty="0"/>
-          </a:p>
-        </p:txBody>
-      </p:sp>
-      <p:sp>
-        <p:nvSpPr>
-          <p:cNvPr id="15" name="TextBox 14"/>
-          <p:cNvSpPr txBox="1"/>
-          <p:nvPr/>
-        </p:nvSpPr>
-        <p:spPr>
-          <a:xfrm>
-            <a:off x="5407667" y="2051556"/>
-            <a:ext cx="1208985" cy="369332"/>
-          </a:xfrm>
-          <a:prstGeom prst="rect">
-            <a:avLst/>
-          </a:prstGeom>
-          <a:noFill/>
-        </p:spPr>
-        <p:txBody>
-          <a:bodyPr wrap="none" rtlCol="0">
-            <a:spAutoFit/>
-          </a:bodyPr>
-          <a:lstStyle/>
-          <a:p>
-            <a:r>
-              <a:rPr lang="en-US" b="1" smtClean="0"/>
-              <a:t>Responder</a:t>
-            </a:r>
-            <a:endParaRPr lang="en-US" b="1" dirty="0"/>
-          </a:p>
-        </p:txBody>
-      </p:sp>
-      <p:sp>
-        <p:nvSpPr>
-          <p:cNvPr id="8" name="TextBox 7"/>
-          <p:cNvSpPr txBox="1"/>
-          <p:nvPr/>
-        </p:nvSpPr>
-        <p:spPr>
-          <a:xfrm>
-            <a:off x="1763689" y="3311480"/>
-            <a:ext cx="845103" cy="369332"/>
-          </a:xfrm>
-          <a:prstGeom prst="rect">
-            <a:avLst/>
-          </a:prstGeom>
-          <a:noFill/>
-        </p:spPr>
-        <p:txBody>
-          <a:bodyPr wrap="none" rtlCol="0">
-            <a:spAutoFit/>
-          </a:bodyPr>
-          <a:lstStyle/>
-          <a:p>
-            <a:r>
-              <a:rPr lang="en-US" i="1" dirty="0" smtClean="0">
-                <a:latin typeface="Times New Roman" charset="0"/>
-                <a:ea typeface="Times New Roman" charset="0"/>
-                <a:cs typeface="Times New Roman" charset="0"/>
-              </a:rPr>
-              <a:t>Sender</a:t>
-            </a:r>
-            <a:endParaRPr lang="en-US" i="1" dirty="0">
-              <a:latin typeface="Times New Roman" charset="0"/>
-              <a:ea typeface="Times New Roman" charset="0"/>
-              <a:cs typeface="Times New Roman" charset="0"/>
-            </a:endParaRPr>
-          </a:p>
-        </p:txBody>
-      </p:sp>
-      <p:sp>
-        <p:nvSpPr>
-          <p:cNvPr id="16" name="TextBox 15"/>
-          <p:cNvSpPr txBox="1"/>
-          <p:nvPr/>
-        </p:nvSpPr>
-        <p:spPr>
-          <a:xfrm>
-            <a:off x="6136085" y="3311480"/>
-            <a:ext cx="992579" cy="369332"/>
-          </a:xfrm>
-          <a:prstGeom prst="rect">
-            <a:avLst/>
-          </a:prstGeom>
-          <a:noFill/>
-        </p:spPr>
-        <p:txBody>
-          <a:bodyPr wrap="none" rtlCol="0">
-            <a:spAutoFit/>
-          </a:bodyPr>
-          <a:lstStyle/>
-          <a:p>
-            <a:r>
-              <a:rPr lang="en-US" i="1" dirty="0" smtClean="0">
-                <a:latin typeface="Times New Roman" charset="0"/>
-                <a:ea typeface="Times New Roman" charset="0"/>
-                <a:cs typeface="Times New Roman" charset="0"/>
-              </a:rPr>
-              <a:t>Receiver</a:t>
-            </a:r>
-            <a:endParaRPr lang="en-US" i="1" dirty="0">
-              <a:latin typeface="Times New Roman" charset="0"/>
-              <a:ea typeface="Times New Roman" charset="0"/>
-              <a:cs typeface="Times New Roman" charset="0"/>
-            </a:endParaRPr>
+              <a:t>part</a:t>
+            </a:r>
           </a:p>
         </p:txBody>
       </p:sp>
@@ -5121,7 +6069,7 @@
           <a:p>
             <a:r>
               <a:rPr lang="en-GB" dirty="0" smtClean="0"/>
-              <a:t>Message Exchange - pull</a:t>
+              <a:t>Message Exchange - push</a:t>
             </a:r>
             <a:endParaRPr lang="en-GB" dirty="0"/>
           </a:p>
@@ -5302,8 +6250,8 @@
         </p:nvSpPr>
         <p:spPr>
           <a:xfrm>
-            <a:off x="3639967" y="3068960"/>
-            <a:ext cx="1343445" cy="369332"/>
+            <a:off x="3635896" y="3068960"/>
+            <a:ext cx="1495602" cy="369332"/>
           </a:xfrm>
           <a:prstGeom prst="rect">
             <a:avLst/>
@@ -5322,7 +6270,7 @@
                   <a:prstClr val="black"/>
                 </a:solidFill>
               </a:rPr>
-              <a:t>Pull Request</a:t>
+              <a:t>User Message</a:t>
             </a:r>
             <a:endParaRPr lang="en-GB" dirty="0">
               <a:solidFill>
@@ -5375,7 +6323,7 @@
         <p:spPr>
           <a:xfrm>
             <a:off x="3563888" y="3501008"/>
-            <a:ext cx="1495602" cy="369332"/>
+            <a:ext cx="1615827" cy="369332"/>
           </a:xfrm>
           <a:prstGeom prst="rect">
             <a:avLst/>
@@ -5394,7 +6342,7 @@
                   <a:prstClr val="black"/>
                 </a:solidFill>
               </a:rPr>
-              <a:t>User Message</a:t>
+              <a:t>Signal Message</a:t>
             </a:r>
             <a:endParaRPr lang="en-GB" dirty="0">
               <a:solidFill>
@@ -5434,49 +6382,16 @@
           </a:fontRef>
         </p:style>
       </p:cxnSp>
-      <p:cxnSp>
-        <p:nvCxnSpPr>
-          <p:cNvPr id="14" name="Gerade Verbindung mit Pfeil 5"/>
-          <p:cNvCxnSpPr/>
-          <p:nvPr/>
-        </p:nvCxnSpPr>
-        <p:spPr>
-          <a:xfrm>
-            <a:off x="2699792" y="4302387"/>
-            <a:ext cx="3312368" cy="0"/>
-          </a:xfrm>
-          <a:prstGeom prst="straightConnector1">
-            <a:avLst/>
-          </a:prstGeom>
-          <a:ln>
-            <a:tailEnd type="arrow"/>
-          </a:ln>
-        </p:spPr>
-        <p:style>
-          <a:lnRef idx="1">
-            <a:schemeClr val="accent1"/>
-          </a:lnRef>
-          <a:fillRef idx="0">
-            <a:schemeClr val="accent1"/>
-          </a:fillRef>
-          <a:effectRef idx="0">
-            <a:schemeClr val="accent1"/>
-          </a:effectRef>
-          <a:fontRef idx="minor">
-            <a:schemeClr val="tx1"/>
-          </a:fontRef>
-        </p:style>
-      </p:cxnSp>
-      <p:sp>
-        <p:nvSpPr>
-          <p:cNvPr id="15" name="Textfeld 6"/>
+      <p:sp>
+        <p:nvSpPr>
+          <p:cNvPr id="14" name="TextBox 13"/>
           <p:cNvSpPr txBox="1"/>
           <p:nvPr/>
         </p:nvSpPr>
         <p:spPr>
           <a:xfrm>
-            <a:off x="3563888" y="3976373"/>
-            <a:ext cx="1615892" cy="369332"/>
+            <a:off x="2221584" y="2051556"/>
+            <a:ext cx="956416" cy="369332"/>
           </a:xfrm>
           <a:prstGeom prst="rect">
             <a:avLst/>
@@ -5490,31 +6405,23 @@
           <a:lstStyle/>
           <a:p>
             <a:r>
-              <a:rPr lang="en-GB" smtClean="0">
-                <a:solidFill>
-                  <a:prstClr val="black"/>
-                </a:solidFill>
-              </a:rPr>
-              <a:t>Signal Message</a:t>
-            </a:r>
-            <a:endParaRPr lang="en-GB" dirty="0">
-              <a:solidFill>
-                <a:prstClr val="black"/>
-              </a:solidFill>
-            </a:endParaRPr>
-          </a:p>
-        </p:txBody>
-      </p:sp>
-      <p:sp>
-        <p:nvSpPr>
-          <p:cNvPr id="8" name="TextBox 7"/>
+              <a:rPr lang="en-US" b="1" dirty="0" smtClean="0"/>
+              <a:t>Initiator</a:t>
+            </a:r>
+            <a:endParaRPr lang="en-US" b="1" dirty="0"/>
+          </a:p>
+        </p:txBody>
+      </p:sp>
+      <p:sp>
+        <p:nvSpPr>
+          <p:cNvPr id="15" name="TextBox 14"/>
           <p:cNvSpPr txBox="1"/>
           <p:nvPr/>
         </p:nvSpPr>
         <p:spPr>
           <a:xfrm>
-            <a:off x="2221584" y="2051556"/>
-            <a:ext cx="956416" cy="369332"/>
+            <a:off x="5407667" y="2051556"/>
+            <a:ext cx="1208985" cy="369332"/>
           </a:xfrm>
           <a:prstGeom prst="rect">
             <a:avLst/>
@@ -5528,36 +6435,6 @@
           <a:lstStyle/>
           <a:p>
             <a:r>
-              <a:rPr lang="en-US" b="1" dirty="0" smtClean="0"/>
-              <a:t>Initiator</a:t>
-            </a:r>
-            <a:endParaRPr lang="en-US" b="1" dirty="0"/>
-          </a:p>
-        </p:txBody>
-      </p:sp>
-      <p:sp>
-        <p:nvSpPr>
-          <p:cNvPr id="16" name="TextBox 15"/>
-          <p:cNvSpPr txBox="1"/>
-          <p:nvPr/>
-        </p:nvSpPr>
-        <p:spPr>
-          <a:xfrm>
-            <a:off x="5407667" y="2051556"/>
-            <a:ext cx="1208985" cy="369332"/>
-          </a:xfrm>
-          <a:prstGeom prst="rect">
-            <a:avLst/>
-          </a:prstGeom>
-          <a:noFill/>
-        </p:spPr>
-        <p:txBody>
-          <a:bodyPr wrap="none" rtlCol="0">
-            <a:spAutoFit/>
-          </a:bodyPr>
-          <a:lstStyle/>
-          <a:p>
-            <a:r>
               <a:rPr lang="en-US" b="1" smtClean="0"/>
               <a:t>Responder</a:t>
             </a:r>
@@ -5567,52 +6444,14 @@
       </p:sp>
       <p:sp>
         <p:nvSpPr>
-          <p:cNvPr id="17" name="TextBox 16"/>
+          <p:cNvPr id="8" name="TextBox 7"/>
           <p:cNvSpPr txBox="1"/>
           <p:nvPr/>
         </p:nvSpPr>
         <p:spPr>
           <a:xfrm>
-            <a:off x="1635205" y="3573016"/>
-            <a:ext cx="992579" cy="369332"/>
-          </a:xfrm>
-          <a:prstGeom prst="rect">
-            <a:avLst/>
-          </a:prstGeom>
-          <a:noFill/>
-        </p:spPr>
-        <p:txBody>
-          <a:bodyPr wrap="none" rtlCol="0">
-            <a:spAutoFit/>
-          </a:bodyPr>
-          <a:lstStyle/>
-          <a:p>
-            <a:r>
-              <a:rPr lang="en-US" i="1" smtClean="0">
-                <a:latin typeface="Times New Roman" charset="0"/>
-                <a:ea typeface="Times New Roman" charset="0"/>
-                <a:cs typeface="Times New Roman" charset="0"/>
-              </a:rPr>
-              <a:t>Receiver</a:t>
-            </a:r>
-            <a:endParaRPr lang="en-US" i="1" dirty="0">
-              <a:latin typeface="Times New Roman" charset="0"/>
-              <a:ea typeface="Times New Roman" charset="0"/>
-              <a:cs typeface="Times New Roman" charset="0"/>
-            </a:endParaRPr>
-          </a:p>
-        </p:txBody>
-      </p:sp>
-      <p:sp>
-        <p:nvSpPr>
-          <p:cNvPr id="18" name="TextBox 17"/>
-          <p:cNvSpPr txBox="1"/>
-          <p:nvPr/>
-        </p:nvSpPr>
-        <p:spPr>
-          <a:xfrm>
-            <a:off x="6136085" y="3573016"/>
-            <a:ext cx="825867" cy="369332"/>
+            <a:off x="1763689" y="3311480"/>
+            <a:ext cx="845103" cy="369332"/>
           </a:xfrm>
           <a:prstGeom prst="rect">
             <a:avLst/>
@@ -5632,6 +6471,44 @@
                 <a:cs typeface="Times New Roman" charset="0"/>
               </a:rPr>
               <a:t>Sender</a:t>
+            </a:r>
+            <a:endParaRPr lang="en-US" i="1" dirty="0">
+              <a:latin typeface="Times New Roman" charset="0"/>
+              <a:ea typeface="Times New Roman" charset="0"/>
+              <a:cs typeface="Times New Roman" charset="0"/>
+            </a:endParaRPr>
+          </a:p>
+        </p:txBody>
+      </p:sp>
+      <p:sp>
+        <p:nvSpPr>
+          <p:cNvPr id="16" name="TextBox 15"/>
+          <p:cNvSpPr txBox="1"/>
+          <p:nvPr/>
+        </p:nvSpPr>
+        <p:spPr>
+          <a:xfrm>
+            <a:off x="6136085" y="3311480"/>
+            <a:ext cx="992579" cy="369332"/>
+          </a:xfrm>
+          <a:prstGeom prst="rect">
+            <a:avLst/>
+          </a:prstGeom>
+          <a:noFill/>
+        </p:spPr>
+        <p:txBody>
+          <a:bodyPr wrap="none" rtlCol="0">
+            <a:spAutoFit/>
+          </a:bodyPr>
+          <a:lstStyle/>
+          <a:p>
+            <a:r>
+              <a:rPr lang="en-US" i="1" dirty="0" smtClean="0">
+                <a:latin typeface="Times New Roman" charset="0"/>
+                <a:ea typeface="Times New Roman" charset="0"/>
+                <a:cs typeface="Times New Roman" charset="0"/>
+              </a:rPr>
+              <a:t>Receiver</a:t>
             </a:r>
             <a:endParaRPr lang="en-US" i="1" dirty="0">
               <a:latin typeface="Times New Roman" charset="0"/>
@@ -5683,7 +6560,7 @@
           <a:p>
             <a:r>
               <a:rPr lang="en-GB" dirty="0" smtClean="0"/>
-              <a:t>Message Exchange - sync</a:t>
+              <a:t>Message Exchange - pull</a:t>
             </a:r>
             <a:endParaRPr lang="en-GB" dirty="0"/>
           </a:p>
@@ -5864,7 +6741,79 @@
         </p:nvSpPr>
         <p:spPr>
           <a:xfrm>
-            <a:off x="3608175" y="3068960"/>
+            <a:off x="3639967" y="3068960"/>
+            <a:ext cx="1343445" cy="369332"/>
+          </a:xfrm>
+          <a:prstGeom prst="rect">
+            <a:avLst/>
+          </a:prstGeom>
+          <a:noFill/>
+        </p:spPr>
+        <p:txBody>
+          <a:bodyPr wrap="none" rtlCol="0">
+            <a:spAutoFit/>
+          </a:bodyPr>
+          <a:lstStyle/>
+          <a:p>
+            <a:r>
+              <a:rPr lang="en-GB" dirty="0" smtClean="0">
+                <a:solidFill>
+                  <a:prstClr val="black"/>
+                </a:solidFill>
+              </a:rPr>
+              <a:t>Pull Request</a:t>
+            </a:r>
+            <a:endParaRPr lang="en-GB" dirty="0">
+              <a:solidFill>
+                <a:prstClr val="black"/>
+              </a:solidFill>
+            </a:endParaRPr>
+          </a:p>
+        </p:txBody>
+      </p:sp>
+      <p:cxnSp>
+        <p:nvCxnSpPr>
+          <p:cNvPr id="11" name="Gerade Verbindung mit Pfeil 10"/>
+          <p:cNvCxnSpPr/>
+          <p:nvPr/>
+        </p:nvCxnSpPr>
+        <p:spPr>
+          <a:xfrm flipH="1">
+            <a:off x="2699792" y="3789040"/>
+            <a:ext cx="3312368" cy="0"/>
+          </a:xfrm>
+          <a:prstGeom prst="straightConnector1">
+            <a:avLst/>
+          </a:prstGeom>
+          <a:ln>
+            <a:prstDash val="dash"/>
+            <a:tailEnd type="arrow"/>
+          </a:ln>
+        </p:spPr>
+        <p:style>
+          <a:lnRef idx="1">
+            <a:schemeClr val="accent1"/>
+          </a:lnRef>
+          <a:fillRef idx="0">
+            <a:schemeClr val="accent1"/>
+          </a:fillRef>
+          <a:effectRef idx="0">
+            <a:schemeClr val="accent1"/>
+          </a:effectRef>
+          <a:fontRef idx="minor">
+            <a:schemeClr val="tx1"/>
+          </a:fontRef>
+        </p:style>
+      </p:cxnSp>
+      <p:sp>
+        <p:nvSpPr>
+          <p:cNvPr id="12" name="Textfeld 11"/>
+          <p:cNvSpPr txBox="1"/>
+          <p:nvPr/>
+        </p:nvSpPr>
+        <p:spPr>
+          <a:xfrm>
+            <a:off x="3563888" y="3501008"/>
             <a:ext cx="1495602" cy="369332"/>
           </a:xfrm>
           <a:prstGeom prst="rect">
@@ -5896,22 +6845,18 @@
       </p:sp>
       <p:cxnSp>
         <p:nvCxnSpPr>
-          <p:cNvPr id="11" name="Gerade Verbindung mit Pfeil 10"/>
+          <p:cNvPr id="13" name="Gerade Verbindung 12"/>
           <p:cNvCxnSpPr/>
           <p:nvPr/>
         </p:nvCxnSpPr>
         <p:spPr>
-          <a:xfrm flipH="1">
-            <a:off x="2699792" y="3789040"/>
-            <a:ext cx="3312368" cy="0"/>
-          </a:xfrm>
-          <a:prstGeom prst="straightConnector1">
-            <a:avLst/>
-          </a:prstGeom>
-          <a:ln>
-            <a:prstDash val="dash"/>
-            <a:tailEnd type="arrow"/>
-          </a:ln>
+          <a:xfrm>
+            <a:off x="2699792" y="2996952"/>
+            <a:ext cx="0" cy="1368152"/>
+          </a:xfrm>
+          <a:prstGeom prst="line">
+            <a:avLst/>
+          </a:prstGeom>
         </p:spPr>
         <p:style>
           <a:lnRef idx="1">
@@ -5928,58 +6873,23 @@
           </a:fontRef>
         </p:style>
       </p:cxnSp>
-      <p:sp>
-        <p:nvSpPr>
-          <p:cNvPr id="12" name="Textfeld 11"/>
-          <p:cNvSpPr txBox="1"/>
-          <p:nvPr/>
-        </p:nvSpPr>
-        <p:spPr>
-          <a:xfrm>
-            <a:off x="3147440" y="3501008"/>
-            <a:ext cx="2417072" cy="369332"/>
-          </a:xfrm>
-          <a:prstGeom prst="rect">
-            <a:avLst/>
-          </a:prstGeom>
-          <a:noFill/>
-        </p:spPr>
-        <p:txBody>
-          <a:bodyPr wrap="none" rtlCol="0">
-            <a:spAutoFit/>
-          </a:bodyPr>
-          <a:lstStyle/>
-          <a:p>
-            <a:r>
-              <a:rPr lang="en-GB" dirty="0" smtClean="0">
-                <a:solidFill>
-                  <a:prstClr val="black"/>
-                </a:solidFill>
-              </a:rPr>
-              <a:t>Receipt + User Message</a:t>
-            </a:r>
-            <a:endParaRPr lang="en-GB" dirty="0">
-              <a:solidFill>
-                <a:prstClr val="black"/>
-              </a:solidFill>
-            </a:endParaRPr>
-          </a:p>
-        </p:txBody>
-      </p:sp>
       <p:cxnSp>
         <p:nvCxnSpPr>
-          <p:cNvPr id="13" name="Gerade Verbindung 12"/>
+          <p:cNvPr id="14" name="Gerade Verbindung mit Pfeil 5"/>
           <p:cNvCxnSpPr/>
           <p:nvPr/>
         </p:nvCxnSpPr>
         <p:spPr>
           <a:xfrm>
-            <a:off x="2699792" y="2996952"/>
-            <a:ext cx="0" cy="1368152"/>
-          </a:xfrm>
-          <a:prstGeom prst="line">
-            <a:avLst/>
-          </a:prstGeom>
+            <a:off x="2699792" y="4302387"/>
+            <a:ext cx="3312368" cy="0"/>
+          </a:xfrm>
+          <a:prstGeom prst="straightConnector1">
+            <a:avLst/>
+          </a:prstGeom>
+          <a:ln>
+            <a:tailEnd type="arrow"/>
+          </a:ln>
         </p:spPr>
         <p:style>
           <a:lnRef idx="1">
@@ -5998,14 +6908,14 @@
       </p:cxnSp>
       <p:sp>
         <p:nvSpPr>
-          <p:cNvPr id="14" name="TextBox 13"/>
+          <p:cNvPr id="15" name="Textfeld 6"/>
           <p:cNvSpPr txBox="1"/>
           <p:nvPr/>
         </p:nvSpPr>
         <p:spPr>
           <a:xfrm>
-            <a:off x="2221584" y="2051556"/>
-            <a:ext cx="956416" cy="369332"/>
+            <a:off x="3563888" y="3976373"/>
+            <a:ext cx="1615892" cy="369332"/>
           </a:xfrm>
           <a:prstGeom prst="rect">
             <a:avLst/>
@@ -6019,23 +6929,31 @@
           <a:lstStyle/>
           <a:p>
             <a:r>
-              <a:rPr lang="en-US" b="1" dirty="0" smtClean="0"/>
-              <a:t>Initiator</a:t>
-            </a:r>
-            <a:endParaRPr lang="en-US" b="1" dirty="0"/>
-          </a:p>
-        </p:txBody>
-      </p:sp>
-      <p:sp>
-        <p:nvSpPr>
-          <p:cNvPr id="15" name="TextBox 14"/>
+              <a:rPr lang="en-GB" smtClean="0">
+                <a:solidFill>
+                  <a:prstClr val="black"/>
+                </a:solidFill>
+              </a:rPr>
+              <a:t>Signal Message</a:t>
+            </a:r>
+            <a:endParaRPr lang="en-GB" dirty="0">
+              <a:solidFill>
+                <a:prstClr val="black"/>
+              </a:solidFill>
+            </a:endParaRPr>
+          </a:p>
+        </p:txBody>
+      </p:sp>
+      <p:sp>
+        <p:nvSpPr>
+          <p:cNvPr id="8" name="TextBox 7"/>
           <p:cNvSpPr txBox="1"/>
           <p:nvPr/>
         </p:nvSpPr>
         <p:spPr>
           <a:xfrm>
-            <a:off x="5407667" y="2051556"/>
-            <a:ext cx="1208985" cy="369332"/>
+            <a:off x="2221584" y="2051556"/>
+            <a:ext cx="956416" cy="369332"/>
           </a:xfrm>
           <a:prstGeom prst="rect">
             <a:avLst/>
@@ -6049,8 +6967,8 @@
           <a:lstStyle/>
           <a:p>
             <a:r>
-              <a:rPr lang="en-US" b="1" smtClean="0"/>
-              <a:t>Responder</a:t>
+              <a:rPr lang="en-US" b="1" dirty="0" smtClean="0"/>
+              <a:t>Initiator</a:t>
             </a:r>
             <a:endParaRPr lang="en-US" b="1" dirty="0"/>
           </a:p>
@@ -6064,8 +6982,8 @@
         </p:nvSpPr>
         <p:spPr>
           <a:xfrm>
-            <a:off x="1782681" y="3131676"/>
-            <a:ext cx="845103" cy="369332"/>
+            <a:off x="5407667" y="2051556"/>
+            <a:ext cx="1208985" cy="369332"/>
           </a:xfrm>
           <a:prstGeom prst="rect">
             <a:avLst/>
@@ -6079,12 +6997,42 @@
           <a:lstStyle/>
           <a:p>
             <a:r>
-              <a:rPr lang="en-US" i="1" dirty="0" smtClean="0">
+              <a:rPr lang="en-US" b="1" smtClean="0"/>
+              <a:t>Responder</a:t>
+            </a:r>
+            <a:endParaRPr lang="en-US" b="1" dirty="0"/>
+          </a:p>
+        </p:txBody>
+      </p:sp>
+      <p:sp>
+        <p:nvSpPr>
+          <p:cNvPr id="17" name="TextBox 16"/>
+          <p:cNvSpPr txBox="1"/>
+          <p:nvPr/>
+        </p:nvSpPr>
+        <p:spPr>
+          <a:xfrm>
+            <a:off x="1635205" y="3573016"/>
+            <a:ext cx="992579" cy="369332"/>
+          </a:xfrm>
+          <a:prstGeom prst="rect">
+            <a:avLst/>
+          </a:prstGeom>
+          <a:noFill/>
+        </p:spPr>
+        <p:txBody>
+          <a:bodyPr wrap="none" rtlCol="0">
+            <a:spAutoFit/>
+          </a:bodyPr>
+          <a:lstStyle/>
+          <a:p>
+            <a:r>
+              <a:rPr lang="en-US" i="1" smtClean="0">
                 <a:latin typeface="Times New Roman" charset="0"/>
                 <a:ea typeface="Times New Roman" charset="0"/>
                 <a:cs typeface="Times New Roman" charset="0"/>
               </a:rPr>
-              <a:t>Sender</a:t>
+              <a:t>Receiver</a:t>
             </a:r>
             <a:endParaRPr lang="en-US" i="1" dirty="0">
               <a:latin typeface="Times New Roman" charset="0"/>
@@ -6096,89 +7044,13 @@
       </p:sp>
       <p:sp>
         <p:nvSpPr>
-          <p:cNvPr id="17" name="TextBox 16"/>
-          <p:cNvSpPr txBox="1"/>
-          <p:nvPr/>
-        </p:nvSpPr>
-        <p:spPr>
-          <a:xfrm>
-            <a:off x="6136085" y="3131676"/>
-            <a:ext cx="992579" cy="369332"/>
-          </a:xfrm>
-          <a:prstGeom prst="rect">
-            <a:avLst/>
-          </a:prstGeom>
-          <a:noFill/>
-        </p:spPr>
-        <p:txBody>
-          <a:bodyPr wrap="none" rtlCol="0">
-            <a:spAutoFit/>
-          </a:bodyPr>
-          <a:lstStyle/>
-          <a:p>
-            <a:r>
-              <a:rPr lang="en-US" i="1" dirty="0" smtClean="0">
-                <a:latin typeface="Times New Roman" charset="0"/>
-                <a:ea typeface="Times New Roman" charset="0"/>
-                <a:cs typeface="Times New Roman" charset="0"/>
-              </a:rPr>
-              <a:t>Receiver</a:t>
-            </a:r>
-            <a:endParaRPr lang="en-US" i="1" dirty="0">
-              <a:latin typeface="Times New Roman" charset="0"/>
-              <a:ea typeface="Times New Roman" charset="0"/>
-              <a:cs typeface="Times New Roman" charset="0"/>
-            </a:endParaRPr>
-          </a:p>
-        </p:txBody>
-      </p:sp>
-      <p:sp>
-        <p:nvSpPr>
           <p:cNvPr id="18" name="TextBox 17"/>
           <p:cNvSpPr txBox="1"/>
           <p:nvPr/>
         </p:nvSpPr>
         <p:spPr>
           <a:xfrm>
-            <a:off x="1635205" y="3573016"/>
-            <a:ext cx="992579" cy="369332"/>
-          </a:xfrm>
-          <a:prstGeom prst="rect">
-            <a:avLst/>
-          </a:prstGeom>
-          <a:noFill/>
-        </p:spPr>
-        <p:txBody>
-          <a:bodyPr wrap="none" rtlCol="0">
-            <a:spAutoFit/>
-          </a:bodyPr>
-          <a:lstStyle/>
-          <a:p>
-            <a:r>
-              <a:rPr lang="en-US" i="1" dirty="0" smtClean="0">
-                <a:latin typeface="Times New Roman" charset="0"/>
-                <a:ea typeface="Times New Roman" charset="0"/>
-                <a:cs typeface="Times New Roman" charset="0"/>
-              </a:rPr>
-              <a:t>Receiver</a:t>
-            </a:r>
-            <a:endParaRPr lang="en-US" i="1" dirty="0">
-              <a:latin typeface="Times New Roman" charset="0"/>
-              <a:ea typeface="Times New Roman" charset="0"/>
-              <a:cs typeface="Times New Roman" charset="0"/>
-            </a:endParaRPr>
-          </a:p>
-        </p:txBody>
-      </p:sp>
-      <p:sp>
-        <p:nvSpPr>
-          <p:cNvPr id="19" name="TextBox 18"/>
-          <p:cNvSpPr txBox="1"/>
-          <p:nvPr/>
-        </p:nvSpPr>
-        <p:spPr>
-          <a:xfrm>
-            <a:off x="6136084" y="3573016"/>
+            <a:off x="6136085" y="3573016"/>
             <a:ext cx="825867" cy="369332"/>
           </a:xfrm>
           <a:prstGeom prst="rect">
@@ -6250,7 +7122,7 @@
           <a:p>
             <a:r>
               <a:rPr lang="en-GB" dirty="0" smtClean="0"/>
-              <a:t>Message Exchange – push-push</a:t>
+              <a:t>Message Exchange - sync</a:t>
             </a:r>
             <a:endParaRPr lang="en-GB" dirty="0"/>
           </a:p>
@@ -6369,7 +7241,7 @@
         <p:spPr>
           <a:xfrm>
             <a:off x="6012160" y="2996952"/>
-            <a:ext cx="0" cy="2160240"/>
+            <a:ext cx="0" cy="1368152"/>
           </a:xfrm>
           <a:prstGeom prst="line">
             <a:avLst/>
@@ -6431,7 +7303,7 @@
         </p:nvSpPr>
         <p:spPr>
           <a:xfrm>
-            <a:off x="3624000" y="3068960"/>
+            <a:off x="3608175" y="3068960"/>
             <a:ext cx="1495602" cy="369332"/>
           </a:xfrm>
           <a:prstGeom prst="rect">
@@ -6503,8 +7375,8 @@
         </p:nvSpPr>
         <p:spPr>
           <a:xfrm>
-            <a:off x="3563888" y="3501008"/>
-            <a:ext cx="1615827" cy="369332"/>
+            <a:off x="3147440" y="3501008"/>
+            <a:ext cx="2417072" cy="369332"/>
           </a:xfrm>
           <a:prstGeom prst="rect">
             <a:avLst/>
@@ -6523,7 +7395,7 @@
                   <a:prstClr val="black"/>
                 </a:solidFill>
               </a:rPr>
-              <a:t>Signal Message</a:t>
+              <a:t>Receipt + User Message</a:t>
             </a:r>
             <a:endParaRPr lang="en-GB" dirty="0">
               <a:solidFill>
@@ -6542,7 +7414,7 @@
         <p:spPr>
           <a:xfrm>
             <a:off x="2699792" y="2996952"/>
-            <a:ext cx="0" cy="2160240"/>
+            <a:ext cx="0" cy="1368152"/>
           </a:xfrm>
           <a:prstGeom prst="line">
             <a:avLst/>
@@ -6563,50 +7435,16 @@
           </a:fontRef>
         </p:style>
       </p:cxnSp>
-      <p:cxnSp>
-        <p:nvCxnSpPr>
-          <p:cNvPr id="21" name="Gerade Verbindung mit Pfeil 20"/>
-          <p:cNvCxnSpPr/>
-          <p:nvPr/>
-        </p:nvCxnSpPr>
-        <p:spPr>
-          <a:xfrm>
-            <a:off x="2699792" y="4499828"/>
-            <a:ext cx="3312368" cy="0"/>
-          </a:xfrm>
-          <a:prstGeom prst="straightConnector1">
-            <a:avLst/>
-          </a:prstGeom>
-          <a:ln>
-            <a:headEnd type="arrow"/>
-            <a:tailEnd type="none"/>
-          </a:ln>
-        </p:spPr>
-        <p:style>
-          <a:lnRef idx="1">
-            <a:schemeClr val="accent1"/>
-          </a:lnRef>
-          <a:fillRef idx="0">
-            <a:schemeClr val="accent1"/>
-          </a:fillRef>
-          <a:effectRef idx="0">
-            <a:schemeClr val="accent1"/>
-          </a:effectRef>
-          <a:fontRef idx="minor">
-            <a:schemeClr val="tx1"/>
-          </a:fontRef>
-        </p:style>
-      </p:cxnSp>
-      <p:sp>
-        <p:nvSpPr>
-          <p:cNvPr id="22" name="Textfeld 21"/>
+      <p:sp>
+        <p:nvSpPr>
+          <p:cNvPr id="14" name="TextBox 13"/>
           <p:cNvSpPr txBox="1"/>
           <p:nvPr/>
         </p:nvSpPr>
         <p:spPr>
           <a:xfrm>
-            <a:off x="3624000" y="4211796"/>
-            <a:ext cx="1495602" cy="369332"/>
+            <a:off x="2221584" y="2051556"/>
+            <a:ext cx="956416" cy="369332"/>
           </a:xfrm>
           <a:prstGeom prst="rect">
             <a:avLst/>
@@ -6620,66 +7458,23 @@
           <a:lstStyle/>
           <a:p>
             <a:r>
-              <a:rPr lang="en-GB" dirty="0" smtClean="0">
-                <a:solidFill>
-                  <a:prstClr val="black"/>
-                </a:solidFill>
-              </a:rPr>
-              <a:t>User Message</a:t>
-            </a:r>
-            <a:endParaRPr lang="en-GB" dirty="0">
-              <a:solidFill>
-                <a:prstClr val="black"/>
-              </a:solidFill>
-            </a:endParaRPr>
-          </a:p>
-        </p:txBody>
-      </p:sp>
-      <p:cxnSp>
-        <p:nvCxnSpPr>
-          <p:cNvPr id="23" name="Gerade Verbindung mit Pfeil 22"/>
-          <p:cNvCxnSpPr/>
-          <p:nvPr/>
-        </p:nvCxnSpPr>
-        <p:spPr>
-          <a:xfrm flipH="1">
-            <a:off x="2699792" y="4931876"/>
-            <a:ext cx="3312368" cy="0"/>
-          </a:xfrm>
-          <a:prstGeom prst="straightConnector1">
-            <a:avLst/>
-          </a:prstGeom>
-          <a:ln>
-            <a:prstDash val="dash"/>
-            <a:headEnd type="arrow"/>
-            <a:tailEnd type="none"/>
-          </a:ln>
-        </p:spPr>
-        <p:style>
-          <a:lnRef idx="1">
-            <a:schemeClr val="accent1"/>
-          </a:lnRef>
-          <a:fillRef idx="0">
-            <a:schemeClr val="accent1"/>
-          </a:fillRef>
-          <a:effectRef idx="0">
-            <a:schemeClr val="accent1"/>
-          </a:effectRef>
-          <a:fontRef idx="minor">
-            <a:schemeClr val="tx1"/>
-          </a:fontRef>
-        </p:style>
-      </p:cxnSp>
-      <p:sp>
-        <p:nvSpPr>
-          <p:cNvPr id="24" name="Textfeld 23"/>
+              <a:rPr lang="en-US" b="1" dirty="0" smtClean="0"/>
+              <a:t>Initiator</a:t>
+            </a:r>
+            <a:endParaRPr lang="en-US" b="1" dirty="0"/>
+          </a:p>
+        </p:txBody>
+      </p:sp>
+      <p:sp>
+        <p:nvSpPr>
+          <p:cNvPr id="15" name="TextBox 14"/>
           <p:cNvSpPr txBox="1"/>
           <p:nvPr/>
         </p:nvSpPr>
         <p:spPr>
           <a:xfrm>
-            <a:off x="3563888" y="4643844"/>
-            <a:ext cx="1615827" cy="369332"/>
+            <a:off x="5407667" y="2051556"/>
+            <a:ext cx="1208985" cy="369332"/>
           </a:xfrm>
           <a:prstGeom prst="rect">
             <a:avLst/>
@@ -6693,46 +7488,8 @@
           <a:lstStyle/>
           <a:p>
             <a:r>
-              <a:rPr lang="en-GB" dirty="0" smtClean="0">
-                <a:solidFill>
-                  <a:prstClr val="black"/>
-                </a:solidFill>
-              </a:rPr>
-              <a:t>Signal Message</a:t>
-            </a:r>
-            <a:endParaRPr lang="en-GB" dirty="0">
-              <a:solidFill>
-                <a:prstClr val="black"/>
-              </a:solidFill>
-            </a:endParaRPr>
-          </a:p>
-        </p:txBody>
-      </p:sp>
-      <p:sp>
-        <p:nvSpPr>
-          <p:cNvPr id="15" name="TextBox 14"/>
-          <p:cNvSpPr txBox="1"/>
-          <p:nvPr/>
-        </p:nvSpPr>
-        <p:spPr>
-          <a:xfrm>
-            <a:off x="2221584" y="2051556"/>
-            <a:ext cx="956416" cy="369332"/>
-          </a:xfrm>
-          <a:prstGeom prst="rect">
-            <a:avLst/>
-          </a:prstGeom>
-          <a:noFill/>
-        </p:spPr>
-        <p:txBody>
-          <a:bodyPr wrap="none" rtlCol="0">
-            <a:spAutoFit/>
-          </a:bodyPr>
-          <a:lstStyle/>
-          <a:p>
-            <a:r>
-              <a:rPr lang="en-US" b="1" dirty="0" smtClean="0"/>
-              <a:t>Initiator</a:t>
+              <a:rPr lang="en-US" b="1" smtClean="0"/>
+              <a:t>Responder</a:t>
             </a:r>
             <a:endParaRPr lang="en-US" b="1" dirty="0"/>
           </a:p>
@@ -6746,37 +7503,7 @@
         </p:nvSpPr>
         <p:spPr>
           <a:xfrm>
-            <a:off x="5407667" y="2051556"/>
-            <a:ext cx="1208985" cy="369332"/>
-          </a:xfrm>
-          <a:prstGeom prst="rect">
-            <a:avLst/>
-          </a:prstGeom>
-          <a:noFill/>
-        </p:spPr>
-        <p:txBody>
-          <a:bodyPr wrap="none" rtlCol="0">
-            <a:spAutoFit/>
-          </a:bodyPr>
-          <a:lstStyle/>
-          <a:p>
-            <a:r>
-              <a:rPr lang="en-US" b="1" smtClean="0"/>
-              <a:t>Responder</a:t>
-            </a:r>
-            <a:endParaRPr lang="en-US" b="1" dirty="0"/>
-          </a:p>
-        </p:txBody>
-      </p:sp>
-      <p:sp>
-        <p:nvSpPr>
-          <p:cNvPr id="17" name="TextBox 16"/>
-          <p:cNvSpPr txBox="1"/>
-          <p:nvPr/>
-        </p:nvSpPr>
-        <p:spPr>
-          <a:xfrm>
-            <a:off x="1782681" y="3337549"/>
+            <a:off x="1782681" y="3131676"/>
             <a:ext cx="845103" cy="369332"/>
           </a:xfrm>
           <a:prstGeom prst="rect">
@@ -6808,13 +7535,13 @@
       </p:sp>
       <p:sp>
         <p:nvSpPr>
-          <p:cNvPr id="18" name="TextBox 17"/>
+          <p:cNvPr id="17" name="TextBox 16"/>
           <p:cNvSpPr txBox="1"/>
           <p:nvPr/>
         </p:nvSpPr>
         <p:spPr>
           <a:xfrm>
-            <a:off x="6136085" y="3337549"/>
+            <a:off x="6136085" y="3131676"/>
             <a:ext cx="992579" cy="369332"/>
           </a:xfrm>
           <a:prstGeom prst="rect">
@@ -6846,13 +7573,13 @@
       </p:sp>
       <p:sp>
         <p:nvSpPr>
-          <p:cNvPr id="19" name="TextBox 18"/>
+          <p:cNvPr id="18" name="TextBox 17"/>
           <p:cNvSpPr txBox="1"/>
           <p:nvPr/>
         </p:nvSpPr>
         <p:spPr>
           <a:xfrm>
-            <a:off x="1635206" y="4531186"/>
+            <a:off x="1635205" y="3573016"/>
             <a:ext cx="992579" cy="369332"/>
           </a:xfrm>
           <a:prstGeom prst="rect">
@@ -6884,13 +7611,13 @@
       </p:sp>
       <p:sp>
         <p:nvSpPr>
-          <p:cNvPr id="20" name="TextBox 19"/>
+          <p:cNvPr id="19" name="TextBox 18"/>
           <p:cNvSpPr txBox="1"/>
           <p:nvPr/>
         </p:nvSpPr>
         <p:spPr>
           <a:xfrm>
-            <a:off x="6136085" y="4531186"/>
+            <a:off x="6136084" y="3573016"/>
             <a:ext cx="825867" cy="369332"/>
           </a:xfrm>
           <a:prstGeom prst="rect">
@@ -6962,7 +7689,7 @@
           <a:p>
             <a:r>
               <a:rPr lang="en-GB" dirty="0" smtClean="0"/>
-              <a:t>Message Exchange – push-pull</a:t>
+              <a:t>Message Exchange – push-push</a:t>
             </a:r>
             <a:endParaRPr lang="en-GB" dirty="0"/>
           </a:p>
@@ -7081,7 +7808,7 @@
         <p:spPr>
           <a:xfrm>
             <a:off x="6012160" y="2996952"/>
-            <a:ext cx="0" cy="2880320"/>
+            <a:ext cx="0" cy="2160240"/>
           </a:xfrm>
           <a:prstGeom prst="line">
             <a:avLst/>
@@ -7254,7 +7981,7 @@
         <p:spPr>
           <a:xfrm>
             <a:off x="2699792" y="2996952"/>
-            <a:ext cx="0" cy="2808312"/>
+            <a:ext cx="0" cy="2160240"/>
           </a:xfrm>
           <a:prstGeom prst="line">
             <a:avLst/>
@@ -7282,7 +8009,7 @@
           <p:nvPr/>
         </p:nvCxnSpPr>
         <p:spPr>
-          <a:xfrm flipH="1">
+          <a:xfrm>
             <a:off x="2699792" y="4499828"/>
             <a:ext cx="3312368" cy="0"/>
           </a:xfrm>
@@ -7317,8 +8044,8 @@
         </p:nvSpPr>
         <p:spPr>
           <a:xfrm>
-            <a:off x="3700079" y="4211796"/>
-            <a:ext cx="1343445" cy="369332"/>
+            <a:off x="3624000" y="4211796"/>
+            <a:ext cx="1495602" cy="369332"/>
           </a:xfrm>
           <a:prstGeom prst="rect">
             <a:avLst/>
@@ -7337,7 +8064,7 @@
                   <a:prstClr val="black"/>
                 </a:solidFill>
               </a:rPr>
-              <a:t>Pull Request</a:t>
+              <a:t>User Message</a:t>
             </a:r>
             <a:endParaRPr lang="en-GB" dirty="0">
               <a:solidFill>
@@ -7354,7 +8081,7 @@
           <p:nvPr/>
         </p:nvCxnSpPr>
         <p:spPr>
-          <a:xfrm>
+          <a:xfrm flipH="1">
             <a:off x="2699792" y="4931876"/>
             <a:ext cx="3312368" cy="0"/>
           </a:xfrm>
@@ -7390,79 +8117,8 @@
         </p:nvSpPr>
         <p:spPr>
           <a:xfrm>
-            <a:off x="3624000" y="4643844"/>
-            <a:ext cx="1495602" cy="369332"/>
-          </a:xfrm>
-          <a:prstGeom prst="rect">
-            <a:avLst/>
-          </a:prstGeom>
-          <a:noFill/>
-        </p:spPr>
-        <p:txBody>
-          <a:bodyPr wrap="none" rtlCol="0">
-            <a:spAutoFit/>
-          </a:bodyPr>
-          <a:lstStyle/>
-          <a:p>
-            <a:r>
-              <a:rPr lang="en-GB" dirty="0" smtClean="0">
-                <a:solidFill>
-                  <a:prstClr val="black"/>
-                </a:solidFill>
-              </a:rPr>
-              <a:t>User Message</a:t>
-            </a:r>
-            <a:endParaRPr lang="en-GB" dirty="0">
-              <a:solidFill>
-                <a:prstClr val="black"/>
-              </a:solidFill>
-            </a:endParaRPr>
-          </a:p>
-        </p:txBody>
-      </p:sp>
-      <p:cxnSp>
-        <p:nvCxnSpPr>
-          <p:cNvPr id="19" name="Gerade Verbindung mit Pfeil 5"/>
-          <p:cNvCxnSpPr/>
-          <p:nvPr/>
-        </p:nvCxnSpPr>
-        <p:spPr>
-          <a:xfrm>
-            <a:off x="2699792" y="5338847"/>
-            <a:ext cx="3312368" cy="0"/>
-          </a:xfrm>
-          <a:prstGeom prst="straightConnector1">
-            <a:avLst/>
-          </a:prstGeom>
-          <a:ln>
-            <a:tailEnd type="arrow"/>
-          </a:ln>
-        </p:spPr>
-        <p:style>
-          <a:lnRef idx="1">
-            <a:schemeClr val="accent1"/>
-          </a:lnRef>
-          <a:fillRef idx="0">
-            <a:schemeClr val="accent1"/>
-          </a:fillRef>
-          <a:effectRef idx="0">
-            <a:schemeClr val="accent1"/>
-          </a:effectRef>
-          <a:fontRef idx="minor">
-            <a:schemeClr val="tx1"/>
-          </a:fontRef>
-        </p:style>
-      </p:cxnSp>
-      <p:sp>
-        <p:nvSpPr>
-          <p:cNvPr id="20" name="Textfeld 6"/>
-          <p:cNvSpPr txBox="1"/>
-          <p:nvPr/>
-        </p:nvSpPr>
-        <p:spPr>
-          <a:xfrm>
-            <a:off x="3624000" y="5050815"/>
-            <a:ext cx="1615892" cy="369332"/>
+            <a:off x="3563888" y="4643844"/>
+            <a:ext cx="1615827" cy="369332"/>
           </a:xfrm>
           <a:prstGeom prst="rect">
             <a:avLst/>
@@ -7493,7 +8149,7 @@
       </p:sp>
       <p:sp>
         <p:nvSpPr>
-          <p:cNvPr id="25" name="TextBox 24"/>
+          <p:cNvPr id="15" name="TextBox 14"/>
           <p:cNvSpPr txBox="1"/>
           <p:nvPr/>
         </p:nvSpPr>
@@ -7523,7 +8179,7 @@
       </p:sp>
       <p:sp>
         <p:nvSpPr>
-          <p:cNvPr id="26" name="TextBox 25"/>
+          <p:cNvPr id="16" name="TextBox 15"/>
           <p:cNvSpPr txBox="1"/>
           <p:nvPr/>
         </p:nvSpPr>
@@ -7553,13 +8209,13 @@
       </p:sp>
       <p:sp>
         <p:nvSpPr>
-          <p:cNvPr id="27" name="TextBox 26"/>
+          <p:cNvPr id="17" name="TextBox 16"/>
           <p:cNvSpPr txBox="1"/>
           <p:nvPr/>
         </p:nvSpPr>
         <p:spPr>
           <a:xfrm>
-            <a:off x="1782681" y="3368780"/>
+            <a:off x="1782681" y="3337549"/>
             <a:ext cx="845103" cy="369332"/>
           </a:xfrm>
           <a:prstGeom prst="rect">
@@ -7591,13 +8247,13 @@
       </p:sp>
       <p:sp>
         <p:nvSpPr>
-          <p:cNvPr id="28" name="TextBox 27"/>
+          <p:cNvPr id="18" name="TextBox 17"/>
           <p:cNvSpPr txBox="1"/>
           <p:nvPr/>
         </p:nvSpPr>
         <p:spPr>
           <a:xfrm>
-            <a:off x="6136085" y="3368780"/>
+            <a:off x="6136085" y="3337549"/>
             <a:ext cx="992579" cy="369332"/>
           </a:xfrm>
           <a:prstGeom prst="rect">
@@ -7629,13 +8285,13 @@
       </p:sp>
       <p:sp>
         <p:nvSpPr>
-          <p:cNvPr id="29" name="TextBox 28"/>
+          <p:cNvPr id="19" name="TextBox 18"/>
           <p:cNvSpPr txBox="1"/>
           <p:nvPr/>
         </p:nvSpPr>
         <p:spPr>
           <a:xfrm>
-            <a:off x="1635205" y="4825499"/>
+            <a:off x="1635206" y="4531186"/>
             <a:ext cx="992579" cy="369332"/>
           </a:xfrm>
           <a:prstGeom prst="rect">
@@ -7667,13 +8323,13 @@
       </p:sp>
       <p:sp>
         <p:nvSpPr>
-          <p:cNvPr id="30" name="TextBox 29"/>
+          <p:cNvPr id="20" name="TextBox 19"/>
           <p:cNvSpPr txBox="1"/>
           <p:nvPr/>
         </p:nvSpPr>
         <p:spPr>
           <a:xfrm>
-            <a:off x="6136084" y="4825499"/>
+            <a:off x="6136085" y="4531186"/>
             <a:ext cx="825867" cy="369332"/>
           </a:xfrm>
           <a:prstGeom prst="rect">
@@ -7740,23 +8396,14 @@
         </p:nvSpPr>
         <p:spPr/>
         <p:txBody>
-          <a:bodyPr>
-            <a:normAutofit fontScale="90000"/>
-          </a:bodyPr>
+          <a:bodyPr/>
           <a:lstStyle/>
           <a:p>
             <a:r>
               <a:rPr lang="en-GB" dirty="0" smtClean="0"/>
-              <a:t>Message Exchange – pull-push</a:t>
-            </a:r>
-            <a:br>
-              <a:rPr lang="en-GB" dirty="0" smtClean="0"/>
-            </a:br>
-            <a:r>
-              <a:rPr lang="en-GB" sz="2700" dirty="0" smtClean="0"/>
-              <a:t>with bundling</a:t>
-            </a:r>
-            <a:endParaRPr lang="en-GB" sz="2700" dirty="0"/>
+              <a:t>Message Exchange – push-pull</a:t>
+            </a:r>
+            <a:endParaRPr lang="en-GB" dirty="0"/>
           </a:p>
         </p:txBody>
       </p:sp>
@@ -7873,7 +8520,7 @@
         <p:spPr>
           <a:xfrm>
             <a:off x="6012160" y="2996952"/>
-            <a:ext cx="0" cy="2160240"/>
+            <a:ext cx="0" cy="2880320"/>
           </a:xfrm>
           <a:prstGeom prst="line">
             <a:avLst/>
@@ -7896,6 +8543,149 @@
       </p:cxnSp>
       <p:cxnSp>
         <p:nvCxnSpPr>
+          <p:cNvPr id="6" name="Gerade Verbindung mit Pfeil 5"/>
+          <p:cNvCxnSpPr/>
+          <p:nvPr/>
+        </p:nvCxnSpPr>
+        <p:spPr>
+          <a:xfrm>
+            <a:off x="2699792" y="3356992"/>
+            <a:ext cx="3312368" cy="0"/>
+          </a:xfrm>
+          <a:prstGeom prst="straightConnector1">
+            <a:avLst/>
+          </a:prstGeom>
+          <a:ln>
+            <a:tailEnd type="arrow"/>
+          </a:ln>
+        </p:spPr>
+        <p:style>
+          <a:lnRef idx="1">
+            <a:schemeClr val="accent1"/>
+          </a:lnRef>
+          <a:fillRef idx="0">
+            <a:schemeClr val="accent1"/>
+          </a:fillRef>
+          <a:effectRef idx="0">
+            <a:schemeClr val="accent1"/>
+          </a:effectRef>
+          <a:fontRef idx="minor">
+            <a:schemeClr val="tx1"/>
+          </a:fontRef>
+        </p:style>
+      </p:cxnSp>
+      <p:sp>
+        <p:nvSpPr>
+          <p:cNvPr id="7" name="Textfeld 6"/>
+          <p:cNvSpPr txBox="1"/>
+          <p:nvPr/>
+        </p:nvSpPr>
+        <p:spPr>
+          <a:xfrm>
+            <a:off x="3624000" y="3068960"/>
+            <a:ext cx="1495602" cy="369332"/>
+          </a:xfrm>
+          <a:prstGeom prst="rect">
+            <a:avLst/>
+          </a:prstGeom>
+          <a:noFill/>
+        </p:spPr>
+        <p:txBody>
+          <a:bodyPr wrap="none" rtlCol="0">
+            <a:spAutoFit/>
+          </a:bodyPr>
+          <a:lstStyle/>
+          <a:p>
+            <a:r>
+              <a:rPr lang="en-GB" dirty="0" smtClean="0">
+                <a:solidFill>
+                  <a:prstClr val="black"/>
+                </a:solidFill>
+              </a:rPr>
+              <a:t>User Message</a:t>
+            </a:r>
+            <a:endParaRPr lang="en-GB" dirty="0">
+              <a:solidFill>
+                <a:prstClr val="black"/>
+              </a:solidFill>
+            </a:endParaRPr>
+          </a:p>
+        </p:txBody>
+      </p:sp>
+      <p:cxnSp>
+        <p:nvCxnSpPr>
+          <p:cNvPr id="11" name="Gerade Verbindung mit Pfeil 10"/>
+          <p:cNvCxnSpPr/>
+          <p:nvPr/>
+        </p:nvCxnSpPr>
+        <p:spPr>
+          <a:xfrm flipH="1">
+            <a:off x="2699792" y="3789040"/>
+            <a:ext cx="3312368" cy="0"/>
+          </a:xfrm>
+          <a:prstGeom prst="straightConnector1">
+            <a:avLst/>
+          </a:prstGeom>
+          <a:ln>
+            <a:prstDash val="dash"/>
+            <a:tailEnd type="arrow"/>
+          </a:ln>
+        </p:spPr>
+        <p:style>
+          <a:lnRef idx="1">
+            <a:schemeClr val="accent1"/>
+          </a:lnRef>
+          <a:fillRef idx="0">
+            <a:schemeClr val="accent1"/>
+          </a:fillRef>
+          <a:effectRef idx="0">
+            <a:schemeClr val="accent1"/>
+          </a:effectRef>
+          <a:fontRef idx="minor">
+            <a:schemeClr val="tx1"/>
+          </a:fontRef>
+        </p:style>
+      </p:cxnSp>
+      <p:sp>
+        <p:nvSpPr>
+          <p:cNvPr id="12" name="Textfeld 11"/>
+          <p:cNvSpPr txBox="1"/>
+          <p:nvPr/>
+        </p:nvSpPr>
+        <p:spPr>
+          <a:xfrm>
+            <a:off x="3563888" y="3501008"/>
+            <a:ext cx="1615827" cy="369332"/>
+          </a:xfrm>
+          <a:prstGeom prst="rect">
+            <a:avLst/>
+          </a:prstGeom>
+          <a:noFill/>
+        </p:spPr>
+        <p:txBody>
+          <a:bodyPr wrap="none" rtlCol="0">
+            <a:spAutoFit/>
+          </a:bodyPr>
+          <a:lstStyle/>
+          <a:p>
+            <a:r>
+              <a:rPr lang="en-GB" dirty="0" smtClean="0">
+                <a:solidFill>
+                  <a:prstClr val="black"/>
+                </a:solidFill>
+              </a:rPr>
+              <a:t>Signal Message</a:t>
+            </a:r>
+            <a:endParaRPr lang="en-GB" dirty="0">
+              <a:solidFill>
+                <a:prstClr val="black"/>
+              </a:solidFill>
+            </a:endParaRPr>
+          </a:p>
+        </p:txBody>
+      </p:sp>
+      <p:cxnSp>
+        <p:nvCxnSpPr>
           <p:cNvPr id="13" name="Gerade Verbindung 12"/>
           <p:cNvCxnSpPr/>
           <p:nvPr/>
@@ -7903,7 +8693,7 @@
         <p:spPr>
           <a:xfrm>
             <a:off x="2699792" y="2996952"/>
-            <a:ext cx="0" cy="2160240"/>
+            <a:ext cx="0" cy="2808312"/>
           </a:xfrm>
           <a:prstGeom prst="line">
             <a:avLst/>
@@ -7926,20 +8716,21 @@
       </p:cxnSp>
       <p:cxnSp>
         <p:nvCxnSpPr>
-          <p:cNvPr id="15" name="Gerade Verbindung mit Pfeil 14"/>
+          <p:cNvPr id="21" name="Gerade Verbindung mit Pfeil 20"/>
           <p:cNvCxnSpPr/>
           <p:nvPr/>
         </p:nvCxnSpPr>
         <p:spPr>
-          <a:xfrm>
-            <a:off x="2699792" y="3356992"/>
+          <a:xfrm flipH="1">
+            <a:off x="2699792" y="4499828"/>
             <a:ext cx="3312368" cy="0"/>
           </a:xfrm>
           <a:prstGeom prst="straightConnector1">
             <a:avLst/>
           </a:prstGeom>
           <a:ln>
-            <a:tailEnd type="arrow"/>
+            <a:headEnd type="arrow"/>
+            <a:tailEnd type="none"/>
           </a:ln>
         </p:spPr>
         <p:style>
@@ -7959,13 +8750,13 @@
       </p:cxnSp>
       <p:sp>
         <p:nvSpPr>
-          <p:cNvPr id="16" name="Textfeld 15"/>
+          <p:cNvPr id="22" name="Textfeld 21"/>
           <p:cNvSpPr txBox="1"/>
           <p:nvPr/>
         </p:nvSpPr>
         <p:spPr>
           <a:xfrm>
-            <a:off x="3700079" y="3068960"/>
+            <a:off x="3700079" y="4211796"/>
             <a:ext cx="1343445" cy="369332"/>
           </a:xfrm>
           <a:prstGeom prst="rect">
@@ -7997,13 +8788,13 @@
       </p:sp>
       <p:cxnSp>
         <p:nvCxnSpPr>
-          <p:cNvPr id="17" name="Gerade Verbindung mit Pfeil 16"/>
+          <p:cNvPr id="23" name="Gerade Verbindung mit Pfeil 22"/>
           <p:cNvCxnSpPr/>
           <p:nvPr/>
         </p:nvCxnSpPr>
         <p:spPr>
-          <a:xfrm flipH="1">
-            <a:off x="2699792" y="3789040"/>
+          <a:xfrm>
+            <a:off x="2699792" y="4931876"/>
             <a:ext cx="3312368" cy="0"/>
           </a:xfrm>
           <a:prstGeom prst="straightConnector1">
@@ -8011,7 +8802,8 @@
           </a:prstGeom>
           <a:ln>
             <a:prstDash val="dash"/>
-            <a:tailEnd type="arrow"/>
+            <a:headEnd type="arrow"/>
+            <a:tailEnd type="none"/>
           </a:ln>
         </p:spPr>
         <p:style>
@@ -8031,13 +8823,13 @@
       </p:cxnSp>
       <p:sp>
         <p:nvSpPr>
-          <p:cNvPr id="18" name="Textfeld 17"/>
+          <p:cNvPr id="24" name="Textfeld 23"/>
           <p:cNvSpPr txBox="1"/>
           <p:nvPr/>
         </p:nvSpPr>
         <p:spPr>
           <a:xfrm>
-            <a:off x="3624000" y="3501008"/>
+            <a:off x="3624000" y="4643844"/>
             <a:ext cx="1495602" cy="369332"/>
           </a:xfrm>
           <a:prstGeom prst="rect">
@@ -8069,21 +8861,20 @@
       </p:sp>
       <p:cxnSp>
         <p:nvCxnSpPr>
-          <p:cNvPr id="19" name="Gerade Verbindung mit Pfeil 18"/>
+          <p:cNvPr id="19" name="Gerade Verbindung mit Pfeil 5"/>
           <p:cNvCxnSpPr/>
           <p:nvPr/>
         </p:nvCxnSpPr>
         <p:spPr>
-          <a:xfrm flipH="1">
-            <a:off x="2699792" y="4499828"/>
+          <a:xfrm>
+            <a:off x="2699792" y="5338847"/>
             <a:ext cx="3312368" cy="0"/>
           </a:xfrm>
           <a:prstGeom prst="straightConnector1">
             <a:avLst/>
           </a:prstGeom>
           <a:ln>
-            <a:headEnd type="arrow"/>
-            <a:tailEnd type="none"/>
+            <a:tailEnd type="arrow"/>
           </a:ln>
         </p:spPr>
         <p:style>
@@ -8103,95 +8894,14 @@
       </p:cxnSp>
       <p:sp>
         <p:nvSpPr>
-          <p:cNvPr id="20" name="Textfeld 19"/>
+          <p:cNvPr id="20" name="Textfeld 6"/>
           <p:cNvSpPr txBox="1"/>
           <p:nvPr/>
         </p:nvSpPr>
         <p:spPr>
           <a:xfrm>
-            <a:off x="3236842" y="4186546"/>
-            <a:ext cx="2269917" cy="369332"/>
-          </a:xfrm>
-          <a:prstGeom prst="rect">
-            <a:avLst/>
-          </a:prstGeom>
-          <a:noFill/>
-        </p:spPr>
-        <p:txBody>
-          <a:bodyPr wrap="none" rtlCol="0">
-            <a:spAutoFit/>
-          </a:bodyPr>
-          <a:lstStyle/>
-          <a:p>
-            <a:r>
-              <a:rPr lang="en-GB" dirty="0" smtClean="0">
-                <a:solidFill>
-                  <a:prstClr val="black"/>
-                </a:solidFill>
-              </a:rPr>
-              <a:t>User Message </a:t>
-            </a:r>
-            <a:r>
-              <a:rPr lang="en-GB" smtClean="0">
-                <a:solidFill>
-                  <a:prstClr val="black"/>
-                </a:solidFill>
-              </a:rPr>
-              <a:t>+ Signal</a:t>
-            </a:r>
-            <a:endParaRPr lang="en-GB" dirty="0">
-              <a:solidFill>
-                <a:prstClr val="black"/>
-              </a:solidFill>
-            </a:endParaRPr>
-          </a:p>
-        </p:txBody>
-      </p:sp>
-      <p:cxnSp>
-        <p:nvCxnSpPr>
-          <p:cNvPr id="25" name="Gerade Verbindung mit Pfeil 24"/>
-          <p:cNvCxnSpPr/>
-          <p:nvPr/>
-        </p:nvCxnSpPr>
-        <p:spPr>
-          <a:xfrm>
-            <a:off x="2699792" y="4931876"/>
-            <a:ext cx="3312368" cy="0"/>
-          </a:xfrm>
-          <a:prstGeom prst="straightConnector1">
-            <a:avLst/>
-          </a:prstGeom>
-          <a:ln>
-            <a:prstDash val="dash"/>
-            <a:headEnd type="arrow"/>
-            <a:tailEnd type="none"/>
-          </a:ln>
-        </p:spPr>
-        <p:style>
-          <a:lnRef idx="1">
-            <a:schemeClr val="accent1"/>
-          </a:lnRef>
-          <a:fillRef idx="0">
-            <a:schemeClr val="accent1"/>
-          </a:fillRef>
-          <a:effectRef idx="0">
-            <a:schemeClr val="accent1"/>
-          </a:effectRef>
-          <a:fontRef idx="minor">
-            <a:schemeClr val="tx1"/>
-          </a:fontRef>
-        </p:style>
-      </p:cxnSp>
-      <p:sp>
-        <p:nvSpPr>
-          <p:cNvPr id="26" name="Textfeld 25"/>
-          <p:cNvSpPr txBox="1"/>
-          <p:nvPr/>
-        </p:nvSpPr>
-        <p:spPr>
-          <a:xfrm>
-            <a:off x="3563888" y="4643844"/>
-            <a:ext cx="1615827" cy="369332"/>
+            <a:off x="3624000" y="5050815"/>
+            <a:ext cx="1615892" cy="369332"/>
           </a:xfrm>
           <a:prstGeom prst="rect">
             <a:avLst/>
@@ -8222,7 +8932,7 @@
       </p:sp>
       <p:sp>
         <p:nvSpPr>
-          <p:cNvPr id="21" name="TextBox 20"/>
+          <p:cNvPr id="25" name="TextBox 24"/>
           <p:cNvSpPr txBox="1"/>
           <p:nvPr/>
         </p:nvSpPr>
@@ -8252,7 +8962,7 @@
       </p:sp>
       <p:sp>
         <p:nvSpPr>
-          <p:cNvPr id="22" name="TextBox 21"/>
+          <p:cNvPr id="26" name="TextBox 25"/>
           <p:cNvSpPr txBox="1"/>
           <p:nvPr/>
         </p:nvSpPr>
@@ -8282,13 +8992,13 @@
       </p:sp>
       <p:sp>
         <p:nvSpPr>
-          <p:cNvPr id="23" name="TextBox 22"/>
+          <p:cNvPr id="27" name="TextBox 26"/>
           <p:cNvSpPr txBox="1"/>
           <p:nvPr/>
         </p:nvSpPr>
         <p:spPr>
           <a:xfrm>
-            <a:off x="1782681" y="4499828"/>
+            <a:off x="1782681" y="3368780"/>
             <a:ext cx="845103" cy="369332"/>
           </a:xfrm>
           <a:prstGeom prst="rect">
@@ -8320,13 +9030,13 @@
       </p:sp>
       <p:sp>
         <p:nvSpPr>
-          <p:cNvPr id="24" name="TextBox 23"/>
+          <p:cNvPr id="28" name="TextBox 27"/>
           <p:cNvSpPr txBox="1"/>
           <p:nvPr/>
         </p:nvSpPr>
         <p:spPr>
           <a:xfrm>
-            <a:off x="6136085" y="4499828"/>
+            <a:off x="6136085" y="3368780"/>
             <a:ext cx="992579" cy="369332"/>
           </a:xfrm>
           <a:prstGeom prst="rect">
@@ -8358,13 +9068,13 @@
       </p:sp>
       <p:sp>
         <p:nvSpPr>
-          <p:cNvPr id="27" name="TextBox 26"/>
+          <p:cNvPr id="29" name="TextBox 28"/>
           <p:cNvSpPr txBox="1"/>
           <p:nvPr/>
         </p:nvSpPr>
         <p:spPr>
           <a:xfrm>
-            <a:off x="1635205" y="3377052"/>
+            <a:off x="1635205" y="4825499"/>
             <a:ext cx="992579" cy="369332"/>
           </a:xfrm>
           <a:prstGeom prst="rect">
@@ -8396,13 +9106,13 @@
       </p:sp>
       <p:sp>
         <p:nvSpPr>
-          <p:cNvPr id="28" name="TextBox 27"/>
+          <p:cNvPr id="30" name="TextBox 29"/>
           <p:cNvSpPr txBox="1"/>
           <p:nvPr/>
         </p:nvSpPr>
         <p:spPr>
           <a:xfrm>
-            <a:off x="6136084" y="3377052"/>
+            <a:off x="6136084" y="4825499"/>
             <a:ext cx="825867" cy="369332"/>
           </a:xfrm>
           <a:prstGeom prst="rect">
